--- a/Annexes/P4.pptx
+++ b/Annexes/P4.pptx
@@ -18,12 +18,14 @@
     <p:sldId id="264" r:id="rId15"/>
     <p:sldId id="265" r:id="rId16"/>
     <p:sldId id="266" r:id="rId17"/>
-    <p:sldId id="267" r:id="rId18"/>
-    <p:sldId id="268" r:id="rId19"/>
-    <p:sldId id="271" r:id="rId20"/>
-    <p:sldId id="272" r:id="rId21"/>
-    <p:sldId id="273" r:id="rId22"/>
-    <p:sldId id="274" r:id="rId23"/>
+    <p:sldId id="275" r:id="rId18"/>
+    <p:sldId id="276" r:id="rId19"/>
+    <p:sldId id="267" r:id="rId20"/>
+    <p:sldId id="268" r:id="rId21"/>
+    <p:sldId id="271" r:id="rId22"/>
+    <p:sldId id="272" r:id="rId23"/>
+    <p:sldId id="273" r:id="rId24"/>
+    <p:sldId id="274" r:id="rId25"/>
   </p:sldIdLst>
   <p:sldSz cx="9144000" cy="6858000" type="screen4x3"/>
   <p:notesSz cx="6858000" cy="9144000"/>
@@ -321,7 +323,7 @@
             <a:fld id="{73302334-7E8B-4320-A1E2-4B05AC15A670}" type="datetimeFigureOut">
               <a:rPr lang="fr-FR" smtClean="0"/>
               <a:pPr/>
-              <a:t>27/12/2022</a:t>
+              <a:t>30/12/2022</a:t>
             </a:fld>
             <a:endParaRPr lang="fr-FR"/>
           </a:p>
@@ -486,7 +488,7 @@
             <a:fld id="{73302334-7E8B-4320-A1E2-4B05AC15A670}" type="datetimeFigureOut">
               <a:rPr lang="fr-FR" smtClean="0"/>
               <a:pPr/>
-              <a:t>27/12/2022</a:t>
+              <a:t>30/12/2022</a:t>
             </a:fld>
             <a:endParaRPr lang="fr-FR"/>
           </a:p>
@@ -661,7 +663,7 @@
             <a:fld id="{73302334-7E8B-4320-A1E2-4B05AC15A670}" type="datetimeFigureOut">
               <a:rPr lang="fr-FR" smtClean="0"/>
               <a:pPr/>
-              <a:t>27/12/2022</a:t>
+              <a:t>30/12/2022</a:t>
             </a:fld>
             <a:endParaRPr lang="fr-FR"/>
           </a:p>
@@ -826,7 +828,7 @@
             <a:fld id="{73302334-7E8B-4320-A1E2-4B05AC15A670}" type="datetimeFigureOut">
               <a:rPr lang="fr-FR" smtClean="0"/>
               <a:pPr/>
-              <a:t>27/12/2022</a:t>
+              <a:t>30/12/2022</a:t>
             </a:fld>
             <a:endParaRPr lang="fr-FR"/>
           </a:p>
@@ -1068,7 +1070,7 @@
             <a:fld id="{73302334-7E8B-4320-A1E2-4B05AC15A670}" type="datetimeFigureOut">
               <a:rPr lang="fr-FR" smtClean="0"/>
               <a:pPr/>
-              <a:t>27/12/2022</a:t>
+              <a:t>30/12/2022</a:t>
             </a:fld>
             <a:endParaRPr lang="fr-FR"/>
           </a:p>
@@ -1350,7 +1352,7 @@
             <a:fld id="{73302334-7E8B-4320-A1E2-4B05AC15A670}" type="datetimeFigureOut">
               <a:rPr lang="fr-FR" smtClean="0"/>
               <a:pPr/>
-              <a:t>27/12/2022</a:t>
+              <a:t>30/12/2022</a:t>
             </a:fld>
             <a:endParaRPr lang="fr-FR"/>
           </a:p>
@@ -1766,7 +1768,7 @@
             <a:fld id="{73302334-7E8B-4320-A1E2-4B05AC15A670}" type="datetimeFigureOut">
               <a:rPr lang="fr-FR" smtClean="0"/>
               <a:pPr/>
-              <a:t>27/12/2022</a:t>
+              <a:t>30/12/2022</a:t>
             </a:fld>
             <a:endParaRPr lang="fr-FR"/>
           </a:p>
@@ -1880,7 +1882,7 @@
             <a:fld id="{73302334-7E8B-4320-A1E2-4B05AC15A670}" type="datetimeFigureOut">
               <a:rPr lang="fr-FR" smtClean="0"/>
               <a:pPr/>
-              <a:t>27/12/2022</a:t>
+              <a:t>30/12/2022</a:t>
             </a:fld>
             <a:endParaRPr lang="fr-FR"/>
           </a:p>
@@ -1972,7 +1974,7 @@
             <a:fld id="{73302334-7E8B-4320-A1E2-4B05AC15A670}" type="datetimeFigureOut">
               <a:rPr lang="fr-FR" smtClean="0"/>
               <a:pPr/>
-              <a:t>27/12/2022</a:t>
+              <a:t>30/12/2022</a:t>
             </a:fld>
             <a:endParaRPr lang="fr-FR"/>
           </a:p>
@@ -2244,7 +2246,7 @@
             <a:fld id="{73302334-7E8B-4320-A1E2-4B05AC15A670}" type="datetimeFigureOut">
               <a:rPr lang="fr-FR" smtClean="0"/>
               <a:pPr/>
-              <a:t>27/12/2022</a:t>
+              <a:t>30/12/2022</a:t>
             </a:fld>
             <a:endParaRPr lang="fr-FR"/>
           </a:p>
@@ -2496,7 +2498,7 @@
             <a:fld id="{73302334-7E8B-4320-A1E2-4B05AC15A670}" type="datetimeFigureOut">
               <a:rPr lang="fr-FR" smtClean="0"/>
               <a:pPr/>
-              <a:t>27/12/2022</a:t>
+              <a:t>30/12/2022</a:t>
             </a:fld>
             <a:endParaRPr lang="fr-FR"/>
           </a:p>
@@ -2704,7 +2706,7 @@
             <a:fld id="{73302334-7E8B-4320-A1E2-4B05AC15A670}" type="datetimeFigureOut">
               <a:rPr lang="fr-FR" smtClean="0"/>
               <a:pPr/>
-              <a:t>27/12/2022</a:t>
+              <a:t>30/12/2022</a:t>
             </a:fld>
             <a:endParaRPr lang="fr-FR"/>
           </a:p>
@@ -4332,6 +4334,296 @@
     <p:bg>
       <p:bgPr>
         <a:solidFill>
+          <a:schemeClr val="bg1"/>
+        </a:solidFill>
+        <a:effectLst/>
+      </p:bgPr>
+    </p:bg>
+    <p:spTree>
+      <p:nvGrpSpPr>
+        <p:cNvPr id="1" name=""/>
+        <p:cNvGrpSpPr/>
+        <p:nvPr/>
+      </p:nvGrpSpPr>
+      <p:grpSpPr>
+        <a:xfrm>
+          <a:off x="0" y="0"/>
+          <a:ext cx="0" cy="0"/>
+          <a:chOff x="0" y="0"/>
+          <a:chExt cx="0" cy="0"/>
+        </a:xfrm>
+      </p:grpSpPr>
+      <p:pic>
+        <p:nvPicPr>
+          <p:cNvPr id="3" name="Image 2">
+            <a:extLst>
+              <a:ext uri="{FF2B5EF4-FFF2-40B4-BE49-F238E27FC236}">
+                <a16:creationId xmlns:a16="http://schemas.microsoft.com/office/drawing/2014/main" id="{1EEEC91E-106C-4E5B-9F68-EFF942A47240}"/>
+              </a:ext>
+            </a:extLst>
+          </p:cNvPr>
+          <p:cNvPicPr>
+            <a:picLocks noChangeAspect="1"/>
+          </p:cNvPicPr>
+          <p:nvPr/>
+        </p:nvPicPr>
+        <p:blipFill>
+          <a:blip r:embed="rId2"/>
+          <a:stretch>
+            <a:fillRect/>
+          </a:stretch>
+        </p:blipFill>
+        <p:spPr>
+          <a:xfrm>
+            <a:off x="756200" y="643466"/>
+            <a:ext cx="7631599" cy="5571067"/>
+          </a:xfrm>
+          <a:prstGeom prst="rect">
+            <a:avLst/>
+          </a:prstGeom>
+        </p:spPr>
+      </p:pic>
+    </p:spTree>
+    <p:extLst>
+      <p:ext uri="{BB962C8B-B14F-4D97-AF65-F5344CB8AC3E}">
+        <p14:creationId xmlns:p14="http://schemas.microsoft.com/office/powerpoint/2010/main" val="2749483524"/>
+      </p:ext>
+    </p:extLst>
+  </p:cSld>
+  <p:clrMapOvr>
+    <a:masterClrMapping/>
+  </p:clrMapOvr>
+</p:sld>
+</file>
+
+<file path=ppt/slides/slide15.xml><?xml version="1.0" encoding="utf-8"?>
+<p:sld xmlns:a="http://schemas.openxmlformats.org/drawingml/2006/main" xmlns:r="http://schemas.openxmlformats.org/officeDocument/2006/relationships" xmlns:p="http://schemas.openxmlformats.org/presentationml/2006/main">
+  <p:cSld>
+    <p:bg>
+      <p:bgPr>
+        <a:solidFill>
+          <a:schemeClr val="bg1"/>
+        </a:solidFill>
+        <a:effectLst/>
+      </p:bgPr>
+    </p:bg>
+    <p:spTree>
+      <p:nvGrpSpPr>
+        <p:cNvPr id="1" name=""/>
+        <p:cNvGrpSpPr/>
+        <p:nvPr/>
+      </p:nvGrpSpPr>
+      <p:grpSpPr>
+        <a:xfrm>
+          <a:off x="0" y="0"/>
+          <a:ext cx="0" cy="0"/>
+          <a:chOff x="0" y="0"/>
+          <a:chExt cx="0" cy="0"/>
+        </a:xfrm>
+      </p:grpSpPr>
+      <p:sp>
+        <p:nvSpPr>
+          <p:cNvPr id="8" name="Rectangle 7">
+            <a:extLst>
+              <a:ext uri="{FF2B5EF4-FFF2-40B4-BE49-F238E27FC236}">
+                <a16:creationId xmlns:a16="http://schemas.microsoft.com/office/drawing/2014/main" id="{42A4FC2C-047E-45A5-965D-8E1E3BF09BC6}"/>
+              </a:ext>
+              <a:ext uri="{C183D7F6-B498-43B3-948B-1728B52AA6E4}">
+                <adec:decorative xmlns:adec="http://schemas.microsoft.com/office/drawing/2017/decorative" val="1"/>
+              </a:ext>
+            </a:extLst>
+          </p:cNvPr>
+          <p:cNvSpPr>
+            <a:spLocks noGrp="1" noRot="1" noChangeAspect="1" noMove="1" noResize="1" noEditPoints="1" noAdjustHandles="1" noChangeArrowheads="1" noChangeShapeType="1" noTextEdit="1"/>
+          </p:cNvSpPr>
+          <p:nvPr>
+            <p:extLst>
+              <p:ext uri="{386F3935-93C4-4BCD-93E2-E3B085C9AB24}">
+                <p16:designElem xmlns:p16="http://schemas.microsoft.com/office/powerpoint/2015/main" val="1"/>
+              </p:ext>
+            </p:extLst>
+          </p:nvPr>
+        </p:nvSpPr>
+        <p:spPr bwMode="white">
+          <a:xfrm>
+            <a:off x="1143" y="0"/>
+            <a:ext cx="9141714" cy="6858000"/>
+          </a:xfrm>
+          <a:prstGeom prst="rect">
+            <a:avLst/>
+          </a:prstGeom>
+          <a:noFill/>
+          <a:ln>
+            <a:noFill/>
+          </a:ln>
+        </p:spPr>
+        <p:style>
+          <a:lnRef idx="2">
+            <a:schemeClr val="accent1">
+              <a:shade val="50000"/>
+            </a:schemeClr>
+          </a:lnRef>
+          <a:fillRef idx="1">
+            <a:schemeClr val="accent1"/>
+          </a:fillRef>
+          <a:effectRef idx="0">
+            <a:schemeClr val="accent1"/>
+          </a:effectRef>
+          <a:fontRef idx="minor">
+            <a:schemeClr val="lt1"/>
+          </a:fontRef>
+        </p:style>
+        <p:txBody>
+          <a:bodyPr rtlCol="0" anchor="ctr"/>
+          <a:lstStyle>
+            <a:defPPr>
+              <a:defRPr lang="en-US"/>
+            </a:defPPr>
+            <a:lvl1pPr marL="0" algn="l" defTabSz="914400" rtl="0" eaLnBrk="1" latinLnBrk="0" hangingPunct="1">
+              <a:defRPr sz="1800" kern="1200">
+                <a:solidFill>
+                  <a:schemeClr val="lt1"/>
+                </a:solidFill>
+                <a:latin typeface="+mn-lt"/>
+                <a:ea typeface="+mn-ea"/>
+                <a:cs typeface="+mn-cs"/>
+              </a:defRPr>
+            </a:lvl1pPr>
+            <a:lvl2pPr marL="457200" algn="l" defTabSz="914400" rtl="0" eaLnBrk="1" latinLnBrk="0" hangingPunct="1">
+              <a:defRPr sz="1800" kern="1200">
+                <a:solidFill>
+                  <a:schemeClr val="lt1"/>
+                </a:solidFill>
+                <a:latin typeface="+mn-lt"/>
+                <a:ea typeface="+mn-ea"/>
+                <a:cs typeface="+mn-cs"/>
+              </a:defRPr>
+            </a:lvl2pPr>
+            <a:lvl3pPr marL="914400" algn="l" defTabSz="914400" rtl="0" eaLnBrk="1" latinLnBrk="0" hangingPunct="1">
+              <a:defRPr sz="1800" kern="1200">
+                <a:solidFill>
+                  <a:schemeClr val="lt1"/>
+                </a:solidFill>
+                <a:latin typeface="+mn-lt"/>
+                <a:ea typeface="+mn-ea"/>
+                <a:cs typeface="+mn-cs"/>
+              </a:defRPr>
+            </a:lvl3pPr>
+            <a:lvl4pPr marL="1371600" algn="l" defTabSz="914400" rtl="0" eaLnBrk="1" latinLnBrk="0" hangingPunct="1">
+              <a:defRPr sz="1800" kern="1200">
+                <a:solidFill>
+                  <a:schemeClr val="lt1"/>
+                </a:solidFill>
+                <a:latin typeface="+mn-lt"/>
+                <a:ea typeface="+mn-ea"/>
+                <a:cs typeface="+mn-cs"/>
+              </a:defRPr>
+            </a:lvl4pPr>
+            <a:lvl5pPr marL="1828800" algn="l" defTabSz="914400" rtl="0" eaLnBrk="1" latinLnBrk="0" hangingPunct="1">
+              <a:defRPr sz="1800" kern="1200">
+                <a:solidFill>
+                  <a:schemeClr val="lt1"/>
+                </a:solidFill>
+                <a:latin typeface="+mn-lt"/>
+                <a:ea typeface="+mn-ea"/>
+                <a:cs typeface="+mn-cs"/>
+              </a:defRPr>
+            </a:lvl5pPr>
+            <a:lvl6pPr marL="2286000" algn="l" defTabSz="914400" rtl="0" eaLnBrk="1" latinLnBrk="0" hangingPunct="1">
+              <a:defRPr sz="1800" kern="1200">
+                <a:solidFill>
+                  <a:schemeClr val="lt1"/>
+                </a:solidFill>
+                <a:latin typeface="+mn-lt"/>
+                <a:ea typeface="+mn-ea"/>
+                <a:cs typeface="+mn-cs"/>
+              </a:defRPr>
+            </a:lvl6pPr>
+            <a:lvl7pPr marL="2743200" algn="l" defTabSz="914400" rtl="0" eaLnBrk="1" latinLnBrk="0" hangingPunct="1">
+              <a:defRPr sz="1800" kern="1200">
+                <a:solidFill>
+                  <a:schemeClr val="lt1"/>
+                </a:solidFill>
+                <a:latin typeface="+mn-lt"/>
+                <a:ea typeface="+mn-ea"/>
+                <a:cs typeface="+mn-cs"/>
+              </a:defRPr>
+            </a:lvl7pPr>
+            <a:lvl8pPr marL="3200400" algn="l" defTabSz="914400" rtl="0" eaLnBrk="1" latinLnBrk="0" hangingPunct="1">
+              <a:defRPr sz="1800" kern="1200">
+                <a:solidFill>
+                  <a:schemeClr val="lt1"/>
+                </a:solidFill>
+                <a:latin typeface="+mn-lt"/>
+                <a:ea typeface="+mn-ea"/>
+                <a:cs typeface="+mn-cs"/>
+              </a:defRPr>
+            </a:lvl8pPr>
+            <a:lvl9pPr marL="3657600" algn="l" defTabSz="914400" rtl="0" eaLnBrk="1" latinLnBrk="0" hangingPunct="1">
+              <a:defRPr sz="1800" kern="1200">
+                <a:solidFill>
+                  <a:schemeClr val="lt1"/>
+                </a:solidFill>
+                <a:latin typeface="+mn-lt"/>
+                <a:ea typeface="+mn-ea"/>
+                <a:cs typeface="+mn-cs"/>
+              </a:defRPr>
+            </a:lvl9pPr>
+          </a:lstStyle>
+          <a:p>
+            <a:pPr algn="ctr"/>
+            <a:endParaRPr lang="en-US"/>
+          </a:p>
+        </p:txBody>
+      </p:sp>
+      <p:pic>
+        <p:nvPicPr>
+          <p:cNvPr id="3" name="Image 2">
+            <a:extLst>
+              <a:ext uri="{FF2B5EF4-FFF2-40B4-BE49-F238E27FC236}">
+                <a16:creationId xmlns:a16="http://schemas.microsoft.com/office/drawing/2014/main" id="{496963BC-0C88-4EFA-9173-FEF807F999A5}"/>
+              </a:ext>
+            </a:extLst>
+          </p:cNvPr>
+          <p:cNvPicPr>
+            <a:picLocks noChangeAspect="1"/>
+          </p:cNvPicPr>
+          <p:nvPr/>
+        </p:nvPicPr>
+        <p:blipFill rotWithShape="1">
+          <a:blip r:embed="rId2"/>
+          <a:srcRect t="1288" b="3189"/>
+          <a:stretch/>
+        </p:blipFill>
+        <p:spPr>
+          <a:xfrm>
+            <a:off x="20" y="1282"/>
+            <a:ext cx="9143980" cy="6856718"/>
+          </a:xfrm>
+          <a:prstGeom prst="rect">
+            <a:avLst/>
+          </a:prstGeom>
+        </p:spPr>
+      </p:pic>
+    </p:spTree>
+    <p:extLst>
+      <p:ext uri="{BB962C8B-B14F-4D97-AF65-F5344CB8AC3E}">
+        <p14:creationId xmlns:p14="http://schemas.microsoft.com/office/powerpoint/2010/main" val="2471110008"/>
+      </p:ext>
+    </p:extLst>
+  </p:cSld>
+  <p:clrMapOvr>
+    <a:masterClrMapping/>
+  </p:clrMapOvr>
+</p:sld>
+</file>
+
+<file path=ppt/slides/slide16.xml><?xml version="1.0" encoding="utf-8"?>
+<p:sld xmlns:a="http://schemas.openxmlformats.org/drawingml/2006/main" xmlns:r="http://schemas.openxmlformats.org/officeDocument/2006/relationships" xmlns:p="http://schemas.openxmlformats.org/presentationml/2006/main">
+  <p:cSld>
+    <p:bg>
+      <p:bgPr>
+        <a:solidFill>
           <a:schemeClr val="bg1">
             <a:tint val="95000"/>
             <a:satMod val="170000"/>
@@ -4782,7 +5074,7 @@
 </p:sld>
 </file>
 
-<file path=ppt/slides/slide15.xml><?xml version="1.0" encoding="utf-8"?>
+<file path=ppt/slides/slide17.xml><?xml version="1.0" encoding="utf-8"?>
 <p:sld xmlns:a="http://schemas.openxmlformats.org/drawingml/2006/main" xmlns:r="http://schemas.openxmlformats.org/officeDocument/2006/relationships" xmlns:p="http://schemas.openxmlformats.org/presentationml/2006/main">
   <p:cSld>
     <p:spTree>
@@ -4841,7 +5133,7 @@
 </p:sld>
 </file>
 
-<file path=ppt/slides/slide16.xml><?xml version="1.0" encoding="utf-8"?>
+<file path=ppt/slides/slide18.xml><?xml version="1.0" encoding="utf-8"?>
 <p:sld xmlns:a="http://schemas.openxmlformats.org/drawingml/2006/main" xmlns:r="http://schemas.openxmlformats.org/officeDocument/2006/relationships" xmlns:p="http://schemas.openxmlformats.org/presentationml/2006/main">
   <p:cSld>
     <p:bg>
@@ -5458,7 +5750,7 @@
 </p:sld>
 </file>
 
-<file path=ppt/slides/slide17.xml><?xml version="1.0" encoding="utf-8"?>
+<file path=ppt/slides/slide19.xml><?xml version="1.0" encoding="utf-8"?>
 <p:sld xmlns:a="http://schemas.openxmlformats.org/drawingml/2006/main" xmlns:r="http://schemas.openxmlformats.org/officeDocument/2006/relationships" xmlns:p="http://schemas.openxmlformats.org/presentationml/2006/main">
   <p:cSld>
     <p:bg>
@@ -6078,7 +6370,463 @@
 </p:sld>
 </file>
 
-<file path=ppt/slides/slide18.xml><?xml version="1.0" encoding="utf-8"?>
+<file path=ppt/slides/slide2.xml><?xml version="1.0" encoding="utf-8"?>
+<p:sld xmlns:a="http://schemas.openxmlformats.org/drawingml/2006/main" xmlns:r="http://schemas.openxmlformats.org/officeDocument/2006/relationships" xmlns:p="http://schemas.openxmlformats.org/presentationml/2006/main">
+  <p:cSld>
+    <p:bg>
+      <p:bgPr>
+        <a:solidFill>
+          <a:schemeClr val="bg1">
+            <a:tint val="95000"/>
+            <a:satMod val="170000"/>
+          </a:schemeClr>
+        </a:solidFill>
+        <a:effectLst/>
+      </p:bgPr>
+    </p:bg>
+    <p:spTree>
+      <p:nvGrpSpPr>
+        <p:cNvPr id="1" name=""/>
+        <p:cNvGrpSpPr/>
+        <p:nvPr/>
+      </p:nvGrpSpPr>
+      <p:grpSpPr>
+        <a:xfrm>
+          <a:off x="0" y="0"/>
+          <a:ext cx="0" cy="0"/>
+          <a:chOff x="0" y="0"/>
+          <a:chExt cx="0" cy="0"/>
+        </a:xfrm>
+      </p:grpSpPr>
+      <p:sp>
+        <p:nvSpPr>
+          <p:cNvPr id="2" name="ZoneTexte 1">
+            <a:extLst>
+              <a:ext uri="{FF2B5EF4-FFF2-40B4-BE49-F238E27FC236}">
+                <a16:creationId xmlns:a16="http://schemas.microsoft.com/office/drawing/2014/main" id="{4E5DD7CE-17DB-4EE5-884E-672C15034475}"/>
+              </a:ext>
+            </a:extLst>
+          </p:cNvPr>
+          <p:cNvSpPr txBox="1"/>
+          <p:nvPr/>
+        </p:nvSpPr>
+        <p:spPr>
+          <a:xfrm>
+            <a:off x="571500" y="2279018"/>
+            <a:ext cx="3985907" cy="3375920"/>
+          </a:xfrm>
+          <a:prstGeom prst="rect">
+            <a:avLst/>
+          </a:prstGeom>
+        </p:spPr>
+        <p:txBody>
+          <a:bodyPr vert="horz" lIns="91440" tIns="45720" rIns="91440" bIns="45720" rtlCol="0" anchor="t">
+            <a:normAutofit/>
+          </a:bodyPr>
+          <a:lstStyle/>
+          <a:p>
+            <a:pPr indent="-228600">
+              <a:lnSpc>
+                <a:spcPct val="90000"/>
+              </a:lnSpc>
+              <a:spcAft>
+                <a:spcPts val="600"/>
+              </a:spcAft>
+              <a:buFont typeface="Arial" panose="020B0604020202020204" pitchFamily="34" charset="0"/>
+              <a:buChar char="•"/>
+            </a:pPr>
+            <a:r>
+              <a:rPr lang="en-US" sz="1600"/>
+              <a:t>https://www.uptrends.com/tools/website-speed-test</a:t>
+            </a:r>
+          </a:p>
+        </p:txBody>
+      </p:sp>
+      <p:sp>
+        <p:nvSpPr>
+          <p:cNvPr id="9" name="Freeform: Shape 8">
+            <a:extLst>
+              <a:ext uri="{FF2B5EF4-FFF2-40B4-BE49-F238E27FC236}">
+                <a16:creationId xmlns:a16="http://schemas.microsoft.com/office/drawing/2014/main" id="{CF62D2A7-8207-488C-9F46-316BA81A16C8}"/>
+              </a:ext>
+              <a:ext uri="{C183D7F6-B498-43B3-948B-1728B52AA6E4}">
+                <adec:decorative xmlns:adec="http://schemas.microsoft.com/office/drawing/2017/decorative" val="1"/>
+              </a:ext>
+            </a:extLst>
+          </p:cNvPr>
+          <p:cNvSpPr>
+            <a:spLocks noGrp="1" noRot="1" noChangeAspect="1" noMove="1" noResize="1" noEditPoints="1" noAdjustHandles="1" noChangeArrowheads="1" noChangeShapeType="1" noTextEdit="1"/>
+          </p:cNvSpPr>
+          <p:nvPr>
+            <p:extLst>
+              <p:ext uri="{386F3935-93C4-4BCD-93E2-E3B085C9AB24}">
+                <p16:designElem xmlns:p16="http://schemas.microsoft.com/office/powerpoint/2015/main" val="1"/>
+              </p:ext>
+            </p:extLst>
+          </p:nvPr>
+        </p:nvSpPr>
+        <p:spPr>
+          <a:xfrm flipH="1">
+            <a:off x="4937085" y="-2008"/>
+            <a:ext cx="4206915" cy="5840278"/>
+          </a:xfrm>
+          <a:custGeom>
+            <a:avLst/>
+            <a:gdLst>
+              <a:gd name="connsiteX0" fmla="*/ 0 w 5609220"/>
+              <a:gd name="connsiteY0" fmla="*/ 0 h 5840278"/>
+              <a:gd name="connsiteX1" fmla="*/ 4637091 w 5609220"/>
+              <a:gd name="connsiteY1" fmla="*/ 0 h 5840278"/>
+              <a:gd name="connsiteX2" fmla="*/ 4822569 w 5609220"/>
+              <a:gd name="connsiteY2" fmla="*/ 204077 h 5840278"/>
+              <a:gd name="connsiteX3" fmla="*/ 5609220 w 5609220"/>
+              <a:gd name="connsiteY3" fmla="*/ 2395363 h 5840278"/>
+              <a:gd name="connsiteX4" fmla="*/ 2164305 w 5609220"/>
+              <a:gd name="connsiteY4" fmla="*/ 5840278 h 5840278"/>
+              <a:gd name="connsiteX5" fmla="*/ 238220 w 5609220"/>
+              <a:gd name="connsiteY5" fmla="*/ 5251941 h 5840278"/>
+              <a:gd name="connsiteX6" fmla="*/ 0 w 5609220"/>
+              <a:gd name="connsiteY6" fmla="*/ 5073803 h 5840278"/>
+            </a:gdLst>
+            <a:ahLst/>
+            <a:cxnLst>
+              <a:cxn ang="0">
+                <a:pos x="connsiteX0" y="connsiteY0"/>
+              </a:cxn>
+              <a:cxn ang="0">
+                <a:pos x="connsiteX1" y="connsiteY1"/>
+              </a:cxn>
+              <a:cxn ang="0">
+                <a:pos x="connsiteX2" y="connsiteY2"/>
+              </a:cxn>
+              <a:cxn ang="0">
+                <a:pos x="connsiteX3" y="connsiteY3"/>
+              </a:cxn>
+              <a:cxn ang="0">
+                <a:pos x="connsiteX4" y="connsiteY4"/>
+              </a:cxn>
+              <a:cxn ang="0">
+                <a:pos x="connsiteX5" y="connsiteY5"/>
+              </a:cxn>
+              <a:cxn ang="0">
+                <a:pos x="connsiteX6" y="connsiteY6"/>
+              </a:cxn>
+            </a:cxnLst>
+            <a:rect l="l" t="t" r="r" b="b"/>
+            <a:pathLst>
+              <a:path w="5609220" h="5840278">
+                <a:moveTo>
+                  <a:pt x="0" y="0"/>
+                </a:moveTo>
+                <a:lnTo>
+                  <a:pt x="4637091" y="0"/>
+                </a:lnTo>
+                <a:lnTo>
+                  <a:pt x="4822569" y="204077"/>
+                </a:lnTo>
+                <a:cubicBezTo>
+                  <a:pt x="5314007" y="799562"/>
+                  <a:pt x="5609220" y="1562987"/>
+                  <a:pt x="5609220" y="2395363"/>
+                </a:cubicBezTo>
+                <a:cubicBezTo>
+                  <a:pt x="5609220" y="4297937"/>
+                  <a:pt x="4066879" y="5840278"/>
+                  <a:pt x="2164305" y="5840278"/>
+                </a:cubicBezTo>
+                <a:cubicBezTo>
+                  <a:pt x="1450840" y="5840278"/>
+                  <a:pt x="788032" y="5623387"/>
+                  <a:pt x="238220" y="5251941"/>
+                </a:cubicBezTo>
+                <a:lnTo>
+                  <a:pt x="0" y="5073803"/>
+                </a:lnTo>
+                <a:close/>
+              </a:path>
+            </a:pathLst>
+          </a:custGeom>
+          <a:solidFill>
+            <a:srgbClr val="FFFFFF">
+              <a:alpha val="80000"/>
+            </a:srgbClr>
+          </a:solidFill>
+          <a:ln>
+            <a:noFill/>
+          </a:ln>
+        </p:spPr>
+        <p:style>
+          <a:lnRef idx="2">
+            <a:schemeClr val="accent1">
+              <a:shade val="50000"/>
+            </a:schemeClr>
+          </a:lnRef>
+          <a:fillRef idx="1">
+            <a:schemeClr val="accent1"/>
+          </a:fillRef>
+          <a:effectRef idx="0">
+            <a:schemeClr val="accent1"/>
+          </a:effectRef>
+          <a:fontRef idx="minor">
+            <a:schemeClr val="lt1"/>
+          </a:fontRef>
+        </p:style>
+        <p:txBody>
+          <a:bodyPr rtlCol="0" anchor="ctr"/>
+          <a:lstStyle/>
+          <a:p>
+            <a:pPr marL="0" marR="0" lvl="0" indent="0" algn="ctr" defTabSz="914400" rtl="0" eaLnBrk="1" fontAlgn="auto" latinLnBrk="0" hangingPunct="1">
+              <a:lnSpc>
+                <a:spcPct val="100000"/>
+              </a:lnSpc>
+              <a:spcBef>
+                <a:spcPts val="0"/>
+              </a:spcBef>
+              <a:spcAft>
+                <a:spcPts val="0"/>
+              </a:spcAft>
+              <a:buClrTx/>
+              <a:buSzTx/>
+              <a:buFontTx/>
+              <a:buNone/>
+              <a:tabLst/>
+              <a:defRPr/>
+            </a:pPr>
+            <a:endParaRPr kumimoji="0" lang="en-US" sz="1800" b="0" i="0" u="none" strike="noStrike" kern="1200" cap="none" spc="0" normalizeH="0" baseline="0" noProof="0">
+              <a:ln>
+                <a:noFill/>
+              </a:ln>
+              <a:solidFill>
+                <a:prstClr val="white"/>
+              </a:solidFill>
+              <a:effectLst/>
+              <a:uLnTx/>
+              <a:uFillTx/>
+              <a:latin typeface="Calibri" panose="020F0502020204030204"/>
+              <a:ea typeface="+mn-ea"/>
+              <a:cs typeface="+mn-cs"/>
+            </a:endParaRPr>
+          </a:p>
+        </p:txBody>
+      </p:sp>
+      <p:sp>
+        <p:nvSpPr>
+          <p:cNvPr id="11" name="Freeform: Shape 10">
+            <a:extLst>
+              <a:ext uri="{FF2B5EF4-FFF2-40B4-BE49-F238E27FC236}">
+                <a16:creationId xmlns:a16="http://schemas.microsoft.com/office/drawing/2014/main" id="{52AC6D7F-F068-4E11-BB06-F601D89BB980}"/>
+              </a:ext>
+              <a:ext uri="{C183D7F6-B498-43B3-948B-1728B52AA6E4}">
+                <adec:decorative xmlns:adec="http://schemas.microsoft.com/office/drawing/2017/decorative" val="1"/>
+              </a:ext>
+            </a:extLst>
+          </p:cNvPr>
+          <p:cNvSpPr>
+            <a:spLocks noGrp="1" noRot="1" noChangeAspect="1" noMove="1" noResize="1" noEditPoints="1" noAdjustHandles="1" noChangeArrowheads="1" noChangeShapeType="1" noTextEdit="1"/>
+          </p:cNvSpPr>
+          <p:nvPr>
+            <p:extLst>
+              <p:ext uri="{386F3935-93C4-4BCD-93E2-E3B085C9AB24}">
+                <p16:designElem xmlns:p16="http://schemas.microsoft.com/office/powerpoint/2015/main" val="1"/>
+              </p:ext>
+            </p:extLst>
+          </p:nvPr>
+        </p:nvSpPr>
+        <p:spPr>
+          <a:xfrm>
+            <a:off x="5062605" y="-2"/>
+            <a:ext cx="4081395" cy="5654940"/>
+          </a:xfrm>
+          <a:custGeom>
+            <a:avLst/>
+            <a:gdLst>
+              <a:gd name="connsiteX0" fmla="*/ 1041368 w 5441859"/>
+              <a:gd name="connsiteY0" fmla="*/ 0 h 5654940"/>
+              <a:gd name="connsiteX1" fmla="*/ 5441859 w 5441859"/>
+              <a:gd name="connsiteY1" fmla="*/ 0 h 5654940"/>
+              <a:gd name="connsiteX2" fmla="*/ 5441859 w 5441859"/>
+              <a:gd name="connsiteY2" fmla="*/ 4820612 h 5654940"/>
+              <a:gd name="connsiteX3" fmla="*/ 5285166 w 5441859"/>
+              <a:gd name="connsiteY3" fmla="*/ 4957981 h 5654940"/>
+              <a:gd name="connsiteX4" fmla="*/ 3267719 w 5441859"/>
+              <a:gd name="connsiteY4" fmla="*/ 5654940 h 5654940"/>
+              <a:gd name="connsiteX5" fmla="*/ 0 w 5441859"/>
+              <a:gd name="connsiteY5" fmla="*/ 2387221 h 5654940"/>
+              <a:gd name="connsiteX6" fmla="*/ 957093 w 5441859"/>
+              <a:gd name="connsiteY6" fmla="*/ 76595 h 5654940"/>
+            </a:gdLst>
+            <a:ahLst/>
+            <a:cxnLst>
+              <a:cxn ang="0">
+                <a:pos x="connsiteX0" y="connsiteY0"/>
+              </a:cxn>
+              <a:cxn ang="0">
+                <a:pos x="connsiteX1" y="connsiteY1"/>
+              </a:cxn>
+              <a:cxn ang="0">
+                <a:pos x="connsiteX2" y="connsiteY2"/>
+              </a:cxn>
+              <a:cxn ang="0">
+                <a:pos x="connsiteX3" y="connsiteY3"/>
+              </a:cxn>
+              <a:cxn ang="0">
+                <a:pos x="connsiteX4" y="connsiteY4"/>
+              </a:cxn>
+              <a:cxn ang="0">
+                <a:pos x="connsiteX5" y="connsiteY5"/>
+              </a:cxn>
+              <a:cxn ang="0">
+                <a:pos x="connsiteX6" y="connsiteY6"/>
+              </a:cxn>
+            </a:cxnLst>
+            <a:rect l="l" t="t" r="r" b="b"/>
+            <a:pathLst>
+              <a:path w="5441859" h="5654940">
+                <a:moveTo>
+                  <a:pt x="1041368" y="0"/>
+                </a:moveTo>
+                <a:lnTo>
+                  <a:pt x="5441859" y="0"/>
+                </a:lnTo>
+                <a:lnTo>
+                  <a:pt x="5441859" y="4820612"/>
+                </a:lnTo>
+                <a:lnTo>
+                  <a:pt x="5285166" y="4957981"/>
+                </a:lnTo>
+                <a:cubicBezTo>
+                  <a:pt x="4729628" y="5394557"/>
+                  <a:pt x="4029081" y="5654940"/>
+                  <a:pt x="3267719" y="5654940"/>
+                </a:cubicBezTo>
+                <a:cubicBezTo>
+                  <a:pt x="1463008" y="5654940"/>
+                  <a:pt x="0" y="4191932"/>
+                  <a:pt x="0" y="2387221"/>
+                </a:cubicBezTo>
+                <a:cubicBezTo>
+                  <a:pt x="0" y="1484866"/>
+                  <a:pt x="365752" y="667936"/>
+                  <a:pt x="957093" y="76595"/>
+                </a:cubicBezTo>
+                <a:close/>
+              </a:path>
+            </a:pathLst>
+          </a:custGeom>
+          <a:solidFill>
+            <a:schemeClr val="tx1"/>
+          </a:solidFill>
+          <a:ln>
+            <a:noFill/>
+          </a:ln>
+        </p:spPr>
+        <p:style>
+          <a:lnRef idx="2">
+            <a:schemeClr val="accent1">
+              <a:shade val="50000"/>
+            </a:schemeClr>
+          </a:lnRef>
+          <a:fillRef idx="1">
+            <a:schemeClr val="accent1"/>
+          </a:fillRef>
+          <a:effectRef idx="0">
+            <a:schemeClr val="accent1"/>
+          </a:effectRef>
+          <a:fontRef idx="minor">
+            <a:schemeClr val="lt1"/>
+          </a:fontRef>
+        </p:style>
+        <p:txBody>
+          <a:bodyPr rtlCol="0" anchor="ctr"/>
+          <a:lstStyle/>
+          <a:p>
+            <a:pPr marL="0" marR="0" lvl="0" indent="0" algn="ctr" defTabSz="914400" rtl="0" eaLnBrk="1" fontAlgn="auto" latinLnBrk="0" hangingPunct="1">
+              <a:lnSpc>
+                <a:spcPct val="100000"/>
+              </a:lnSpc>
+              <a:spcBef>
+                <a:spcPts val="0"/>
+              </a:spcBef>
+              <a:spcAft>
+                <a:spcPts val="0"/>
+              </a:spcAft>
+              <a:buClrTx/>
+              <a:buSzTx/>
+              <a:buFontTx/>
+              <a:buNone/>
+              <a:tabLst/>
+              <a:defRPr/>
+            </a:pPr>
+            <a:endParaRPr kumimoji="0" lang="en-US" sz="1800" b="0" i="0" u="none" strike="noStrike" kern="1200" cap="none" spc="0" normalizeH="0" baseline="0" noProof="0">
+              <a:ln>
+                <a:noFill/>
+              </a:ln>
+              <a:solidFill>
+                <a:prstClr val="white"/>
+              </a:solidFill>
+              <a:effectLst/>
+              <a:uLnTx/>
+              <a:uFillTx/>
+              <a:latin typeface="Calibri" panose="020F0502020204030204"/>
+              <a:ea typeface="+mn-ea"/>
+              <a:cs typeface="+mn-cs"/>
+            </a:endParaRPr>
+          </a:p>
+        </p:txBody>
+      </p:sp>
+      <p:pic>
+        <p:nvPicPr>
+          <p:cNvPr id="6" name="Graphic 5" descr="Earth Globe Americas">
+            <a:extLst>
+              <a:ext uri="{FF2B5EF4-FFF2-40B4-BE49-F238E27FC236}">
+                <a16:creationId xmlns:a16="http://schemas.microsoft.com/office/drawing/2014/main" id="{1F23FCC0-4EE4-6F7A-F285-853C3C4BE3EB}"/>
+              </a:ext>
+            </a:extLst>
+          </p:cNvPr>
+          <p:cNvPicPr>
+            <a:picLocks noChangeAspect="1"/>
+          </p:cNvPicPr>
+          <p:nvPr/>
+        </p:nvPicPr>
+        <p:blipFill>
+          <a:blip r:embed="rId2">
+            <a:extLst>
+              <a:ext uri="{28A0092B-C50C-407E-A947-70E740481C1C}">
+                <a14:useLocalDpi xmlns:a14="http://schemas.microsoft.com/office/drawing/2010/main" val="0"/>
+              </a:ext>
+              <a:ext uri="{96DAC541-7B7A-43D3-8B79-37D633B846F1}">
+                <asvg:svgBlip xmlns:asvg="http://schemas.microsoft.com/office/drawing/2016/SVG/main" r:embed="rId3"/>
+              </a:ext>
+            </a:extLst>
+          </a:blip>
+          <a:stretch>
+            <a:fillRect/>
+          </a:stretch>
+        </p:blipFill>
+        <p:spPr>
+          <a:xfrm>
+            <a:off x="5913042" y="1117601"/>
+            <a:ext cx="2847593" cy="2847593"/>
+          </a:xfrm>
+          <a:prstGeom prst="rect">
+            <a:avLst/>
+          </a:prstGeom>
+        </p:spPr>
+      </p:pic>
+    </p:spTree>
+    <p:extLst>
+      <p:ext uri="{BB962C8B-B14F-4D97-AF65-F5344CB8AC3E}">
+        <p14:creationId xmlns:p14="http://schemas.microsoft.com/office/powerpoint/2010/main" val="3255250073"/>
+      </p:ext>
+    </p:extLst>
+  </p:cSld>
+  <p:clrMapOvr>
+    <a:overrideClrMapping bg1="dk1" tx1="lt1" bg2="dk2" tx2="lt2" accent1="accent1" accent2="accent2" accent3="accent3" accent4="accent4" accent5="accent5" accent6="accent6" hlink="hlink" folHlink="folHlink"/>
+  </p:clrMapOvr>
+</p:sld>
+</file>
+
+<file path=ppt/slides/slide20.xml><?xml version="1.0" encoding="utf-8"?>
 <p:sld xmlns:a="http://schemas.openxmlformats.org/drawingml/2006/main" xmlns:r="http://schemas.openxmlformats.org/officeDocument/2006/relationships" xmlns:p="http://schemas.openxmlformats.org/presentationml/2006/main">
   <p:cSld>
     <p:bg>
@@ -6577,7 +7325,7 @@
 </p:sld>
 </file>
 
-<file path=ppt/slides/slide19.xml><?xml version="1.0" encoding="utf-8"?>
+<file path=ppt/slides/slide21.xml><?xml version="1.0" encoding="utf-8"?>
 <p:sld xmlns:a="http://schemas.openxmlformats.org/drawingml/2006/main" xmlns:r="http://schemas.openxmlformats.org/officeDocument/2006/relationships" xmlns:p="http://schemas.openxmlformats.org/presentationml/2006/main">
   <p:cSld>
     <p:bg>
@@ -6860,462 +7608,6 @@
   </p:cSld>
   <p:clrMapOvr>
     <a:masterClrMapping/>
-  </p:clrMapOvr>
-</p:sld>
-</file>
-
-<file path=ppt/slides/slide2.xml><?xml version="1.0" encoding="utf-8"?>
-<p:sld xmlns:a="http://schemas.openxmlformats.org/drawingml/2006/main" xmlns:r="http://schemas.openxmlformats.org/officeDocument/2006/relationships" xmlns:p="http://schemas.openxmlformats.org/presentationml/2006/main">
-  <p:cSld>
-    <p:bg>
-      <p:bgPr>
-        <a:solidFill>
-          <a:schemeClr val="bg1">
-            <a:tint val="95000"/>
-            <a:satMod val="170000"/>
-          </a:schemeClr>
-        </a:solidFill>
-        <a:effectLst/>
-      </p:bgPr>
-    </p:bg>
-    <p:spTree>
-      <p:nvGrpSpPr>
-        <p:cNvPr id="1" name=""/>
-        <p:cNvGrpSpPr/>
-        <p:nvPr/>
-      </p:nvGrpSpPr>
-      <p:grpSpPr>
-        <a:xfrm>
-          <a:off x="0" y="0"/>
-          <a:ext cx="0" cy="0"/>
-          <a:chOff x="0" y="0"/>
-          <a:chExt cx="0" cy="0"/>
-        </a:xfrm>
-      </p:grpSpPr>
-      <p:sp>
-        <p:nvSpPr>
-          <p:cNvPr id="2" name="ZoneTexte 1">
-            <a:extLst>
-              <a:ext uri="{FF2B5EF4-FFF2-40B4-BE49-F238E27FC236}">
-                <a16:creationId xmlns:a16="http://schemas.microsoft.com/office/drawing/2014/main" id="{4E5DD7CE-17DB-4EE5-884E-672C15034475}"/>
-              </a:ext>
-            </a:extLst>
-          </p:cNvPr>
-          <p:cNvSpPr txBox="1"/>
-          <p:nvPr/>
-        </p:nvSpPr>
-        <p:spPr>
-          <a:xfrm>
-            <a:off x="571500" y="2279018"/>
-            <a:ext cx="3985907" cy="3375920"/>
-          </a:xfrm>
-          <a:prstGeom prst="rect">
-            <a:avLst/>
-          </a:prstGeom>
-        </p:spPr>
-        <p:txBody>
-          <a:bodyPr vert="horz" lIns="91440" tIns="45720" rIns="91440" bIns="45720" rtlCol="0" anchor="t">
-            <a:normAutofit/>
-          </a:bodyPr>
-          <a:lstStyle/>
-          <a:p>
-            <a:pPr indent="-228600">
-              <a:lnSpc>
-                <a:spcPct val="90000"/>
-              </a:lnSpc>
-              <a:spcAft>
-                <a:spcPts val="600"/>
-              </a:spcAft>
-              <a:buFont typeface="Arial" panose="020B0604020202020204" pitchFamily="34" charset="0"/>
-              <a:buChar char="•"/>
-            </a:pPr>
-            <a:r>
-              <a:rPr lang="en-US" sz="1600"/>
-              <a:t>https://www.uptrends.com/tools/website-speed-test</a:t>
-            </a:r>
-          </a:p>
-        </p:txBody>
-      </p:sp>
-      <p:sp>
-        <p:nvSpPr>
-          <p:cNvPr id="9" name="Freeform: Shape 8">
-            <a:extLst>
-              <a:ext uri="{FF2B5EF4-FFF2-40B4-BE49-F238E27FC236}">
-                <a16:creationId xmlns:a16="http://schemas.microsoft.com/office/drawing/2014/main" id="{CF62D2A7-8207-488C-9F46-316BA81A16C8}"/>
-              </a:ext>
-              <a:ext uri="{C183D7F6-B498-43B3-948B-1728B52AA6E4}">
-                <adec:decorative xmlns:adec="http://schemas.microsoft.com/office/drawing/2017/decorative" val="1"/>
-              </a:ext>
-            </a:extLst>
-          </p:cNvPr>
-          <p:cNvSpPr>
-            <a:spLocks noGrp="1" noRot="1" noChangeAspect="1" noMove="1" noResize="1" noEditPoints="1" noAdjustHandles="1" noChangeArrowheads="1" noChangeShapeType="1" noTextEdit="1"/>
-          </p:cNvSpPr>
-          <p:nvPr>
-            <p:extLst>
-              <p:ext uri="{386F3935-93C4-4BCD-93E2-E3B085C9AB24}">
-                <p16:designElem xmlns:p16="http://schemas.microsoft.com/office/powerpoint/2015/main" val="1"/>
-              </p:ext>
-            </p:extLst>
-          </p:nvPr>
-        </p:nvSpPr>
-        <p:spPr>
-          <a:xfrm flipH="1">
-            <a:off x="4937085" y="-2008"/>
-            <a:ext cx="4206915" cy="5840278"/>
-          </a:xfrm>
-          <a:custGeom>
-            <a:avLst/>
-            <a:gdLst>
-              <a:gd name="connsiteX0" fmla="*/ 0 w 5609220"/>
-              <a:gd name="connsiteY0" fmla="*/ 0 h 5840278"/>
-              <a:gd name="connsiteX1" fmla="*/ 4637091 w 5609220"/>
-              <a:gd name="connsiteY1" fmla="*/ 0 h 5840278"/>
-              <a:gd name="connsiteX2" fmla="*/ 4822569 w 5609220"/>
-              <a:gd name="connsiteY2" fmla="*/ 204077 h 5840278"/>
-              <a:gd name="connsiteX3" fmla="*/ 5609220 w 5609220"/>
-              <a:gd name="connsiteY3" fmla="*/ 2395363 h 5840278"/>
-              <a:gd name="connsiteX4" fmla="*/ 2164305 w 5609220"/>
-              <a:gd name="connsiteY4" fmla="*/ 5840278 h 5840278"/>
-              <a:gd name="connsiteX5" fmla="*/ 238220 w 5609220"/>
-              <a:gd name="connsiteY5" fmla="*/ 5251941 h 5840278"/>
-              <a:gd name="connsiteX6" fmla="*/ 0 w 5609220"/>
-              <a:gd name="connsiteY6" fmla="*/ 5073803 h 5840278"/>
-            </a:gdLst>
-            <a:ahLst/>
-            <a:cxnLst>
-              <a:cxn ang="0">
-                <a:pos x="connsiteX0" y="connsiteY0"/>
-              </a:cxn>
-              <a:cxn ang="0">
-                <a:pos x="connsiteX1" y="connsiteY1"/>
-              </a:cxn>
-              <a:cxn ang="0">
-                <a:pos x="connsiteX2" y="connsiteY2"/>
-              </a:cxn>
-              <a:cxn ang="0">
-                <a:pos x="connsiteX3" y="connsiteY3"/>
-              </a:cxn>
-              <a:cxn ang="0">
-                <a:pos x="connsiteX4" y="connsiteY4"/>
-              </a:cxn>
-              <a:cxn ang="0">
-                <a:pos x="connsiteX5" y="connsiteY5"/>
-              </a:cxn>
-              <a:cxn ang="0">
-                <a:pos x="connsiteX6" y="connsiteY6"/>
-              </a:cxn>
-            </a:cxnLst>
-            <a:rect l="l" t="t" r="r" b="b"/>
-            <a:pathLst>
-              <a:path w="5609220" h="5840278">
-                <a:moveTo>
-                  <a:pt x="0" y="0"/>
-                </a:moveTo>
-                <a:lnTo>
-                  <a:pt x="4637091" y="0"/>
-                </a:lnTo>
-                <a:lnTo>
-                  <a:pt x="4822569" y="204077"/>
-                </a:lnTo>
-                <a:cubicBezTo>
-                  <a:pt x="5314007" y="799562"/>
-                  <a:pt x="5609220" y="1562987"/>
-                  <a:pt x="5609220" y="2395363"/>
-                </a:cubicBezTo>
-                <a:cubicBezTo>
-                  <a:pt x="5609220" y="4297937"/>
-                  <a:pt x="4066879" y="5840278"/>
-                  <a:pt x="2164305" y="5840278"/>
-                </a:cubicBezTo>
-                <a:cubicBezTo>
-                  <a:pt x="1450840" y="5840278"/>
-                  <a:pt x="788032" y="5623387"/>
-                  <a:pt x="238220" y="5251941"/>
-                </a:cubicBezTo>
-                <a:lnTo>
-                  <a:pt x="0" y="5073803"/>
-                </a:lnTo>
-                <a:close/>
-              </a:path>
-            </a:pathLst>
-          </a:custGeom>
-          <a:solidFill>
-            <a:srgbClr val="FFFFFF">
-              <a:alpha val="80000"/>
-            </a:srgbClr>
-          </a:solidFill>
-          <a:ln>
-            <a:noFill/>
-          </a:ln>
-        </p:spPr>
-        <p:style>
-          <a:lnRef idx="2">
-            <a:schemeClr val="accent1">
-              <a:shade val="50000"/>
-            </a:schemeClr>
-          </a:lnRef>
-          <a:fillRef idx="1">
-            <a:schemeClr val="accent1"/>
-          </a:fillRef>
-          <a:effectRef idx="0">
-            <a:schemeClr val="accent1"/>
-          </a:effectRef>
-          <a:fontRef idx="minor">
-            <a:schemeClr val="lt1"/>
-          </a:fontRef>
-        </p:style>
-        <p:txBody>
-          <a:bodyPr rtlCol="0" anchor="ctr"/>
-          <a:lstStyle/>
-          <a:p>
-            <a:pPr marL="0" marR="0" lvl="0" indent="0" algn="ctr" defTabSz="914400" rtl="0" eaLnBrk="1" fontAlgn="auto" latinLnBrk="0" hangingPunct="1">
-              <a:lnSpc>
-                <a:spcPct val="100000"/>
-              </a:lnSpc>
-              <a:spcBef>
-                <a:spcPts val="0"/>
-              </a:spcBef>
-              <a:spcAft>
-                <a:spcPts val="0"/>
-              </a:spcAft>
-              <a:buClrTx/>
-              <a:buSzTx/>
-              <a:buFontTx/>
-              <a:buNone/>
-              <a:tabLst/>
-              <a:defRPr/>
-            </a:pPr>
-            <a:endParaRPr kumimoji="0" lang="en-US" sz="1800" b="0" i="0" u="none" strike="noStrike" kern="1200" cap="none" spc="0" normalizeH="0" baseline="0" noProof="0">
-              <a:ln>
-                <a:noFill/>
-              </a:ln>
-              <a:solidFill>
-                <a:prstClr val="white"/>
-              </a:solidFill>
-              <a:effectLst/>
-              <a:uLnTx/>
-              <a:uFillTx/>
-              <a:latin typeface="Calibri" panose="020F0502020204030204"/>
-              <a:ea typeface="+mn-ea"/>
-              <a:cs typeface="+mn-cs"/>
-            </a:endParaRPr>
-          </a:p>
-        </p:txBody>
-      </p:sp>
-      <p:sp>
-        <p:nvSpPr>
-          <p:cNvPr id="11" name="Freeform: Shape 10">
-            <a:extLst>
-              <a:ext uri="{FF2B5EF4-FFF2-40B4-BE49-F238E27FC236}">
-                <a16:creationId xmlns:a16="http://schemas.microsoft.com/office/drawing/2014/main" id="{52AC6D7F-F068-4E11-BB06-F601D89BB980}"/>
-              </a:ext>
-              <a:ext uri="{C183D7F6-B498-43B3-948B-1728B52AA6E4}">
-                <adec:decorative xmlns:adec="http://schemas.microsoft.com/office/drawing/2017/decorative" val="1"/>
-              </a:ext>
-            </a:extLst>
-          </p:cNvPr>
-          <p:cNvSpPr>
-            <a:spLocks noGrp="1" noRot="1" noChangeAspect="1" noMove="1" noResize="1" noEditPoints="1" noAdjustHandles="1" noChangeArrowheads="1" noChangeShapeType="1" noTextEdit="1"/>
-          </p:cNvSpPr>
-          <p:nvPr>
-            <p:extLst>
-              <p:ext uri="{386F3935-93C4-4BCD-93E2-E3B085C9AB24}">
-                <p16:designElem xmlns:p16="http://schemas.microsoft.com/office/powerpoint/2015/main" val="1"/>
-              </p:ext>
-            </p:extLst>
-          </p:nvPr>
-        </p:nvSpPr>
-        <p:spPr>
-          <a:xfrm>
-            <a:off x="5062605" y="-2"/>
-            <a:ext cx="4081395" cy="5654940"/>
-          </a:xfrm>
-          <a:custGeom>
-            <a:avLst/>
-            <a:gdLst>
-              <a:gd name="connsiteX0" fmla="*/ 1041368 w 5441859"/>
-              <a:gd name="connsiteY0" fmla="*/ 0 h 5654940"/>
-              <a:gd name="connsiteX1" fmla="*/ 5441859 w 5441859"/>
-              <a:gd name="connsiteY1" fmla="*/ 0 h 5654940"/>
-              <a:gd name="connsiteX2" fmla="*/ 5441859 w 5441859"/>
-              <a:gd name="connsiteY2" fmla="*/ 4820612 h 5654940"/>
-              <a:gd name="connsiteX3" fmla="*/ 5285166 w 5441859"/>
-              <a:gd name="connsiteY3" fmla="*/ 4957981 h 5654940"/>
-              <a:gd name="connsiteX4" fmla="*/ 3267719 w 5441859"/>
-              <a:gd name="connsiteY4" fmla="*/ 5654940 h 5654940"/>
-              <a:gd name="connsiteX5" fmla="*/ 0 w 5441859"/>
-              <a:gd name="connsiteY5" fmla="*/ 2387221 h 5654940"/>
-              <a:gd name="connsiteX6" fmla="*/ 957093 w 5441859"/>
-              <a:gd name="connsiteY6" fmla="*/ 76595 h 5654940"/>
-            </a:gdLst>
-            <a:ahLst/>
-            <a:cxnLst>
-              <a:cxn ang="0">
-                <a:pos x="connsiteX0" y="connsiteY0"/>
-              </a:cxn>
-              <a:cxn ang="0">
-                <a:pos x="connsiteX1" y="connsiteY1"/>
-              </a:cxn>
-              <a:cxn ang="0">
-                <a:pos x="connsiteX2" y="connsiteY2"/>
-              </a:cxn>
-              <a:cxn ang="0">
-                <a:pos x="connsiteX3" y="connsiteY3"/>
-              </a:cxn>
-              <a:cxn ang="0">
-                <a:pos x="connsiteX4" y="connsiteY4"/>
-              </a:cxn>
-              <a:cxn ang="0">
-                <a:pos x="connsiteX5" y="connsiteY5"/>
-              </a:cxn>
-              <a:cxn ang="0">
-                <a:pos x="connsiteX6" y="connsiteY6"/>
-              </a:cxn>
-            </a:cxnLst>
-            <a:rect l="l" t="t" r="r" b="b"/>
-            <a:pathLst>
-              <a:path w="5441859" h="5654940">
-                <a:moveTo>
-                  <a:pt x="1041368" y="0"/>
-                </a:moveTo>
-                <a:lnTo>
-                  <a:pt x="5441859" y="0"/>
-                </a:lnTo>
-                <a:lnTo>
-                  <a:pt x="5441859" y="4820612"/>
-                </a:lnTo>
-                <a:lnTo>
-                  <a:pt x="5285166" y="4957981"/>
-                </a:lnTo>
-                <a:cubicBezTo>
-                  <a:pt x="4729628" y="5394557"/>
-                  <a:pt x="4029081" y="5654940"/>
-                  <a:pt x="3267719" y="5654940"/>
-                </a:cubicBezTo>
-                <a:cubicBezTo>
-                  <a:pt x="1463008" y="5654940"/>
-                  <a:pt x="0" y="4191932"/>
-                  <a:pt x="0" y="2387221"/>
-                </a:cubicBezTo>
-                <a:cubicBezTo>
-                  <a:pt x="0" y="1484866"/>
-                  <a:pt x="365752" y="667936"/>
-                  <a:pt x="957093" y="76595"/>
-                </a:cubicBezTo>
-                <a:close/>
-              </a:path>
-            </a:pathLst>
-          </a:custGeom>
-          <a:solidFill>
-            <a:schemeClr val="tx1"/>
-          </a:solidFill>
-          <a:ln>
-            <a:noFill/>
-          </a:ln>
-        </p:spPr>
-        <p:style>
-          <a:lnRef idx="2">
-            <a:schemeClr val="accent1">
-              <a:shade val="50000"/>
-            </a:schemeClr>
-          </a:lnRef>
-          <a:fillRef idx="1">
-            <a:schemeClr val="accent1"/>
-          </a:fillRef>
-          <a:effectRef idx="0">
-            <a:schemeClr val="accent1"/>
-          </a:effectRef>
-          <a:fontRef idx="minor">
-            <a:schemeClr val="lt1"/>
-          </a:fontRef>
-        </p:style>
-        <p:txBody>
-          <a:bodyPr rtlCol="0" anchor="ctr"/>
-          <a:lstStyle/>
-          <a:p>
-            <a:pPr marL="0" marR="0" lvl="0" indent="0" algn="ctr" defTabSz="914400" rtl="0" eaLnBrk="1" fontAlgn="auto" latinLnBrk="0" hangingPunct="1">
-              <a:lnSpc>
-                <a:spcPct val="100000"/>
-              </a:lnSpc>
-              <a:spcBef>
-                <a:spcPts val="0"/>
-              </a:spcBef>
-              <a:spcAft>
-                <a:spcPts val="0"/>
-              </a:spcAft>
-              <a:buClrTx/>
-              <a:buSzTx/>
-              <a:buFontTx/>
-              <a:buNone/>
-              <a:tabLst/>
-              <a:defRPr/>
-            </a:pPr>
-            <a:endParaRPr kumimoji="0" lang="en-US" sz="1800" b="0" i="0" u="none" strike="noStrike" kern="1200" cap="none" spc="0" normalizeH="0" baseline="0" noProof="0">
-              <a:ln>
-                <a:noFill/>
-              </a:ln>
-              <a:solidFill>
-                <a:prstClr val="white"/>
-              </a:solidFill>
-              <a:effectLst/>
-              <a:uLnTx/>
-              <a:uFillTx/>
-              <a:latin typeface="Calibri" panose="020F0502020204030204"/>
-              <a:ea typeface="+mn-ea"/>
-              <a:cs typeface="+mn-cs"/>
-            </a:endParaRPr>
-          </a:p>
-        </p:txBody>
-      </p:sp>
-      <p:pic>
-        <p:nvPicPr>
-          <p:cNvPr id="6" name="Graphic 5" descr="Earth Globe Americas">
-            <a:extLst>
-              <a:ext uri="{FF2B5EF4-FFF2-40B4-BE49-F238E27FC236}">
-                <a16:creationId xmlns:a16="http://schemas.microsoft.com/office/drawing/2014/main" id="{1F23FCC0-4EE4-6F7A-F285-853C3C4BE3EB}"/>
-              </a:ext>
-            </a:extLst>
-          </p:cNvPr>
-          <p:cNvPicPr>
-            <a:picLocks noChangeAspect="1"/>
-          </p:cNvPicPr>
-          <p:nvPr/>
-        </p:nvPicPr>
-        <p:blipFill>
-          <a:blip r:embed="rId2">
-            <a:extLst>
-              <a:ext uri="{28A0092B-C50C-407E-A947-70E740481C1C}">
-                <a14:useLocalDpi xmlns:a14="http://schemas.microsoft.com/office/drawing/2010/main" val="0"/>
-              </a:ext>
-              <a:ext uri="{96DAC541-7B7A-43D3-8B79-37D633B846F1}">
-                <asvg:svgBlip xmlns:asvg="http://schemas.microsoft.com/office/drawing/2016/SVG/main" r:embed="rId3"/>
-              </a:ext>
-            </a:extLst>
-          </a:blip>
-          <a:stretch>
-            <a:fillRect/>
-          </a:stretch>
-        </p:blipFill>
-        <p:spPr>
-          <a:xfrm>
-            <a:off x="5913042" y="1117601"/>
-            <a:ext cx="2847593" cy="2847593"/>
-          </a:xfrm>
-          <a:prstGeom prst="rect">
-            <a:avLst/>
-          </a:prstGeom>
-        </p:spPr>
-      </p:pic>
-    </p:spTree>
-    <p:extLst>
-      <p:ext uri="{BB962C8B-B14F-4D97-AF65-F5344CB8AC3E}">
-        <p14:creationId xmlns:p14="http://schemas.microsoft.com/office/powerpoint/2010/main" val="3255250073"/>
-      </p:ext>
-    </p:extLst>
-  </p:cSld>
-  <p:clrMapOvr>
-    <a:overrideClrMapping bg1="dk1" tx1="lt1" bg2="dk2" tx2="lt2" accent1="accent1" accent2="accent2" accent3="accent3" accent4="accent4" accent5="accent5" accent6="accent6" hlink="hlink" folHlink="folHlink"/>
   </p:clrMapOvr>
 </p:sld>
 </file>
@@ -9233,6 +9525,15 @@
 </file>
 
 <file path=customXml/item1.xml><?xml version="1.0" encoding="utf-8"?>
+<?mso-contentType ?>
+<FormTemplates xmlns="http://schemas.microsoft.com/sharepoint/v3/contenttype/forms">
+  <Display>DocumentLibraryForm</Display>
+  <Edit>AssetEditForm</Edit>
+  <New>DocumentLibraryForm</New>
+</FormTemplates>
+</file>
+
+<file path=customXml/item2.xml><?xml version="1.0" encoding="utf-8"?>
 <ct:contentTypeSchema xmlns:ct="http://schemas.microsoft.com/office/2006/metadata/contentType" xmlns:ma="http://schemas.microsoft.com/office/2006/metadata/properties/metaAttributes" ct:_="" ma:_="" ma:contentTypeName="TemplateFile" ma:contentTypeID="0x01010069924D1ECC420D47A2456556BC94F7370400BDF4491DEA4973499845289601F88B9F" ma:contentTypeVersion="55" ma:contentTypeDescription="Create a new document." ma:contentTypeScope="" ma:versionID="41eb558a2b826e6e4f9defd990175bec">
   <xsd:schema xmlns:xsd="http://www.w3.org/2001/XMLSchema" xmlns:xs="http://www.w3.org/2001/XMLSchema" xmlns:p="http://schemas.microsoft.com/office/2006/metadata/properties" xmlns:ns2="6d93d202-47fc-4405-873a-cab67cc5f1b2" xmlns:ns3="64acb2c5-0a2b-4bda-bd34-58e36cbb80d2" targetNamespace="http://schemas.microsoft.com/office/2006/metadata/properties" ma:root="true" ma:fieldsID="19deea0185cf7bc57eee9b90b1ba2ace" ns2:_="" ns3:_="">
     <xsd:import namespace="6d93d202-47fc-4405-873a-cab67cc5f1b2"/>
@@ -10291,15 +10592,6 @@
 </ct:contentTypeSchema>
 </file>
 
-<file path=customXml/item2.xml><?xml version="1.0" encoding="utf-8"?>
-<?mso-contentType ?>
-<FormTemplates xmlns="http://schemas.microsoft.com/sharepoint/v3/contenttype/forms">
-  <Display>DocumentLibraryForm</Display>
-  <Edit>AssetEditForm</Edit>
-  <New>DocumentLibraryForm</New>
-</FormTemplates>
-</file>
-
 <file path=customXml/item3.xml><?xml version="1.0" encoding="utf-8"?>
 <p:properties xmlns:p="http://schemas.microsoft.com/office/2006/metadata/properties" xmlns:xsi="http://www.w3.org/2001/XMLSchema-instance" xmlns:pc="http://schemas.microsoft.com/office/infopath/2007/PartnerControls">
   <documentManagement>
@@ -10433,6 +10725,14 @@
 </file>
 
 <file path=customXml/itemProps1.xml><?xml version="1.0" encoding="utf-8"?>
+<ds:datastoreItem xmlns:ds="http://schemas.openxmlformats.org/officeDocument/2006/customXml" ds:itemID="{4CDF1A0C-CFBC-43C4-B66C-6A39D34967F7}">
+  <ds:schemaRefs>
+    <ds:schemaRef ds:uri="http://schemas.microsoft.com/sharepoint/v3/contenttype/forms"/>
+  </ds:schemaRefs>
+</ds:datastoreItem>
+</file>
+
+<file path=customXml/itemProps2.xml><?xml version="1.0" encoding="utf-8"?>
 <ds:datastoreItem xmlns:ds="http://schemas.openxmlformats.org/officeDocument/2006/customXml" ds:itemID="{B4FD0025-B240-4854-891C-BA58ACC09C6D}">
   <ds:schemaRefs>
     <ds:schemaRef ds:uri="http://schemas.microsoft.com/office/2006/metadata/contentType"/>
@@ -10451,14 +10751,6 @@
 </ds:datastoreItem>
 </file>
 
-<file path=customXml/itemProps2.xml><?xml version="1.0" encoding="utf-8"?>
-<ds:datastoreItem xmlns:ds="http://schemas.openxmlformats.org/officeDocument/2006/customXml" ds:itemID="{4CDF1A0C-CFBC-43C4-B66C-6A39D34967F7}">
-  <ds:schemaRefs>
-    <ds:schemaRef ds:uri="http://schemas.microsoft.com/sharepoint/v3/contenttype/forms"/>
-  </ds:schemaRefs>
-</ds:datastoreItem>
-</file>
-
 <file path=customXml/itemProps3.xml><?xml version="1.0" encoding="utf-8"?>
 <ds:datastoreItem xmlns:ds="http://schemas.openxmlformats.org/officeDocument/2006/customXml" ds:itemID="{0FD25C35-DB16-4838-98EB-2166CA420D3C}">
   <ds:schemaRefs>

--- a/Annexes/P4.pptx
+++ b/Annexes/P4.pptx
@@ -26,6 +26,8 @@
     <p:sldId id="272" r:id="rId23"/>
     <p:sldId id="273" r:id="rId24"/>
     <p:sldId id="274" r:id="rId25"/>
+    <p:sldId id="277" r:id="rId26"/>
+    <p:sldId id="278" r:id="rId27"/>
   </p:sldIdLst>
   <p:sldSz cx="9144000" cy="6858000" type="screen4x3"/>
   <p:notesSz cx="6858000" cy="9144000"/>
@@ -7603,6 +7605,126 @@
     <p:extLst>
       <p:ext uri="{BB962C8B-B14F-4D97-AF65-F5344CB8AC3E}">
         <p14:creationId xmlns:p14="http://schemas.microsoft.com/office/powerpoint/2010/main" val="1531267576"/>
+      </p:ext>
+    </p:extLst>
+  </p:cSld>
+  <p:clrMapOvr>
+    <a:masterClrMapping/>
+  </p:clrMapOvr>
+</p:sld>
+</file>
+
+<file path=ppt/slides/slide22.xml><?xml version="1.0" encoding="utf-8"?>
+<p:sld xmlns:a="http://schemas.openxmlformats.org/drawingml/2006/main" xmlns:r="http://schemas.openxmlformats.org/officeDocument/2006/relationships" xmlns:p="http://schemas.openxmlformats.org/presentationml/2006/main">
+  <p:cSld>
+    <p:spTree>
+      <p:nvGrpSpPr>
+        <p:cNvPr id="1" name=""/>
+        <p:cNvGrpSpPr/>
+        <p:nvPr/>
+      </p:nvGrpSpPr>
+      <p:grpSpPr>
+        <a:xfrm>
+          <a:off x="0" y="0"/>
+          <a:ext cx="0" cy="0"/>
+          <a:chOff x="0" y="0"/>
+          <a:chExt cx="0" cy="0"/>
+        </a:xfrm>
+      </p:grpSpPr>
+      <p:pic>
+        <p:nvPicPr>
+          <p:cNvPr id="3" name="Image 2">
+            <a:extLst>
+              <a:ext uri="{FF2B5EF4-FFF2-40B4-BE49-F238E27FC236}">
+                <a16:creationId xmlns:a16="http://schemas.microsoft.com/office/drawing/2014/main" id="{419D67AC-6211-4405-83DC-4EDFDD562CC1}"/>
+              </a:ext>
+            </a:extLst>
+          </p:cNvPr>
+          <p:cNvPicPr>
+            <a:picLocks noChangeAspect="1"/>
+          </p:cNvPicPr>
+          <p:nvPr/>
+        </p:nvPicPr>
+        <p:blipFill>
+          <a:blip r:embed="rId2"/>
+          <a:stretch>
+            <a:fillRect/>
+          </a:stretch>
+        </p:blipFill>
+        <p:spPr>
+          <a:xfrm>
+            <a:off x="0" y="940065"/>
+            <a:ext cx="9144000" cy="4977869"/>
+          </a:xfrm>
+          <a:prstGeom prst="rect">
+            <a:avLst/>
+          </a:prstGeom>
+        </p:spPr>
+      </p:pic>
+    </p:spTree>
+    <p:extLst>
+      <p:ext uri="{BB962C8B-B14F-4D97-AF65-F5344CB8AC3E}">
+        <p14:creationId xmlns:p14="http://schemas.microsoft.com/office/powerpoint/2010/main" val="2519029320"/>
+      </p:ext>
+    </p:extLst>
+  </p:cSld>
+  <p:clrMapOvr>
+    <a:masterClrMapping/>
+  </p:clrMapOvr>
+</p:sld>
+</file>
+
+<file path=ppt/slides/slide23.xml><?xml version="1.0" encoding="utf-8"?>
+<p:sld xmlns:a="http://schemas.openxmlformats.org/drawingml/2006/main" xmlns:r="http://schemas.openxmlformats.org/officeDocument/2006/relationships" xmlns:p="http://schemas.openxmlformats.org/presentationml/2006/main">
+  <p:cSld>
+    <p:spTree>
+      <p:nvGrpSpPr>
+        <p:cNvPr id="1" name=""/>
+        <p:cNvGrpSpPr/>
+        <p:nvPr/>
+      </p:nvGrpSpPr>
+      <p:grpSpPr>
+        <a:xfrm>
+          <a:off x="0" y="0"/>
+          <a:ext cx="0" cy="0"/>
+          <a:chOff x="0" y="0"/>
+          <a:chExt cx="0" cy="0"/>
+        </a:xfrm>
+      </p:grpSpPr>
+      <p:pic>
+        <p:nvPicPr>
+          <p:cNvPr id="3" name="Image 2">
+            <a:extLst>
+              <a:ext uri="{FF2B5EF4-FFF2-40B4-BE49-F238E27FC236}">
+                <a16:creationId xmlns:a16="http://schemas.microsoft.com/office/drawing/2014/main" id="{67B805E4-DF34-4F8C-9A49-08B42D021487}"/>
+              </a:ext>
+            </a:extLst>
+          </p:cNvPr>
+          <p:cNvPicPr>
+            <a:picLocks noChangeAspect="1"/>
+          </p:cNvPicPr>
+          <p:nvPr/>
+        </p:nvPicPr>
+        <p:blipFill>
+          <a:blip r:embed="rId2"/>
+          <a:stretch>
+            <a:fillRect/>
+          </a:stretch>
+        </p:blipFill>
+        <p:spPr>
+          <a:xfrm>
+            <a:off x="0" y="239318"/>
+            <a:ext cx="9144000" cy="6379363"/>
+          </a:xfrm>
+          <a:prstGeom prst="rect">
+            <a:avLst/>
+          </a:prstGeom>
+        </p:spPr>
+      </p:pic>
+    </p:spTree>
+    <p:extLst>
+      <p:ext uri="{BB962C8B-B14F-4D97-AF65-F5344CB8AC3E}">
+        <p14:creationId xmlns:p14="http://schemas.microsoft.com/office/powerpoint/2010/main" val="2145812727"/>
       </p:ext>
     </p:extLst>
   </p:cSld>

--- a/Annexes/P4.pptx
+++ b/Annexes/P4.pptx
@@ -6,28 +6,30 @@
   </p:sldMasterIdLst>
   <p:sldIdLst>
     <p:sldId id="256" r:id="rId5"/>
-    <p:sldId id="260" r:id="rId6"/>
-    <p:sldId id="257" r:id="rId7"/>
+    <p:sldId id="280" r:id="rId6"/>
+    <p:sldId id="260" r:id="rId7"/>
     <p:sldId id="258" r:id="rId8"/>
-    <p:sldId id="259" r:id="rId9"/>
-    <p:sldId id="261" r:id="rId10"/>
-    <p:sldId id="262" r:id="rId11"/>
-    <p:sldId id="269" r:id="rId12"/>
-    <p:sldId id="270" r:id="rId13"/>
-    <p:sldId id="263" r:id="rId14"/>
-    <p:sldId id="264" r:id="rId15"/>
-    <p:sldId id="265" r:id="rId16"/>
-    <p:sldId id="266" r:id="rId17"/>
-    <p:sldId id="275" r:id="rId18"/>
-    <p:sldId id="276" r:id="rId19"/>
-    <p:sldId id="267" r:id="rId20"/>
-    <p:sldId id="268" r:id="rId21"/>
-    <p:sldId id="271" r:id="rId22"/>
-    <p:sldId id="272" r:id="rId23"/>
-    <p:sldId id="273" r:id="rId24"/>
-    <p:sldId id="274" r:id="rId25"/>
-    <p:sldId id="277" r:id="rId26"/>
-    <p:sldId id="278" r:id="rId27"/>
+    <p:sldId id="257" r:id="rId9"/>
+    <p:sldId id="268" r:id="rId10"/>
+    <p:sldId id="272" r:id="rId11"/>
+    <p:sldId id="273" r:id="rId12"/>
+    <p:sldId id="271" r:id="rId13"/>
+    <p:sldId id="279" r:id="rId14"/>
+    <p:sldId id="259" r:id="rId15"/>
+    <p:sldId id="261" r:id="rId16"/>
+    <p:sldId id="262" r:id="rId17"/>
+    <p:sldId id="269" r:id="rId18"/>
+    <p:sldId id="270" r:id="rId19"/>
+    <p:sldId id="263" r:id="rId20"/>
+    <p:sldId id="264" r:id="rId21"/>
+    <p:sldId id="265" r:id="rId22"/>
+    <p:sldId id="266" r:id="rId23"/>
+    <p:sldId id="275" r:id="rId24"/>
+    <p:sldId id="276" r:id="rId25"/>
+    <p:sldId id="267" r:id="rId26"/>
+    <p:sldId id="274" r:id="rId27"/>
+    <p:sldId id="277" r:id="rId28"/>
+    <p:sldId id="278" r:id="rId29"/>
   </p:sldIdLst>
   <p:sldSz cx="9144000" cy="6858000" type="screen4x3"/>
   <p:notesSz cx="6858000" cy="9144000"/>
@@ -3065,6 +3067,14 @@
 <file path=ppt/slides/slide1.xml><?xml version="1.0" encoding="utf-8"?>
 <p:sld xmlns:a="http://schemas.openxmlformats.org/drawingml/2006/main" xmlns:r="http://schemas.openxmlformats.org/officeDocument/2006/relationships" xmlns:p="http://schemas.openxmlformats.org/presentationml/2006/main">
   <p:cSld>
+    <p:bg>
+      <p:bgPr>
+        <a:solidFill>
+          <a:schemeClr val="bg1"/>
+        </a:solidFill>
+        <a:effectLst/>
+      </p:bgPr>
+    </p:bg>
     <p:spTree>
       <p:nvGrpSpPr>
         <p:cNvPr id="1" name=""/>
@@ -3079,6 +3089,69 @@
           <a:chExt cx="0" cy="0"/>
         </a:xfrm>
       </p:grpSpPr>
+      <p:sp>
+        <p:nvSpPr>
+          <p:cNvPr id="1463" name="Rectangle 1462">
+            <a:extLst>
+              <a:ext uri="{FF2B5EF4-FFF2-40B4-BE49-F238E27FC236}">
+                <a16:creationId xmlns:a16="http://schemas.microsoft.com/office/drawing/2014/main" id="{B4D3D850-2041-4B7C-AED9-54DA385B14F7}"/>
+              </a:ext>
+              <a:ext uri="{C183D7F6-B498-43B3-948B-1728B52AA6E4}">
+                <adec:decorative xmlns:adec="http://schemas.microsoft.com/office/drawing/2017/decorative" val="1"/>
+              </a:ext>
+            </a:extLst>
+          </p:cNvPr>
+          <p:cNvSpPr>
+            <a:spLocks noGrp="1" noRot="1" noChangeAspect="1" noMove="1" noResize="1" noEditPoints="1" noAdjustHandles="1" noChangeArrowheads="1" noChangeShapeType="1" noTextEdit="1"/>
+          </p:cNvSpPr>
+          <p:nvPr>
+            <p:extLst>
+              <p:ext uri="{386F3935-93C4-4BCD-93E2-E3B085C9AB24}">
+                <p16:designElem xmlns:p16="http://schemas.microsoft.com/office/powerpoint/2015/main" val="1"/>
+              </p:ext>
+            </p:extLst>
+          </p:nvPr>
+        </p:nvSpPr>
+        <p:spPr>
+          <a:xfrm>
+            <a:off x="0" y="0"/>
+            <a:ext cx="9144000" cy="6858000"/>
+          </a:xfrm>
+          <a:prstGeom prst="rect">
+            <a:avLst/>
+          </a:prstGeom>
+          <a:solidFill>
+            <a:schemeClr val="bg2"/>
+          </a:solidFill>
+          <a:ln>
+            <a:noFill/>
+          </a:ln>
+        </p:spPr>
+        <p:style>
+          <a:lnRef idx="2">
+            <a:schemeClr val="accent1">
+              <a:shade val="50000"/>
+            </a:schemeClr>
+          </a:lnRef>
+          <a:fillRef idx="1">
+            <a:schemeClr val="accent1"/>
+          </a:fillRef>
+          <a:effectRef idx="0">
+            <a:schemeClr val="accent1"/>
+          </a:effectRef>
+          <a:fontRef idx="minor">
+            <a:schemeClr val="lt1"/>
+          </a:fontRef>
+        </p:style>
+        <p:txBody>
+          <a:bodyPr rtlCol="0" anchor="ctr"/>
+          <a:lstStyle/>
+          <a:p>
+            <a:pPr algn="ctr"/>
+            <a:endParaRPr lang="en-US" dirty="0"/>
+          </a:p>
+        </p:txBody>
+      </p:sp>
       <p:pic>
         <p:nvPicPr>
           <p:cNvPr id="1440" name="Picture 416" descr="C:\Users\Tom\AppData\Local\Microsoft\Windows\Temporary Internet Files\Content.IE5\3TCQXQ9O\MPj04331760000[1].jpg"/>
@@ -3087,17 +3160,15 @@
           </p:cNvPicPr>
           <p:nvPr/>
         </p:nvPicPr>
-        <p:blipFill>
+        <p:blipFill rotWithShape="1">
           <a:blip r:embed="rId2" cstate="print"/>
-          <a:srcRect/>
-          <a:stretch>
-            <a:fillRect/>
-          </a:stretch>
+          <a:srcRect l="13616" r="36385"/>
+          <a:stretch/>
         </p:blipFill>
         <p:spPr bwMode="auto">
           <a:xfrm>
-            <a:off x="0" y="0"/>
-            <a:ext cx="9144000" cy="6858000"/>
+            <a:off x="20" y="10"/>
+            <a:ext cx="4571980" cy="6857990"/>
           </a:xfrm>
           <a:prstGeom prst="rect">
             <a:avLst/>
@@ -3105,6 +3176,169 @@
           <a:noFill/>
         </p:spPr>
       </p:pic>
+      <p:pic>
+        <p:nvPicPr>
+          <p:cNvPr id="4" name="Image 3">
+            <a:extLst>
+              <a:ext uri="{FF2B5EF4-FFF2-40B4-BE49-F238E27FC236}">
+                <a16:creationId xmlns:a16="http://schemas.microsoft.com/office/drawing/2014/main" id="{CE4710F8-BC65-4423-A405-9180FF256C74}"/>
+              </a:ext>
+            </a:extLst>
+          </p:cNvPr>
+          <p:cNvPicPr>
+            <a:picLocks noChangeAspect="1"/>
+          </p:cNvPicPr>
+          <p:nvPr/>
+        </p:nvPicPr>
+        <p:blipFill rotWithShape="1">
+          <a:blip r:embed="rId3"/>
+          <a:srcRect l="5588" r="82079"/>
+          <a:stretch/>
+        </p:blipFill>
+        <p:spPr>
+          <a:xfrm>
+            <a:off x="4572000" y="10"/>
+            <a:ext cx="4572000" cy="6857990"/>
+          </a:xfrm>
+          <a:prstGeom prst="rect">
+            <a:avLst/>
+          </a:prstGeom>
+        </p:spPr>
+      </p:pic>
+      <p:sp>
+        <p:nvSpPr>
+          <p:cNvPr id="1465" name="Rectangle 1464">
+            <a:extLst>
+              <a:ext uri="{FF2B5EF4-FFF2-40B4-BE49-F238E27FC236}">
+                <a16:creationId xmlns:a16="http://schemas.microsoft.com/office/drawing/2014/main" id="{B497CCB5-5FC2-473C-AFCC-2430CEF1DF71}"/>
+              </a:ext>
+              <a:ext uri="{C183D7F6-B498-43B3-948B-1728B52AA6E4}">
+                <adec:decorative xmlns:adec="http://schemas.microsoft.com/office/drawing/2017/decorative" val="1"/>
+              </a:ext>
+            </a:extLst>
+          </p:cNvPr>
+          <p:cNvSpPr>
+            <a:spLocks noGrp="1" noRot="1" noChangeAspect="1" noMove="1" noResize="1" noEditPoints="1" noAdjustHandles="1" noChangeArrowheads="1" noChangeShapeType="1" noTextEdit="1"/>
+          </p:cNvSpPr>
+          <p:nvPr>
+            <p:extLst>
+              <p:ext uri="{386F3935-93C4-4BCD-93E2-E3B085C9AB24}">
+                <p16:designElem xmlns:p16="http://schemas.microsoft.com/office/powerpoint/2015/main" val="1"/>
+              </p:ext>
+            </p:extLst>
+          </p:nvPr>
+        </p:nvSpPr>
+        <p:spPr>
+          <a:xfrm rot="2700000">
+            <a:off x="2885915" y="2164437"/>
+            <a:ext cx="3372170" cy="2529126"/>
+          </a:xfrm>
+          <a:prstGeom prst="rect">
+            <a:avLst/>
+          </a:prstGeom>
+          <a:solidFill>
+            <a:srgbClr val="FFFFFF"/>
+          </a:solidFill>
+          <a:ln>
+            <a:noFill/>
+          </a:ln>
+        </p:spPr>
+        <p:style>
+          <a:lnRef idx="2">
+            <a:schemeClr val="accent1">
+              <a:shade val="50000"/>
+            </a:schemeClr>
+          </a:lnRef>
+          <a:fillRef idx="1">
+            <a:schemeClr val="accent1"/>
+          </a:fillRef>
+          <a:effectRef idx="0">
+            <a:schemeClr val="accent1"/>
+          </a:effectRef>
+          <a:fontRef idx="minor">
+            <a:schemeClr val="lt1"/>
+          </a:fontRef>
+        </p:style>
+        <p:txBody>
+          <a:bodyPr rtlCol="0" anchor="ctr"/>
+          <a:lstStyle/>
+          <a:p>
+            <a:pPr algn="ctr"/>
+            <a:endParaRPr lang="en-US"/>
+          </a:p>
+        </p:txBody>
+      </p:sp>
+      <p:sp>
+        <p:nvSpPr>
+          <p:cNvPr id="1467" name="Frame 1466">
+            <a:extLst>
+              <a:ext uri="{FF2B5EF4-FFF2-40B4-BE49-F238E27FC236}">
+                <a16:creationId xmlns:a16="http://schemas.microsoft.com/office/drawing/2014/main" id="{599C8C75-BFDF-44E7-A028-EEB5EDD58817}"/>
+              </a:ext>
+              <a:ext uri="{C183D7F6-B498-43B3-948B-1728B52AA6E4}">
+                <adec:decorative xmlns:adec="http://schemas.microsoft.com/office/drawing/2017/decorative" val="1"/>
+              </a:ext>
+            </a:extLst>
+          </p:cNvPr>
+          <p:cNvSpPr>
+            <a:spLocks noGrp="1" noRot="1" noChangeAspect="1" noMove="1" noResize="1" noEditPoints="1" noAdjustHandles="1" noChangeArrowheads="1" noChangeShapeType="1" noTextEdit="1"/>
+          </p:cNvSpPr>
+          <p:nvPr>
+            <p:extLst>
+              <p:ext uri="{386F3935-93C4-4BCD-93E2-E3B085C9AB24}">
+                <p16:designElem xmlns:p16="http://schemas.microsoft.com/office/powerpoint/2015/main" val="1"/>
+              </p:ext>
+            </p:extLst>
+          </p:nvPr>
+        </p:nvSpPr>
+        <p:spPr>
+          <a:xfrm rot="2700000">
+            <a:off x="2447277" y="1835459"/>
+            <a:ext cx="4249446" cy="3187083"/>
+          </a:xfrm>
+          <a:prstGeom prst="frame">
+            <a:avLst>
+              <a:gd name="adj1" fmla="val 1195"/>
+            </a:avLst>
+          </a:prstGeom>
+          <a:solidFill>
+            <a:srgbClr val="FFFFFF">
+              <a:alpha val="60000"/>
+            </a:srgbClr>
+          </a:solidFill>
+          <a:ln>
+            <a:noFill/>
+          </a:ln>
+        </p:spPr>
+        <p:style>
+          <a:lnRef idx="2">
+            <a:schemeClr val="accent1">
+              <a:shade val="50000"/>
+            </a:schemeClr>
+          </a:lnRef>
+          <a:fillRef idx="1">
+            <a:schemeClr val="accent1"/>
+          </a:fillRef>
+          <a:effectRef idx="0">
+            <a:schemeClr val="accent1"/>
+          </a:effectRef>
+          <a:fontRef idx="minor">
+            <a:schemeClr val="lt1"/>
+          </a:fontRef>
+        </p:style>
+        <p:txBody>
+          <a:bodyPr rtlCol="0" anchor="ctr"/>
+          <a:lstStyle/>
+          <a:p>
+            <a:pPr algn="ctr"/>
+            <a:endParaRPr lang="en-US">
+              <a:solidFill>
+                <a:schemeClr val="tx1"/>
+              </a:solidFill>
+            </a:endParaRPr>
+          </a:p>
+        </p:txBody>
+      </p:sp>
       <p:sp>
         <p:nvSpPr>
           <p:cNvPr id="3" name="Sous-titre 2"/>
@@ -3115,12 +3349,27 @@
             <p:ph type="subTitle" idx="1"/>
           </p:nvPr>
         </p:nvSpPr>
-        <p:spPr/>
-        <p:txBody>
-          <a:bodyPr/>
+        <p:spPr>
+          <a:xfrm>
+            <a:off x="3491880" y="3515740"/>
+            <a:ext cx="2092974" cy="1345719"/>
+          </a:xfrm>
+          <a:noFill/>
+        </p:spPr>
+        <p:txBody>
+          <a:bodyPr>
+            <a:normAutofit/>
+          </a:bodyPr>
           <a:lstStyle/>
           <a:p>
-            <a:endParaRPr lang="fr-FR" dirty="0"/>
+            <a:r>
+              <a:rPr lang="fr-FR" sz="2400" dirty="0">
+                <a:solidFill>
+                  <a:srgbClr val="080808"/>
+                </a:solidFill>
+              </a:rPr>
+              <a:t>Améliorer le référencement</a:t>
+            </a:r>
           </a:p>
         </p:txBody>
       </p:sp>
@@ -3134,15 +3383,39 @@
             <p:ph type="ctrTitle"/>
           </p:nvPr>
         </p:nvSpPr>
-        <p:spPr/>
-        <p:txBody>
-          <a:bodyPr/>
+        <p:spPr>
+          <a:xfrm>
+            <a:off x="3215143" y="2761554"/>
+            <a:ext cx="2713713" cy="754186"/>
+          </a:xfrm>
+          <a:noFill/>
+        </p:spPr>
+        <p:txBody>
+          <a:bodyPr anchor="ctr">
+            <a:normAutofit fontScale="90000"/>
+          </a:bodyPr>
           <a:lstStyle/>
           <a:p>
             <a:r>
-              <a:rPr lang="fr-FR" dirty="0"/>
-              <a:t>P4</a:t>
+              <a:rPr lang="fr-FR" sz="2400" dirty="0">
+                <a:solidFill>
+                  <a:srgbClr val="080808"/>
+                </a:solidFill>
+              </a:rPr>
+              <a:t>P4 </a:t>
             </a:r>
+            <a:br>
+              <a:rPr lang="fr-FR" sz="2400" dirty="0">
+                <a:solidFill>
+                  <a:srgbClr val="080808"/>
+                </a:solidFill>
+              </a:rPr>
+            </a:br>
+            <a:endParaRPr lang="fr-FR" sz="2400" dirty="0">
+              <a:solidFill>
+                <a:srgbClr val="080808"/>
+              </a:solidFill>
+            </a:endParaRPr>
           </a:p>
         </p:txBody>
       </p:sp>
@@ -3155,6 +3428,1938 @@
 </file>
 
 <file path=ppt/slides/slide10.xml><?xml version="1.0" encoding="utf-8"?>
+<p:sld xmlns:a="http://schemas.openxmlformats.org/drawingml/2006/main" xmlns:r="http://schemas.openxmlformats.org/officeDocument/2006/relationships" xmlns:p="http://schemas.openxmlformats.org/presentationml/2006/main">
+  <p:cSld>
+    <p:bg>
+      <p:bgPr>
+        <a:solidFill>
+          <a:schemeClr val="bg1"/>
+        </a:solidFill>
+        <a:effectLst/>
+      </p:bgPr>
+    </p:bg>
+    <p:spTree>
+      <p:nvGrpSpPr>
+        <p:cNvPr id="1" name=""/>
+        <p:cNvGrpSpPr/>
+        <p:nvPr/>
+      </p:nvGrpSpPr>
+      <p:grpSpPr>
+        <a:xfrm>
+          <a:off x="0" y="0"/>
+          <a:ext cx="0" cy="0"/>
+          <a:chOff x="0" y="0"/>
+          <a:chExt cx="0" cy="0"/>
+        </a:xfrm>
+      </p:grpSpPr>
+      <p:sp useBgFill="1">
+        <p:nvSpPr>
+          <p:cNvPr id="10" name="Rectangle 9">
+            <a:extLst>
+              <a:ext uri="{FF2B5EF4-FFF2-40B4-BE49-F238E27FC236}">
+                <a16:creationId xmlns:a16="http://schemas.microsoft.com/office/drawing/2014/main" id="{A8384FB5-9ADC-4DDC-881B-597D56F5B15D}"/>
+              </a:ext>
+              <a:ext uri="{C183D7F6-B498-43B3-948B-1728B52AA6E4}">
+                <adec:decorative xmlns:adec="http://schemas.microsoft.com/office/drawing/2017/decorative" val="1"/>
+              </a:ext>
+            </a:extLst>
+          </p:cNvPr>
+          <p:cNvSpPr>
+            <a:spLocks noGrp="1" noRot="1" noChangeAspect="1" noMove="1" noResize="1" noEditPoints="1" noAdjustHandles="1" noChangeArrowheads="1" noChangeShapeType="1" noTextEdit="1"/>
+          </p:cNvSpPr>
+          <p:nvPr>
+            <p:extLst>
+              <p:ext uri="{386F3935-93C4-4BCD-93E2-E3B085C9AB24}">
+                <p16:designElem xmlns:p16="http://schemas.microsoft.com/office/powerpoint/2015/main" val="1"/>
+              </p:ext>
+            </p:extLst>
+          </p:nvPr>
+        </p:nvSpPr>
+        <p:spPr>
+          <a:xfrm>
+            <a:off x="0" y="0"/>
+            <a:ext cx="9144000" cy="6858000"/>
+          </a:xfrm>
+          <a:prstGeom prst="rect">
+            <a:avLst/>
+          </a:prstGeom>
+          <a:ln w="12700" cap="flat" cmpd="sng" algn="ctr">
+            <a:noFill/>
+            <a:prstDash val="solid"/>
+            <a:miter lim="800000"/>
+          </a:ln>
+          <a:effectLst/>
+          <a:extLst>
+            <a:ext uri="{91240B29-F687-4F45-9708-019B960494DF}">
+              <a14:hiddenLine xmlns:a14="http://schemas.microsoft.com/office/drawing/2010/main" w="12700" cap="flat" cmpd="sng" algn="ctr">
+                <a:solidFill>
+                  <a:schemeClr val="accent1">
+                    <a:shade val="50000"/>
+                  </a:schemeClr>
+                </a:solidFill>
+                <a:prstDash val="solid"/>
+                <a:miter lim="800000"/>
+              </a14:hiddenLine>
+            </a:ext>
+          </a:extLst>
+        </p:spPr>
+        <p:style>
+          <a:lnRef idx="2">
+            <a:schemeClr val="accent1">
+              <a:shade val="50000"/>
+            </a:schemeClr>
+          </a:lnRef>
+          <a:fillRef idx="1">
+            <a:schemeClr val="accent1"/>
+          </a:fillRef>
+          <a:effectRef idx="0">
+            <a:schemeClr val="accent1"/>
+          </a:effectRef>
+          <a:fontRef idx="minor">
+            <a:schemeClr val="lt1"/>
+          </a:fontRef>
+        </p:style>
+        <p:txBody>
+          <a:bodyPr rtlCol="0" anchor="ctr"/>
+          <a:lstStyle/>
+          <a:p>
+            <a:pPr algn="ctr"/>
+            <a:endParaRPr lang="en-US"/>
+          </a:p>
+        </p:txBody>
+      </p:sp>
+      <p:sp>
+        <p:nvSpPr>
+          <p:cNvPr id="12" name="Rectangle 11">
+            <a:extLst>
+              <a:ext uri="{FF2B5EF4-FFF2-40B4-BE49-F238E27FC236}">
+                <a16:creationId xmlns:a16="http://schemas.microsoft.com/office/drawing/2014/main" id="{1199E1B1-A8C0-4FE8-A5A8-1CB41D69F857}"/>
+              </a:ext>
+              <a:ext uri="{C183D7F6-B498-43B3-948B-1728B52AA6E4}">
+                <adec:decorative xmlns:adec="http://schemas.microsoft.com/office/drawing/2017/decorative" val="1"/>
+              </a:ext>
+            </a:extLst>
+          </p:cNvPr>
+          <p:cNvSpPr>
+            <a:spLocks noGrp="1" noRot="1" noChangeAspect="1" noMove="1" noResize="1" noEditPoints="1" noAdjustHandles="1" noChangeArrowheads="1" noChangeShapeType="1" noTextEdit="1"/>
+          </p:cNvSpPr>
+          <p:nvPr>
+            <p:extLst>
+              <p:ext uri="{386F3935-93C4-4BCD-93E2-E3B085C9AB24}">
+                <p16:designElem xmlns:p16="http://schemas.microsoft.com/office/powerpoint/2015/main" val="1"/>
+              </p:ext>
+            </p:extLst>
+          </p:nvPr>
+        </p:nvSpPr>
+        <p:spPr>
+          <a:xfrm rot="10800000" flipH="1">
+            <a:off x="1" y="0"/>
+            <a:ext cx="9143999" cy="1575955"/>
+          </a:xfrm>
+          <a:prstGeom prst="rect">
+            <a:avLst/>
+          </a:prstGeom>
+          <a:gradFill>
+            <a:gsLst>
+              <a:gs pos="0">
+                <a:srgbClr val="000000">
+                  <a:alpha val="96000"/>
+                </a:srgbClr>
+              </a:gs>
+              <a:gs pos="100000">
+                <a:schemeClr val="accent1">
+                  <a:lumMod val="75000"/>
+                </a:schemeClr>
+              </a:gs>
+            </a:gsLst>
+            <a:lin ang="6000000" scaled="0"/>
+          </a:gradFill>
+          <a:ln>
+            <a:noFill/>
+          </a:ln>
+        </p:spPr>
+        <p:style>
+          <a:lnRef idx="2">
+            <a:schemeClr val="accent1">
+              <a:shade val="50000"/>
+            </a:schemeClr>
+          </a:lnRef>
+          <a:fillRef idx="1">
+            <a:schemeClr val="accent1"/>
+          </a:fillRef>
+          <a:effectRef idx="0">
+            <a:schemeClr val="accent1"/>
+          </a:effectRef>
+          <a:fontRef idx="minor">
+            <a:schemeClr val="lt1"/>
+          </a:fontRef>
+        </p:style>
+        <p:txBody>
+          <a:bodyPr rtlCol="0" anchor="ctr"/>
+          <a:lstStyle/>
+          <a:p>
+            <a:pPr algn="ctr"/>
+            <a:endParaRPr lang="en-US"/>
+          </a:p>
+        </p:txBody>
+      </p:sp>
+      <p:sp>
+        <p:nvSpPr>
+          <p:cNvPr id="14" name="Rectangle 13">
+            <a:extLst>
+              <a:ext uri="{FF2B5EF4-FFF2-40B4-BE49-F238E27FC236}">
+                <a16:creationId xmlns:a16="http://schemas.microsoft.com/office/drawing/2014/main" id="{84A8DE83-DE75-4B41-9DB4-A7EC0B0DEC0B}"/>
+              </a:ext>
+              <a:ext uri="{C183D7F6-B498-43B3-948B-1728B52AA6E4}">
+                <adec:decorative xmlns:adec="http://schemas.microsoft.com/office/drawing/2017/decorative" val="1"/>
+              </a:ext>
+            </a:extLst>
+          </p:cNvPr>
+          <p:cNvSpPr>
+            <a:spLocks noGrp="1" noRot="1" noChangeAspect="1" noMove="1" noResize="1" noEditPoints="1" noAdjustHandles="1" noChangeArrowheads="1" noChangeShapeType="1" noTextEdit="1"/>
+          </p:cNvSpPr>
+          <p:nvPr>
+            <p:extLst>
+              <p:ext uri="{386F3935-93C4-4BCD-93E2-E3B085C9AB24}">
+                <p16:designElem xmlns:p16="http://schemas.microsoft.com/office/powerpoint/2015/main" val="1"/>
+              </p:ext>
+            </p:extLst>
+          </p:nvPr>
+        </p:nvSpPr>
+        <p:spPr>
+          <a:xfrm>
+            <a:off x="0" y="0"/>
+            <a:ext cx="6096642" cy="1575461"/>
+          </a:xfrm>
+          <a:prstGeom prst="rect">
+            <a:avLst/>
+          </a:prstGeom>
+          <a:gradFill>
+            <a:gsLst>
+              <a:gs pos="0">
+                <a:schemeClr val="accent1">
+                  <a:alpha val="41000"/>
+                </a:schemeClr>
+              </a:gs>
+              <a:gs pos="74000">
+                <a:schemeClr val="accent1">
+                  <a:lumMod val="60000"/>
+                  <a:lumOff val="40000"/>
+                  <a:alpha val="0"/>
+                </a:schemeClr>
+              </a:gs>
+            </a:gsLst>
+            <a:lin ang="8400000" scaled="0"/>
+          </a:gradFill>
+          <a:ln>
+            <a:noFill/>
+          </a:ln>
+        </p:spPr>
+        <p:style>
+          <a:lnRef idx="2">
+            <a:schemeClr val="accent1">
+              <a:shade val="50000"/>
+            </a:schemeClr>
+          </a:lnRef>
+          <a:fillRef idx="1">
+            <a:schemeClr val="accent1"/>
+          </a:fillRef>
+          <a:effectRef idx="0">
+            <a:schemeClr val="accent1"/>
+          </a:effectRef>
+          <a:fontRef idx="minor">
+            <a:schemeClr val="lt1"/>
+          </a:fontRef>
+        </p:style>
+        <p:txBody>
+          <a:bodyPr rtlCol="0" anchor="ctr"/>
+          <a:lstStyle/>
+          <a:p>
+            <a:pPr algn="ctr"/>
+            <a:endParaRPr lang="en-US"/>
+          </a:p>
+        </p:txBody>
+      </p:sp>
+      <p:sp>
+        <p:nvSpPr>
+          <p:cNvPr id="16" name="Rectangle 15">
+            <a:extLst>
+              <a:ext uri="{FF2B5EF4-FFF2-40B4-BE49-F238E27FC236}">
+                <a16:creationId xmlns:a16="http://schemas.microsoft.com/office/drawing/2014/main" id="{A7009A0A-BEF5-4EAC-AF15-E4F9F002E239}"/>
+              </a:ext>
+              <a:ext uri="{C183D7F6-B498-43B3-948B-1728B52AA6E4}">
+                <adec:decorative xmlns:adec="http://schemas.microsoft.com/office/drawing/2017/decorative" val="1"/>
+              </a:ext>
+            </a:extLst>
+          </p:cNvPr>
+          <p:cNvSpPr>
+            <a:spLocks noGrp="1" noRot="1" noChangeAspect="1" noMove="1" noResize="1" noEditPoints="1" noAdjustHandles="1" noChangeArrowheads="1" noChangeShapeType="1" noTextEdit="1"/>
+          </p:cNvSpPr>
+          <p:nvPr>
+            <p:extLst>
+              <p:ext uri="{386F3935-93C4-4BCD-93E2-E3B085C9AB24}">
+                <p16:designElem xmlns:p16="http://schemas.microsoft.com/office/powerpoint/2015/main" val="1"/>
+              </p:ext>
+            </p:extLst>
+          </p:nvPr>
+        </p:nvSpPr>
+        <p:spPr>
+          <a:xfrm flipH="1">
+            <a:off x="-2" y="-1"/>
+            <a:ext cx="9144001" cy="1574311"/>
+          </a:xfrm>
+          <a:prstGeom prst="rect">
+            <a:avLst/>
+          </a:prstGeom>
+          <a:gradFill>
+            <a:gsLst>
+              <a:gs pos="0">
+                <a:srgbClr val="000000">
+                  <a:alpha val="63000"/>
+                </a:srgbClr>
+              </a:gs>
+              <a:gs pos="78000">
+                <a:schemeClr val="accent1">
+                  <a:alpha val="15000"/>
+                </a:schemeClr>
+              </a:gs>
+            </a:gsLst>
+            <a:lin ang="15600000" scaled="0"/>
+          </a:gradFill>
+          <a:ln>
+            <a:noFill/>
+          </a:ln>
+        </p:spPr>
+        <p:style>
+          <a:lnRef idx="2">
+            <a:schemeClr val="accent1">
+              <a:shade val="50000"/>
+            </a:schemeClr>
+          </a:lnRef>
+          <a:fillRef idx="1">
+            <a:schemeClr val="accent1"/>
+          </a:fillRef>
+          <a:effectRef idx="0">
+            <a:schemeClr val="accent1"/>
+          </a:effectRef>
+          <a:fontRef idx="minor">
+            <a:schemeClr val="lt1"/>
+          </a:fontRef>
+        </p:style>
+        <p:txBody>
+          <a:bodyPr rtlCol="0" anchor="ctr"/>
+          <a:lstStyle/>
+          <a:p>
+            <a:pPr algn="ctr"/>
+            <a:endParaRPr lang="en-US"/>
+          </a:p>
+        </p:txBody>
+      </p:sp>
+      <p:sp>
+        <p:nvSpPr>
+          <p:cNvPr id="5" name="ZoneTexte 4">
+            <a:extLst>
+              <a:ext uri="{FF2B5EF4-FFF2-40B4-BE49-F238E27FC236}">
+                <a16:creationId xmlns:a16="http://schemas.microsoft.com/office/drawing/2014/main" id="{8702EB10-832F-44D6-88D0-AEA3C113349B}"/>
+              </a:ext>
+            </a:extLst>
+          </p:cNvPr>
+          <p:cNvSpPr txBox="1"/>
+          <p:nvPr/>
+        </p:nvSpPr>
+        <p:spPr>
+          <a:xfrm>
+            <a:off x="524784" y="248038"/>
+            <a:ext cx="5297791" cy="1159200"/>
+          </a:xfrm>
+          <a:prstGeom prst="rect">
+            <a:avLst/>
+          </a:prstGeom>
+        </p:spPr>
+        <p:txBody>
+          <a:bodyPr vert="horz" lIns="91440" tIns="45720" rIns="91440" bIns="45720" rtlCol="0" anchor="ctr">
+            <a:normAutofit/>
+          </a:bodyPr>
+          <a:lstStyle/>
+          <a:p>
+            <a:pPr>
+              <a:lnSpc>
+                <a:spcPct val="90000"/>
+              </a:lnSpc>
+              <a:spcBef>
+                <a:spcPct val="0"/>
+              </a:spcBef>
+              <a:spcAft>
+                <a:spcPts val="600"/>
+              </a:spcAft>
+            </a:pPr>
+            <a:r>
+              <a:rPr lang="en-US" sz="3500" kern="1200">
+                <a:solidFill>
+                  <a:srgbClr val="FFFFFF"/>
+                </a:solidFill>
+                <a:latin typeface="+mj-lt"/>
+                <a:ea typeface="+mj-ea"/>
+                <a:cs typeface="+mj-cs"/>
+              </a:rPr>
+              <a:t>Après</a:t>
+            </a:r>
+          </a:p>
+        </p:txBody>
+      </p:sp>
+      <p:pic>
+        <p:nvPicPr>
+          <p:cNvPr id="3" name="Image 2">
+            <a:extLst>
+              <a:ext uri="{FF2B5EF4-FFF2-40B4-BE49-F238E27FC236}">
+                <a16:creationId xmlns:a16="http://schemas.microsoft.com/office/drawing/2014/main" id="{892A9088-CC17-4127-B44B-ABBBF660626E}"/>
+              </a:ext>
+            </a:extLst>
+          </p:cNvPr>
+          <p:cNvPicPr>
+            <a:picLocks noChangeAspect="1"/>
+          </p:cNvPicPr>
+          <p:nvPr/>
+        </p:nvPicPr>
+        <p:blipFill>
+          <a:blip r:embed="rId2"/>
+          <a:stretch>
+            <a:fillRect/>
+          </a:stretch>
+        </p:blipFill>
+        <p:spPr>
+          <a:xfrm>
+            <a:off x="1690343" y="1988840"/>
+            <a:ext cx="5763313" cy="4452160"/>
+          </a:xfrm>
+          <a:prstGeom prst="rect">
+            <a:avLst/>
+          </a:prstGeom>
+        </p:spPr>
+      </p:pic>
+    </p:spTree>
+    <p:extLst>
+      <p:ext uri="{BB962C8B-B14F-4D97-AF65-F5344CB8AC3E}">
+        <p14:creationId xmlns:p14="http://schemas.microsoft.com/office/powerpoint/2010/main" val="3798431982"/>
+      </p:ext>
+    </p:extLst>
+  </p:cSld>
+  <p:clrMapOvr>
+    <a:masterClrMapping/>
+  </p:clrMapOvr>
+</p:sld>
+</file>
+
+<file path=ppt/slides/slide11.xml><?xml version="1.0" encoding="utf-8"?>
+<p:sld xmlns:a="http://schemas.openxmlformats.org/drawingml/2006/main" xmlns:r="http://schemas.openxmlformats.org/officeDocument/2006/relationships" xmlns:p="http://schemas.openxmlformats.org/presentationml/2006/main">
+  <p:cSld>
+    <p:bg>
+      <p:bgPr>
+        <a:solidFill>
+          <a:schemeClr val="bg1">
+            <a:tint val="95000"/>
+            <a:satMod val="170000"/>
+          </a:schemeClr>
+        </a:solidFill>
+        <a:effectLst/>
+      </p:bgPr>
+    </p:bg>
+    <p:spTree>
+      <p:nvGrpSpPr>
+        <p:cNvPr id="1" name=""/>
+        <p:cNvGrpSpPr/>
+        <p:nvPr/>
+      </p:nvGrpSpPr>
+      <p:grpSpPr>
+        <a:xfrm>
+          <a:off x="0" y="0"/>
+          <a:ext cx="0" cy="0"/>
+          <a:chOff x="0" y="0"/>
+          <a:chExt cx="0" cy="0"/>
+        </a:xfrm>
+      </p:grpSpPr>
+      <p:sp>
+        <p:nvSpPr>
+          <p:cNvPr id="2" name="ZoneTexte 1">
+            <a:extLst>
+              <a:ext uri="{FF2B5EF4-FFF2-40B4-BE49-F238E27FC236}">
+                <a16:creationId xmlns:a16="http://schemas.microsoft.com/office/drawing/2014/main" id="{F705E34C-23B6-449F-AB26-7CFB1CD8EB32}"/>
+              </a:ext>
+            </a:extLst>
+          </p:cNvPr>
+          <p:cNvSpPr txBox="1"/>
+          <p:nvPr/>
+        </p:nvSpPr>
+        <p:spPr>
+          <a:xfrm>
+            <a:off x="5598460" y="1783959"/>
+            <a:ext cx="3065480" cy="2889114"/>
+          </a:xfrm>
+          <a:prstGeom prst="rect">
+            <a:avLst/>
+          </a:prstGeom>
+        </p:spPr>
+        <p:txBody>
+          <a:bodyPr vert="horz" lIns="91440" tIns="45720" rIns="91440" bIns="45720" rtlCol="0" anchor="b">
+            <a:normAutofit/>
+          </a:bodyPr>
+          <a:lstStyle/>
+          <a:p>
+            <a:pPr>
+              <a:lnSpc>
+                <a:spcPct val="90000"/>
+              </a:lnSpc>
+              <a:spcBef>
+                <a:spcPct val="0"/>
+              </a:spcBef>
+              <a:spcAft>
+                <a:spcPts val="600"/>
+              </a:spcAft>
+            </a:pPr>
+            <a:r>
+              <a:rPr lang="en-US" sz="4700" dirty="0">
+                <a:latin typeface="+mj-lt"/>
+                <a:ea typeface="+mj-ea"/>
+                <a:cs typeface="+mj-cs"/>
+              </a:rPr>
+              <a:t>W3C HTML</a:t>
+            </a:r>
+          </a:p>
+        </p:txBody>
+      </p:sp>
+      <p:sp>
+        <p:nvSpPr>
+          <p:cNvPr id="10" name="Freeform: Shape 7">
+            <a:extLst>
+              <a:ext uri="{FF2B5EF4-FFF2-40B4-BE49-F238E27FC236}">
+                <a16:creationId xmlns:a16="http://schemas.microsoft.com/office/drawing/2014/main" id="{E49CC64F-7275-4E33-961B-0C5CDC439875}"/>
+              </a:ext>
+              <a:ext uri="{C183D7F6-B498-43B3-948B-1728B52AA6E4}">
+                <adec:decorative xmlns:adec="http://schemas.microsoft.com/office/drawing/2017/decorative" val="1"/>
+              </a:ext>
+            </a:extLst>
+          </p:cNvPr>
+          <p:cNvSpPr>
+            <a:spLocks noGrp="1" noRot="1" noChangeAspect="1" noMove="1" noResize="1" noEditPoints="1" noAdjustHandles="1" noChangeArrowheads="1" noChangeShapeType="1" noTextEdit="1"/>
+          </p:cNvSpPr>
+          <p:nvPr>
+            <p:extLst>
+              <p:ext uri="{386F3935-93C4-4BCD-93E2-E3B085C9AB24}">
+                <p16:designElem xmlns:p16="http://schemas.microsoft.com/office/powerpoint/2015/main" val="1"/>
+              </p:ext>
+            </p:extLst>
+          </p:nvPr>
+        </p:nvSpPr>
+        <p:spPr>
+          <a:xfrm flipH="1" flipV="1">
+            <a:off x="0" y="0"/>
+            <a:ext cx="5391039" cy="6858000"/>
+          </a:xfrm>
+          <a:custGeom>
+            <a:avLst/>
+            <a:gdLst>
+              <a:gd name="connsiteX0" fmla="*/ 7188051 w 7188051"/>
+              <a:gd name="connsiteY0" fmla="*/ 6858000 h 6858000"/>
+              <a:gd name="connsiteX1" fmla="*/ 108694 w 7188051"/>
+              <a:gd name="connsiteY1" fmla="*/ 6858000 h 6858000"/>
+              <a:gd name="connsiteX2" fmla="*/ 79127 w 7188051"/>
+              <a:gd name="connsiteY2" fmla="*/ 6681235 h 6858000"/>
+              <a:gd name="connsiteX3" fmla="*/ 0 w 7188051"/>
+              <a:gd name="connsiteY3" fmla="*/ 5565888 h 6858000"/>
+              <a:gd name="connsiteX4" fmla="*/ 2190696 w 7188051"/>
+              <a:gd name="connsiteY4" fmla="*/ 145339 h 6858000"/>
+              <a:gd name="connsiteX5" fmla="*/ 2339431 w 7188051"/>
+              <a:gd name="connsiteY5" fmla="*/ 0 h 6858000"/>
+              <a:gd name="connsiteX6" fmla="*/ 7188051 w 7188051"/>
+              <a:gd name="connsiteY6" fmla="*/ 0 h 6858000"/>
+            </a:gdLst>
+            <a:ahLst/>
+            <a:cxnLst>
+              <a:cxn ang="0">
+                <a:pos x="connsiteX0" y="connsiteY0"/>
+              </a:cxn>
+              <a:cxn ang="0">
+                <a:pos x="connsiteX1" y="connsiteY1"/>
+              </a:cxn>
+              <a:cxn ang="0">
+                <a:pos x="connsiteX2" y="connsiteY2"/>
+              </a:cxn>
+              <a:cxn ang="0">
+                <a:pos x="connsiteX3" y="connsiteY3"/>
+              </a:cxn>
+              <a:cxn ang="0">
+                <a:pos x="connsiteX4" y="connsiteY4"/>
+              </a:cxn>
+              <a:cxn ang="0">
+                <a:pos x="connsiteX5" y="connsiteY5"/>
+              </a:cxn>
+              <a:cxn ang="0">
+                <a:pos x="connsiteX6" y="connsiteY6"/>
+              </a:cxn>
+            </a:cxnLst>
+            <a:rect l="l" t="t" r="r" b="b"/>
+            <a:pathLst>
+              <a:path w="7188051" h="6858000">
+                <a:moveTo>
+                  <a:pt x="7188051" y="6858000"/>
+                </a:moveTo>
+                <a:lnTo>
+                  <a:pt x="108694" y="6858000"/>
+                </a:lnTo>
+                <a:lnTo>
+                  <a:pt x="79127" y="6681235"/>
+                </a:lnTo>
+                <a:cubicBezTo>
+                  <a:pt x="26981" y="6316967"/>
+                  <a:pt x="0" y="5944579"/>
+                  <a:pt x="0" y="5565888"/>
+                </a:cubicBezTo>
+                <a:cubicBezTo>
+                  <a:pt x="0" y="3459953"/>
+                  <a:pt x="834428" y="1548908"/>
+                  <a:pt x="2190696" y="145339"/>
+                </a:cubicBezTo>
+                <a:lnTo>
+                  <a:pt x="2339431" y="0"/>
+                </a:lnTo>
+                <a:lnTo>
+                  <a:pt x="7188051" y="0"/>
+                </a:lnTo>
+                <a:close/>
+              </a:path>
+            </a:pathLst>
+          </a:custGeom>
+          <a:solidFill>
+            <a:schemeClr val="tx1">
+              <a:alpha val="80000"/>
+            </a:schemeClr>
+          </a:solidFill>
+          <a:ln>
+            <a:noFill/>
+          </a:ln>
+        </p:spPr>
+        <p:style>
+          <a:lnRef idx="2">
+            <a:schemeClr val="accent1">
+              <a:shade val="50000"/>
+            </a:schemeClr>
+          </a:lnRef>
+          <a:fillRef idx="1">
+            <a:schemeClr val="accent1"/>
+          </a:fillRef>
+          <a:effectRef idx="0">
+            <a:schemeClr val="accent1"/>
+          </a:effectRef>
+          <a:fontRef idx="minor">
+            <a:schemeClr val="lt1"/>
+          </a:fontRef>
+        </p:style>
+        <p:txBody>
+          <a:bodyPr wrap="square" rtlCol="0" anchor="ctr">
+            <a:noAutofit/>
+          </a:bodyPr>
+          <a:lstStyle/>
+          <a:p>
+            <a:pPr algn="ctr"/>
+            <a:endParaRPr lang="en-US"/>
+          </a:p>
+        </p:txBody>
+      </p:sp>
+      <p:pic>
+        <p:nvPicPr>
+          <p:cNvPr id="11" name="Picture 3" descr="White alphabet letters placed flat and stacked">
+            <a:extLst>
+              <a:ext uri="{FF2B5EF4-FFF2-40B4-BE49-F238E27FC236}">
+                <a16:creationId xmlns:a16="http://schemas.microsoft.com/office/drawing/2014/main" id="{D471C71B-526A-F7FF-C64A-99F7515F90FC}"/>
+              </a:ext>
+            </a:extLst>
+          </p:cNvPr>
+          <p:cNvPicPr>
+            <a:picLocks noChangeAspect="1"/>
+          </p:cNvPicPr>
+          <p:nvPr/>
+        </p:nvPicPr>
+        <p:blipFill rotWithShape="1">
+          <a:blip r:embed="rId2"/>
+          <a:srcRect l="7394" r="41298" b="-1"/>
+          <a:stretch/>
+        </p:blipFill>
+        <p:spPr>
+          <a:xfrm>
+            <a:off x="20" y="10"/>
+            <a:ext cx="5271352" cy="6857990"/>
+          </a:xfrm>
+          <a:custGeom>
+            <a:avLst/>
+            <a:gdLst/>
+            <a:ahLst/>
+            <a:cxnLst/>
+            <a:rect l="l" t="t" r="r" b="b"/>
+            <a:pathLst>
+              <a:path w="7028495" h="6858000">
+                <a:moveTo>
+                  <a:pt x="0" y="0"/>
+                </a:moveTo>
+                <a:lnTo>
+                  <a:pt x="6915668" y="0"/>
+                </a:lnTo>
+                <a:lnTo>
+                  <a:pt x="6952411" y="219663"/>
+                </a:lnTo>
+                <a:cubicBezTo>
+                  <a:pt x="7002551" y="569921"/>
+                  <a:pt x="7028495" y="927986"/>
+                  <a:pt x="7028495" y="1292112"/>
+                </a:cubicBezTo>
+                <a:cubicBezTo>
+                  <a:pt x="7028495" y="3343346"/>
+                  <a:pt x="6205186" y="5202289"/>
+                  <a:pt x="4870994" y="6556512"/>
+                </a:cubicBezTo>
+                <a:lnTo>
+                  <a:pt x="4556185" y="6858000"/>
+                </a:lnTo>
+                <a:lnTo>
+                  <a:pt x="0" y="6858000"/>
+                </a:lnTo>
+                <a:close/>
+              </a:path>
+            </a:pathLst>
+          </a:custGeom>
+        </p:spPr>
+      </p:pic>
+    </p:spTree>
+    <p:extLst>
+      <p:ext uri="{BB962C8B-B14F-4D97-AF65-F5344CB8AC3E}">
+        <p14:creationId xmlns:p14="http://schemas.microsoft.com/office/powerpoint/2010/main" val="1228497412"/>
+      </p:ext>
+    </p:extLst>
+  </p:cSld>
+  <p:clrMapOvr>
+    <a:overrideClrMapping bg1="dk1" tx1="lt1" bg2="dk2" tx2="lt2" accent1="accent1" accent2="accent2" accent3="accent3" accent4="accent4" accent5="accent5" accent6="accent6" hlink="hlink" folHlink="folHlink"/>
+  </p:clrMapOvr>
+</p:sld>
+</file>
+
+<file path=ppt/slides/slide12.xml><?xml version="1.0" encoding="utf-8"?>
+<p:sld xmlns:a="http://schemas.openxmlformats.org/drawingml/2006/main" xmlns:r="http://schemas.openxmlformats.org/officeDocument/2006/relationships" xmlns:p="http://schemas.openxmlformats.org/presentationml/2006/main">
+  <p:cSld>
+    <p:bg>
+      <p:bgPr>
+        <a:solidFill>
+          <a:schemeClr val="bg1"/>
+        </a:solidFill>
+        <a:effectLst/>
+      </p:bgPr>
+    </p:bg>
+    <p:spTree>
+      <p:nvGrpSpPr>
+        <p:cNvPr id="1" name=""/>
+        <p:cNvGrpSpPr/>
+        <p:nvPr/>
+      </p:nvGrpSpPr>
+      <p:grpSpPr>
+        <a:xfrm>
+          <a:off x="0" y="0"/>
+          <a:ext cx="0" cy="0"/>
+          <a:chOff x="0" y="0"/>
+          <a:chExt cx="0" cy="0"/>
+        </a:xfrm>
+      </p:grpSpPr>
+      <p:sp useBgFill="1">
+        <p:nvSpPr>
+          <p:cNvPr id="8" name="Rectangle 7">
+            <a:extLst>
+              <a:ext uri="{FF2B5EF4-FFF2-40B4-BE49-F238E27FC236}">
+                <a16:creationId xmlns:a16="http://schemas.microsoft.com/office/drawing/2014/main" id="{AB8C311F-7253-4AED-9701-7FC0708C41C7}"/>
+              </a:ext>
+              <a:ext uri="{C183D7F6-B498-43B3-948B-1728B52AA6E4}">
+                <adec:decorative xmlns:adec="http://schemas.microsoft.com/office/drawing/2017/decorative" val="1"/>
+              </a:ext>
+            </a:extLst>
+          </p:cNvPr>
+          <p:cNvSpPr>
+            <a:spLocks noGrp="1" noRot="1" noChangeAspect="1" noMove="1" noResize="1" noEditPoints="1" noAdjustHandles="1" noChangeArrowheads="1" noChangeShapeType="1" noTextEdit="1"/>
+          </p:cNvSpPr>
+          <p:nvPr>
+            <p:extLst>
+              <p:ext uri="{386F3935-93C4-4BCD-93E2-E3B085C9AB24}">
+                <p16:designElem xmlns:p16="http://schemas.microsoft.com/office/powerpoint/2015/main" val="1"/>
+              </p:ext>
+            </p:extLst>
+          </p:nvPr>
+        </p:nvSpPr>
+        <p:spPr>
+          <a:xfrm>
+            <a:off x="0" y="0"/>
+            <a:ext cx="9144000" cy="6858000"/>
+          </a:xfrm>
+          <a:prstGeom prst="rect">
+            <a:avLst/>
+          </a:prstGeom>
+          <a:ln w="12700" cap="flat" cmpd="sng" algn="ctr">
+            <a:noFill/>
+            <a:prstDash val="solid"/>
+            <a:miter lim="800000"/>
+          </a:ln>
+          <a:effectLst/>
+          <a:extLst>
+            <a:ext uri="{91240B29-F687-4F45-9708-019B960494DF}">
+              <a14:hiddenLine xmlns:a14="http://schemas.microsoft.com/office/drawing/2010/main" w="12700" cap="flat" cmpd="sng" algn="ctr">
+                <a:solidFill>
+                  <a:schemeClr val="accent1">
+                    <a:shade val="50000"/>
+                  </a:schemeClr>
+                </a:solidFill>
+                <a:prstDash val="solid"/>
+                <a:miter lim="800000"/>
+              </a14:hiddenLine>
+            </a:ext>
+          </a:extLst>
+        </p:spPr>
+        <p:style>
+          <a:lnRef idx="2">
+            <a:schemeClr val="accent1">
+              <a:shade val="50000"/>
+            </a:schemeClr>
+          </a:lnRef>
+          <a:fillRef idx="1">
+            <a:schemeClr val="accent1"/>
+          </a:fillRef>
+          <a:effectRef idx="0">
+            <a:schemeClr val="accent1"/>
+          </a:effectRef>
+          <a:fontRef idx="minor">
+            <a:schemeClr val="lt1"/>
+          </a:fontRef>
+        </p:style>
+        <p:txBody>
+          <a:bodyPr rtlCol="0" anchor="ctr"/>
+          <a:lstStyle/>
+          <a:p>
+            <a:pPr algn="ctr"/>
+            <a:endParaRPr lang="en-US"/>
+          </a:p>
+        </p:txBody>
+      </p:sp>
+      <p:sp>
+        <p:nvSpPr>
+          <p:cNvPr id="10" name="Rectangle 9">
+            <a:extLst>
+              <a:ext uri="{FF2B5EF4-FFF2-40B4-BE49-F238E27FC236}">
+                <a16:creationId xmlns:a16="http://schemas.microsoft.com/office/drawing/2014/main" id="{E2384209-CB15-4CDF-9D31-C44FD9A3F20D}"/>
+              </a:ext>
+              <a:ext uri="{C183D7F6-B498-43B3-948B-1728B52AA6E4}">
+                <adec:decorative xmlns:adec="http://schemas.microsoft.com/office/drawing/2017/decorative" val="1"/>
+              </a:ext>
+            </a:extLst>
+          </p:cNvPr>
+          <p:cNvSpPr>
+            <a:spLocks noGrp="1" noRot="1" noChangeAspect="1" noMove="1" noResize="1" noEditPoints="1" noAdjustHandles="1" noChangeArrowheads="1" noChangeShapeType="1" noTextEdit="1"/>
+          </p:cNvSpPr>
+          <p:nvPr>
+            <p:extLst>
+              <p:ext uri="{386F3935-93C4-4BCD-93E2-E3B085C9AB24}">
+                <p16:designElem xmlns:p16="http://schemas.microsoft.com/office/powerpoint/2015/main" val="1"/>
+              </p:ext>
+            </p:extLst>
+          </p:nvPr>
+        </p:nvSpPr>
+        <p:spPr>
+          <a:xfrm rot="16200000" flipH="1">
+            <a:off x="1142713" y="-1142284"/>
+            <a:ext cx="6858000" cy="9143425"/>
+          </a:xfrm>
+          <a:prstGeom prst="rect">
+            <a:avLst/>
+          </a:prstGeom>
+          <a:gradFill>
+            <a:gsLst>
+              <a:gs pos="8000">
+                <a:schemeClr val="accent1"/>
+              </a:gs>
+              <a:gs pos="100000">
+                <a:schemeClr val="accent1">
+                  <a:lumMod val="50000"/>
+                </a:schemeClr>
+              </a:gs>
+            </a:gsLst>
+            <a:lin ang="12000000" scaled="0"/>
+          </a:gradFill>
+          <a:ln>
+            <a:noFill/>
+          </a:ln>
+        </p:spPr>
+        <p:style>
+          <a:lnRef idx="2">
+            <a:schemeClr val="accent1">
+              <a:shade val="50000"/>
+            </a:schemeClr>
+          </a:lnRef>
+          <a:fillRef idx="1">
+            <a:schemeClr val="accent1"/>
+          </a:fillRef>
+          <a:effectRef idx="0">
+            <a:schemeClr val="accent1"/>
+          </a:effectRef>
+          <a:fontRef idx="minor">
+            <a:schemeClr val="lt1"/>
+          </a:fontRef>
+        </p:style>
+        <p:txBody>
+          <a:bodyPr rtlCol="0" anchor="ctr"/>
+          <a:lstStyle/>
+          <a:p>
+            <a:pPr algn="ctr"/>
+            <a:endParaRPr lang="en-US"/>
+          </a:p>
+        </p:txBody>
+      </p:sp>
+      <p:sp>
+        <p:nvSpPr>
+          <p:cNvPr id="12" name="Rectangle 11">
+            <a:extLst>
+              <a:ext uri="{FF2B5EF4-FFF2-40B4-BE49-F238E27FC236}">
+                <a16:creationId xmlns:a16="http://schemas.microsoft.com/office/drawing/2014/main" id="{2633B3B5-CC90-43F0-8714-D31D1F3F0209}"/>
+              </a:ext>
+              <a:ext uri="{C183D7F6-B498-43B3-948B-1728B52AA6E4}">
+                <adec:decorative xmlns:adec="http://schemas.microsoft.com/office/drawing/2017/decorative" val="1"/>
+              </a:ext>
+            </a:extLst>
+          </p:cNvPr>
+          <p:cNvSpPr>
+            <a:spLocks noGrp="1" noRot="1" noChangeAspect="1" noMove="1" noResize="1" noEditPoints="1" noAdjustHandles="1" noChangeArrowheads="1" noChangeShapeType="1" noTextEdit="1"/>
+          </p:cNvSpPr>
+          <p:nvPr>
+            <p:extLst>
+              <p:ext uri="{386F3935-93C4-4BCD-93E2-E3B085C9AB24}">
+                <p16:designElem xmlns:p16="http://schemas.microsoft.com/office/powerpoint/2015/main" val="1"/>
+              </p:ext>
+            </p:extLst>
+          </p:nvPr>
+        </p:nvSpPr>
+        <p:spPr>
+          <a:xfrm rot="10800000" flipH="1">
+            <a:off x="-1733" y="0"/>
+            <a:ext cx="6803134" cy="6857572"/>
+          </a:xfrm>
+          <a:prstGeom prst="rect">
+            <a:avLst/>
+          </a:prstGeom>
+          <a:gradFill>
+            <a:gsLst>
+              <a:gs pos="8000">
+                <a:srgbClr val="000000">
+                  <a:alpha val="52000"/>
+                </a:srgbClr>
+              </a:gs>
+              <a:gs pos="100000">
+                <a:schemeClr val="accent1"/>
+              </a:gs>
+            </a:gsLst>
+            <a:lin ang="4800000" scaled="0"/>
+          </a:gradFill>
+          <a:ln>
+            <a:noFill/>
+          </a:ln>
+        </p:spPr>
+        <p:style>
+          <a:lnRef idx="2">
+            <a:schemeClr val="accent1">
+              <a:shade val="50000"/>
+            </a:schemeClr>
+          </a:lnRef>
+          <a:fillRef idx="1">
+            <a:schemeClr val="accent1"/>
+          </a:fillRef>
+          <a:effectRef idx="0">
+            <a:schemeClr val="accent1"/>
+          </a:effectRef>
+          <a:fontRef idx="minor">
+            <a:schemeClr val="lt1"/>
+          </a:fontRef>
+        </p:style>
+        <p:txBody>
+          <a:bodyPr rtlCol="0" anchor="ctr"/>
+          <a:lstStyle/>
+          <a:p>
+            <a:pPr algn="ctr"/>
+            <a:endParaRPr lang="en-US"/>
+          </a:p>
+        </p:txBody>
+      </p:sp>
+      <p:sp>
+        <p:nvSpPr>
+          <p:cNvPr id="14" name="Rectangle 13">
+            <a:extLst>
+              <a:ext uri="{FF2B5EF4-FFF2-40B4-BE49-F238E27FC236}">
+                <a16:creationId xmlns:a16="http://schemas.microsoft.com/office/drawing/2014/main" id="{A8D57A06-A426-446D-B02C-A2DC6B62E45E}"/>
+              </a:ext>
+              <a:ext uri="{C183D7F6-B498-43B3-948B-1728B52AA6E4}">
+                <adec:decorative xmlns:adec="http://schemas.microsoft.com/office/drawing/2017/decorative" val="1"/>
+              </a:ext>
+            </a:extLst>
+          </p:cNvPr>
+          <p:cNvSpPr>
+            <a:spLocks noGrp="1" noRot="1" noChangeAspect="1" noMove="1" noResize="1" noEditPoints="1" noAdjustHandles="1" noChangeArrowheads="1" noChangeShapeType="1" noTextEdit="1"/>
+          </p:cNvSpPr>
+          <p:nvPr>
+            <p:extLst>
+              <p:ext uri="{386F3935-93C4-4BCD-93E2-E3B085C9AB24}">
+                <p16:designElem xmlns:p16="http://schemas.microsoft.com/office/powerpoint/2015/main" val="1"/>
+              </p:ext>
+            </p:extLst>
+          </p:nvPr>
+        </p:nvSpPr>
+        <p:spPr>
+          <a:xfrm rot="16200000" flipH="1">
+            <a:off x="2125298" y="-161647"/>
+            <a:ext cx="4894564" cy="9145160"/>
+          </a:xfrm>
+          <a:prstGeom prst="rect">
+            <a:avLst/>
+          </a:prstGeom>
+          <a:gradFill>
+            <a:gsLst>
+              <a:gs pos="0">
+                <a:schemeClr val="accent5">
+                  <a:lumMod val="60000"/>
+                  <a:lumOff val="40000"/>
+                  <a:alpha val="0"/>
+                </a:schemeClr>
+              </a:gs>
+              <a:gs pos="100000">
+                <a:srgbClr val="000000">
+                  <a:alpha val="46000"/>
+                </a:srgbClr>
+              </a:gs>
+            </a:gsLst>
+            <a:lin ang="1200000" scaled="0"/>
+          </a:gradFill>
+          <a:ln>
+            <a:noFill/>
+          </a:ln>
+        </p:spPr>
+        <p:style>
+          <a:lnRef idx="2">
+            <a:schemeClr val="accent1">
+              <a:shade val="50000"/>
+            </a:schemeClr>
+          </a:lnRef>
+          <a:fillRef idx="1">
+            <a:schemeClr val="accent1"/>
+          </a:fillRef>
+          <a:effectRef idx="0">
+            <a:schemeClr val="accent1"/>
+          </a:effectRef>
+          <a:fontRef idx="minor">
+            <a:schemeClr val="lt1"/>
+          </a:fontRef>
+        </p:style>
+        <p:txBody>
+          <a:bodyPr rtlCol="0" anchor="ctr"/>
+          <a:lstStyle/>
+          <a:p>
+            <a:pPr algn="ctr"/>
+            <a:endParaRPr lang="en-US"/>
+          </a:p>
+        </p:txBody>
+      </p:sp>
+      <p:pic>
+        <p:nvPicPr>
+          <p:cNvPr id="3" name="Image 2">
+            <a:extLst>
+              <a:ext uri="{FF2B5EF4-FFF2-40B4-BE49-F238E27FC236}">
+                <a16:creationId xmlns:a16="http://schemas.microsoft.com/office/drawing/2014/main" id="{C941C027-43D1-4FC3-9817-3BD14528BA9F}"/>
+              </a:ext>
+            </a:extLst>
+          </p:cNvPr>
+          <p:cNvPicPr>
+            <a:picLocks noChangeAspect="1"/>
+          </p:cNvPicPr>
+          <p:nvPr/>
+        </p:nvPicPr>
+        <p:blipFill>
+          <a:blip r:embed="rId2"/>
+          <a:stretch>
+            <a:fillRect/>
+          </a:stretch>
+        </p:blipFill>
+        <p:spPr>
+          <a:xfrm>
+            <a:off x="342900" y="1261586"/>
+            <a:ext cx="8458200" cy="4334828"/>
+          </a:xfrm>
+          <a:prstGeom prst="rect">
+            <a:avLst/>
+          </a:prstGeom>
+        </p:spPr>
+      </p:pic>
+    </p:spTree>
+    <p:extLst>
+      <p:ext uri="{BB962C8B-B14F-4D97-AF65-F5344CB8AC3E}">
+        <p14:creationId xmlns:p14="http://schemas.microsoft.com/office/powerpoint/2010/main" val="4229816204"/>
+      </p:ext>
+    </p:extLst>
+  </p:cSld>
+  <p:clrMapOvr>
+    <a:masterClrMapping/>
+  </p:clrMapOvr>
+</p:sld>
+</file>
+
+<file path=ppt/slides/slide13.xml><?xml version="1.0" encoding="utf-8"?>
+<p:sld xmlns:a="http://schemas.openxmlformats.org/drawingml/2006/main" xmlns:r="http://schemas.openxmlformats.org/officeDocument/2006/relationships" xmlns:p="http://schemas.openxmlformats.org/presentationml/2006/main">
+  <p:cSld>
+    <p:bg>
+      <p:bgPr>
+        <a:solidFill>
+          <a:schemeClr val="bg1"/>
+        </a:solidFill>
+        <a:effectLst/>
+      </p:bgPr>
+    </p:bg>
+    <p:spTree>
+      <p:nvGrpSpPr>
+        <p:cNvPr id="1" name=""/>
+        <p:cNvGrpSpPr/>
+        <p:nvPr/>
+      </p:nvGrpSpPr>
+      <p:grpSpPr>
+        <a:xfrm>
+          <a:off x="0" y="0"/>
+          <a:ext cx="0" cy="0"/>
+          <a:chOff x="0" y="0"/>
+          <a:chExt cx="0" cy="0"/>
+        </a:xfrm>
+      </p:grpSpPr>
+      <p:sp useBgFill="1">
+        <p:nvSpPr>
+          <p:cNvPr id="8" name="Rectangle 7">
+            <a:extLst>
+              <a:ext uri="{FF2B5EF4-FFF2-40B4-BE49-F238E27FC236}">
+                <a16:creationId xmlns:a16="http://schemas.microsoft.com/office/drawing/2014/main" id="{AB8C311F-7253-4AED-9701-7FC0708C41C7}"/>
+              </a:ext>
+              <a:ext uri="{C183D7F6-B498-43B3-948B-1728B52AA6E4}">
+                <adec:decorative xmlns:adec="http://schemas.microsoft.com/office/drawing/2017/decorative" val="1"/>
+              </a:ext>
+            </a:extLst>
+          </p:cNvPr>
+          <p:cNvSpPr>
+            <a:spLocks noGrp="1" noRot="1" noChangeAspect="1" noMove="1" noResize="1" noEditPoints="1" noAdjustHandles="1" noChangeArrowheads="1" noChangeShapeType="1" noTextEdit="1"/>
+          </p:cNvSpPr>
+          <p:nvPr>
+            <p:extLst>
+              <p:ext uri="{386F3935-93C4-4BCD-93E2-E3B085C9AB24}">
+                <p16:designElem xmlns:p16="http://schemas.microsoft.com/office/powerpoint/2015/main" val="1"/>
+              </p:ext>
+            </p:extLst>
+          </p:nvPr>
+        </p:nvSpPr>
+        <p:spPr>
+          <a:xfrm>
+            <a:off x="0" y="0"/>
+            <a:ext cx="9144000" cy="6858000"/>
+          </a:xfrm>
+          <a:prstGeom prst="rect">
+            <a:avLst/>
+          </a:prstGeom>
+          <a:ln w="12700" cap="flat" cmpd="sng" algn="ctr">
+            <a:noFill/>
+            <a:prstDash val="solid"/>
+            <a:miter lim="800000"/>
+          </a:ln>
+          <a:effectLst/>
+          <a:extLst>
+            <a:ext uri="{91240B29-F687-4F45-9708-019B960494DF}">
+              <a14:hiddenLine xmlns:a14="http://schemas.microsoft.com/office/drawing/2010/main" w="12700" cap="flat" cmpd="sng" algn="ctr">
+                <a:solidFill>
+                  <a:schemeClr val="accent1">
+                    <a:shade val="50000"/>
+                  </a:schemeClr>
+                </a:solidFill>
+                <a:prstDash val="solid"/>
+                <a:miter lim="800000"/>
+              </a14:hiddenLine>
+            </a:ext>
+          </a:extLst>
+        </p:spPr>
+        <p:style>
+          <a:lnRef idx="2">
+            <a:schemeClr val="accent1">
+              <a:shade val="50000"/>
+            </a:schemeClr>
+          </a:lnRef>
+          <a:fillRef idx="1">
+            <a:schemeClr val="accent1"/>
+          </a:fillRef>
+          <a:effectRef idx="0">
+            <a:schemeClr val="accent1"/>
+          </a:effectRef>
+          <a:fontRef idx="minor">
+            <a:schemeClr val="lt1"/>
+          </a:fontRef>
+        </p:style>
+        <p:txBody>
+          <a:bodyPr rtlCol="0" anchor="ctr"/>
+          <a:lstStyle/>
+          <a:p>
+            <a:pPr algn="ctr"/>
+            <a:endParaRPr lang="en-US"/>
+          </a:p>
+        </p:txBody>
+      </p:sp>
+      <p:sp>
+        <p:nvSpPr>
+          <p:cNvPr id="10" name="Rectangle 9">
+            <a:extLst>
+              <a:ext uri="{FF2B5EF4-FFF2-40B4-BE49-F238E27FC236}">
+                <a16:creationId xmlns:a16="http://schemas.microsoft.com/office/drawing/2014/main" id="{E2384209-CB15-4CDF-9D31-C44FD9A3F20D}"/>
+              </a:ext>
+              <a:ext uri="{C183D7F6-B498-43B3-948B-1728B52AA6E4}">
+                <adec:decorative xmlns:adec="http://schemas.microsoft.com/office/drawing/2017/decorative" val="1"/>
+              </a:ext>
+            </a:extLst>
+          </p:cNvPr>
+          <p:cNvSpPr>
+            <a:spLocks noGrp="1" noRot="1" noChangeAspect="1" noMove="1" noResize="1" noEditPoints="1" noAdjustHandles="1" noChangeArrowheads="1" noChangeShapeType="1" noTextEdit="1"/>
+          </p:cNvSpPr>
+          <p:nvPr>
+            <p:extLst>
+              <p:ext uri="{386F3935-93C4-4BCD-93E2-E3B085C9AB24}">
+                <p16:designElem xmlns:p16="http://schemas.microsoft.com/office/powerpoint/2015/main" val="1"/>
+              </p:ext>
+            </p:extLst>
+          </p:nvPr>
+        </p:nvSpPr>
+        <p:spPr>
+          <a:xfrm rot="16200000" flipH="1">
+            <a:off x="1142713" y="-1142284"/>
+            <a:ext cx="6858000" cy="9143425"/>
+          </a:xfrm>
+          <a:prstGeom prst="rect">
+            <a:avLst/>
+          </a:prstGeom>
+          <a:gradFill>
+            <a:gsLst>
+              <a:gs pos="8000">
+                <a:schemeClr val="accent1"/>
+              </a:gs>
+              <a:gs pos="100000">
+                <a:schemeClr val="accent1">
+                  <a:lumMod val="50000"/>
+                </a:schemeClr>
+              </a:gs>
+            </a:gsLst>
+            <a:lin ang="12000000" scaled="0"/>
+          </a:gradFill>
+          <a:ln>
+            <a:noFill/>
+          </a:ln>
+        </p:spPr>
+        <p:style>
+          <a:lnRef idx="2">
+            <a:schemeClr val="accent1">
+              <a:shade val="50000"/>
+            </a:schemeClr>
+          </a:lnRef>
+          <a:fillRef idx="1">
+            <a:schemeClr val="accent1"/>
+          </a:fillRef>
+          <a:effectRef idx="0">
+            <a:schemeClr val="accent1"/>
+          </a:effectRef>
+          <a:fontRef idx="minor">
+            <a:schemeClr val="lt1"/>
+          </a:fontRef>
+        </p:style>
+        <p:txBody>
+          <a:bodyPr rtlCol="0" anchor="ctr"/>
+          <a:lstStyle/>
+          <a:p>
+            <a:pPr algn="ctr"/>
+            <a:endParaRPr lang="en-US"/>
+          </a:p>
+        </p:txBody>
+      </p:sp>
+      <p:sp>
+        <p:nvSpPr>
+          <p:cNvPr id="12" name="Rectangle 11">
+            <a:extLst>
+              <a:ext uri="{FF2B5EF4-FFF2-40B4-BE49-F238E27FC236}">
+                <a16:creationId xmlns:a16="http://schemas.microsoft.com/office/drawing/2014/main" id="{2633B3B5-CC90-43F0-8714-D31D1F3F0209}"/>
+              </a:ext>
+              <a:ext uri="{C183D7F6-B498-43B3-948B-1728B52AA6E4}">
+                <adec:decorative xmlns:adec="http://schemas.microsoft.com/office/drawing/2017/decorative" val="1"/>
+              </a:ext>
+            </a:extLst>
+          </p:cNvPr>
+          <p:cNvSpPr>
+            <a:spLocks noGrp="1" noRot="1" noChangeAspect="1" noMove="1" noResize="1" noEditPoints="1" noAdjustHandles="1" noChangeArrowheads="1" noChangeShapeType="1" noTextEdit="1"/>
+          </p:cNvSpPr>
+          <p:nvPr>
+            <p:extLst>
+              <p:ext uri="{386F3935-93C4-4BCD-93E2-E3B085C9AB24}">
+                <p16:designElem xmlns:p16="http://schemas.microsoft.com/office/powerpoint/2015/main" val="1"/>
+              </p:ext>
+            </p:extLst>
+          </p:nvPr>
+        </p:nvSpPr>
+        <p:spPr>
+          <a:xfrm rot="10800000" flipH="1">
+            <a:off x="-1733" y="0"/>
+            <a:ext cx="6803134" cy="6857572"/>
+          </a:xfrm>
+          <a:prstGeom prst="rect">
+            <a:avLst/>
+          </a:prstGeom>
+          <a:gradFill>
+            <a:gsLst>
+              <a:gs pos="8000">
+                <a:srgbClr val="000000">
+                  <a:alpha val="52000"/>
+                </a:srgbClr>
+              </a:gs>
+              <a:gs pos="100000">
+                <a:schemeClr val="accent1"/>
+              </a:gs>
+            </a:gsLst>
+            <a:lin ang="4800000" scaled="0"/>
+          </a:gradFill>
+          <a:ln>
+            <a:noFill/>
+          </a:ln>
+        </p:spPr>
+        <p:style>
+          <a:lnRef idx="2">
+            <a:schemeClr val="accent1">
+              <a:shade val="50000"/>
+            </a:schemeClr>
+          </a:lnRef>
+          <a:fillRef idx="1">
+            <a:schemeClr val="accent1"/>
+          </a:fillRef>
+          <a:effectRef idx="0">
+            <a:schemeClr val="accent1"/>
+          </a:effectRef>
+          <a:fontRef idx="minor">
+            <a:schemeClr val="lt1"/>
+          </a:fontRef>
+        </p:style>
+        <p:txBody>
+          <a:bodyPr rtlCol="0" anchor="ctr"/>
+          <a:lstStyle/>
+          <a:p>
+            <a:pPr algn="ctr"/>
+            <a:endParaRPr lang="en-US"/>
+          </a:p>
+        </p:txBody>
+      </p:sp>
+      <p:sp>
+        <p:nvSpPr>
+          <p:cNvPr id="14" name="Rectangle 13">
+            <a:extLst>
+              <a:ext uri="{FF2B5EF4-FFF2-40B4-BE49-F238E27FC236}">
+                <a16:creationId xmlns:a16="http://schemas.microsoft.com/office/drawing/2014/main" id="{A8D57A06-A426-446D-B02C-A2DC6B62E45E}"/>
+              </a:ext>
+              <a:ext uri="{C183D7F6-B498-43B3-948B-1728B52AA6E4}">
+                <adec:decorative xmlns:adec="http://schemas.microsoft.com/office/drawing/2017/decorative" val="1"/>
+              </a:ext>
+            </a:extLst>
+          </p:cNvPr>
+          <p:cNvSpPr>
+            <a:spLocks noGrp="1" noRot="1" noChangeAspect="1" noMove="1" noResize="1" noEditPoints="1" noAdjustHandles="1" noChangeArrowheads="1" noChangeShapeType="1" noTextEdit="1"/>
+          </p:cNvSpPr>
+          <p:nvPr>
+            <p:extLst>
+              <p:ext uri="{386F3935-93C4-4BCD-93E2-E3B085C9AB24}">
+                <p16:designElem xmlns:p16="http://schemas.microsoft.com/office/powerpoint/2015/main" val="1"/>
+              </p:ext>
+            </p:extLst>
+          </p:nvPr>
+        </p:nvSpPr>
+        <p:spPr>
+          <a:xfrm rot="16200000" flipH="1">
+            <a:off x="2125298" y="-161647"/>
+            <a:ext cx="4894564" cy="9145160"/>
+          </a:xfrm>
+          <a:prstGeom prst="rect">
+            <a:avLst/>
+          </a:prstGeom>
+          <a:gradFill>
+            <a:gsLst>
+              <a:gs pos="0">
+                <a:schemeClr val="accent5">
+                  <a:lumMod val="60000"/>
+                  <a:lumOff val="40000"/>
+                  <a:alpha val="0"/>
+                </a:schemeClr>
+              </a:gs>
+              <a:gs pos="100000">
+                <a:srgbClr val="000000">
+                  <a:alpha val="46000"/>
+                </a:srgbClr>
+              </a:gs>
+            </a:gsLst>
+            <a:lin ang="1200000" scaled="0"/>
+          </a:gradFill>
+          <a:ln>
+            <a:noFill/>
+          </a:ln>
+        </p:spPr>
+        <p:style>
+          <a:lnRef idx="2">
+            <a:schemeClr val="accent1">
+              <a:shade val="50000"/>
+            </a:schemeClr>
+          </a:lnRef>
+          <a:fillRef idx="1">
+            <a:schemeClr val="accent1"/>
+          </a:fillRef>
+          <a:effectRef idx="0">
+            <a:schemeClr val="accent1"/>
+          </a:effectRef>
+          <a:fontRef idx="minor">
+            <a:schemeClr val="lt1"/>
+          </a:fontRef>
+        </p:style>
+        <p:txBody>
+          <a:bodyPr rtlCol="0" anchor="ctr"/>
+          <a:lstStyle/>
+          <a:p>
+            <a:pPr algn="ctr"/>
+            <a:endParaRPr lang="en-US"/>
+          </a:p>
+        </p:txBody>
+      </p:sp>
+      <p:pic>
+        <p:nvPicPr>
+          <p:cNvPr id="3" name="Image 2">
+            <a:extLst>
+              <a:ext uri="{FF2B5EF4-FFF2-40B4-BE49-F238E27FC236}">
+                <a16:creationId xmlns:a16="http://schemas.microsoft.com/office/drawing/2014/main" id="{4B597471-A185-4CFC-835F-21337D7C3066}"/>
+              </a:ext>
+            </a:extLst>
+          </p:cNvPr>
+          <p:cNvPicPr>
+            <a:picLocks noChangeAspect="1"/>
+          </p:cNvPicPr>
+          <p:nvPr/>
+        </p:nvPicPr>
+        <p:blipFill rotWithShape="1">
+          <a:blip r:embed="rId2"/>
+          <a:srcRect l="10530" r="18671" b="-1"/>
+          <a:stretch/>
+        </p:blipFill>
+        <p:spPr>
+          <a:xfrm>
+            <a:off x="342900" y="457200"/>
+            <a:ext cx="8458200" cy="5943600"/>
+          </a:xfrm>
+          <a:prstGeom prst="rect">
+            <a:avLst/>
+          </a:prstGeom>
+        </p:spPr>
+      </p:pic>
+    </p:spTree>
+    <p:extLst>
+      <p:ext uri="{BB962C8B-B14F-4D97-AF65-F5344CB8AC3E}">
+        <p14:creationId xmlns:p14="http://schemas.microsoft.com/office/powerpoint/2010/main" val="1611465633"/>
+      </p:ext>
+    </p:extLst>
+  </p:cSld>
+  <p:clrMapOvr>
+    <a:masterClrMapping/>
+  </p:clrMapOvr>
+</p:sld>
+</file>
+
+<file path=ppt/slides/slide14.xml><?xml version="1.0" encoding="utf-8"?>
+<p:sld xmlns:a="http://schemas.openxmlformats.org/drawingml/2006/main" xmlns:r="http://schemas.openxmlformats.org/officeDocument/2006/relationships" xmlns:p="http://schemas.openxmlformats.org/presentationml/2006/main">
+  <p:cSld>
+    <p:bg>
+      <p:bgPr>
+        <a:solidFill>
+          <a:schemeClr val="bg1">
+            <a:tint val="95000"/>
+            <a:satMod val="170000"/>
+          </a:schemeClr>
+        </a:solidFill>
+        <a:effectLst/>
+      </p:bgPr>
+    </p:bg>
+    <p:spTree>
+      <p:nvGrpSpPr>
+        <p:cNvPr id="1" name=""/>
+        <p:cNvGrpSpPr/>
+        <p:nvPr/>
+      </p:nvGrpSpPr>
+      <p:grpSpPr>
+        <a:xfrm>
+          <a:off x="0" y="0"/>
+          <a:ext cx="0" cy="0"/>
+          <a:chOff x="0" y="0"/>
+          <a:chExt cx="0" cy="0"/>
+        </a:xfrm>
+      </p:grpSpPr>
+      <p:sp>
+        <p:nvSpPr>
+          <p:cNvPr id="2" name="ZoneTexte 1">
+            <a:extLst>
+              <a:ext uri="{FF2B5EF4-FFF2-40B4-BE49-F238E27FC236}">
+                <a16:creationId xmlns:a16="http://schemas.microsoft.com/office/drawing/2014/main" id="{F705E34C-23B6-449F-AB26-7CFB1CD8EB32}"/>
+              </a:ext>
+            </a:extLst>
+          </p:cNvPr>
+          <p:cNvSpPr txBox="1"/>
+          <p:nvPr/>
+        </p:nvSpPr>
+        <p:spPr>
+          <a:xfrm>
+            <a:off x="5598460" y="1783959"/>
+            <a:ext cx="3065480" cy="2889114"/>
+          </a:xfrm>
+          <a:prstGeom prst="rect">
+            <a:avLst/>
+          </a:prstGeom>
+        </p:spPr>
+        <p:txBody>
+          <a:bodyPr vert="horz" lIns="91440" tIns="45720" rIns="91440" bIns="45720" rtlCol="0" anchor="b">
+            <a:normAutofit/>
+          </a:bodyPr>
+          <a:lstStyle/>
+          <a:p>
+            <a:pPr>
+              <a:lnSpc>
+                <a:spcPct val="90000"/>
+              </a:lnSpc>
+              <a:spcBef>
+                <a:spcPct val="0"/>
+              </a:spcBef>
+              <a:spcAft>
+                <a:spcPts val="600"/>
+              </a:spcAft>
+            </a:pPr>
+            <a:r>
+              <a:rPr lang="en-US" sz="4700" dirty="0">
+                <a:latin typeface="+mj-lt"/>
+                <a:ea typeface="+mj-ea"/>
+                <a:cs typeface="+mj-cs"/>
+              </a:rPr>
+              <a:t>W3C STYLE.CSS</a:t>
+            </a:r>
+          </a:p>
+        </p:txBody>
+      </p:sp>
+      <p:sp>
+        <p:nvSpPr>
+          <p:cNvPr id="10" name="Freeform: Shape 7">
+            <a:extLst>
+              <a:ext uri="{FF2B5EF4-FFF2-40B4-BE49-F238E27FC236}">
+                <a16:creationId xmlns:a16="http://schemas.microsoft.com/office/drawing/2014/main" id="{E49CC64F-7275-4E33-961B-0C5CDC439875}"/>
+              </a:ext>
+              <a:ext uri="{C183D7F6-B498-43B3-948B-1728B52AA6E4}">
+                <adec:decorative xmlns:adec="http://schemas.microsoft.com/office/drawing/2017/decorative" val="1"/>
+              </a:ext>
+            </a:extLst>
+          </p:cNvPr>
+          <p:cNvSpPr>
+            <a:spLocks noGrp="1" noRot="1" noChangeAspect="1" noMove="1" noResize="1" noEditPoints="1" noAdjustHandles="1" noChangeArrowheads="1" noChangeShapeType="1" noTextEdit="1"/>
+          </p:cNvSpPr>
+          <p:nvPr>
+            <p:extLst>
+              <p:ext uri="{386F3935-93C4-4BCD-93E2-E3B085C9AB24}">
+                <p16:designElem xmlns:p16="http://schemas.microsoft.com/office/powerpoint/2015/main" val="1"/>
+              </p:ext>
+            </p:extLst>
+          </p:nvPr>
+        </p:nvSpPr>
+        <p:spPr>
+          <a:xfrm flipH="1" flipV="1">
+            <a:off x="0" y="0"/>
+            <a:ext cx="5391039" cy="6858000"/>
+          </a:xfrm>
+          <a:custGeom>
+            <a:avLst/>
+            <a:gdLst>
+              <a:gd name="connsiteX0" fmla="*/ 7188051 w 7188051"/>
+              <a:gd name="connsiteY0" fmla="*/ 6858000 h 6858000"/>
+              <a:gd name="connsiteX1" fmla="*/ 108694 w 7188051"/>
+              <a:gd name="connsiteY1" fmla="*/ 6858000 h 6858000"/>
+              <a:gd name="connsiteX2" fmla="*/ 79127 w 7188051"/>
+              <a:gd name="connsiteY2" fmla="*/ 6681235 h 6858000"/>
+              <a:gd name="connsiteX3" fmla="*/ 0 w 7188051"/>
+              <a:gd name="connsiteY3" fmla="*/ 5565888 h 6858000"/>
+              <a:gd name="connsiteX4" fmla="*/ 2190696 w 7188051"/>
+              <a:gd name="connsiteY4" fmla="*/ 145339 h 6858000"/>
+              <a:gd name="connsiteX5" fmla="*/ 2339431 w 7188051"/>
+              <a:gd name="connsiteY5" fmla="*/ 0 h 6858000"/>
+              <a:gd name="connsiteX6" fmla="*/ 7188051 w 7188051"/>
+              <a:gd name="connsiteY6" fmla="*/ 0 h 6858000"/>
+            </a:gdLst>
+            <a:ahLst/>
+            <a:cxnLst>
+              <a:cxn ang="0">
+                <a:pos x="connsiteX0" y="connsiteY0"/>
+              </a:cxn>
+              <a:cxn ang="0">
+                <a:pos x="connsiteX1" y="connsiteY1"/>
+              </a:cxn>
+              <a:cxn ang="0">
+                <a:pos x="connsiteX2" y="connsiteY2"/>
+              </a:cxn>
+              <a:cxn ang="0">
+                <a:pos x="connsiteX3" y="connsiteY3"/>
+              </a:cxn>
+              <a:cxn ang="0">
+                <a:pos x="connsiteX4" y="connsiteY4"/>
+              </a:cxn>
+              <a:cxn ang="0">
+                <a:pos x="connsiteX5" y="connsiteY5"/>
+              </a:cxn>
+              <a:cxn ang="0">
+                <a:pos x="connsiteX6" y="connsiteY6"/>
+              </a:cxn>
+            </a:cxnLst>
+            <a:rect l="l" t="t" r="r" b="b"/>
+            <a:pathLst>
+              <a:path w="7188051" h="6858000">
+                <a:moveTo>
+                  <a:pt x="7188051" y="6858000"/>
+                </a:moveTo>
+                <a:lnTo>
+                  <a:pt x="108694" y="6858000"/>
+                </a:lnTo>
+                <a:lnTo>
+                  <a:pt x="79127" y="6681235"/>
+                </a:lnTo>
+                <a:cubicBezTo>
+                  <a:pt x="26981" y="6316967"/>
+                  <a:pt x="0" y="5944579"/>
+                  <a:pt x="0" y="5565888"/>
+                </a:cubicBezTo>
+                <a:cubicBezTo>
+                  <a:pt x="0" y="3459953"/>
+                  <a:pt x="834428" y="1548908"/>
+                  <a:pt x="2190696" y="145339"/>
+                </a:cubicBezTo>
+                <a:lnTo>
+                  <a:pt x="2339431" y="0"/>
+                </a:lnTo>
+                <a:lnTo>
+                  <a:pt x="7188051" y="0"/>
+                </a:lnTo>
+                <a:close/>
+              </a:path>
+            </a:pathLst>
+          </a:custGeom>
+          <a:solidFill>
+            <a:schemeClr val="tx1">
+              <a:alpha val="80000"/>
+            </a:schemeClr>
+          </a:solidFill>
+          <a:ln>
+            <a:noFill/>
+          </a:ln>
+        </p:spPr>
+        <p:style>
+          <a:lnRef idx="2">
+            <a:schemeClr val="accent1">
+              <a:shade val="50000"/>
+            </a:schemeClr>
+          </a:lnRef>
+          <a:fillRef idx="1">
+            <a:schemeClr val="accent1"/>
+          </a:fillRef>
+          <a:effectRef idx="0">
+            <a:schemeClr val="accent1"/>
+          </a:effectRef>
+          <a:fontRef idx="minor">
+            <a:schemeClr val="lt1"/>
+          </a:fontRef>
+        </p:style>
+        <p:txBody>
+          <a:bodyPr wrap="square" rtlCol="0" anchor="ctr">
+            <a:noAutofit/>
+          </a:bodyPr>
+          <a:lstStyle/>
+          <a:p>
+            <a:pPr algn="ctr"/>
+            <a:endParaRPr lang="en-US"/>
+          </a:p>
+        </p:txBody>
+      </p:sp>
+      <p:pic>
+        <p:nvPicPr>
+          <p:cNvPr id="11" name="Picture 3" descr="White alphabet letters placed flat and stacked">
+            <a:extLst>
+              <a:ext uri="{FF2B5EF4-FFF2-40B4-BE49-F238E27FC236}">
+                <a16:creationId xmlns:a16="http://schemas.microsoft.com/office/drawing/2014/main" id="{D471C71B-526A-F7FF-C64A-99F7515F90FC}"/>
+              </a:ext>
+            </a:extLst>
+          </p:cNvPr>
+          <p:cNvPicPr>
+            <a:picLocks noChangeAspect="1"/>
+          </p:cNvPicPr>
+          <p:nvPr/>
+        </p:nvPicPr>
+        <p:blipFill rotWithShape="1">
+          <a:blip r:embed="rId2"/>
+          <a:srcRect l="7394" r="41298" b="-1"/>
+          <a:stretch/>
+        </p:blipFill>
+        <p:spPr>
+          <a:xfrm>
+            <a:off x="20" y="10"/>
+            <a:ext cx="5271352" cy="6857990"/>
+          </a:xfrm>
+          <a:custGeom>
+            <a:avLst/>
+            <a:gdLst/>
+            <a:ahLst/>
+            <a:cxnLst/>
+            <a:rect l="l" t="t" r="r" b="b"/>
+            <a:pathLst>
+              <a:path w="7028495" h="6858000">
+                <a:moveTo>
+                  <a:pt x="0" y="0"/>
+                </a:moveTo>
+                <a:lnTo>
+                  <a:pt x="6915668" y="0"/>
+                </a:lnTo>
+                <a:lnTo>
+                  <a:pt x="6952411" y="219663"/>
+                </a:lnTo>
+                <a:cubicBezTo>
+                  <a:pt x="7002551" y="569921"/>
+                  <a:pt x="7028495" y="927986"/>
+                  <a:pt x="7028495" y="1292112"/>
+                </a:cubicBezTo>
+                <a:cubicBezTo>
+                  <a:pt x="7028495" y="3343346"/>
+                  <a:pt x="6205186" y="5202289"/>
+                  <a:pt x="4870994" y="6556512"/>
+                </a:cubicBezTo>
+                <a:lnTo>
+                  <a:pt x="4556185" y="6858000"/>
+                </a:lnTo>
+                <a:lnTo>
+                  <a:pt x="0" y="6858000"/>
+                </a:lnTo>
+                <a:close/>
+              </a:path>
+            </a:pathLst>
+          </a:custGeom>
+        </p:spPr>
+      </p:pic>
+    </p:spTree>
+    <p:extLst>
+      <p:ext uri="{BB962C8B-B14F-4D97-AF65-F5344CB8AC3E}">
+        <p14:creationId xmlns:p14="http://schemas.microsoft.com/office/powerpoint/2010/main" val="2858657003"/>
+      </p:ext>
+    </p:extLst>
+  </p:cSld>
+  <p:clrMapOvr>
+    <a:overrideClrMapping bg1="dk1" tx1="lt1" bg2="dk2" tx2="lt2" accent1="accent1" accent2="accent2" accent3="accent3" accent4="accent4" accent5="accent5" accent6="accent6" hlink="hlink" folHlink="folHlink"/>
+  </p:clrMapOvr>
+</p:sld>
+</file>
+
+<file path=ppt/slides/slide15.xml><?xml version="1.0" encoding="utf-8"?>
+<p:sld xmlns:a="http://schemas.openxmlformats.org/drawingml/2006/main" xmlns:r="http://schemas.openxmlformats.org/officeDocument/2006/relationships" xmlns:p="http://schemas.openxmlformats.org/presentationml/2006/main">
+  <p:cSld>
+    <p:bg>
+      <p:bgPr>
+        <a:solidFill>
+          <a:schemeClr val="bg1"/>
+        </a:solidFill>
+        <a:effectLst/>
+      </p:bgPr>
+    </p:bg>
+    <p:spTree>
+      <p:nvGrpSpPr>
+        <p:cNvPr id="1" name=""/>
+        <p:cNvGrpSpPr/>
+        <p:nvPr/>
+      </p:nvGrpSpPr>
+      <p:grpSpPr>
+        <a:xfrm>
+          <a:off x="0" y="0"/>
+          <a:ext cx="0" cy="0"/>
+          <a:chOff x="0" y="0"/>
+          <a:chExt cx="0" cy="0"/>
+        </a:xfrm>
+      </p:grpSpPr>
+      <p:sp>
+        <p:nvSpPr>
+          <p:cNvPr id="8" name="Rectangle 7">
+            <a:extLst>
+              <a:ext uri="{FF2B5EF4-FFF2-40B4-BE49-F238E27FC236}">
+                <a16:creationId xmlns:a16="http://schemas.microsoft.com/office/drawing/2014/main" id="{32BC26D8-82FB-445E-AA49-62A77D7C1EE0}"/>
+              </a:ext>
+              <a:ext uri="{C183D7F6-B498-43B3-948B-1728B52AA6E4}">
+                <adec:decorative xmlns:adec="http://schemas.microsoft.com/office/drawing/2017/decorative" val="1"/>
+              </a:ext>
+            </a:extLst>
+          </p:cNvPr>
+          <p:cNvSpPr>
+            <a:spLocks noGrp="1" noRot="1" noChangeAspect="1" noMove="1" noResize="1" noEditPoints="1" noAdjustHandles="1" noChangeArrowheads="1" noChangeShapeType="1" noTextEdit="1"/>
+          </p:cNvSpPr>
+          <p:nvPr>
+            <p:extLst>
+              <p:ext uri="{386F3935-93C4-4BCD-93E2-E3B085C9AB24}">
+                <p16:designElem xmlns:p16="http://schemas.microsoft.com/office/powerpoint/2015/main" val="1"/>
+              </p:ext>
+            </p:extLst>
+          </p:nvPr>
+        </p:nvSpPr>
+        <p:spPr>
+          <a:xfrm>
+            <a:off x="0" y="0"/>
+            <a:ext cx="9144000" cy="6858000"/>
+          </a:xfrm>
+          <a:prstGeom prst="rect">
+            <a:avLst/>
+          </a:prstGeom>
+          <a:solidFill>
+            <a:srgbClr val="672C1D"/>
+          </a:solidFill>
+          <a:ln>
+            <a:noFill/>
+          </a:ln>
+        </p:spPr>
+        <p:style>
+          <a:lnRef idx="2">
+            <a:schemeClr val="accent1">
+              <a:shade val="50000"/>
+            </a:schemeClr>
+          </a:lnRef>
+          <a:fillRef idx="1">
+            <a:schemeClr val="accent1"/>
+          </a:fillRef>
+          <a:effectRef idx="0">
+            <a:schemeClr val="accent1"/>
+          </a:effectRef>
+          <a:fontRef idx="minor">
+            <a:schemeClr val="lt1"/>
+          </a:fontRef>
+        </p:style>
+        <p:txBody>
+          <a:bodyPr rtlCol="0" anchor="ctr"/>
+          <a:lstStyle/>
+          <a:p>
+            <a:pPr algn="ctr"/>
+            <a:endParaRPr lang="en-US"/>
+          </a:p>
+        </p:txBody>
+      </p:sp>
+      <p:sp>
+        <p:nvSpPr>
+          <p:cNvPr id="10" name="Rectangle 9">
+            <a:extLst>
+              <a:ext uri="{FF2B5EF4-FFF2-40B4-BE49-F238E27FC236}">
+                <a16:creationId xmlns:a16="http://schemas.microsoft.com/office/drawing/2014/main" id="{CB44330D-EA18-4254-AA95-EB49948539B8}"/>
+              </a:ext>
+              <a:ext uri="{C183D7F6-B498-43B3-948B-1728B52AA6E4}">
+                <adec:decorative xmlns:adec="http://schemas.microsoft.com/office/drawing/2017/decorative" val="1"/>
+              </a:ext>
+            </a:extLst>
+          </p:cNvPr>
+          <p:cNvSpPr>
+            <a:spLocks noGrp="1" noRot="1" noChangeAspect="1" noMove="1" noResize="1" noEditPoints="1" noAdjustHandles="1" noChangeArrowheads="1" noChangeShapeType="1" noTextEdit="1"/>
+          </p:cNvSpPr>
+          <p:nvPr>
+            <p:extLst>
+              <p:ext uri="{386F3935-93C4-4BCD-93E2-E3B085C9AB24}">
+                <p16:designElem xmlns:p16="http://schemas.microsoft.com/office/powerpoint/2015/main" val="1"/>
+              </p:ext>
+            </p:extLst>
+          </p:nvPr>
+        </p:nvSpPr>
+        <p:spPr>
+          <a:xfrm>
+            <a:off x="357759" y="480060"/>
+            <a:ext cx="8428482" cy="5897880"/>
+          </a:xfrm>
+          <a:prstGeom prst="rect">
+            <a:avLst/>
+          </a:prstGeom>
+          <a:solidFill>
+            <a:srgbClr val="FFFFFF"/>
+          </a:solidFill>
+          <a:ln>
+            <a:noFill/>
+          </a:ln>
+        </p:spPr>
+        <p:style>
+          <a:lnRef idx="2">
+            <a:schemeClr val="accent1">
+              <a:shade val="50000"/>
+            </a:schemeClr>
+          </a:lnRef>
+          <a:fillRef idx="1">
+            <a:schemeClr val="accent1"/>
+          </a:fillRef>
+          <a:effectRef idx="0">
+            <a:schemeClr val="accent1"/>
+          </a:effectRef>
+          <a:fontRef idx="minor">
+            <a:schemeClr val="lt1"/>
+          </a:fontRef>
+        </p:style>
+        <p:txBody>
+          <a:bodyPr rtlCol="0" anchor="ctr"/>
+          <a:lstStyle/>
+          <a:p>
+            <a:pPr algn="ctr"/>
+            <a:endParaRPr lang="en-US"/>
+          </a:p>
+        </p:txBody>
+      </p:sp>
+      <p:pic>
+        <p:nvPicPr>
+          <p:cNvPr id="3" name="Image 2">
+            <a:extLst>
+              <a:ext uri="{FF2B5EF4-FFF2-40B4-BE49-F238E27FC236}">
+                <a16:creationId xmlns:a16="http://schemas.microsoft.com/office/drawing/2014/main" id="{ACAAFDA4-2B2A-4919-BF8F-7397C6276E29}"/>
+              </a:ext>
+            </a:extLst>
+          </p:cNvPr>
+          <p:cNvPicPr>
+            <a:picLocks noChangeAspect="1"/>
+          </p:cNvPicPr>
+          <p:nvPr/>
+        </p:nvPicPr>
+        <p:blipFill>
+          <a:blip r:embed="rId2"/>
+          <a:stretch>
+            <a:fillRect/>
+          </a:stretch>
+        </p:blipFill>
+        <p:spPr>
+          <a:xfrm>
+            <a:off x="482600" y="1946593"/>
+            <a:ext cx="8178799" cy="2964814"/>
+          </a:xfrm>
+          <a:prstGeom prst="rect">
+            <a:avLst/>
+          </a:prstGeom>
+        </p:spPr>
+      </p:pic>
+    </p:spTree>
+    <p:extLst>
+      <p:ext uri="{BB962C8B-B14F-4D97-AF65-F5344CB8AC3E}">
+        <p14:creationId xmlns:p14="http://schemas.microsoft.com/office/powerpoint/2010/main" val="1494218624"/>
+      </p:ext>
+    </p:extLst>
+  </p:cSld>
+  <p:clrMapOvr>
+    <a:masterClrMapping/>
+  </p:clrMapOvr>
+</p:sld>
+</file>
+
+<file path=ppt/slides/slide16.xml><?xml version="1.0" encoding="utf-8"?>
 <p:sld xmlns:a="http://schemas.openxmlformats.org/drawingml/2006/main" xmlns:r="http://schemas.openxmlformats.org/officeDocument/2006/relationships" xmlns:p="http://schemas.openxmlformats.org/presentationml/2006/main">
   <p:cSld>
     <p:bg>
@@ -3547,7 +5752,7 @@
 </p:sld>
 </file>
 
-<file path=ppt/slides/slide11.xml><?xml version="1.0" encoding="utf-8"?>
+<file path=ppt/slides/slide17.xml><?xml version="1.0" encoding="utf-8"?>
 <p:sld xmlns:a="http://schemas.openxmlformats.org/drawingml/2006/main" xmlns:r="http://schemas.openxmlformats.org/officeDocument/2006/relationships" xmlns:p="http://schemas.openxmlformats.org/presentationml/2006/main">
   <p:cSld>
     <p:bg>
@@ -3741,7 +5946,7 @@
 </p:sld>
 </file>
 
-<file path=ppt/slides/slide12.xml><?xml version="1.0" encoding="utf-8"?>
+<file path=ppt/slides/slide18.xml><?xml version="1.0" encoding="utf-8"?>
 <p:sld xmlns:a="http://schemas.openxmlformats.org/drawingml/2006/main" xmlns:r="http://schemas.openxmlformats.org/officeDocument/2006/relationships" xmlns:p="http://schemas.openxmlformats.org/presentationml/2006/main">
   <p:cSld>
     <p:bg>
@@ -3811,7 +6016,7 @@
 </p:sld>
 </file>
 
-<file path=ppt/slides/slide13.xml><?xml version="1.0" encoding="utf-8"?>
+<file path=ppt/slides/slide19.xml><?xml version="1.0" encoding="utf-8"?>
 <p:sld xmlns:a="http://schemas.openxmlformats.org/drawingml/2006/main" xmlns:r="http://schemas.openxmlformats.org/officeDocument/2006/relationships" xmlns:p="http://schemas.openxmlformats.org/presentationml/2006/main">
   <p:cSld>
     <p:bg>
@@ -4330,7 +6535,431 @@
 </p:sld>
 </file>
 
-<file path=ppt/slides/slide14.xml><?xml version="1.0" encoding="utf-8"?>
+<file path=ppt/slides/slide2.xml><?xml version="1.0" encoding="utf-8"?>
+<p:sld xmlns:a="http://schemas.openxmlformats.org/drawingml/2006/main" xmlns:r="http://schemas.openxmlformats.org/officeDocument/2006/relationships" xmlns:p="http://schemas.openxmlformats.org/presentationml/2006/main">
+  <p:cSld>
+    <p:bg>
+      <p:bgPr>
+        <a:solidFill>
+          <a:schemeClr val="bg1"/>
+        </a:solidFill>
+        <a:effectLst/>
+      </p:bgPr>
+    </p:bg>
+    <p:spTree>
+      <p:nvGrpSpPr>
+        <p:cNvPr id="1" name=""/>
+        <p:cNvGrpSpPr/>
+        <p:nvPr/>
+      </p:nvGrpSpPr>
+      <p:grpSpPr>
+        <a:xfrm>
+          <a:off x="0" y="0"/>
+          <a:ext cx="0" cy="0"/>
+          <a:chOff x="0" y="0"/>
+          <a:chExt cx="0" cy="0"/>
+        </a:xfrm>
+      </p:grpSpPr>
+      <p:sp>
+        <p:nvSpPr>
+          <p:cNvPr id="8" name="Rectangle 7">
+            <a:extLst>
+              <a:ext uri="{FF2B5EF4-FFF2-40B4-BE49-F238E27FC236}">
+                <a16:creationId xmlns:a16="http://schemas.microsoft.com/office/drawing/2014/main" id="{B775CD93-9DF2-48CB-9F57-1BCA9A46C7FA}"/>
+              </a:ext>
+              <a:ext uri="{C183D7F6-B498-43B3-948B-1728B52AA6E4}">
+                <adec:decorative xmlns:adec="http://schemas.microsoft.com/office/drawing/2017/decorative" val="1"/>
+              </a:ext>
+            </a:extLst>
+          </p:cNvPr>
+          <p:cNvSpPr>
+            <a:spLocks noGrp="1" noRot="1" noChangeAspect="1" noMove="1" noResize="1" noEditPoints="1" noAdjustHandles="1" noChangeArrowheads="1" noChangeShapeType="1" noTextEdit="1"/>
+          </p:cNvSpPr>
+          <p:nvPr>
+            <p:extLst>
+              <p:ext uri="{386F3935-93C4-4BCD-93E2-E3B085C9AB24}">
+                <p16:designElem xmlns:p16="http://schemas.microsoft.com/office/powerpoint/2015/main" val="1"/>
+              </p:ext>
+            </p:extLst>
+          </p:nvPr>
+        </p:nvSpPr>
+        <p:spPr>
+          <a:xfrm>
+            <a:off x="349758" y="448055"/>
+            <a:ext cx="2560777" cy="3801257"/>
+          </a:xfrm>
+          <a:prstGeom prst="rect">
+            <a:avLst/>
+          </a:prstGeom>
+          <a:solidFill>
+            <a:srgbClr val="595959"/>
+          </a:solidFill>
+          <a:ln w="25400">
+            <a:noFill/>
+          </a:ln>
+        </p:spPr>
+        <p:style>
+          <a:lnRef idx="2">
+            <a:schemeClr val="accent1">
+              <a:shade val="50000"/>
+            </a:schemeClr>
+          </a:lnRef>
+          <a:fillRef idx="1">
+            <a:schemeClr val="accent1"/>
+          </a:fillRef>
+          <a:effectRef idx="0">
+            <a:schemeClr val="accent1"/>
+          </a:effectRef>
+          <a:fontRef idx="minor">
+            <a:schemeClr val="lt1"/>
+          </a:fontRef>
+        </p:style>
+        <p:txBody>
+          <a:bodyPr rtlCol="0" anchor="ctr"/>
+          <a:lstStyle/>
+          <a:p>
+            <a:pPr algn="ctr"/>
+            <a:endParaRPr lang="en-US">
+              <a:solidFill>
+                <a:srgbClr val="FFFFFF"/>
+              </a:solidFill>
+            </a:endParaRPr>
+          </a:p>
+        </p:txBody>
+      </p:sp>
+      <p:sp>
+        <p:nvSpPr>
+          <p:cNvPr id="2" name="Titre 1">
+            <a:extLst>
+              <a:ext uri="{FF2B5EF4-FFF2-40B4-BE49-F238E27FC236}">
+                <a16:creationId xmlns:a16="http://schemas.microsoft.com/office/drawing/2014/main" id="{836BAF9F-17F1-4BC6-B589-A75982255F4B}"/>
+              </a:ext>
+            </a:extLst>
+          </p:cNvPr>
+          <p:cNvSpPr>
+            <a:spLocks noGrp="1"/>
+          </p:cNvSpPr>
+          <p:nvPr>
+            <p:ph type="title"/>
+          </p:nvPr>
+        </p:nvSpPr>
+        <p:spPr>
+          <a:xfrm>
+            <a:off x="582930" y="731519"/>
+            <a:ext cx="2133893" cy="3237579"/>
+          </a:xfrm>
+        </p:spPr>
+        <p:txBody>
+          <a:bodyPr>
+            <a:normAutofit/>
+          </a:bodyPr>
+          <a:lstStyle/>
+          <a:p>
+            <a:r>
+              <a:rPr lang="fr-FR" sz="3300">
+                <a:solidFill>
+                  <a:srgbClr val="FFFFFF"/>
+                </a:solidFill>
+              </a:rPr>
+              <a:t>Actions correctives</a:t>
+            </a:r>
+          </a:p>
+        </p:txBody>
+      </p:sp>
+      <p:sp>
+        <p:nvSpPr>
+          <p:cNvPr id="10" name="Rectangle 9">
+            <a:extLst>
+              <a:ext uri="{FF2B5EF4-FFF2-40B4-BE49-F238E27FC236}">
+                <a16:creationId xmlns:a16="http://schemas.microsoft.com/office/drawing/2014/main" id="{6166C6D1-23AC-49C4-BA07-238E4E9F8CEB}"/>
+              </a:ext>
+              <a:ext uri="{C183D7F6-B498-43B3-948B-1728B52AA6E4}">
+                <adec:decorative xmlns:adec="http://schemas.microsoft.com/office/drawing/2017/decorative" val="1"/>
+              </a:ext>
+            </a:extLst>
+          </p:cNvPr>
+          <p:cNvSpPr>
+            <a:spLocks noGrp="1" noRot="1" noChangeAspect="1" noMove="1" noResize="1" noEditPoints="1" noAdjustHandles="1" noChangeArrowheads="1" noChangeShapeType="1" noTextEdit="1"/>
+          </p:cNvSpPr>
+          <p:nvPr>
+            <p:extLst>
+              <p:ext uri="{386F3935-93C4-4BCD-93E2-E3B085C9AB24}">
+                <p16:designElem xmlns:p16="http://schemas.microsoft.com/office/powerpoint/2015/main" val="1"/>
+              </p:ext>
+            </p:extLst>
+          </p:nvPr>
+        </p:nvSpPr>
+        <p:spPr>
+          <a:xfrm>
+            <a:off x="349757" y="4419227"/>
+            <a:ext cx="2560777" cy="1979852"/>
+          </a:xfrm>
+          <a:prstGeom prst="rect">
+            <a:avLst/>
+          </a:prstGeom>
+          <a:solidFill>
+            <a:schemeClr val="accent1">
+              <a:alpha val="95000"/>
+            </a:schemeClr>
+          </a:solidFill>
+          <a:ln w="25400">
+            <a:noFill/>
+          </a:ln>
+        </p:spPr>
+        <p:style>
+          <a:lnRef idx="2">
+            <a:schemeClr val="accent1">
+              <a:shade val="50000"/>
+            </a:schemeClr>
+          </a:lnRef>
+          <a:fillRef idx="1">
+            <a:schemeClr val="accent1"/>
+          </a:fillRef>
+          <a:effectRef idx="0">
+            <a:schemeClr val="accent1"/>
+          </a:effectRef>
+          <a:fontRef idx="minor">
+            <a:schemeClr val="lt1"/>
+          </a:fontRef>
+        </p:style>
+        <p:txBody>
+          <a:bodyPr rtlCol="0" anchor="ctr"/>
+          <a:lstStyle/>
+          <a:p>
+            <a:pPr algn="ctr"/>
+            <a:endParaRPr lang="en-US" dirty="0">
+              <a:solidFill>
+                <a:srgbClr val="FFFFFF"/>
+              </a:solidFill>
+            </a:endParaRPr>
+          </a:p>
+        </p:txBody>
+      </p:sp>
+      <p:sp>
+        <p:nvSpPr>
+          <p:cNvPr id="12" name="Rectangle 11">
+            <a:extLst>
+              <a:ext uri="{FF2B5EF4-FFF2-40B4-BE49-F238E27FC236}">
+                <a16:creationId xmlns:a16="http://schemas.microsoft.com/office/drawing/2014/main" id="{1C091803-41C2-48E0-9228-5148460C7479}"/>
+              </a:ext>
+              <a:ext uri="{C183D7F6-B498-43B3-948B-1728B52AA6E4}">
+                <adec:decorative xmlns:adec="http://schemas.microsoft.com/office/drawing/2017/decorative" val="1"/>
+              </a:ext>
+            </a:extLst>
+          </p:cNvPr>
+          <p:cNvSpPr>
+            <a:spLocks noGrp="1" noRot="1" noChangeAspect="1" noMove="1" noResize="1" noEditPoints="1" noAdjustHandles="1" noChangeArrowheads="1" noChangeShapeType="1" noTextEdit="1"/>
+          </p:cNvSpPr>
+          <p:nvPr>
+            <p:extLst>
+              <p:ext uri="{386F3935-93C4-4BCD-93E2-E3B085C9AB24}">
+                <p16:designElem xmlns:p16="http://schemas.microsoft.com/office/powerpoint/2015/main" val="1"/>
+              </p:ext>
+            </p:extLst>
+          </p:nvPr>
+        </p:nvSpPr>
+        <p:spPr>
+          <a:xfrm>
+            <a:off x="3033452" y="448055"/>
+            <a:ext cx="5766356" cy="5952745"/>
+          </a:xfrm>
+          <a:prstGeom prst="rect">
+            <a:avLst/>
+          </a:prstGeom>
+          <a:solidFill>
+            <a:schemeClr val="tx1">
+              <a:lumMod val="50000"/>
+              <a:lumOff val="50000"/>
+              <a:alpha val="20000"/>
+            </a:schemeClr>
+          </a:solidFill>
+          <a:ln>
+            <a:noFill/>
+          </a:ln>
+        </p:spPr>
+        <p:style>
+          <a:lnRef idx="2">
+            <a:schemeClr val="accent1">
+              <a:shade val="50000"/>
+            </a:schemeClr>
+          </a:lnRef>
+          <a:fillRef idx="1">
+            <a:schemeClr val="accent1"/>
+          </a:fillRef>
+          <a:effectRef idx="0">
+            <a:schemeClr val="accent1"/>
+          </a:effectRef>
+          <a:fontRef idx="minor">
+            <a:schemeClr val="lt1"/>
+          </a:fontRef>
+        </p:style>
+        <p:txBody>
+          <a:bodyPr rtlCol="0" anchor="ctr"/>
+          <a:lstStyle/>
+          <a:p>
+            <a:pPr algn="ctr"/>
+            <a:endParaRPr lang="en-US"/>
+          </a:p>
+        </p:txBody>
+      </p:sp>
+      <p:sp>
+        <p:nvSpPr>
+          <p:cNvPr id="3" name="Espace réservé du contenu 2">
+            <a:extLst>
+              <a:ext uri="{FF2B5EF4-FFF2-40B4-BE49-F238E27FC236}">
+                <a16:creationId xmlns:a16="http://schemas.microsoft.com/office/drawing/2014/main" id="{516E465E-80B0-42E8-A504-FF0B4DA6215C}"/>
+              </a:ext>
+            </a:extLst>
+          </p:cNvPr>
+          <p:cNvSpPr>
+            <a:spLocks noGrp="1"/>
+          </p:cNvSpPr>
+          <p:nvPr>
+            <p:ph idx="1"/>
+          </p:nvPr>
+        </p:nvSpPr>
+        <p:spPr>
+          <a:xfrm>
+            <a:off x="3284781" y="686862"/>
+            <a:ext cx="5278194" cy="5475129"/>
+          </a:xfrm>
+        </p:spPr>
+        <p:txBody>
+          <a:bodyPr anchor="ctr">
+            <a:normAutofit/>
+          </a:bodyPr>
+          <a:lstStyle/>
+          <a:p>
+            <a:pPr marL="514350" indent="-514350">
+              <a:buFont typeface="+mj-lt"/>
+              <a:buAutoNum type="arabicPeriod"/>
+            </a:pPr>
+            <a:r>
+              <a:rPr lang="fr-FR" sz="2300" dirty="0"/>
+              <a:t>Vitesse de chargement</a:t>
+            </a:r>
+          </a:p>
+          <a:p>
+            <a:pPr marL="514350" indent="-514350">
+              <a:buFont typeface="+mj-lt"/>
+              <a:buAutoNum type="arabicPeriod"/>
+            </a:pPr>
+            <a:r>
+              <a:rPr lang="fr-FR" sz="2300" dirty="0"/>
+              <a:t>Réduire la taille des images </a:t>
+            </a:r>
+            <a:r>
+              <a:rPr lang="en-US" sz="2300" dirty="0">
+                <a:hlinkClick r:id="rId2"/>
+              </a:rPr>
+              <a:t>https://image.online-convert.com/fr/convertir-en-webp</a:t>
+            </a:r>
+            <a:endParaRPr lang="fr-FR" sz="2300" dirty="0"/>
+          </a:p>
+          <a:p>
+            <a:pPr marL="514350" indent="-514350">
+              <a:buFont typeface="+mj-lt"/>
+              <a:buAutoNum type="arabicPeriod"/>
+            </a:pPr>
+            <a:r>
+              <a:rPr lang="fr-FR" sz="2300" dirty="0"/>
+              <a:t>Erreur de codes W3C</a:t>
+            </a:r>
+          </a:p>
+          <a:p>
+            <a:pPr marL="514350" indent="-514350">
+              <a:buFont typeface="+mj-lt"/>
+              <a:buAutoNum type="arabicPeriod"/>
+            </a:pPr>
+            <a:r>
+              <a:rPr lang="fr-FR" sz="2300" dirty="0"/>
+              <a:t>Contrôle de l’accessibilité </a:t>
+            </a:r>
+            <a:r>
+              <a:rPr lang="fr-FR" sz="2300" dirty="0">
+                <a:hlinkClick r:id="rId3"/>
+              </a:rPr>
+              <a:t>https://wave.webaim.org/</a:t>
+            </a:r>
+            <a:endParaRPr lang="fr-FR" sz="2300" dirty="0"/>
+          </a:p>
+          <a:p>
+            <a:pPr marL="1314450" lvl="2" indent="-514350">
+              <a:buFont typeface="+mj-lt"/>
+              <a:buAutoNum type="alphaLcPeriod"/>
+            </a:pPr>
+            <a:r>
+              <a:rPr lang="fr-FR" sz="2300" dirty="0"/>
+              <a:t>Contraste</a:t>
+            </a:r>
+          </a:p>
+          <a:p>
+            <a:pPr marL="1314450" lvl="2" indent="-514350">
+              <a:buFont typeface="+mj-lt"/>
+              <a:buAutoNum type="alphaLcPeriod"/>
+            </a:pPr>
+            <a:r>
+              <a:rPr lang="fr-FR" sz="2300" dirty="0"/>
+              <a:t>Accessibilité texte alternative</a:t>
+            </a:r>
+          </a:p>
+          <a:p>
+            <a:pPr marL="1314450" lvl="2" indent="-514350">
+              <a:buFont typeface="+mj-lt"/>
+              <a:buAutoNum type="alphaLcPeriod"/>
+            </a:pPr>
+            <a:r>
+              <a:rPr lang="fr-FR" sz="2300" dirty="0"/>
+              <a:t>Focus</a:t>
+            </a:r>
+          </a:p>
+          <a:p>
+            <a:pPr marL="1314450" lvl="2" indent="-514350">
+              <a:buFont typeface="+mj-lt"/>
+              <a:buAutoNum type="alphaLcPeriod"/>
+            </a:pPr>
+            <a:r>
+              <a:rPr lang="fr-FR" sz="2300" dirty="0"/>
+              <a:t>Label</a:t>
+            </a:r>
+          </a:p>
+          <a:p>
+            <a:pPr marL="514350" indent="-514350">
+              <a:buFont typeface="+mj-lt"/>
+              <a:buAutoNum type="arabicPeriod"/>
+            </a:pPr>
+            <a:endParaRPr lang="fr-FR" sz="2300" dirty="0"/>
+          </a:p>
+          <a:p>
+            <a:pPr marL="514350" indent="-514350">
+              <a:buFont typeface="+mj-lt"/>
+              <a:buAutoNum type="arabicPeriod"/>
+            </a:pPr>
+            <a:endParaRPr lang="fr-FR" sz="2300" dirty="0"/>
+          </a:p>
+          <a:p>
+            <a:pPr marL="514350" indent="-514350">
+              <a:buFont typeface="+mj-lt"/>
+              <a:buAutoNum type="arabicPeriod"/>
+            </a:pPr>
+            <a:endParaRPr lang="fr-FR" sz="2300" dirty="0"/>
+          </a:p>
+        </p:txBody>
+      </p:sp>
+    </p:spTree>
+    <p:extLst>
+      <p:ext uri="{BB962C8B-B14F-4D97-AF65-F5344CB8AC3E}">
+        <p14:creationId xmlns:p14="http://schemas.microsoft.com/office/powerpoint/2010/main" val="2902374240"/>
+      </p:ext>
+    </p:extLst>
+  </p:cSld>
+  <p:clrMapOvr>
+    <a:masterClrMapping/>
+  </p:clrMapOvr>
+</p:sld>
+</file>
+
+<file path=ppt/slides/slide20.xml><?xml version="1.0" encoding="utf-8"?>
 <p:sld xmlns:a="http://schemas.openxmlformats.org/drawingml/2006/main" xmlns:r="http://schemas.openxmlformats.org/officeDocument/2006/relationships" xmlns:p="http://schemas.openxmlformats.org/presentationml/2006/main">
   <p:cSld>
     <p:bg>
@@ -4398,7 +7027,7 @@
 </p:sld>
 </file>
 
-<file path=ppt/slides/slide15.xml><?xml version="1.0" encoding="utf-8"?>
+<file path=ppt/slides/slide21.xml><?xml version="1.0" encoding="utf-8"?>
 <p:sld xmlns:a="http://schemas.openxmlformats.org/drawingml/2006/main" xmlns:r="http://schemas.openxmlformats.org/officeDocument/2006/relationships" xmlns:p="http://schemas.openxmlformats.org/presentationml/2006/main">
   <p:cSld>
     <p:bg>
@@ -4620,7 +7249,7 @@
 </p:sld>
 </file>
 
-<file path=ppt/slides/slide16.xml><?xml version="1.0" encoding="utf-8"?>
+<file path=ppt/slides/slide22.xml><?xml version="1.0" encoding="utf-8"?>
 <p:sld xmlns:a="http://schemas.openxmlformats.org/drawingml/2006/main" xmlns:r="http://schemas.openxmlformats.org/officeDocument/2006/relationships" xmlns:p="http://schemas.openxmlformats.org/presentationml/2006/main">
   <p:cSld>
     <p:bg>
@@ -5076,66 +7705,7 @@
 </p:sld>
 </file>
 
-<file path=ppt/slides/slide17.xml><?xml version="1.0" encoding="utf-8"?>
-<p:sld xmlns:a="http://schemas.openxmlformats.org/drawingml/2006/main" xmlns:r="http://schemas.openxmlformats.org/officeDocument/2006/relationships" xmlns:p="http://schemas.openxmlformats.org/presentationml/2006/main">
-  <p:cSld>
-    <p:spTree>
-      <p:nvGrpSpPr>
-        <p:cNvPr id="1" name=""/>
-        <p:cNvGrpSpPr/>
-        <p:nvPr/>
-      </p:nvGrpSpPr>
-      <p:grpSpPr>
-        <a:xfrm>
-          <a:off x="0" y="0"/>
-          <a:ext cx="0" cy="0"/>
-          <a:chOff x="0" y="0"/>
-          <a:chExt cx="0" cy="0"/>
-        </a:xfrm>
-      </p:grpSpPr>
-      <p:pic>
-        <p:nvPicPr>
-          <p:cNvPr id="3" name="Image 2">
-            <a:extLst>
-              <a:ext uri="{FF2B5EF4-FFF2-40B4-BE49-F238E27FC236}">
-                <a16:creationId xmlns:a16="http://schemas.microsoft.com/office/drawing/2014/main" id="{B4FF483F-8BCF-460C-AF1B-90DC20B89121}"/>
-              </a:ext>
-            </a:extLst>
-          </p:cNvPr>
-          <p:cNvPicPr>
-            <a:picLocks noChangeAspect="1"/>
-          </p:cNvPicPr>
-          <p:nvPr/>
-        </p:nvPicPr>
-        <p:blipFill rotWithShape="1">
-          <a:blip r:embed="rId2"/>
-          <a:srcRect l="5587" t="-572" b="-1"/>
-          <a:stretch/>
-        </p:blipFill>
-        <p:spPr>
-          <a:xfrm>
-            <a:off x="1259632" y="620688"/>
-            <a:ext cx="7041405" cy="5584849"/>
-          </a:xfrm>
-          <a:prstGeom prst="rect">
-            <a:avLst/>
-          </a:prstGeom>
-        </p:spPr>
-      </p:pic>
-    </p:spTree>
-    <p:extLst>
-      <p:ext uri="{BB962C8B-B14F-4D97-AF65-F5344CB8AC3E}">
-        <p14:creationId xmlns:p14="http://schemas.microsoft.com/office/powerpoint/2010/main" val="1282116255"/>
-      </p:ext>
-    </p:extLst>
-  </p:cSld>
-  <p:clrMapOvr>
-    <a:masterClrMapping/>
-  </p:clrMapOvr>
-</p:sld>
-</file>
-
-<file path=ppt/slides/slide18.xml><?xml version="1.0" encoding="utf-8"?>
+<file path=ppt/slides/slide23.xml><?xml version="1.0" encoding="utf-8"?>
 <p:sld xmlns:a="http://schemas.openxmlformats.org/drawingml/2006/main" xmlns:r="http://schemas.openxmlformats.org/officeDocument/2006/relationships" xmlns:p="http://schemas.openxmlformats.org/presentationml/2006/main">
   <p:cSld>
     <p:bg>
@@ -5162,10 +7732,10 @@
       </p:grpSpPr>
       <p:sp>
         <p:nvSpPr>
-          <p:cNvPr id="8" name="Rectangle 7">
+          <p:cNvPr id="10" name="Rectangle 9">
             <a:extLst>
               <a:ext uri="{FF2B5EF4-FFF2-40B4-BE49-F238E27FC236}">
-                <a16:creationId xmlns:a16="http://schemas.microsoft.com/office/drawing/2014/main" id="{F3060C83-F051-4F0E-ABAD-AA0DFC48B218}"/>
+                <a16:creationId xmlns:a16="http://schemas.microsoft.com/office/drawing/2014/main" id="{A9F529C3-C941-49FD-8C67-82F134F64BDB}"/>
               </a:ext>
               <a:ext uri="{C183D7F6-B498-43B3-948B-1728B52AA6E4}">
                 <adec:decorative xmlns:adec="http://schemas.microsoft.com/office/drawing/2017/decorative" val="1"/>
@@ -5192,121 +7762,9 @@
             <a:avLst/>
           </a:prstGeom>
           <a:solidFill>
-            <a:schemeClr val="bg1"/>
-          </a:solidFill>
-          <a:ln>
-            <a:noFill/>
-          </a:ln>
-        </p:spPr>
-        <p:style>
-          <a:lnRef idx="2">
-            <a:schemeClr val="accent1">
-              <a:shade val="50000"/>
-            </a:schemeClr>
-          </a:lnRef>
-          <a:fillRef idx="1">
-            <a:schemeClr val="accent1"/>
-          </a:fillRef>
-          <a:effectRef idx="0">
-            <a:schemeClr val="accent1"/>
-          </a:effectRef>
-          <a:fontRef idx="minor">
-            <a:schemeClr val="lt1"/>
-          </a:fontRef>
-        </p:style>
-        <p:txBody>
-          <a:bodyPr rtlCol="0" anchor="ctr"/>
-          <a:lstStyle/>
-          <a:p>
-            <a:pPr algn="ctr"/>
-            <a:endParaRPr lang="en-US" dirty="0"/>
-          </a:p>
-        </p:txBody>
-      </p:sp>
-      <p:sp>
-        <p:nvSpPr>
-          <p:cNvPr id="10" name="Freeform: Shape 9">
-            <a:extLst>
-              <a:ext uri="{FF2B5EF4-FFF2-40B4-BE49-F238E27FC236}">
-                <a16:creationId xmlns:a16="http://schemas.microsoft.com/office/drawing/2014/main" id="{83C98ABE-055B-441F-B07E-44F97F083C39}"/>
-              </a:ext>
-              <a:ext uri="{C183D7F6-B498-43B3-948B-1728B52AA6E4}">
-                <adec:decorative xmlns:adec="http://schemas.microsoft.com/office/drawing/2017/decorative" val="1"/>
-              </a:ext>
-            </a:extLst>
-          </p:cNvPr>
-          <p:cNvSpPr>
-            <a:spLocks noGrp="1" noRot="1" noChangeAspect="1" noMove="1" noResize="1" noEditPoints="1" noAdjustHandles="1" noChangeArrowheads="1" noChangeShapeType="1" noTextEdit="1"/>
-          </p:cNvSpPr>
-          <p:nvPr>
-            <p:extLst>
-              <p:ext uri="{386F3935-93C4-4BCD-93E2-E3B085C9AB24}">
-                <p16:designElem xmlns:p16="http://schemas.microsoft.com/office/powerpoint/2015/main" val="1"/>
-              </p:ext>
-            </p:extLst>
-          </p:nvPr>
-        </p:nvSpPr>
-        <p:spPr>
-          <a:xfrm rot="18900000" flipH="1">
-            <a:off x="-282117" y="-253670"/>
-            <a:ext cx="1370728" cy="1376989"/>
-          </a:xfrm>
-          <a:custGeom>
-            <a:avLst/>
-            <a:gdLst>
-              <a:gd name="connsiteX0" fmla="*/ 0 w 1827638"/>
-              <a:gd name="connsiteY0" fmla="*/ 987379 h 1376989"/>
-              <a:gd name="connsiteX1" fmla="*/ 987379 w 1827638"/>
-              <a:gd name="connsiteY1" fmla="*/ 0 h 1376989"/>
-              <a:gd name="connsiteX2" fmla="*/ 1827638 w 1827638"/>
-              <a:gd name="connsiteY2" fmla="*/ 840260 h 1376989"/>
-              <a:gd name="connsiteX3" fmla="*/ 1827638 w 1827638"/>
-              <a:gd name="connsiteY3" fmla="*/ 1376989 h 1376989"/>
-              <a:gd name="connsiteX4" fmla="*/ 0 w 1827638"/>
-              <a:gd name="connsiteY4" fmla="*/ 1376989 h 1376989"/>
-            </a:gdLst>
-            <a:ahLst/>
-            <a:cxnLst>
-              <a:cxn ang="0">
-                <a:pos x="connsiteX0" y="connsiteY0"/>
-              </a:cxn>
-              <a:cxn ang="0">
-                <a:pos x="connsiteX1" y="connsiteY1"/>
-              </a:cxn>
-              <a:cxn ang="0">
-                <a:pos x="connsiteX2" y="connsiteY2"/>
-              </a:cxn>
-              <a:cxn ang="0">
-                <a:pos x="connsiteX3" y="connsiteY3"/>
-              </a:cxn>
-              <a:cxn ang="0">
-                <a:pos x="connsiteX4" y="connsiteY4"/>
-              </a:cxn>
-            </a:cxnLst>
-            <a:rect l="l" t="t" r="r" b="b"/>
-            <a:pathLst>
-              <a:path w="1827638" h="1376989">
-                <a:moveTo>
-                  <a:pt x="0" y="987379"/>
-                </a:moveTo>
-                <a:lnTo>
-                  <a:pt x="987379" y="0"/>
-                </a:lnTo>
-                <a:lnTo>
-                  <a:pt x="1827638" y="840260"/>
-                </a:lnTo>
-                <a:lnTo>
-                  <a:pt x="1827638" y="1376989"/>
-                </a:lnTo>
-                <a:lnTo>
-                  <a:pt x="0" y="1376989"/>
-                </a:lnTo>
-                <a:close/>
-              </a:path>
-            </a:pathLst>
-          </a:custGeom>
-          <a:solidFill>
-            <a:schemeClr val="accent1">
+            <a:schemeClr val="tx1">
+              <a:lumMod val="50000"/>
+              <a:lumOff val="50000"/>
               <a:alpha val="30000"/>
             </a:schemeClr>
           </a:solidFill>
@@ -5335,7 +7793,7 @@
           <a:lstStyle/>
           <a:p>
             <a:pPr algn="ctr"/>
-            <a:endParaRPr lang="en-US" dirty="0"/>
+            <a:endParaRPr lang="en-US"/>
           </a:p>
         </p:txBody>
       </p:sp>
@@ -5344,7 +7802,7 @@
           <p:cNvPr id="12" name="Rectangle 11">
             <a:extLst>
               <a:ext uri="{FF2B5EF4-FFF2-40B4-BE49-F238E27FC236}">
-                <a16:creationId xmlns:a16="http://schemas.microsoft.com/office/drawing/2014/main" id="{29FDB030-9B49-4CED-8CCD-4D99382388AC}"/>
+                <a16:creationId xmlns:a16="http://schemas.microsoft.com/office/drawing/2014/main" id="{20586029-32A0-47E5-9AEC-AE3ABA6B94D0}"/>
               </a:ext>
               <a:ext uri="{C183D7F6-B498-43B3-948B-1728B52AA6E4}">
                 <adec:decorative xmlns:adec="http://schemas.microsoft.com/office/drawing/2017/decorative" val="1"/>
@@ -5363,21 +7821,26 @@
           </p:nvPr>
         </p:nvSpPr>
         <p:spPr>
-          <a:xfrm rot="18900000" flipH="1">
-            <a:off x="668730" y="422146"/>
-            <a:ext cx="484026" cy="645368"/>
+          <a:xfrm>
+            <a:off x="357759" y="480060"/>
+            <a:ext cx="8428482" cy="5897880"/>
           </a:xfrm>
           <a:prstGeom prst="rect">
             <a:avLst/>
           </a:prstGeom>
           <a:solidFill>
-            <a:schemeClr val="accent1">
-              <a:alpha val="30000"/>
-            </a:schemeClr>
+            <a:srgbClr val="FFFFFF"/>
           </a:solidFill>
-          <a:ln>
+          <a:ln w="9525">
             <a:noFill/>
           </a:ln>
+          <a:effectLst>
+            <a:outerShdw blurRad="63500" dist="17780" dir="5400000" algn="t" rotWithShape="0">
+              <a:prstClr val="black">
+                <a:alpha val="43000"/>
+              </a:prstClr>
+            </a:outerShdw>
+          </a:effectLst>
         </p:spPr>
         <p:style>
           <a:lnRef idx="2">
@@ -5404,317 +7867,12 @@
           </a:p>
         </p:txBody>
       </p:sp>
-      <p:sp>
-        <p:nvSpPr>
-          <p:cNvPr id="14" name="Rectangle 13">
+      <p:pic>
+        <p:nvPicPr>
+          <p:cNvPr id="5" name="Image 4" descr="Une image contenant texte&#10;&#10;Description générée automatiquement">
             <a:extLst>
               <a:ext uri="{FF2B5EF4-FFF2-40B4-BE49-F238E27FC236}">
-                <a16:creationId xmlns:a16="http://schemas.microsoft.com/office/drawing/2014/main" id="{3783CA14-24A1-485C-8B30-D6A5D87987AD}"/>
-              </a:ext>
-              <a:ext uri="{C183D7F6-B498-43B3-948B-1728B52AA6E4}">
-                <adec:decorative xmlns:adec="http://schemas.microsoft.com/office/drawing/2017/decorative" val="1"/>
-              </a:ext>
-            </a:extLst>
-          </p:cNvPr>
-          <p:cNvSpPr>
-            <a:spLocks noGrp="1" noRot="1" noChangeAspect="1" noMove="1" noResize="1" noEditPoints="1" noAdjustHandles="1" noChangeArrowheads="1" noChangeShapeType="1" noTextEdit="1"/>
-          </p:cNvSpPr>
-          <p:nvPr>
-            <p:extLst>
-              <p:ext uri="{386F3935-93C4-4BCD-93E2-E3B085C9AB24}">
-                <p16:designElem xmlns:p16="http://schemas.microsoft.com/office/powerpoint/2015/main" val="1"/>
-              </p:ext>
-            </p:extLst>
-          </p:nvPr>
-        </p:nvSpPr>
-        <p:spPr>
-          <a:xfrm rot="18900000" flipH="1">
-            <a:off x="7532611" y="655140"/>
-            <a:ext cx="515604" cy="687472"/>
-          </a:xfrm>
-          <a:prstGeom prst="rect">
-            <a:avLst/>
-          </a:prstGeom>
-          <a:solidFill>
-            <a:schemeClr val="accent4">
-              <a:alpha val="30000"/>
-            </a:schemeClr>
-          </a:solidFill>
-          <a:ln>
-            <a:noFill/>
-          </a:ln>
-        </p:spPr>
-        <p:style>
-          <a:lnRef idx="2">
-            <a:schemeClr val="accent1">
-              <a:shade val="50000"/>
-            </a:schemeClr>
-          </a:lnRef>
-          <a:fillRef idx="1">
-            <a:schemeClr val="accent1"/>
-          </a:fillRef>
-          <a:effectRef idx="0">
-            <a:schemeClr val="accent1"/>
-          </a:effectRef>
-          <a:fontRef idx="minor">
-            <a:schemeClr val="lt1"/>
-          </a:fontRef>
-        </p:style>
-        <p:txBody>
-          <a:bodyPr rtlCol="0" anchor="ctr"/>
-          <a:lstStyle/>
-          <a:p>
-            <a:pPr algn="ctr"/>
-            <a:endParaRPr lang="en-US"/>
-          </a:p>
-        </p:txBody>
-      </p:sp>
-      <p:sp>
-        <p:nvSpPr>
-          <p:cNvPr id="16" name="Freeform: Shape 15">
-            <a:extLst>
-              <a:ext uri="{FF2B5EF4-FFF2-40B4-BE49-F238E27FC236}">
-                <a16:creationId xmlns:a16="http://schemas.microsoft.com/office/drawing/2014/main" id="{9A97C86A-04D6-40F7-AE84-31AB43E6A846}"/>
-              </a:ext>
-              <a:ext uri="{C183D7F6-B498-43B3-948B-1728B52AA6E4}">
-                <adec:decorative xmlns:adec="http://schemas.microsoft.com/office/drawing/2017/decorative" val="1"/>
-              </a:ext>
-            </a:extLst>
-          </p:cNvPr>
-          <p:cNvSpPr>
-            <a:spLocks noGrp="1" noRot="1" noChangeAspect="1" noMove="1" noResize="1" noEditPoints="1" noAdjustHandles="1" noChangeArrowheads="1" noChangeShapeType="1" noTextEdit="1"/>
-          </p:cNvSpPr>
-          <p:nvPr>
-            <p:extLst>
-              <p:ext uri="{386F3935-93C4-4BCD-93E2-E3B085C9AB24}">
-                <p16:designElem xmlns:p16="http://schemas.microsoft.com/office/powerpoint/2015/main" val="1"/>
-              </p:ext>
-            </p:extLst>
-          </p:nvPr>
-        </p:nvSpPr>
-        <p:spPr>
-          <a:xfrm rot="10800000" flipH="1">
-            <a:off x="7017482" y="0"/>
-            <a:ext cx="2126518" cy="1480837"/>
-          </a:xfrm>
-          <a:custGeom>
-            <a:avLst/>
-            <a:gdLst>
-              <a:gd name="connsiteX0" fmla="*/ 2835357 w 2835357"/>
-              <a:gd name="connsiteY0" fmla="*/ 1480837 h 1480837"/>
-              <a:gd name="connsiteX1" fmla="*/ 0 w 2835357"/>
-              <a:gd name="connsiteY1" fmla="*/ 1480837 h 1480837"/>
-              <a:gd name="connsiteX2" fmla="*/ 1552727 w 2835357"/>
-              <a:gd name="connsiteY2" fmla="*/ 0 h 1480837"/>
-              <a:gd name="connsiteX3" fmla="*/ 2835357 w 2835357"/>
-              <a:gd name="connsiteY3" fmla="*/ 1223245 h 1480837"/>
-            </a:gdLst>
-            <a:ahLst/>
-            <a:cxnLst>
-              <a:cxn ang="0">
-                <a:pos x="connsiteX0" y="connsiteY0"/>
-              </a:cxn>
-              <a:cxn ang="0">
-                <a:pos x="connsiteX1" y="connsiteY1"/>
-              </a:cxn>
-              <a:cxn ang="0">
-                <a:pos x="connsiteX2" y="connsiteY2"/>
-              </a:cxn>
-              <a:cxn ang="0">
-                <a:pos x="connsiteX3" y="connsiteY3"/>
-              </a:cxn>
-            </a:cxnLst>
-            <a:rect l="l" t="t" r="r" b="b"/>
-            <a:pathLst>
-              <a:path w="2835357" h="1480837">
-                <a:moveTo>
-                  <a:pt x="2835357" y="1480837"/>
-                </a:moveTo>
-                <a:lnTo>
-                  <a:pt x="0" y="1480837"/>
-                </a:lnTo>
-                <a:lnTo>
-                  <a:pt x="1552727" y="0"/>
-                </a:lnTo>
-                <a:lnTo>
-                  <a:pt x="2835357" y="1223245"/>
-                </a:lnTo>
-                <a:close/>
-              </a:path>
-            </a:pathLst>
-          </a:custGeom>
-          <a:solidFill>
-            <a:schemeClr val="accent4">
-              <a:alpha val="30000"/>
-            </a:schemeClr>
-          </a:solidFill>
-          <a:ln>
-            <a:noFill/>
-          </a:ln>
-        </p:spPr>
-        <p:style>
-          <a:lnRef idx="2">
-            <a:schemeClr val="accent1">
-              <a:shade val="50000"/>
-            </a:schemeClr>
-          </a:lnRef>
-          <a:fillRef idx="1">
-            <a:schemeClr val="accent1"/>
-          </a:fillRef>
-          <a:effectRef idx="0">
-            <a:schemeClr val="accent1"/>
-          </a:effectRef>
-          <a:fontRef idx="minor">
-            <a:schemeClr val="lt1"/>
-          </a:fontRef>
-        </p:style>
-        <p:txBody>
-          <a:bodyPr wrap="square" rtlCol="0" anchor="ctr">
-            <a:noAutofit/>
-          </a:bodyPr>
-          <a:lstStyle/>
-          <a:p>
-            <a:pPr algn="ctr"/>
-            <a:endParaRPr lang="en-US" dirty="0"/>
-          </a:p>
-        </p:txBody>
-      </p:sp>
-      <p:sp>
-        <p:nvSpPr>
-          <p:cNvPr id="18" name="Isosceles Triangle 17">
-            <a:extLst>
-              <a:ext uri="{FF2B5EF4-FFF2-40B4-BE49-F238E27FC236}">
-                <a16:creationId xmlns:a16="http://schemas.microsoft.com/office/drawing/2014/main" id="{FF9F2414-84E8-453E-B1F3-389FDE8192D9}"/>
-              </a:ext>
-              <a:ext uri="{C183D7F6-B498-43B3-948B-1728B52AA6E4}">
-                <adec:decorative xmlns:adec="http://schemas.microsoft.com/office/drawing/2017/decorative" val="1"/>
-              </a:ext>
-            </a:extLst>
-          </p:cNvPr>
-          <p:cNvSpPr>
-            <a:spLocks noGrp="1" noRot="1" noChangeAspect="1" noMove="1" noResize="1" noEditPoints="1" noAdjustHandles="1" noChangeArrowheads="1" noChangeShapeType="1" noTextEdit="1"/>
-          </p:cNvSpPr>
-          <p:nvPr>
-            <p:extLst>
-              <p:ext uri="{386F3935-93C4-4BCD-93E2-E3B085C9AB24}">
-                <p16:designElem xmlns:p16="http://schemas.microsoft.com/office/powerpoint/2015/main" val="1"/>
-              </p:ext>
-            </p:extLst>
-          </p:nvPr>
-        </p:nvSpPr>
-        <p:spPr>
-          <a:xfrm flipH="1">
-            <a:off x="5982258" y="6115501"/>
-            <a:ext cx="1120884" cy="742499"/>
-          </a:xfrm>
-          <a:prstGeom prst="triangle">
-            <a:avLst/>
-          </a:prstGeom>
-          <a:solidFill>
-            <a:schemeClr val="accent1">
-              <a:alpha val="30000"/>
-            </a:schemeClr>
-          </a:solidFill>
-          <a:ln>
-            <a:noFill/>
-          </a:ln>
-        </p:spPr>
-        <p:style>
-          <a:lnRef idx="2">
-            <a:schemeClr val="accent1">
-              <a:shade val="50000"/>
-            </a:schemeClr>
-          </a:lnRef>
-          <a:fillRef idx="1">
-            <a:schemeClr val="accent1"/>
-          </a:fillRef>
-          <a:effectRef idx="0">
-            <a:schemeClr val="accent1"/>
-          </a:effectRef>
-          <a:fontRef idx="minor">
-            <a:schemeClr val="lt1"/>
-          </a:fontRef>
-        </p:style>
-        <p:txBody>
-          <a:bodyPr rtlCol="0" anchor="ctr"/>
-          <a:lstStyle/>
-          <a:p>
-            <a:pPr algn="ctr"/>
-            <a:endParaRPr lang="en-US"/>
-          </a:p>
-        </p:txBody>
-      </p:sp>
-      <p:sp>
-        <p:nvSpPr>
-          <p:cNvPr id="20" name="Isosceles Triangle 19">
-            <a:extLst>
-              <a:ext uri="{FF2B5EF4-FFF2-40B4-BE49-F238E27FC236}">
-                <a16:creationId xmlns:a16="http://schemas.microsoft.com/office/drawing/2014/main" id="{3ECA69A1-7536-43AC-85EF-C7106179F5ED}"/>
-              </a:ext>
-              <a:ext uri="{C183D7F6-B498-43B3-948B-1728B52AA6E4}">
-                <adec:decorative xmlns:adec="http://schemas.microsoft.com/office/drawing/2017/decorative" val="1"/>
-              </a:ext>
-            </a:extLst>
-          </p:cNvPr>
-          <p:cNvSpPr>
-            <a:spLocks noGrp="1" noRot="1" noChangeAspect="1" noMove="1" noResize="1" noEditPoints="1" noAdjustHandles="1" noChangeArrowheads="1" noChangeShapeType="1" noTextEdit="1"/>
-          </p:cNvSpPr>
-          <p:nvPr>
-            <p:extLst>
-              <p:ext uri="{386F3935-93C4-4BCD-93E2-E3B085C9AB24}">
-                <p16:designElem xmlns:p16="http://schemas.microsoft.com/office/powerpoint/2015/main" val="1"/>
-              </p:ext>
-            </p:extLst>
-          </p:nvPr>
-        </p:nvSpPr>
-        <p:spPr>
-          <a:xfrm flipH="1">
-            <a:off x="5703060" y="6453143"/>
-            <a:ext cx="611177" cy="404857"/>
-          </a:xfrm>
-          <a:prstGeom prst="triangle">
-            <a:avLst/>
-          </a:prstGeom>
-          <a:solidFill>
-            <a:schemeClr val="accent1">
-              <a:alpha val="30000"/>
-            </a:schemeClr>
-          </a:solidFill>
-          <a:ln>
-            <a:noFill/>
-          </a:ln>
-        </p:spPr>
-        <p:style>
-          <a:lnRef idx="2">
-            <a:schemeClr val="accent1">
-              <a:shade val="50000"/>
-            </a:schemeClr>
-          </a:lnRef>
-          <a:fillRef idx="1">
-            <a:schemeClr val="accent1"/>
-          </a:fillRef>
-          <a:effectRef idx="0">
-            <a:schemeClr val="accent1"/>
-          </a:effectRef>
-          <a:fontRef idx="minor">
-            <a:schemeClr val="lt1"/>
-          </a:fontRef>
-        </p:style>
-        <p:txBody>
-          <a:bodyPr rtlCol="0" anchor="ctr"/>
-          <a:lstStyle/>
-          <a:p>
-            <a:pPr algn="ctr"/>
-            <a:endParaRPr lang="en-US"/>
-          </a:p>
-        </p:txBody>
-      </p:sp>
-      <p:pic>
-        <p:nvPicPr>
-          <p:cNvPr id="5" name="Image 4">
-            <a:extLst>
-              <a:ext uri="{FF2B5EF4-FFF2-40B4-BE49-F238E27FC236}">
-                <a16:creationId xmlns:a16="http://schemas.microsoft.com/office/drawing/2014/main" id="{D3D131ED-4E83-4717-A287-F040735AB092}"/>
+                <a16:creationId xmlns:a16="http://schemas.microsoft.com/office/drawing/2014/main" id="{7E83E977-5743-48F8-AB98-AF3F270BD231}"/>
               </a:ext>
             </a:extLst>
           </p:cNvPr>
@@ -5731,8 +7889,90 @@
         </p:blipFill>
         <p:spPr>
           <a:xfrm>
-            <a:off x="1290637" y="1195387"/>
-            <a:ext cx="6562725" cy="4467225"/>
+            <a:off x="482600" y="1988845"/>
+            <a:ext cx="3971037" cy="2880308"/>
+          </a:xfrm>
+          <a:prstGeom prst="rect">
+            <a:avLst/>
+          </a:prstGeom>
+        </p:spPr>
+      </p:pic>
+      <p:cxnSp>
+        <p:nvCxnSpPr>
+          <p:cNvPr id="14" name="Straight Connector 13">
+            <a:extLst>
+              <a:ext uri="{FF2B5EF4-FFF2-40B4-BE49-F238E27FC236}">
+                <a16:creationId xmlns:a16="http://schemas.microsoft.com/office/drawing/2014/main" id="{8C730EAB-A532-4295-A302-FB4B90DB9F5E}"/>
+              </a:ext>
+              <a:ext uri="{C183D7F6-B498-43B3-948B-1728B52AA6E4}">
+                <adec:decorative xmlns:adec="http://schemas.microsoft.com/office/drawing/2017/decorative" val="1"/>
+              </a:ext>
+            </a:extLst>
+          </p:cNvPr>
+          <p:cNvCxnSpPr>
+            <a:cxnSpLocks noGrp="1" noRot="1" noChangeAspect="1" noMove="1" noResize="1" noEditPoints="1" noAdjustHandles="1" noChangeArrowheads="1" noChangeShapeType="1"/>
+          </p:cNvCxnSpPr>
+          <p:nvPr>
+            <p:extLst>
+              <p:ext uri="{386F3935-93C4-4BCD-93E2-E3B085C9AB24}">
+                <p16:designElem xmlns:p16="http://schemas.microsoft.com/office/powerpoint/2015/main" val="1"/>
+              </p:ext>
+            </p:extLst>
+          </p:nvPr>
+        </p:nvCxnSpPr>
+        <p:spPr>
+          <a:xfrm>
+            <a:off x="4559968" y="1143000"/>
+            <a:ext cx="0" cy="4572000"/>
+          </a:xfrm>
+          <a:prstGeom prst="line">
+            <a:avLst/>
+          </a:prstGeom>
+          <a:ln>
+            <a:solidFill>
+              <a:srgbClr val="4E4E4E"/>
+            </a:solidFill>
+          </a:ln>
+        </p:spPr>
+        <p:style>
+          <a:lnRef idx="1">
+            <a:schemeClr val="accent1"/>
+          </a:lnRef>
+          <a:fillRef idx="0">
+            <a:schemeClr val="accent1"/>
+          </a:fillRef>
+          <a:effectRef idx="0">
+            <a:schemeClr val="accent1"/>
+          </a:effectRef>
+          <a:fontRef idx="minor">
+            <a:schemeClr val="tx1"/>
+          </a:fontRef>
+        </p:style>
+      </p:cxnSp>
+      <p:pic>
+        <p:nvPicPr>
+          <p:cNvPr id="3" name="Image 2" descr="Une image contenant texte&#10;&#10;Description générée automatiquement">
+            <a:extLst>
+              <a:ext uri="{FF2B5EF4-FFF2-40B4-BE49-F238E27FC236}">
+                <a16:creationId xmlns:a16="http://schemas.microsoft.com/office/drawing/2014/main" id="{64CAF4B2-6B54-4703-A73C-77FFC811A861}"/>
+              </a:ext>
+            </a:extLst>
+          </p:cNvPr>
+          <p:cNvPicPr>
+            <a:picLocks noChangeAspect="1"/>
+          </p:cNvPicPr>
+          <p:nvPr/>
+        </p:nvPicPr>
+        <p:blipFill>
+          <a:blip r:embed="rId3"/>
+          <a:stretch>
+            <a:fillRect/>
+          </a:stretch>
+        </p:blipFill>
+        <p:spPr>
+          <a:xfrm>
+            <a:off x="4690362" y="1866075"/>
+            <a:ext cx="3971037" cy="3125850"/>
           </a:xfrm>
           <a:prstGeom prst="rect">
             <a:avLst/>
@@ -5742,7 +7982,7 @@
     </p:spTree>
     <p:extLst>
       <p:ext uri="{BB962C8B-B14F-4D97-AF65-F5344CB8AC3E}">
-        <p14:creationId xmlns:p14="http://schemas.microsoft.com/office/powerpoint/2010/main" val="3058915189"/>
+        <p14:creationId xmlns:p14="http://schemas.microsoft.com/office/powerpoint/2010/main" val="1531267576"/>
       </p:ext>
     </p:extLst>
   </p:cSld>
@@ -5752,17 +7992,9 @@
 </p:sld>
 </file>
 
-<file path=ppt/slides/slide19.xml><?xml version="1.0" encoding="utf-8"?>
+<file path=ppt/slides/slide24.xml><?xml version="1.0" encoding="utf-8"?>
 <p:sld xmlns:a="http://schemas.openxmlformats.org/drawingml/2006/main" xmlns:r="http://schemas.openxmlformats.org/officeDocument/2006/relationships" xmlns:p="http://schemas.openxmlformats.org/presentationml/2006/main">
   <p:cSld>
-    <p:bg>
-      <p:bgPr>
-        <a:solidFill>
-          <a:schemeClr val="bg1"/>
-        </a:solidFill>
-        <a:effectLst/>
-      </p:bgPr>
-    </p:bg>
     <p:spTree>
       <p:nvGrpSpPr>
         <p:cNvPr id="1" name=""/>
@@ -5777,496 +8009,12 @@
           <a:chExt cx="0" cy="0"/>
         </a:xfrm>
       </p:grpSpPr>
-      <p:sp>
-        <p:nvSpPr>
-          <p:cNvPr id="8" name="Rectangle 7">
-            <a:extLst>
-              <a:ext uri="{FF2B5EF4-FFF2-40B4-BE49-F238E27FC236}">
-                <a16:creationId xmlns:a16="http://schemas.microsoft.com/office/drawing/2014/main" id="{F3060C83-F051-4F0E-ABAD-AA0DFC48B218}"/>
-              </a:ext>
-              <a:ext uri="{C183D7F6-B498-43B3-948B-1728B52AA6E4}">
-                <adec:decorative xmlns:adec="http://schemas.microsoft.com/office/drawing/2017/decorative" val="1"/>
-              </a:ext>
-            </a:extLst>
-          </p:cNvPr>
-          <p:cNvSpPr>
-            <a:spLocks noGrp="1" noRot="1" noChangeAspect="1" noMove="1" noResize="1" noEditPoints="1" noAdjustHandles="1" noChangeArrowheads="1" noChangeShapeType="1" noTextEdit="1"/>
-          </p:cNvSpPr>
-          <p:nvPr>
-            <p:extLst>
-              <p:ext uri="{386F3935-93C4-4BCD-93E2-E3B085C9AB24}">
-                <p16:designElem xmlns:p16="http://schemas.microsoft.com/office/powerpoint/2015/main" val="1"/>
-              </p:ext>
-            </p:extLst>
-          </p:nvPr>
-        </p:nvSpPr>
-        <p:spPr>
-          <a:xfrm>
-            <a:off x="0" y="0"/>
-            <a:ext cx="9144000" cy="6858000"/>
-          </a:xfrm>
-          <a:prstGeom prst="rect">
-            <a:avLst/>
-          </a:prstGeom>
-          <a:solidFill>
-            <a:schemeClr val="bg1"/>
-          </a:solidFill>
-          <a:ln>
-            <a:noFill/>
-          </a:ln>
-        </p:spPr>
-        <p:style>
-          <a:lnRef idx="2">
-            <a:schemeClr val="accent1">
-              <a:shade val="50000"/>
-            </a:schemeClr>
-          </a:lnRef>
-          <a:fillRef idx="1">
-            <a:schemeClr val="accent1"/>
-          </a:fillRef>
-          <a:effectRef idx="0">
-            <a:schemeClr val="accent1"/>
-          </a:effectRef>
-          <a:fontRef idx="minor">
-            <a:schemeClr val="lt1"/>
-          </a:fontRef>
-        </p:style>
-        <p:txBody>
-          <a:bodyPr rtlCol="0" anchor="ctr"/>
-          <a:lstStyle/>
-          <a:p>
-            <a:pPr algn="ctr"/>
-            <a:endParaRPr lang="en-US" dirty="0"/>
-          </a:p>
-        </p:txBody>
-      </p:sp>
-      <p:sp>
-        <p:nvSpPr>
-          <p:cNvPr id="10" name="Freeform: Shape 9">
-            <a:extLst>
-              <a:ext uri="{FF2B5EF4-FFF2-40B4-BE49-F238E27FC236}">
-                <a16:creationId xmlns:a16="http://schemas.microsoft.com/office/drawing/2014/main" id="{83C98ABE-055B-441F-B07E-44F97F083C39}"/>
-              </a:ext>
-              <a:ext uri="{C183D7F6-B498-43B3-948B-1728B52AA6E4}">
-                <adec:decorative xmlns:adec="http://schemas.microsoft.com/office/drawing/2017/decorative" val="1"/>
-              </a:ext>
-            </a:extLst>
-          </p:cNvPr>
-          <p:cNvSpPr>
-            <a:spLocks noGrp="1" noRot="1" noChangeAspect="1" noMove="1" noResize="1" noEditPoints="1" noAdjustHandles="1" noChangeArrowheads="1" noChangeShapeType="1" noTextEdit="1"/>
-          </p:cNvSpPr>
-          <p:nvPr>
-            <p:extLst>
-              <p:ext uri="{386F3935-93C4-4BCD-93E2-E3B085C9AB24}">
-                <p16:designElem xmlns:p16="http://schemas.microsoft.com/office/powerpoint/2015/main" val="1"/>
-              </p:ext>
-            </p:extLst>
-          </p:nvPr>
-        </p:nvSpPr>
-        <p:spPr>
-          <a:xfrm rot="18900000" flipH="1">
-            <a:off x="-282117" y="-253670"/>
-            <a:ext cx="1370728" cy="1376989"/>
-          </a:xfrm>
-          <a:custGeom>
-            <a:avLst/>
-            <a:gdLst>
-              <a:gd name="connsiteX0" fmla="*/ 0 w 1827638"/>
-              <a:gd name="connsiteY0" fmla="*/ 987379 h 1376989"/>
-              <a:gd name="connsiteX1" fmla="*/ 987379 w 1827638"/>
-              <a:gd name="connsiteY1" fmla="*/ 0 h 1376989"/>
-              <a:gd name="connsiteX2" fmla="*/ 1827638 w 1827638"/>
-              <a:gd name="connsiteY2" fmla="*/ 840260 h 1376989"/>
-              <a:gd name="connsiteX3" fmla="*/ 1827638 w 1827638"/>
-              <a:gd name="connsiteY3" fmla="*/ 1376989 h 1376989"/>
-              <a:gd name="connsiteX4" fmla="*/ 0 w 1827638"/>
-              <a:gd name="connsiteY4" fmla="*/ 1376989 h 1376989"/>
-            </a:gdLst>
-            <a:ahLst/>
-            <a:cxnLst>
-              <a:cxn ang="0">
-                <a:pos x="connsiteX0" y="connsiteY0"/>
-              </a:cxn>
-              <a:cxn ang="0">
-                <a:pos x="connsiteX1" y="connsiteY1"/>
-              </a:cxn>
-              <a:cxn ang="0">
-                <a:pos x="connsiteX2" y="connsiteY2"/>
-              </a:cxn>
-              <a:cxn ang="0">
-                <a:pos x="connsiteX3" y="connsiteY3"/>
-              </a:cxn>
-              <a:cxn ang="0">
-                <a:pos x="connsiteX4" y="connsiteY4"/>
-              </a:cxn>
-            </a:cxnLst>
-            <a:rect l="l" t="t" r="r" b="b"/>
-            <a:pathLst>
-              <a:path w="1827638" h="1376989">
-                <a:moveTo>
-                  <a:pt x="0" y="987379"/>
-                </a:moveTo>
-                <a:lnTo>
-                  <a:pt x="987379" y="0"/>
-                </a:lnTo>
-                <a:lnTo>
-                  <a:pt x="1827638" y="840260"/>
-                </a:lnTo>
-                <a:lnTo>
-                  <a:pt x="1827638" y="1376989"/>
-                </a:lnTo>
-                <a:lnTo>
-                  <a:pt x="0" y="1376989"/>
-                </a:lnTo>
-                <a:close/>
-              </a:path>
-            </a:pathLst>
-          </a:custGeom>
-          <a:solidFill>
-            <a:schemeClr val="accent1">
-              <a:alpha val="30000"/>
-            </a:schemeClr>
-          </a:solidFill>
-          <a:ln>
-            <a:noFill/>
-          </a:ln>
-        </p:spPr>
-        <p:style>
-          <a:lnRef idx="2">
-            <a:schemeClr val="accent1">
-              <a:shade val="50000"/>
-            </a:schemeClr>
-          </a:lnRef>
-          <a:fillRef idx="1">
-            <a:schemeClr val="accent1"/>
-          </a:fillRef>
-          <a:effectRef idx="0">
-            <a:schemeClr val="accent1"/>
-          </a:effectRef>
-          <a:fontRef idx="minor">
-            <a:schemeClr val="lt1"/>
-          </a:fontRef>
-        </p:style>
-        <p:txBody>
-          <a:bodyPr rtlCol="0" anchor="ctr"/>
-          <a:lstStyle/>
-          <a:p>
-            <a:pPr algn="ctr"/>
-            <a:endParaRPr lang="en-US" dirty="0"/>
-          </a:p>
-        </p:txBody>
-      </p:sp>
-      <p:sp>
-        <p:nvSpPr>
-          <p:cNvPr id="12" name="Rectangle 11">
-            <a:extLst>
-              <a:ext uri="{FF2B5EF4-FFF2-40B4-BE49-F238E27FC236}">
-                <a16:creationId xmlns:a16="http://schemas.microsoft.com/office/drawing/2014/main" id="{29FDB030-9B49-4CED-8CCD-4D99382388AC}"/>
-              </a:ext>
-              <a:ext uri="{C183D7F6-B498-43B3-948B-1728B52AA6E4}">
-                <adec:decorative xmlns:adec="http://schemas.microsoft.com/office/drawing/2017/decorative" val="1"/>
-              </a:ext>
-            </a:extLst>
-          </p:cNvPr>
-          <p:cNvSpPr>
-            <a:spLocks noGrp="1" noRot="1" noChangeAspect="1" noMove="1" noResize="1" noEditPoints="1" noAdjustHandles="1" noChangeArrowheads="1" noChangeShapeType="1" noTextEdit="1"/>
-          </p:cNvSpPr>
-          <p:nvPr>
-            <p:extLst>
-              <p:ext uri="{386F3935-93C4-4BCD-93E2-E3B085C9AB24}">
-                <p16:designElem xmlns:p16="http://schemas.microsoft.com/office/powerpoint/2015/main" val="1"/>
-              </p:ext>
-            </p:extLst>
-          </p:nvPr>
-        </p:nvSpPr>
-        <p:spPr>
-          <a:xfrm rot="18900000" flipH="1">
-            <a:off x="668730" y="422146"/>
-            <a:ext cx="484026" cy="645368"/>
-          </a:xfrm>
-          <a:prstGeom prst="rect">
-            <a:avLst/>
-          </a:prstGeom>
-          <a:solidFill>
-            <a:schemeClr val="accent1">
-              <a:alpha val="30000"/>
-            </a:schemeClr>
-          </a:solidFill>
-          <a:ln>
-            <a:noFill/>
-          </a:ln>
-        </p:spPr>
-        <p:style>
-          <a:lnRef idx="2">
-            <a:schemeClr val="accent1">
-              <a:shade val="50000"/>
-            </a:schemeClr>
-          </a:lnRef>
-          <a:fillRef idx="1">
-            <a:schemeClr val="accent1"/>
-          </a:fillRef>
-          <a:effectRef idx="0">
-            <a:schemeClr val="accent1"/>
-          </a:effectRef>
-          <a:fontRef idx="minor">
-            <a:schemeClr val="lt1"/>
-          </a:fontRef>
-        </p:style>
-        <p:txBody>
-          <a:bodyPr rtlCol="0" anchor="ctr"/>
-          <a:lstStyle/>
-          <a:p>
-            <a:pPr algn="ctr"/>
-            <a:endParaRPr lang="en-US"/>
-          </a:p>
-        </p:txBody>
-      </p:sp>
-      <p:sp>
-        <p:nvSpPr>
-          <p:cNvPr id="14" name="Rectangle 13">
-            <a:extLst>
-              <a:ext uri="{FF2B5EF4-FFF2-40B4-BE49-F238E27FC236}">
-                <a16:creationId xmlns:a16="http://schemas.microsoft.com/office/drawing/2014/main" id="{3783CA14-24A1-485C-8B30-D6A5D87987AD}"/>
-              </a:ext>
-              <a:ext uri="{C183D7F6-B498-43B3-948B-1728B52AA6E4}">
-                <adec:decorative xmlns:adec="http://schemas.microsoft.com/office/drawing/2017/decorative" val="1"/>
-              </a:ext>
-            </a:extLst>
-          </p:cNvPr>
-          <p:cNvSpPr>
-            <a:spLocks noGrp="1" noRot="1" noChangeAspect="1" noMove="1" noResize="1" noEditPoints="1" noAdjustHandles="1" noChangeArrowheads="1" noChangeShapeType="1" noTextEdit="1"/>
-          </p:cNvSpPr>
-          <p:nvPr>
-            <p:extLst>
-              <p:ext uri="{386F3935-93C4-4BCD-93E2-E3B085C9AB24}">
-                <p16:designElem xmlns:p16="http://schemas.microsoft.com/office/powerpoint/2015/main" val="1"/>
-              </p:ext>
-            </p:extLst>
-          </p:nvPr>
-        </p:nvSpPr>
-        <p:spPr>
-          <a:xfrm rot="18900000" flipH="1">
-            <a:off x="7532611" y="655140"/>
-            <a:ext cx="515604" cy="687472"/>
-          </a:xfrm>
-          <a:prstGeom prst="rect">
-            <a:avLst/>
-          </a:prstGeom>
-          <a:solidFill>
-            <a:schemeClr val="accent4">
-              <a:alpha val="30000"/>
-            </a:schemeClr>
-          </a:solidFill>
-          <a:ln>
-            <a:noFill/>
-          </a:ln>
-        </p:spPr>
-        <p:style>
-          <a:lnRef idx="2">
-            <a:schemeClr val="accent1">
-              <a:shade val="50000"/>
-            </a:schemeClr>
-          </a:lnRef>
-          <a:fillRef idx="1">
-            <a:schemeClr val="accent1"/>
-          </a:fillRef>
-          <a:effectRef idx="0">
-            <a:schemeClr val="accent1"/>
-          </a:effectRef>
-          <a:fontRef idx="minor">
-            <a:schemeClr val="lt1"/>
-          </a:fontRef>
-        </p:style>
-        <p:txBody>
-          <a:bodyPr rtlCol="0" anchor="ctr"/>
-          <a:lstStyle/>
-          <a:p>
-            <a:pPr algn="ctr"/>
-            <a:endParaRPr lang="en-US"/>
-          </a:p>
-        </p:txBody>
-      </p:sp>
-      <p:sp>
-        <p:nvSpPr>
-          <p:cNvPr id="16" name="Freeform: Shape 15">
-            <a:extLst>
-              <a:ext uri="{FF2B5EF4-FFF2-40B4-BE49-F238E27FC236}">
-                <a16:creationId xmlns:a16="http://schemas.microsoft.com/office/drawing/2014/main" id="{9A97C86A-04D6-40F7-AE84-31AB43E6A846}"/>
-              </a:ext>
-              <a:ext uri="{C183D7F6-B498-43B3-948B-1728B52AA6E4}">
-                <adec:decorative xmlns:adec="http://schemas.microsoft.com/office/drawing/2017/decorative" val="1"/>
-              </a:ext>
-            </a:extLst>
-          </p:cNvPr>
-          <p:cNvSpPr>
-            <a:spLocks noGrp="1" noRot="1" noChangeAspect="1" noMove="1" noResize="1" noEditPoints="1" noAdjustHandles="1" noChangeArrowheads="1" noChangeShapeType="1" noTextEdit="1"/>
-          </p:cNvSpPr>
-          <p:nvPr>
-            <p:extLst>
-              <p:ext uri="{386F3935-93C4-4BCD-93E2-E3B085C9AB24}">
-                <p16:designElem xmlns:p16="http://schemas.microsoft.com/office/powerpoint/2015/main" val="1"/>
-              </p:ext>
-            </p:extLst>
-          </p:nvPr>
-        </p:nvSpPr>
-        <p:spPr>
-          <a:xfrm rot="10800000" flipH="1">
-            <a:off x="7017482" y="0"/>
-            <a:ext cx="2126518" cy="1480837"/>
-          </a:xfrm>
-          <a:custGeom>
-            <a:avLst/>
-            <a:gdLst>
-              <a:gd name="connsiteX0" fmla="*/ 2835357 w 2835357"/>
-              <a:gd name="connsiteY0" fmla="*/ 1480837 h 1480837"/>
-              <a:gd name="connsiteX1" fmla="*/ 0 w 2835357"/>
-              <a:gd name="connsiteY1" fmla="*/ 1480837 h 1480837"/>
-              <a:gd name="connsiteX2" fmla="*/ 1552727 w 2835357"/>
-              <a:gd name="connsiteY2" fmla="*/ 0 h 1480837"/>
-              <a:gd name="connsiteX3" fmla="*/ 2835357 w 2835357"/>
-              <a:gd name="connsiteY3" fmla="*/ 1223245 h 1480837"/>
-            </a:gdLst>
-            <a:ahLst/>
-            <a:cxnLst>
-              <a:cxn ang="0">
-                <a:pos x="connsiteX0" y="connsiteY0"/>
-              </a:cxn>
-              <a:cxn ang="0">
-                <a:pos x="connsiteX1" y="connsiteY1"/>
-              </a:cxn>
-              <a:cxn ang="0">
-                <a:pos x="connsiteX2" y="connsiteY2"/>
-              </a:cxn>
-              <a:cxn ang="0">
-                <a:pos x="connsiteX3" y="connsiteY3"/>
-              </a:cxn>
-            </a:cxnLst>
-            <a:rect l="l" t="t" r="r" b="b"/>
-            <a:pathLst>
-              <a:path w="2835357" h="1480837">
-                <a:moveTo>
-                  <a:pt x="2835357" y="1480837"/>
-                </a:moveTo>
-                <a:lnTo>
-                  <a:pt x="0" y="1480837"/>
-                </a:lnTo>
-                <a:lnTo>
-                  <a:pt x="1552727" y="0"/>
-                </a:lnTo>
-                <a:lnTo>
-                  <a:pt x="2835357" y="1223245"/>
-                </a:lnTo>
-                <a:close/>
-              </a:path>
-            </a:pathLst>
-          </a:custGeom>
-          <a:solidFill>
-            <a:schemeClr val="accent4">
-              <a:alpha val="30000"/>
-            </a:schemeClr>
-          </a:solidFill>
-          <a:ln>
-            <a:noFill/>
-          </a:ln>
-        </p:spPr>
-        <p:style>
-          <a:lnRef idx="2">
-            <a:schemeClr val="accent1">
-              <a:shade val="50000"/>
-            </a:schemeClr>
-          </a:lnRef>
-          <a:fillRef idx="1">
-            <a:schemeClr val="accent1"/>
-          </a:fillRef>
-          <a:effectRef idx="0">
-            <a:schemeClr val="accent1"/>
-          </a:effectRef>
-          <a:fontRef idx="minor">
-            <a:schemeClr val="lt1"/>
-          </a:fontRef>
-        </p:style>
-        <p:txBody>
-          <a:bodyPr wrap="square" rtlCol="0" anchor="ctr">
-            <a:noAutofit/>
-          </a:bodyPr>
-          <a:lstStyle/>
-          <a:p>
-            <a:pPr algn="ctr"/>
-            <a:endParaRPr lang="en-US" dirty="0"/>
-          </a:p>
-        </p:txBody>
-      </p:sp>
-      <p:sp>
-        <p:nvSpPr>
-          <p:cNvPr id="18" name="Isosceles Triangle 17">
-            <a:extLst>
-              <a:ext uri="{FF2B5EF4-FFF2-40B4-BE49-F238E27FC236}">
-                <a16:creationId xmlns:a16="http://schemas.microsoft.com/office/drawing/2014/main" id="{FF9F2414-84E8-453E-B1F3-389FDE8192D9}"/>
-              </a:ext>
-              <a:ext uri="{C183D7F6-B498-43B3-948B-1728B52AA6E4}">
-                <adec:decorative xmlns:adec="http://schemas.microsoft.com/office/drawing/2017/decorative" val="1"/>
-              </a:ext>
-            </a:extLst>
-          </p:cNvPr>
-          <p:cNvSpPr>
-            <a:spLocks noGrp="1" noRot="1" noChangeAspect="1" noMove="1" noResize="1" noEditPoints="1" noAdjustHandles="1" noChangeArrowheads="1" noChangeShapeType="1" noTextEdit="1"/>
-          </p:cNvSpPr>
-          <p:nvPr>
-            <p:extLst>
-              <p:ext uri="{386F3935-93C4-4BCD-93E2-E3B085C9AB24}">
-                <p16:designElem xmlns:p16="http://schemas.microsoft.com/office/powerpoint/2015/main" val="1"/>
-              </p:ext>
-            </p:extLst>
-          </p:nvPr>
-        </p:nvSpPr>
-        <p:spPr>
-          <a:xfrm flipH="1">
-            <a:off x="5982258" y="6115501"/>
-            <a:ext cx="1120884" cy="742499"/>
-          </a:xfrm>
-          <a:prstGeom prst="triangle">
-            <a:avLst/>
-          </a:prstGeom>
-          <a:solidFill>
-            <a:schemeClr val="accent1">
-              <a:alpha val="30000"/>
-            </a:schemeClr>
-          </a:solidFill>
-          <a:ln>
-            <a:noFill/>
-          </a:ln>
-        </p:spPr>
-        <p:style>
-          <a:lnRef idx="2">
-            <a:schemeClr val="accent1">
-              <a:shade val="50000"/>
-            </a:schemeClr>
-          </a:lnRef>
-          <a:fillRef idx="1">
-            <a:schemeClr val="accent1"/>
-          </a:fillRef>
-          <a:effectRef idx="0">
-            <a:schemeClr val="accent1"/>
-          </a:effectRef>
-          <a:fontRef idx="minor">
-            <a:schemeClr val="lt1"/>
-          </a:fontRef>
-        </p:style>
-        <p:txBody>
-          <a:bodyPr rtlCol="0" anchor="ctr"/>
-          <a:lstStyle/>
-          <a:p>
-            <a:pPr algn="ctr"/>
-            <a:endParaRPr lang="en-US"/>
-          </a:p>
-        </p:txBody>
-      </p:sp>
       <p:pic>
         <p:nvPicPr>
           <p:cNvPr id="3" name="Image 2">
             <a:extLst>
               <a:ext uri="{FF2B5EF4-FFF2-40B4-BE49-F238E27FC236}">
-                <a16:creationId xmlns:a16="http://schemas.microsoft.com/office/drawing/2014/main" id="{8A19F1FC-8D3A-4BCA-9806-BA7447539E43}"/>
+                <a16:creationId xmlns:a16="http://schemas.microsoft.com/office/drawing/2014/main" id="{419D67AC-6211-4405-83DC-4EDFDD562CC1}"/>
               </a:ext>
             </a:extLst>
           </p:cNvPr>
@@ -6283,86 +8031,18 @@
         </p:blipFill>
         <p:spPr>
           <a:xfrm>
-            <a:off x="482600" y="1527429"/>
-            <a:ext cx="8178799" cy="3803140"/>
+            <a:off x="0" y="940065"/>
+            <a:ext cx="9144000" cy="4977869"/>
           </a:xfrm>
           <a:prstGeom prst="rect">
             <a:avLst/>
           </a:prstGeom>
-          <a:ln>
-            <a:noFill/>
-          </a:ln>
         </p:spPr>
       </p:pic>
-      <p:sp>
-        <p:nvSpPr>
-          <p:cNvPr id="20" name="Isosceles Triangle 19">
-            <a:extLst>
-              <a:ext uri="{FF2B5EF4-FFF2-40B4-BE49-F238E27FC236}">
-                <a16:creationId xmlns:a16="http://schemas.microsoft.com/office/drawing/2014/main" id="{3ECA69A1-7536-43AC-85EF-C7106179F5ED}"/>
-              </a:ext>
-              <a:ext uri="{C183D7F6-B498-43B3-948B-1728B52AA6E4}">
-                <adec:decorative xmlns:adec="http://schemas.microsoft.com/office/drawing/2017/decorative" val="1"/>
-              </a:ext>
-            </a:extLst>
-          </p:cNvPr>
-          <p:cNvSpPr>
-            <a:spLocks noGrp="1" noRot="1" noChangeAspect="1" noMove="1" noResize="1" noEditPoints="1" noAdjustHandles="1" noChangeArrowheads="1" noChangeShapeType="1" noTextEdit="1"/>
-          </p:cNvSpPr>
-          <p:nvPr>
-            <p:extLst>
-              <p:ext uri="{386F3935-93C4-4BCD-93E2-E3B085C9AB24}">
-                <p16:designElem xmlns:p16="http://schemas.microsoft.com/office/powerpoint/2015/main" val="1"/>
-              </p:ext>
-            </p:extLst>
-          </p:nvPr>
-        </p:nvSpPr>
-        <p:spPr>
-          <a:xfrm flipH="1">
-            <a:off x="5703060" y="6453143"/>
-            <a:ext cx="611177" cy="404857"/>
-          </a:xfrm>
-          <a:prstGeom prst="triangle">
-            <a:avLst/>
-          </a:prstGeom>
-          <a:solidFill>
-            <a:schemeClr val="accent1">
-              <a:alpha val="30000"/>
-            </a:schemeClr>
-          </a:solidFill>
-          <a:ln>
-            <a:noFill/>
-          </a:ln>
-        </p:spPr>
-        <p:style>
-          <a:lnRef idx="2">
-            <a:schemeClr val="accent1">
-              <a:shade val="50000"/>
-            </a:schemeClr>
-          </a:lnRef>
-          <a:fillRef idx="1">
-            <a:schemeClr val="accent1"/>
-          </a:fillRef>
-          <a:effectRef idx="0">
-            <a:schemeClr val="accent1"/>
-          </a:effectRef>
-          <a:fontRef idx="minor">
-            <a:schemeClr val="lt1"/>
-          </a:fontRef>
-        </p:style>
-        <p:txBody>
-          <a:bodyPr rtlCol="0" anchor="ctr"/>
-          <a:lstStyle/>
-          <a:p>
-            <a:pPr algn="ctr"/>
-            <a:endParaRPr lang="en-US"/>
-          </a:p>
-        </p:txBody>
-      </p:sp>
     </p:spTree>
     <p:extLst>
       <p:ext uri="{BB962C8B-B14F-4D97-AF65-F5344CB8AC3E}">
-        <p14:creationId xmlns:p14="http://schemas.microsoft.com/office/powerpoint/2010/main" val="400368477"/>
+        <p14:creationId xmlns:p14="http://schemas.microsoft.com/office/powerpoint/2010/main" val="2519029320"/>
       </p:ext>
     </p:extLst>
   </p:cSld>
@@ -6372,7 +8052,67 @@
 </p:sld>
 </file>
 
-<file path=ppt/slides/slide2.xml><?xml version="1.0" encoding="utf-8"?>
+<file path=ppt/slides/slide25.xml><?xml version="1.0" encoding="utf-8"?>
+<p:sld xmlns:a="http://schemas.openxmlformats.org/drawingml/2006/main" xmlns:r="http://schemas.openxmlformats.org/officeDocument/2006/relationships" xmlns:p="http://schemas.openxmlformats.org/presentationml/2006/main">
+  <p:cSld>
+    <p:spTree>
+      <p:nvGrpSpPr>
+        <p:cNvPr id="1" name=""/>
+        <p:cNvGrpSpPr/>
+        <p:nvPr/>
+      </p:nvGrpSpPr>
+      <p:grpSpPr>
+        <a:xfrm>
+          <a:off x="0" y="0"/>
+          <a:ext cx="0" cy="0"/>
+          <a:chOff x="0" y="0"/>
+          <a:chExt cx="0" cy="0"/>
+        </a:xfrm>
+      </p:grpSpPr>
+      <p:pic>
+        <p:nvPicPr>
+          <p:cNvPr id="3" name="Image 2">
+            <a:extLst>
+              <a:ext uri="{FF2B5EF4-FFF2-40B4-BE49-F238E27FC236}">
+                <a16:creationId xmlns:a16="http://schemas.microsoft.com/office/drawing/2014/main" id="{67B805E4-DF34-4F8C-9A49-08B42D021487}"/>
+              </a:ext>
+            </a:extLst>
+          </p:cNvPr>
+          <p:cNvPicPr>
+            <a:picLocks noChangeAspect="1"/>
+          </p:cNvPicPr>
+          <p:nvPr/>
+        </p:nvPicPr>
+        <p:blipFill>
+          <a:blip r:embed="rId2"/>
+          <a:stretch>
+            <a:fillRect/>
+          </a:stretch>
+        </p:blipFill>
+        <p:spPr>
+          <a:xfrm>
+            <a:off x="0" y="239318"/>
+            <a:ext cx="9144000" cy="6379363"/>
+          </a:xfrm>
+          <a:prstGeom prst="rect">
+            <a:avLst/>
+          </a:prstGeom>
+        </p:spPr>
+      </p:pic>
+    </p:spTree>
+    <p:extLst>
+      <p:ext uri="{BB962C8B-B14F-4D97-AF65-F5344CB8AC3E}">
+        <p14:creationId xmlns:p14="http://schemas.microsoft.com/office/powerpoint/2010/main" val="2145812727"/>
+      </p:ext>
+    </p:extLst>
+  </p:cSld>
+  <p:clrMapOvr>
+    <a:masterClrMapping/>
+  </p:clrMapOvr>
+</p:sld>
+</file>
+
+<file path=ppt/slides/slide3.xml><?xml version="1.0" encoding="utf-8"?>
 <p:sld xmlns:a="http://schemas.openxmlformats.org/drawingml/2006/main" xmlns:r="http://schemas.openxmlformats.org/officeDocument/2006/relationships" xmlns:p="http://schemas.openxmlformats.org/presentationml/2006/main">
   <p:cSld>
     <p:bg>
@@ -6414,8 +8154,8 @@
         </p:nvSpPr>
         <p:spPr>
           <a:xfrm>
-            <a:off x="571500" y="2279018"/>
-            <a:ext cx="3985907" cy="3375920"/>
+            <a:off x="383365" y="794638"/>
+            <a:ext cx="3985907" cy="645926"/>
           </a:xfrm>
           <a:prstGeom prst="rect">
             <a:avLst/>
@@ -6438,9 +8178,12 @@
               <a:buChar char="•"/>
             </a:pPr>
             <a:r>
-              <a:rPr lang="en-US" sz="1600"/>
+              <a:rPr lang="en-US" sz="1600" dirty="0">
+                <a:hlinkClick r:id="rId2"/>
+              </a:rPr>
               <a:t>https://www.uptrends.com/tools/website-speed-test</a:t>
             </a:r>
+            <a:endParaRPr lang="en-US" sz="1600" dirty="0"/>
           </a:p>
         </p:txBody>
       </p:sp>
@@ -6791,13 +8534,13 @@
           <p:nvPr/>
         </p:nvPicPr>
         <p:blipFill>
-          <a:blip r:embed="rId2">
+          <a:blip r:embed="rId3">
             <a:extLst>
               <a:ext uri="{28A0092B-C50C-407E-A947-70E740481C1C}">
                 <a14:useLocalDpi xmlns:a14="http://schemas.microsoft.com/office/drawing/2010/main" val="0"/>
               </a:ext>
               <a:ext uri="{96DAC541-7B7A-43D3-8B79-37D633B846F1}">
-                <asvg:svgBlip xmlns:asvg="http://schemas.microsoft.com/office/drawing/2016/SVG/main" r:embed="rId3"/>
+                <asvg:svgBlip xmlns:asvg="http://schemas.microsoft.com/office/drawing/2016/SVG/main" r:embed="rId4"/>
               </a:ext>
             </a:extLst>
           </a:blip>
@@ -6815,6 +8558,41 @@
           </a:prstGeom>
         </p:spPr>
       </p:pic>
+      <p:sp>
+        <p:nvSpPr>
+          <p:cNvPr id="3" name="ZoneTexte 2">
+            <a:extLst>
+              <a:ext uri="{FF2B5EF4-FFF2-40B4-BE49-F238E27FC236}">
+                <a16:creationId xmlns:a16="http://schemas.microsoft.com/office/drawing/2014/main" id="{02F918CC-634A-4866-8DCE-01B4342F0A4B}"/>
+              </a:ext>
+            </a:extLst>
+          </p:cNvPr>
+          <p:cNvSpPr txBox="1"/>
+          <p:nvPr/>
+        </p:nvSpPr>
+        <p:spPr>
+          <a:xfrm>
+            <a:off x="683568" y="1772816"/>
+            <a:ext cx="3523348" cy="923330"/>
+          </a:xfrm>
+          <a:prstGeom prst="rect">
+            <a:avLst/>
+          </a:prstGeom>
+          <a:noFill/>
+        </p:spPr>
+        <p:txBody>
+          <a:bodyPr wrap="square" rtlCol="0">
+            <a:spAutoFit/>
+          </a:bodyPr>
+          <a:lstStyle/>
+          <a:p>
+            <a:r>
+              <a:rPr lang="fr-FR" dirty="0"/>
+              <a:t>Testez la vitesse de votre site web dans les principaux navigateurs, sur ordinateur de bureau et mobile.</a:t>
+            </a:r>
+          </a:p>
+        </p:txBody>
+      </p:sp>
     </p:spTree>
     <p:extLst>
       <p:ext uri="{BB962C8B-B14F-4D97-AF65-F5344CB8AC3E}">
@@ -6828,7 +8606,1476 @@
 </p:sld>
 </file>
 
-<file path=ppt/slides/slide20.xml><?xml version="1.0" encoding="utf-8"?>
+<file path=ppt/slides/slide4.xml><?xml version="1.0" encoding="utf-8"?>
+<p:sld xmlns:a="http://schemas.openxmlformats.org/drawingml/2006/main" xmlns:r="http://schemas.openxmlformats.org/officeDocument/2006/relationships" xmlns:p="http://schemas.openxmlformats.org/presentationml/2006/main">
+  <p:cSld>
+    <p:bg>
+      <p:bgPr>
+        <a:solidFill>
+          <a:schemeClr val="bg1"/>
+        </a:solidFill>
+        <a:effectLst/>
+      </p:bgPr>
+    </p:bg>
+    <p:spTree>
+      <p:nvGrpSpPr>
+        <p:cNvPr id="1" name=""/>
+        <p:cNvGrpSpPr/>
+        <p:nvPr/>
+      </p:nvGrpSpPr>
+      <p:grpSpPr>
+        <a:xfrm>
+          <a:off x="0" y="0"/>
+          <a:ext cx="0" cy="0"/>
+          <a:chOff x="0" y="0"/>
+          <a:chExt cx="0" cy="0"/>
+        </a:xfrm>
+      </p:grpSpPr>
+      <p:sp useBgFill="1">
+        <p:nvSpPr>
+          <p:cNvPr id="8" name="Rectangle 7">
+            <a:extLst>
+              <a:ext uri="{FF2B5EF4-FFF2-40B4-BE49-F238E27FC236}">
+                <a16:creationId xmlns:a16="http://schemas.microsoft.com/office/drawing/2014/main" id="{AB8C311F-7253-4AED-9701-7FC0708C41C7}"/>
+              </a:ext>
+              <a:ext uri="{C183D7F6-B498-43B3-948B-1728B52AA6E4}">
+                <adec:decorative xmlns:adec="http://schemas.microsoft.com/office/drawing/2017/decorative" val="1"/>
+              </a:ext>
+            </a:extLst>
+          </p:cNvPr>
+          <p:cNvSpPr>
+            <a:spLocks noGrp="1" noRot="1" noChangeAspect="1" noMove="1" noResize="1" noEditPoints="1" noAdjustHandles="1" noChangeArrowheads="1" noChangeShapeType="1" noTextEdit="1"/>
+          </p:cNvSpPr>
+          <p:nvPr>
+            <p:extLst>
+              <p:ext uri="{386F3935-93C4-4BCD-93E2-E3B085C9AB24}">
+                <p16:designElem xmlns:p16="http://schemas.microsoft.com/office/powerpoint/2015/main" val="1"/>
+              </p:ext>
+            </p:extLst>
+          </p:nvPr>
+        </p:nvSpPr>
+        <p:spPr>
+          <a:xfrm>
+            <a:off x="0" y="0"/>
+            <a:ext cx="9144000" cy="6858000"/>
+          </a:xfrm>
+          <a:prstGeom prst="rect">
+            <a:avLst/>
+          </a:prstGeom>
+          <a:ln w="12700" cap="flat" cmpd="sng" algn="ctr">
+            <a:noFill/>
+            <a:prstDash val="solid"/>
+            <a:miter lim="800000"/>
+          </a:ln>
+          <a:effectLst/>
+          <a:extLst>
+            <a:ext uri="{91240B29-F687-4F45-9708-019B960494DF}">
+              <a14:hiddenLine xmlns:a14="http://schemas.microsoft.com/office/drawing/2010/main" w="12700" cap="flat" cmpd="sng" algn="ctr">
+                <a:solidFill>
+                  <a:schemeClr val="accent1">
+                    <a:shade val="50000"/>
+                  </a:schemeClr>
+                </a:solidFill>
+                <a:prstDash val="solid"/>
+                <a:miter lim="800000"/>
+              </a14:hiddenLine>
+            </a:ext>
+          </a:extLst>
+        </p:spPr>
+        <p:style>
+          <a:lnRef idx="2">
+            <a:schemeClr val="accent1">
+              <a:shade val="50000"/>
+            </a:schemeClr>
+          </a:lnRef>
+          <a:fillRef idx="1">
+            <a:schemeClr val="accent1"/>
+          </a:fillRef>
+          <a:effectRef idx="0">
+            <a:schemeClr val="accent1"/>
+          </a:effectRef>
+          <a:fontRef idx="minor">
+            <a:schemeClr val="lt1"/>
+          </a:fontRef>
+        </p:style>
+        <p:txBody>
+          <a:bodyPr rtlCol="0" anchor="ctr"/>
+          <a:lstStyle/>
+          <a:p>
+            <a:pPr algn="ctr"/>
+            <a:endParaRPr lang="en-US"/>
+          </a:p>
+        </p:txBody>
+      </p:sp>
+      <p:sp>
+        <p:nvSpPr>
+          <p:cNvPr id="10" name="Rectangle 9">
+            <a:extLst>
+              <a:ext uri="{FF2B5EF4-FFF2-40B4-BE49-F238E27FC236}">
+                <a16:creationId xmlns:a16="http://schemas.microsoft.com/office/drawing/2014/main" id="{E2384209-CB15-4CDF-9D31-C44FD9A3F20D}"/>
+              </a:ext>
+              <a:ext uri="{C183D7F6-B498-43B3-948B-1728B52AA6E4}">
+                <adec:decorative xmlns:adec="http://schemas.microsoft.com/office/drawing/2017/decorative" val="1"/>
+              </a:ext>
+            </a:extLst>
+          </p:cNvPr>
+          <p:cNvSpPr>
+            <a:spLocks noGrp="1" noRot="1" noChangeAspect="1" noMove="1" noResize="1" noEditPoints="1" noAdjustHandles="1" noChangeArrowheads="1" noChangeShapeType="1" noTextEdit="1"/>
+          </p:cNvSpPr>
+          <p:nvPr>
+            <p:extLst>
+              <p:ext uri="{386F3935-93C4-4BCD-93E2-E3B085C9AB24}">
+                <p16:designElem xmlns:p16="http://schemas.microsoft.com/office/powerpoint/2015/main" val="1"/>
+              </p:ext>
+            </p:extLst>
+          </p:nvPr>
+        </p:nvSpPr>
+        <p:spPr>
+          <a:xfrm rot="16200000" flipH="1">
+            <a:off x="1142713" y="-1142284"/>
+            <a:ext cx="6858000" cy="9143425"/>
+          </a:xfrm>
+          <a:prstGeom prst="rect">
+            <a:avLst/>
+          </a:prstGeom>
+          <a:gradFill>
+            <a:gsLst>
+              <a:gs pos="8000">
+                <a:schemeClr val="accent1"/>
+              </a:gs>
+              <a:gs pos="100000">
+                <a:schemeClr val="accent1">
+                  <a:lumMod val="50000"/>
+                </a:schemeClr>
+              </a:gs>
+            </a:gsLst>
+            <a:lin ang="12000000" scaled="0"/>
+          </a:gradFill>
+          <a:ln>
+            <a:noFill/>
+          </a:ln>
+        </p:spPr>
+        <p:style>
+          <a:lnRef idx="2">
+            <a:schemeClr val="accent1">
+              <a:shade val="50000"/>
+            </a:schemeClr>
+          </a:lnRef>
+          <a:fillRef idx="1">
+            <a:schemeClr val="accent1"/>
+          </a:fillRef>
+          <a:effectRef idx="0">
+            <a:schemeClr val="accent1"/>
+          </a:effectRef>
+          <a:fontRef idx="minor">
+            <a:schemeClr val="lt1"/>
+          </a:fontRef>
+        </p:style>
+        <p:txBody>
+          <a:bodyPr rtlCol="0" anchor="ctr"/>
+          <a:lstStyle/>
+          <a:p>
+            <a:pPr algn="ctr"/>
+            <a:endParaRPr lang="en-US"/>
+          </a:p>
+        </p:txBody>
+      </p:sp>
+      <p:sp>
+        <p:nvSpPr>
+          <p:cNvPr id="12" name="Rectangle 11">
+            <a:extLst>
+              <a:ext uri="{FF2B5EF4-FFF2-40B4-BE49-F238E27FC236}">
+                <a16:creationId xmlns:a16="http://schemas.microsoft.com/office/drawing/2014/main" id="{2633B3B5-CC90-43F0-8714-D31D1F3F0209}"/>
+              </a:ext>
+              <a:ext uri="{C183D7F6-B498-43B3-948B-1728B52AA6E4}">
+                <adec:decorative xmlns:adec="http://schemas.microsoft.com/office/drawing/2017/decorative" val="1"/>
+              </a:ext>
+            </a:extLst>
+          </p:cNvPr>
+          <p:cNvSpPr>
+            <a:spLocks noGrp="1" noRot="1" noChangeAspect="1" noMove="1" noResize="1" noEditPoints="1" noAdjustHandles="1" noChangeArrowheads="1" noChangeShapeType="1" noTextEdit="1"/>
+          </p:cNvSpPr>
+          <p:nvPr>
+            <p:extLst>
+              <p:ext uri="{386F3935-93C4-4BCD-93E2-E3B085C9AB24}">
+                <p16:designElem xmlns:p16="http://schemas.microsoft.com/office/powerpoint/2015/main" val="1"/>
+              </p:ext>
+            </p:extLst>
+          </p:nvPr>
+        </p:nvSpPr>
+        <p:spPr>
+          <a:xfrm rot="10800000" flipH="1">
+            <a:off x="-1733" y="0"/>
+            <a:ext cx="6803134" cy="6857572"/>
+          </a:xfrm>
+          <a:prstGeom prst="rect">
+            <a:avLst/>
+          </a:prstGeom>
+          <a:gradFill>
+            <a:gsLst>
+              <a:gs pos="8000">
+                <a:srgbClr val="000000">
+                  <a:alpha val="52000"/>
+                </a:srgbClr>
+              </a:gs>
+              <a:gs pos="100000">
+                <a:schemeClr val="accent1"/>
+              </a:gs>
+            </a:gsLst>
+            <a:lin ang="4800000" scaled="0"/>
+          </a:gradFill>
+          <a:ln>
+            <a:noFill/>
+          </a:ln>
+        </p:spPr>
+        <p:style>
+          <a:lnRef idx="2">
+            <a:schemeClr val="accent1">
+              <a:shade val="50000"/>
+            </a:schemeClr>
+          </a:lnRef>
+          <a:fillRef idx="1">
+            <a:schemeClr val="accent1"/>
+          </a:fillRef>
+          <a:effectRef idx="0">
+            <a:schemeClr val="accent1"/>
+          </a:effectRef>
+          <a:fontRef idx="minor">
+            <a:schemeClr val="lt1"/>
+          </a:fontRef>
+        </p:style>
+        <p:txBody>
+          <a:bodyPr rtlCol="0" anchor="ctr"/>
+          <a:lstStyle/>
+          <a:p>
+            <a:pPr algn="ctr"/>
+            <a:endParaRPr lang="en-US"/>
+          </a:p>
+        </p:txBody>
+      </p:sp>
+      <p:sp>
+        <p:nvSpPr>
+          <p:cNvPr id="14" name="Rectangle 13">
+            <a:extLst>
+              <a:ext uri="{FF2B5EF4-FFF2-40B4-BE49-F238E27FC236}">
+                <a16:creationId xmlns:a16="http://schemas.microsoft.com/office/drawing/2014/main" id="{A8D57A06-A426-446D-B02C-A2DC6B62E45E}"/>
+              </a:ext>
+              <a:ext uri="{C183D7F6-B498-43B3-948B-1728B52AA6E4}">
+                <adec:decorative xmlns:adec="http://schemas.microsoft.com/office/drawing/2017/decorative" val="1"/>
+              </a:ext>
+            </a:extLst>
+          </p:cNvPr>
+          <p:cNvSpPr>
+            <a:spLocks noGrp="1" noRot="1" noChangeAspect="1" noMove="1" noResize="1" noEditPoints="1" noAdjustHandles="1" noChangeArrowheads="1" noChangeShapeType="1" noTextEdit="1"/>
+          </p:cNvSpPr>
+          <p:nvPr>
+            <p:extLst>
+              <p:ext uri="{386F3935-93C4-4BCD-93E2-E3B085C9AB24}">
+                <p16:designElem xmlns:p16="http://schemas.microsoft.com/office/powerpoint/2015/main" val="1"/>
+              </p:ext>
+            </p:extLst>
+          </p:nvPr>
+        </p:nvSpPr>
+        <p:spPr>
+          <a:xfrm rot="16200000" flipH="1">
+            <a:off x="2125298" y="-161647"/>
+            <a:ext cx="4894564" cy="9145160"/>
+          </a:xfrm>
+          <a:prstGeom prst="rect">
+            <a:avLst/>
+          </a:prstGeom>
+          <a:gradFill>
+            <a:gsLst>
+              <a:gs pos="0">
+                <a:schemeClr val="accent5">
+                  <a:lumMod val="60000"/>
+                  <a:lumOff val="40000"/>
+                  <a:alpha val="0"/>
+                </a:schemeClr>
+              </a:gs>
+              <a:gs pos="100000">
+                <a:srgbClr val="000000">
+                  <a:alpha val="46000"/>
+                </a:srgbClr>
+              </a:gs>
+            </a:gsLst>
+            <a:lin ang="1200000" scaled="0"/>
+          </a:gradFill>
+          <a:ln>
+            <a:noFill/>
+          </a:ln>
+        </p:spPr>
+        <p:style>
+          <a:lnRef idx="2">
+            <a:schemeClr val="accent1">
+              <a:shade val="50000"/>
+            </a:schemeClr>
+          </a:lnRef>
+          <a:fillRef idx="1">
+            <a:schemeClr val="accent1"/>
+          </a:fillRef>
+          <a:effectRef idx="0">
+            <a:schemeClr val="accent1"/>
+          </a:effectRef>
+          <a:fontRef idx="minor">
+            <a:schemeClr val="lt1"/>
+          </a:fontRef>
+        </p:style>
+        <p:txBody>
+          <a:bodyPr rtlCol="0" anchor="ctr"/>
+          <a:lstStyle/>
+          <a:p>
+            <a:pPr algn="ctr"/>
+            <a:endParaRPr lang="en-US"/>
+          </a:p>
+        </p:txBody>
+      </p:sp>
+      <p:pic>
+        <p:nvPicPr>
+          <p:cNvPr id="3" name="Image 2">
+            <a:extLst>
+              <a:ext uri="{FF2B5EF4-FFF2-40B4-BE49-F238E27FC236}">
+                <a16:creationId xmlns:a16="http://schemas.microsoft.com/office/drawing/2014/main" id="{7986F102-87A3-4A8E-92FF-39F323A28C7C}"/>
+              </a:ext>
+            </a:extLst>
+          </p:cNvPr>
+          <p:cNvPicPr>
+            <a:picLocks noChangeAspect="1"/>
+          </p:cNvPicPr>
+          <p:nvPr/>
+        </p:nvPicPr>
+        <p:blipFill>
+          <a:blip r:embed="rId2"/>
+          <a:stretch>
+            <a:fillRect/>
+          </a:stretch>
+        </p:blipFill>
+        <p:spPr>
+          <a:xfrm>
+            <a:off x="857249" y="457200"/>
+            <a:ext cx="7429501" cy="5943600"/>
+          </a:xfrm>
+          <a:prstGeom prst="rect">
+            <a:avLst/>
+          </a:prstGeom>
+        </p:spPr>
+      </p:pic>
+    </p:spTree>
+    <p:extLst>
+      <p:ext uri="{BB962C8B-B14F-4D97-AF65-F5344CB8AC3E}">
+        <p14:creationId xmlns:p14="http://schemas.microsoft.com/office/powerpoint/2010/main" val="4012364130"/>
+      </p:ext>
+    </p:extLst>
+  </p:cSld>
+  <p:clrMapOvr>
+    <a:masterClrMapping/>
+  </p:clrMapOvr>
+</p:sld>
+</file>
+
+<file path=ppt/slides/slide5.xml><?xml version="1.0" encoding="utf-8"?>
+<p:sld xmlns:a="http://schemas.openxmlformats.org/drawingml/2006/main" xmlns:r="http://schemas.openxmlformats.org/officeDocument/2006/relationships" xmlns:p="http://schemas.openxmlformats.org/presentationml/2006/main">
+  <p:cSld>
+    <p:bg>
+      <p:bgPr>
+        <a:solidFill>
+          <a:schemeClr val="bg1"/>
+        </a:solidFill>
+        <a:effectLst/>
+      </p:bgPr>
+    </p:bg>
+    <p:spTree>
+      <p:nvGrpSpPr>
+        <p:cNvPr id="1" name=""/>
+        <p:cNvGrpSpPr/>
+        <p:nvPr/>
+      </p:nvGrpSpPr>
+      <p:grpSpPr>
+        <a:xfrm>
+          <a:off x="0" y="0"/>
+          <a:ext cx="0" cy="0"/>
+          <a:chOff x="0" y="0"/>
+          <a:chExt cx="0" cy="0"/>
+        </a:xfrm>
+      </p:grpSpPr>
+      <p:sp useBgFill="1">
+        <p:nvSpPr>
+          <p:cNvPr id="8" name="Rectangle 7">
+            <a:extLst>
+              <a:ext uri="{FF2B5EF4-FFF2-40B4-BE49-F238E27FC236}">
+                <a16:creationId xmlns:a16="http://schemas.microsoft.com/office/drawing/2014/main" id="{A8384FB5-9ADC-4DDC-881B-597D56F5B15D}"/>
+              </a:ext>
+              <a:ext uri="{C183D7F6-B498-43B3-948B-1728B52AA6E4}">
+                <adec:decorative xmlns:adec="http://schemas.microsoft.com/office/drawing/2017/decorative" val="1"/>
+              </a:ext>
+            </a:extLst>
+          </p:cNvPr>
+          <p:cNvSpPr>
+            <a:spLocks noGrp="1" noRot="1" noChangeAspect="1" noMove="1" noResize="1" noEditPoints="1" noAdjustHandles="1" noChangeArrowheads="1" noChangeShapeType="1" noTextEdit="1"/>
+          </p:cNvSpPr>
+          <p:nvPr>
+            <p:extLst>
+              <p:ext uri="{386F3935-93C4-4BCD-93E2-E3B085C9AB24}">
+                <p16:designElem xmlns:p16="http://schemas.microsoft.com/office/powerpoint/2015/main" val="1"/>
+              </p:ext>
+            </p:extLst>
+          </p:nvPr>
+        </p:nvSpPr>
+        <p:spPr>
+          <a:xfrm>
+            <a:off x="0" y="0"/>
+            <a:ext cx="9144000" cy="6858000"/>
+          </a:xfrm>
+          <a:prstGeom prst="rect">
+            <a:avLst/>
+          </a:prstGeom>
+          <a:ln w="12700" cap="flat" cmpd="sng" algn="ctr">
+            <a:noFill/>
+            <a:prstDash val="solid"/>
+            <a:miter lim="800000"/>
+          </a:ln>
+          <a:effectLst/>
+          <a:extLst>
+            <a:ext uri="{91240B29-F687-4F45-9708-019B960494DF}">
+              <a14:hiddenLine xmlns:a14="http://schemas.microsoft.com/office/drawing/2010/main" w="12700" cap="flat" cmpd="sng" algn="ctr">
+                <a:solidFill>
+                  <a:schemeClr val="accent1">
+                    <a:shade val="50000"/>
+                  </a:schemeClr>
+                </a:solidFill>
+                <a:prstDash val="solid"/>
+                <a:miter lim="800000"/>
+              </a14:hiddenLine>
+            </a:ext>
+          </a:extLst>
+        </p:spPr>
+        <p:style>
+          <a:lnRef idx="2">
+            <a:schemeClr val="accent1">
+              <a:shade val="50000"/>
+            </a:schemeClr>
+          </a:lnRef>
+          <a:fillRef idx="1">
+            <a:schemeClr val="accent1"/>
+          </a:fillRef>
+          <a:effectRef idx="0">
+            <a:schemeClr val="accent1"/>
+          </a:effectRef>
+          <a:fontRef idx="minor">
+            <a:schemeClr val="lt1"/>
+          </a:fontRef>
+        </p:style>
+        <p:txBody>
+          <a:bodyPr rtlCol="0" anchor="ctr"/>
+          <a:lstStyle/>
+          <a:p>
+            <a:pPr algn="ctr"/>
+            <a:endParaRPr lang="en-US"/>
+          </a:p>
+        </p:txBody>
+      </p:sp>
+      <p:sp>
+        <p:nvSpPr>
+          <p:cNvPr id="10" name="Rectangle 9">
+            <a:extLst>
+              <a:ext uri="{FF2B5EF4-FFF2-40B4-BE49-F238E27FC236}">
+                <a16:creationId xmlns:a16="http://schemas.microsoft.com/office/drawing/2014/main" id="{1199E1B1-A8C0-4FE8-A5A8-1CB41D69F857}"/>
+              </a:ext>
+              <a:ext uri="{C183D7F6-B498-43B3-948B-1728B52AA6E4}">
+                <adec:decorative xmlns:adec="http://schemas.microsoft.com/office/drawing/2017/decorative" val="1"/>
+              </a:ext>
+            </a:extLst>
+          </p:cNvPr>
+          <p:cNvSpPr>
+            <a:spLocks noGrp="1" noRot="1" noChangeAspect="1" noMove="1" noResize="1" noEditPoints="1" noAdjustHandles="1" noChangeArrowheads="1" noChangeShapeType="1" noTextEdit="1"/>
+          </p:cNvSpPr>
+          <p:nvPr>
+            <p:extLst>
+              <p:ext uri="{386F3935-93C4-4BCD-93E2-E3B085C9AB24}">
+                <p16:designElem xmlns:p16="http://schemas.microsoft.com/office/powerpoint/2015/main" val="1"/>
+              </p:ext>
+            </p:extLst>
+          </p:nvPr>
+        </p:nvSpPr>
+        <p:spPr>
+          <a:xfrm rot="10800000" flipH="1">
+            <a:off x="1" y="0"/>
+            <a:ext cx="9143999" cy="1575955"/>
+          </a:xfrm>
+          <a:prstGeom prst="rect">
+            <a:avLst/>
+          </a:prstGeom>
+          <a:gradFill>
+            <a:gsLst>
+              <a:gs pos="0">
+                <a:srgbClr val="000000">
+                  <a:alpha val="96000"/>
+                </a:srgbClr>
+              </a:gs>
+              <a:gs pos="100000">
+                <a:schemeClr val="accent1">
+                  <a:lumMod val="75000"/>
+                </a:schemeClr>
+              </a:gs>
+            </a:gsLst>
+            <a:lin ang="6000000" scaled="0"/>
+          </a:gradFill>
+          <a:ln>
+            <a:noFill/>
+          </a:ln>
+        </p:spPr>
+        <p:style>
+          <a:lnRef idx="2">
+            <a:schemeClr val="accent1">
+              <a:shade val="50000"/>
+            </a:schemeClr>
+          </a:lnRef>
+          <a:fillRef idx="1">
+            <a:schemeClr val="accent1"/>
+          </a:fillRef>
+          <a:effectRef idx="0">
+            <a:schemeClr val="accent1"/>
+          </a:effectRef>
+          <a:fontRef idx="minor">
+            <a:schemeClr val="lt1"/>
+          </a:fontRef>
+        </p:style>
+        <p:txBody>
+          <a:bodyPr rtlCol="0" anchor="ctr"/>
+          <a:lstStyle/>
+          <a:p>
+            <a:pPr algn="ctr"/>
+            <a:endParaRPr lang="en-US"/>
+          </a:p>
+        </p:txBody>
+      </p:sp>
+      <p:sp>
+        <p:nvSpPr>
+          <p:cNvPr id="12" name="Rectangle 11">
+            <a:extLst>
+              <a:ext uri="{FF2B5EF4-FFF2-40B4-BE49-F238E27FC236}">
+                <a16:creationId xmlns:a16="http://schemas.microsoft.com/office/drawing/2014/main" id="{84A8DE83-DE75-4B41-9DB4-A7EC0B0DEC0B}"/>
+              </a:ext>
+              <a:ext uri="{C183D7F6-B498-43B3-948B-1728B52AA6E4}">
+                <adec:decorative xmlns:adec="http://schemas.microsoft.com/office/drawing/2017/decorative" val="1"/>
+              </a:ext>
+            </a:extLst>
+          </p:cNvPr>
+          <p:cNvSpPr>
+            <a:spLocks noGrp="1" noRot="1" noChangeAspect="1" noMove="1" noResize="1" noEditPoints="1" noAdjustHandles="1" noChangeArrowheads="1" noChangeShapeType="1" noTextEdit="1"/>
+          </p:cNvSpPr>
+          <p:nvPr>
+            <p:extLst>
+              <p:ext uri="{386F3935-93C4-4BCD-93E2-E3B085C9AB24}">
+                <p16:designElem xmlns:p16="http://schemas.microsoft.com/office/powerpoint/2015/main" val="1"/>
+              </p:ext>
+            </p:extLst>
+          </p:nvPr>
+        </p:nvSpPr>
+        <p:spPr>
+          <a:xfrm>
+            <a:off x="0" y="0"/>
+            <a:ext cx="6096642" cy="1575461"/>
+          </a:xfrm>
+          <a:prstGeom prst="rect">
+            <a:avLst/>
+          </a:prstGeom>
+          <a:gradFill>
+            <a:gsLst>
+              <a:gs pos="0">
+                <a:schemeClr val="accent1">
+                  <a:alpha val="41000"/>
+                </a:schemeClr>
+              </a:gs>
+              <a:gs pos="74000">
+                <a:schemeClr val="accent1">
+                  <a:lumMod val="60000"/>
+                  <a:lumOff val="40000"/>
+                  <a:alpha val="0"/>
+                </a:schemeClr>
+              </a:gs>
+            </a:gsLst>
+            <a:lin ang="8400000" scaled="0"/>
+          </a:gradFill>
+          <a:ln>
+            <a:noFill/>
+          </a:ln>
+        </p:spPr>
+        <p:style>
+          <a:lnRef idx="2">
+            <a:schemeClr val="accent1">
+              <a:shade val="50000"/>
+            </a:schemeClr>
+          </a:lnRef>
+          <a:fillRef idx="1">
+            <a:schemeClr val="accent1"/>
+          </a:fillRef>
+          <a:effectRef idx="0">
+            <a:schemeClr val="accent1"/>
+          </a:effectRef>
+          <a:fontRef idx="minor">
+            <a:schemeClr val="lt1"/>
+          </a:fontRef>
+        </p:style>
+        <p:txBody>
+          <a:bodyPr rtlCol="0" anchor="ctr"/>
+          <a:lstStyle/>
+          <a:p>
+            <a:pPr algn="ctr"/>
+            <a:endParaRPr lang="en-US"/>
+          </a:p>
+        </p:txBody>
+      </p:sp>
+      <p:sp>
+        <p:nvSpPr>
+          <p:cNvPr id="14" name="Rectangle 13">
+            <a:extLst>
+              <a:ext uri="{FF2B5EF4-FFF2-40B4-BE49-F238E27FC236}">
+                <a16:creationId xmlns:a16="http://schemas.microsoft.com/office/drawing/2014/main" id="{A7009A0A-BEF5-4EAC-AF15-E4F9F002E239}"/>
+              </a:ext>
+              <a:ext uri="{C183D7F6-B498-43B3-948B-1728B52AA6E4}">
+                <adec:decorative xmlns:adec="http://schemas.microsoft.com/office/drawing/2017/decorative" val="1"/>
+              </a:ext>
+            </a:extLst>
+          </p:cNvPr>
+          <p:cNvSpPr>
+            <a:spLocks noGrp="1" noRot="1" noChangeAspect="1" noMove="1" noResize="1" noEditPoints="1" noAdjustHandles="1" noChangeArrowheads="1" noChangeShapeType="1" noTextEdit="1"/>
+          </p:cNvSpPr>
+          <p:nvPr>
+            <p:extLst>
+              <p:ext uri="{386F3935-93C4-4BCD-93E2-E3B085C9AB24}">
+                <p16:designElem xmlns:p16="http://schemas.microsoft.com/office/powerpoint/2015/main" val="1"/>
+              </p:ext>
+            </p:extLst>
+          </p:nvPr>
+        </p:nvSpPr>
+        <p:spPr>
+          <a:xfrm flipH="1">
+            <a:off x="-2" y="-1"/>
+            <a:ext cx="9144001" cy="1574311"/>
+          </a:xfrm>
+          <a:prstGeom prst="rect">
+            <a:avLst/>
+          </a:prstGeom>
+          <a:gradFill>
+            <a:gsLst>
+              <a:gs pos="0">
+                <a:srgbClr val="000000">
+                  <a:alpha val="63000"/>
+                </a:srgbClr>
+              </a:gs>
+              <a:gs pos="78000">
+                <a:schemeClr val="accent1">
+                  <a:alpha val="15000"/>
+                </a:schemeClr>
+              </a:gs>
+            </a:gsLst>
+            <a:lin ang="15600000" scaled="0"/>
+          </a:gradFill>
+          <a:ln>
+            <a:noFill/>
+          </a:ln>
+        </p:spPr>
+        <p:style>
+          <a:lnRef idx="2">
+            <a:schemeClr val="accent1">
+              <a:shade val="50000"/>
+            </a:schemeClr>
+          </a:lnRef>
+          <a:fillRef idx="1">
+            <a:schemeClr val="accent1"/>
+          </a:fillRef>
+          <a:effectRef idx="0">
+            <a:schemeClr val="accent1"/>
+          </a:effectRef>
+          <a:fontRef idx="minor">
+            <a:schemeClr val="lt1"/>
+          </a:fontRef>
+        </p:style>
+        <p:txBody>
+          <a:bodyPr rtlCol="0" anchor="ctr"/>
+          <a:lstStyle/>
+          <a:p>
+            <a:pPr algn="ctr"/>
+            <a:endParaRPr lang="en-US"/>
+          </a:p>
+        </p:txBody>
+      </p:sp>
+      <p:sp>
+        <p:nvSpPr>
+          <p:cNvPr id="2" name="ZoneTexte 1">
+            <a:extLst>
+              <a:ext uri="{FF2B5EF4-FFF2-40B4-BE49-F238E27FC236}">
+                <a16:creationId xmlns:a16="http://schemas.microsoft.com/office/drawing/2014/main" id="{439C8A31-4E4C-4F5D-87BF-637C2466C32E}"/>
+              </a:ext>
+            </a:extLst>
+          </p:cNvPr>
+          <p:cNvSpPr txBox="1"/>
+          <p:nvPr/>
+        </p:nvSpPr>
+        <p:spPr>
+          <a:xfrm>
+            <a:off x="524784" y="248038"/>
+            <a:ext cx="5297791" cy="1159200"/>
+          </a:xfrm>
+          <a:prstGeom prst="rect">
+            <a:avLst/>
+          </a:prstGeom>
+        </p:spPr>
+        <p:txBody>
+          <a:bodyPr vert="horz" lIns="91440" tIns="45720" rIns="91440" bIns="45720" rtlCol="0" anchor="ctr">
+            <a:normAutofit/>
+          </a:bodyPr>
+          <a:lstStyle/>
+          <a:p>
+            <a:pPr>
+              <a:lnSpc>
+                <a:spcPct val="90000"/>
+              </a:lnSpc>
+              <a:spcBef>
+                <a:spcPct val="0"/>
+              </a:spcBef>
+              <a:spcAft>
+                <a:spcPts val="600"/>
+              </a:spcAft>
+            </a:pPr>
+            <a:r>
+              <a:rPr lang="en-US" sz="3500" kern="1200">
+                <a:solidFill>
+                  <a:srgbClr val="FFFFFF"/>
+                </a:solidFill>
+                <a:latin typeface="+mj-lt"/>
+                <a:ea typeface="+mj-ea"/>
+                <a:cs typeface="+mj-cs"/>
+              </a:rPr>
+              <a:t>Avant</a:t>
+            </a:r>
+          </a:p>
+        </p:txBody>
+      </p:sp>
+      <p:pic>
+        <p:nvPicPr>
+          <p:cNvPr id="3" name="Image 2">
+            <a:extLst>
+              <a:ext uri="{FF2B5EF4-FFF2-40B4-BE49-F238E27FC236}">
+                <a16:creationId xmlns:a16="http://schemas.microsoft.com/office/drawing/2014/main" id="{9DCE3B0C-6941-4111-B96D-A24199C2BD5A}"/>
+              </a:ext>
+            </a:extLst>
+          </p:cNvPr>
+          <p:cNvPicPr>
+            <a:picLocks noChangeAspect="1"/>
+          </p:cNvPicPr>
+          <p:nvPr/>
+        </p:nvPicPr>
+        <p:blipFill>
+          <a:blip r:embed="rId2"/>
+          <a:stretch>
+            <a:fillRect/>
+          </a:stretch>
+        </p:blipFill>
+        <p:spPr>
+          <a:xfrm>
+            <a:off x="1310343" y="1966293"/>
+            <a:ext cx="6523311" cy="4452160"/>
+          </a:xfrm>
+          <a:prstGeom prst="rect">
+            <a:avLst/>
+          </a:prstGeom>
+        </p:spPr>
+      </p:pic>
+    </p:spTree>
+    <p:extLst>
+      <p:ext uri="{BB962C8B-B14F-4D97-AF65-F5344CB8AC3E}">
+        <p14:creationId xmlns:p14="http://schemas.microsoft.com/office/powerpoint/2010/main" val="2900117763"/>
+      </p:ext>
+    </p:extLst>
+  </p:cSld>
+  <p:clrMapOvr>
+    <a:masterClrMapping/>
+  </p:clrMapOvr>
+</p:sld>
+</file>
+
+<file path=ppt/slides/slide6.xml><?xml version="1.0" encoding="utf-8"?>
+<p:sld xmlns:a="http://schemas.openxmlformats.org/drawingml/2006/main" xmlns:r="http://schemas.openxmlformats.org/officeDocument/2006/relationships" xmlns:p="http://schemas.openxmlformats.org/presentationml/2006/main">
+  <p:cSld>
+    <p:spTree>
+      <p:nvGrpSpPr>
+        <p:cNvPr id="1" name=""/>
+        <p:cNvGrpSpPr/>
+        <p:nvPr/>
+      </p:nvGrpSpPr>
+      <p:grpSpPr>
+        <a:xfrm>
+          <a:off x="0" y="0"/>
+          <a:ext cx="0" cy="0"/>
+          <a:chOff x="0" y="0"/>
+          <a:chExt cx="0" cy="0"/>
+        </a:xfrm>
+      </p:grpSpPr>
+      <p:pic>
+        <p:nvPicPr>
+          <p:cNvPr id="3" name="Image 2">
+            <a:extLst>
+              <a:ext uri="{FF2B5EF4-FFF2-40B4-BE49-F238E27FC236}">
+                <a16:creationId xmlns:a16="http://schemas.microsoft.com/office/drawing/2014/main" id="{B4FF483F-8BCF-460C-AF1B-90DC20B89121}"/>
+              </a:ext>
+            </a:extLst>
+          </p:cNvPr>
+          <p:cNvPicPr>
+            <a:picLocks noChangeAspect="1"/>
+          </p:cNvPicPr>
+          <p:nvPr/>
+        </p:nvPicPr>
+        <p:blipFill rotWithShape="1">
+          <a:blip r:embed="rId2"/>
+          <a:srcRect l="5587" t="-572" b="-1"/>
+          <a:stretch/>
+        </p:blipFill>
+        <p:spPr>
+          <a:xfrm>
+            <a:off x="1259632" y="620688"/>
+            <a:ext cx="7041405" cy="5584849"/>
+          </a:xfrm>
+          <a:prstGeom prst="rect">
+            <a:avLst/>
+          </a:prstGeom>
+        </p:spPr>
+      </p:pic>
+    </p:spTree>
+    <p:extLst>
+      <p:ext uri="{BB962C8B-B14F-4D97-AF65-F5344CB8AC3E}">
+        <p14:creationId xmlns:p14="http://schemas.microsoft.com/office/powerpoint/2010/main" val="1282116255"/>
+      </p:ext>
+    </p:extLst>
+  </p:cSld>
+  <p:clrMapOvr>
+    <a:masterClrMapping/>
+  </p:clrMapOvr>
+</p:sld>
+</file>
+
+<file path=ppt/slides/slide7.xml><?xml version="1.0" encoding="utf-8"?>
+<p:sld xmlns:a="http://schemas.openxmlformats.org/drawingml/2006/main" xmlns:r="http://schemas.openxmlformats.org/officeDocument/2006/relationships" xmlns:p="http://schemas.openxmlformats.org/presentationml/2006/main">
+  <p:cSld>
+    <p:bg>
+      <p:bgPr>
+        <a:solidFill>
+          <a:schemeClr val="bg1"/>
+        </a:solidFill>
+        <a:effectLst/>
+      </p:bgPr>
+    </p:bg>
+    <p:spTree>
+      <p:nvGrpSpPr>
+        <p:cNvPr id="1" name=""/>
+        <p:cNvGrpSpPr/>
+        <p:nvPr/>
+      </p:nvGrpSpPr>
+      <p:grpSpPr>
+        <a:xfrm>
+          <a:off x="0" y="0"/>
+          <a:ext cx="0" cy="0"/>
+          <a:chOff x="0" y="0"/>
+          <a:chExt cx="0" cy="0"/>
+        </a:xfrm>
+      </p:grpSpPr>
+      <p:sp>
+        <p:nvSpPr>
+          <p:cNvPr id="8" name="Rectangle 7">
+            <a:extLst>
+              <a:ext uri="{FF2B5EF4-FFF2-40B4-BE49-F238E27FC236}">
+                <a16:creationId xmlns:a16="http://schemas.microsoft.com/office/drawing/2014/main" id="{F3060C83-F051-4F0E-ABAD-AA0DFC48B218}"/>
+              </a:ext>
+              <a:ext uri="{C183D7F6-B498-43B3-948B-1728B52AA6E4}">
+                <adec:decorative xmlns:adec="http://schemas.microsoft.com/office/drawing/2017/decorative" val="1"/>
+              </a:ext>
+            </a:extLst>
+          </p:cNvPr>
+          <p:cNvSpPr>
+            <a:spLocks noGrp="1" noRot="1" noChangeAspect="1" noMove="1" noResize="1" noEditPoints="1" noAdjustHandles="1" noChangeArrowheads="1" noChangeShapeType="1" noTextEdit="1"/>
+          </p:cNvSpPr>
+          <p:nvPr>
+            <p:extLst>
+              <p:ext uri="{386F3935-93C4-4BCD-93E2-E3B085C9AB24}">
+                <p16:designElem xmlns:p16="http://schemas.microsoft.com/office/powerpoint/2015/main" val="1"/>
+              </p:ext>
+            </p:extLst>
+          </p:nvPr>
+        </p:nvSpPr>
+        <p:spPr>
+          <a:xfrm>
+            <a:off x="0" y="0"/>
+            <a:ext cx="9144000" cy="6858000"/>
+          </a:xfrm>
+          <a:prstGeom prst="rect">
+            <a:avLst/>
+          </a:prstGeom>
+          <a:solidFill>
+            <a:schemeClr val="bg1"/>
+          </a:solidFill>
+          <a:ln>
+            <a:noFill/>
+          </a:ln>
+        </p:spPr>
+        <p:style>
+          <a:lnRef idx="2">
+            <a:schemeClr val="accent1">
+              <a:shade val="50000"/>
+            </a:schemeClr>
+          </a:lnRef>
+          <a:fillRef idx="1">
+            <a:schemeClr val="accent1"/>
+          </a:fillRef>
+          <a:effectRef idx="0">
+            <a:schemeClr val="accent1"/>
+          </a:effectRef>
+          <a:fontRef idx="minor">
+            <a:schemeClr val="lt1"/>
+          </a:fontRef>
+        </p:style>
+        <p:txBody>
+          <a:bodyPr rtlCol="0" anchor="ctr"/>
+          <a:lstStyle/>
+          <a:p>
+            <a:pPr algn="ctr"/>
+            <a:endParaRPr lang="en-US" dirty="0"/>
+          </a:p>
+        </p:txBody>
+      </p:sp>
+      <p:sp>
+        <p:nvSpPr>
+          <p:cNvPr id="10" name="Freeform: Shape 9">
+            <a:extLst>
+              <a:ext uri="{FF2B5EF4-FFF2-40B4-BE49-F238E27FC236}">
+                <a16:creationId xmlns:a16="http://schemas.microsoft.com/office/drawing/2014/main" id="{83C98ABE-055B-441F-B07E-44F97F083C39}"/>
+              </a:ext>
+              <a:ext uri="{C183D7F6-B498-43B3-948B-1728B52AA6E4}">
+                <adec:decorative xmlns:adec="http://schemas.microsoft.com/office/drawing/2017/decorative" val="1"/>
+              </a:ext>
+            </a:extLst>
+          </p:cNvPr>
+          <p:cNvSpPr>
+            <a:spLocks noGrp="1" noRot="1" noChangeAspect="1" noMove="1" noResize="1" noEditPoints="1" noAdjustHandles="1" noChangeArrowheads="1" noChangeShapeType="1" noTextEdit="1"/>
+          </p:cNvSpPr>
+          <p:nvPr>
+            <p:extLst>
+              <p:ext uri="{386F3935-93C4-4BCD-93E2-E3B085C9AB24}">
+                <p16:designElem xmlns:p16="http://schemas.microsoft.com/office/powerpoint/2015/main" val="1"/>
+              </p:ext>
+            </p:extLst>
+          </p:nvPr>
+        </p:nvSpPr>
+        <p:spPr>
+          <a:xfrm rot="18900000" flipH="1">
+            <a:off x="-282117" y="-253670"/>
+            <a:ext cx="1370728" cy="1376989"/>
+          </a:xfrm>
+          <a:custGeom>
+            <a:avLst/>
+            <a:gdLst>
+              <a:gd name="connsiteX0" fmla="*/ 0 w 1827638"/>
+              <a:gd name="connsiteY0" fmla="*/ 987379 h 1376989"/>
+              <a:gd name="connsiteX1" fmla="*/ 987379 w 1827638"/>
+              <a:gd name="connsiteY1" fmla="*/ 0 h 1376989"/>
+              <a:gd name="connsiteX2" fmla="*/ 1827638 w 1827638"/>
+              <a:gd name="connsiteY2" fmla="*/ 840260 h 1376989"/>
+              <a:gd name="connsiteX3" fmla="*/ 1827638 w 1827638"/>
+              <a:gd name="connsiteY3" fmla="*/ 1376989 h 1376989"/>
+              <a:gd name="connsiteX4" fmla="*/ 0 w 1827638"/>
+              <a:gd name="connsiteY4" fmla="*/ 1376989 h 1376989"/>
+            </a:gdLst>
+            <a:ahLst/>
+            <a:cxnLst>
+              <a:cxn ang="0">
+                <a:pos x="connsiteX0" y="connsiteY0"/>
+              </a:cxn>
+              <a:cxn ang="0">
+                <a:pos x="connsiteX1" y="connsiteY1"/>
+              </a:cxn>
+              <a:cxn ang="0">
+                <a:pos x="connsiteX2" y="connsiteY2"/>
+              </a:cxn>
+              <a:cxn ang="0">
+                <a:pos x="connsiteX3" y="connsiteY3"/>
+              </a:cxn>
+              <a:cxn ang="0">
+                <a:pos x="connsiteX4" y="connsiteY4"/>
+              </a:cxn>
+            </a:cxnLst>
+            <a:rect l="l" t="t" r="r" b="b"/>
+            <a:pathLst>
+              <a:path w="1827638" h="1376989">
+                <a:moveTo>
+                  <a:pt x="0" y="987379"/>
+                </a:moveTo>
+                <a:lnTo>
+                  <a:pt x="987379" y="0"/>
+                </a:lnTo>
+                <a:lnTo>
+                  <a:pt x="1827638" y="840260"/>
+                </a:lnTo>
+                <a:lnTo>
+                  <a:pt x="1827638" y="1376989"/>
+                </a:lnTo>
+                <a:lnTo>
+                  <a:pt x="0" y="1376989"/>
+                </a:lnTo>
+                <a:close/>
+              </a:path>
+            </a:pathLst>
+          </a:custGeom>
+          <a:solidFill>
+            <a:schemeClr val="accent1">
+              <a:alpha val="30000"/>
+            </a:schemeClr>
+          </a:solidFill>
+          <a:ln>
+            <a:noFill/>
+          </a:ln>
+        </p:spPr>
+        <p:style>
+          <a:lnRef idx="2">
+            <a:schemeClr val="accent1">
+              <a:shade val="50000"/>
+            </a:schemeClr>
+          </a:lnRef>
+          <a:fillRef idx="1">
+            <a:schemeClr val="accent1"/>
+          </a:fillRef>
+          <a:effectRef idx="0">
+            <a:schemeClr val="accent1"/>
+          </a:effectRef>
+          <a:fontRef idx="minor">
+            <a:schemeClr val="lt1"/>
+          </a:fontRef>
+        </p:style>
+        <p:txBody>
+          <a:bodyPr rtlCol="0" anchor="ctr"/>
+          <a:lstStyle/>
+          <a:p>
+            <a:pPr algn="ctr"/>
+            <a:endParaRPr lang="en-US" dirty="0"/>
+          </a:p>
+        </p:txBody>
+      </p:sp>
+      <p:sp>
+        <p:nvSpPr>
+          <p:cNvPr id="12" name="Rectangle 11">
+            <a:extLst>
+              <a:ext uri="{FF2B5EF4-FFF2-40B4-BE49-F238E27FC236}">
+                <a16:creationId xmlns:a16="http://schemas.microsoft.com/office/drawing/2014/main" id="{29FDB030-9B49-4CED-8CCD-4D99382388AC}"/>
+              </a:ext>
+              <a:ext uri="{C183D7F6-B498-43B3-948B-1728B52AA6E4}">
+                <adec:decorative xmlns:adec="http://schemas.microsoft.com/office/drawing/2017/decorative" val="1"/>
+              </a:ext>
+            </a:extLst>
+          </p:cNvPr>
+          <p:cNvSpPr>
+            <a:spLocks noGrp="1" noRot="1" noChangeAspect="1" noMove="1" noResize="1" noEditPoints="1" noAdjustHandles="1" noChangeArrowheads="1" noChangeShapeType="1" noTextEdit="1"/>
+          </p:cNvSpPr>
+          <p:nvPr>
+            <p:extLst>
+              <p:ext uri="{386F3935-93C4-4BCD-93E2-E3B085C9AB24}">
+                <p16:designElem xmlns:p16="http://schemas.microsoft.com/office/powerpoint/2015/main" val="1"/>
+              </p:ext>
+            </p:extLst>
+          </p:nvPr>
+        </p:nvSpPr>
+        <p:spPr>
+          <a:xfrm rot="18900000" flipH="1">
+            <a:off x="668730" y="422146"/>
+            <a:ext cx="484026" cy="645368"/>
+          </a:xfrm>
+          <a:prstGeom prst="rect">
+            <a:avLst/>
+          </a:prstGeom>
+          <a:solidFill>
+            <a:schemeClr val="accent1">
+              <a:alpha val="30000"/>
+            </a:schemeClr>
+          </a:solidFill>
+          <a:ln>
+            <a:noFill/>
+          </a:ln>
+        </p:spPr>
+        <p:style>
+          <a:lnRef idx="2">
+            <a:schemeClr val="accent1">
+              <a:shade val="50000"/>
+            </a:schemeClr>
+          </a:lnRef>
+          <a:fillRef idx="1">
+            <a:schemeClr val="accent1"/>
+          </a:fillRef>
+          <a:effectRef idx="0">
+            <a:schemeClr val="accent1"/>
+          </a:effectRef>
+          <a:fontRef idx="minor">
+            <a:schemeClr val="lt1"/>
+          </a:fontRef>
+        </p:style>
+        <p:txBody>
+          <a:bodyPr rtlCol="0" anchor="ctr"/>
+          <a:lstStyle/>
+          <a:p>
+            <a:pPr algn="ctr"/>
+            <a:endParaRPr lang="en-US"/>
+          </a:p>
+        </p:txBody>
+      </p:sp>
+      <p:sp>
+        <p:nvSpPr>
+          <p:cNvPr id="14" name="Rectangle 13">
+            <a:extLst>
+              <a:ext uri="{FF2B5EF4-FFF2-40B4-BE49-F238E27FC236}">
+                <a16:creationId xmlns:a16="http://schemas.microsoft.com/office/drawing/2014/main" id="{3783CA14-24A1-485C-8B30-D6A5D87987AD}"/>
+              </a:ext>
+              <a:ext uri="{C183D7F6-B498-43B3-948B-1728B52AA6E4}">
+                <adec:decorative xmlns:adec="http://schemas.microsoft.com/office/drawing/2017/decorative" val="1"/>
+              </a:ext>
+            </a:extLst>
+          </p:cNvPr>
+          <p:cNvSpPr>
+            <a:spLocks noGrp="1" noRot="1" noChangeAspect="1" noMove="1" noResize="1" noEditPoints="1" noAdjustHandles="1" noChangeArrowheads="1" noChangeShapeType="1" noTextEdit="1"/>
+          </p:cNvSpPr>
+          <p:nvPr>
+            <p:extLst>
+              <p:ext uri="{386F3935-93C4-4BCD-93E2-E3B085C9AB24}">
+                <p16:designElem xmlns:p16="http://schemas.microsoft.com/office/powerpoint/2015/main" val="1"/>
+              </p:ext>
+            </p:extLst>
+          </p:nvPr>
+        </p:nvSpPr>
+        <p:spPr>
+          <a:xfrm rot="18900000" flipH="1">
+            <a:off x="7532611" y="655140"/>
+            <a:ext cx="515604" cy="687472"/>
+          </a:xfrm>
+          <a:prstGeom prst="rect">
+            <a:avLst/>
+          </a:prstGeom>
+          <a:solidFill>
+            <a:schemeClr val="accent4">
+              <a:alpha val="30000"/>
+            </a:schemeClr>
+          </a:solidFill>
+          <a:ln>
+            <a:noFill/>
+          </a:ln>
+        </p:spPr>
+        <p:style>
+          <a:lnRef idx="2">
+            <a:schemeClr val="accent1">
+              <a:shade val="50000"/>
+            </a:schemeClr>
+          </a:lnRef>
+          <a:fillRef idx="1">
+            <a:schemeClr val="accent1"/>
+          </a:fillRef>
+          <a:effectRef idx="0">
+            <a:schemeClr val="accent1"/>
+          </a:effectRef>
+          <a:fontRef idx="minor">
+            <a:schemeClr val="lt1"/>
+          </a:fontRef>
+        </p:style>
+        <p:txBody>
+          <a:bodyPr rtlCol="0" anchor="ctr"/>
+          <a:lstStyle/>
+          <a:p>
+            <a:pPr algn="ctr"/>
+            <a:endParaRPr lang="en-US"/>
+          </a:p>
+        </p:txBody>
+      </p:sp>
+      <p:sp>
+        <p:nvSpPr>
+          <p:cNvPr id="16" name="Freeform: Shape 15">
+            <a:extLst>
+              <a:ext uri="{FF2B5EF4-FFF2-40B4-BE49-F238E27FC236}">
+                <a16:creationId xmlns:a16="http://schemas.microsoft.com/office/drawing/2014/main" id="{9A97C86A-04D6-40F7-AE84-31AB43E6A846}"/>
+              </a:ext>
+              <a:ext uri="{C183D7F6-B498-43B3-948B-1728B52AA6E4}">
+                <adec:decorative xmlns:adec="http://schemas.microsoft.com/office/drawing/2017/decorative" val="1"/>
+              </a:ext>
+            </a:extLst>
+          </p:cNvPr>
+          <p:cNvSpPr>
+            <a:spLocks noGrp="1" noRot="1" noChangeAspect="1" noMove="1" noResize="1" noEditPoints="1" noAdjustHandles="1" noChangeArrowheads="1" noChangeShapeType="1" noTextEdit="1"/>
+          </p:cNvSpPr>
+          <p:nvPr>
+            <p:extLst>
+              <p:ext uri="{386F3935-93C4-4BCD-93E2-E3B085C9AB24}">
+                <p16:designElem xmlns:p16="http://schemas.microsoft.com/office/powerpoint/2015/main" val="1"/>
+              </p:ext>
+            </p:extLst>
+          </p:nvPr>
+        </p:nvSpPr>
+        <p:spPr>
+          <a:xfrm rot="10800000" flipH="1">
+            <a:off x="7017482" y="0"/>
+            <a:ext cx="2126518" cy="1480837"/>
+          </a:xfrm>
+          <a:custGeom>
+            <a:avLst/>
+            <a:gdLst>
+              <a:gd name="connsiteX0" fmla="*/ 2835357 w 2835357"/>
+              <a:gd name="connsiteY0" fmla="*/ 1480837 h 1480837"/>
+              <a:gd name="connsiteX1" fmla="*/ 0 w 2835357"/>
+              <a:gd name="connsiteY1" fmla="*/ 1480837 h 1480837"/>
+              <a:gd name="connsiteX2" fmla="*/ 1552727 w 2835357"/>
+              <a:gd name="connsiteY2" fmla="*/ 0 h 1480837"/>
+              <a:gd name="connsiteX3" fmla="*/ 2835357 w 2835357"/>
+              <a:gd name="connsiteY3" fmla="*/ 1223245 h 1480837"/>
+            </a:gdLst>
+            <a:ahLst/>
+            <a:cxnLst>
+              <a:cxn ang="0">
+                <a:pos x="connsiteX0" y="connsiteY0"/>
+              </a:cxn>
+              <a:cxn ang="0">
+                <a:pos x="connsiteX1" y="connsiteY1"/>
+              </a:cxn>
+              <a:cxn ang="0">
+                <a:pos x="connsiteX2" y="connsiteY2"/>
+              </a:cxn>
+              <a:cxn ang="0">
+                <a:pos x="connsiteX3" y="connsiteY3"/>
+              </a:cxn>
+            </a:cxnLst>
+            <a:rect l="l" t="t" r="r" b="b"/>
+            <a:pathLst>
+              <a:path w="2835357" h="1480837">
+                <a:moveTo>
+                  <a:pt x="2835357" y="1480837"/>
+                </a:moveTo>
+                <a:lnTo>
+                  <a:pt x="0" y="1480837"/>
+                </a:lnTo>
+                <a:lnTo>
+                  <a:pt x="1552727" y="0"/>
+                </a:lnTo>
+                <a:lnTo>
+                  <a:pt x="2835357" y="1223245"/>
+                </a:lnTo>
+                <a:close/>
+              </a:path>
+            </a:pathLst>
+          </a:custGeom>
+          <a:solidFill>
+            <a:schemeClr val="accent4">
+              <a:alpha val="30000"/>
+            </a:schemeClr>
+          </a:solidFill>
+          <a:ln>
+            <a:noFill/>
+          </a:ln>
+        </p:spPr>
+        <p:style>
+          <a:lnRef idx="2">
+            <a:schemeClr val="accent1">
+              <a:shade val="50000"/>
+            </a:schemeClr>
+          </a:lnRef>
+          <a:fillRef idx="1">
+            <a:schemeClr val="accent1"/>
+          </a:fillRef>
+          <a:effectRef idx="0">
+            <a:schemeClr val="accent1"/>
+          </a:effectRef>
+          <a:fontRef idx="minor">
+            <a:schemeClr val="lt1"/>
+          </a:fontRef>
+        </p:style>
+        <p:txBody>
+          <a:bodyPr wrap="square" rtlCol="0" anchor="ctr">
+            <a:noAutofit/>
+          </a:bodyPr>
+          <a:lstStyle/>
+          <a:p>
+            <a:pPr algn="ctr"/>
+            <a:endParaRPr lang="en-US" dirty="0"/>
+          </a:p>
+        </p:txBody>
+      </p:sp>
+      <p:sp>
+        <p:nvSpPr>
+          <p:cNvPr id="18" name="Isosceles Triangle 17">
+            <a:extLst>
+              <a:ext uri="{FF2B5EF4-FFF2-40B4-BE49-F238E27FC236}">
+                <a16:creationId xmlns:a16="http://schemas.microsoft.com/office/drawing/2014/main" id="{FF9F2414-84E8-453E-B1F3-389FDE8192D9}"/>
+              </a:ext>
+              <a:ext uri="{C183D7F6-B498-43B3-948B-1728B52AA6E4}">
+                <adec:decorative xmlns:adec="http://schemas.microsoft.com/office/drawing/2017/decorative" val="1"/>
+              </a:ext>
+            </a:extLst>
+          </p:cNvPr>
+          <p:cNvSpPr>
+            <a:spLocks noGrp="1" noRot="1" noChangeAspect="1" noMove="1" noResize="1" noEditPoints="1" noAdjustHandles="1" noChangeArrowheads="1" noChangeShapeType="1" noTextEdit="1"/>
+          </p:cNvSpPr>
+          <p:nvPr>
+            <p:extLst>
+              <p:ext uri="{386F3935-93C4-4BCD-93E2-E3B085C9AB24}">
+                <p16:designElem xmlns:p16="http://schemas.microsoft.com/office/powerpoint/2015/main" val="1"/>
+              </p:ext>
+            </p:extLst>
+          </p:nvPr>
+        </p:nvSpPr>
+        <p:spPr>
+          <a:xfrm flipH="1">
+            <a:off x="5982258" y="6115501"/>
+            <a:ext cx="1120884" cy="742499"/>
+          </a:xfrm>
+          <a:prstGeom prst="triangle">
+            <a:avLst/>
+          </a:prstGeom>
+          <a:solidFill>
+            <a:schemeClr val="accent1">
+              <a:alpha val="30000"/>
+            </a:schemeClr>
+          </a:solidFill>
+          <a:ln>
+            <a:noFill/>
+          </a:ln>
+        </p:spPr>
+        <p:style>
+          <a:lnRef idx="2">
+            <a:schemeClr val="accent1">
+              <a:shade val="50000"/>
+            </a:schemeClr>
+          </a:lnRef>
+          <a:fillRef idx="1">
+            <a:schemeClr val="accent1"/>
+          </a:fillRef>
+          <a:effectRef idx="0">
+            <a:schemeClr val="accent1"/>
+          </a:effectRef>
+          <a:fontRef idx="minor">
+            <a:schemeClr val="lt1"/>
+          </a:fontRef>
+        </p:style>
+        <p:txBody>
+          <a:bodyPr rtlCol="0" anchor="ctr"/>
+          <a:lstStyle/>
+          <a:p>
+            <a:pPr algn="ctr"/>
+            <a:endParaRPr lang="en-US"/>
+          </a:p>
+        </p:txBody>
+      </p:sp>
+      <p:pic>
+        <p:nvPicPr>
+          <p:cNvPr id="3" name="Image 2">
+            <a:extLst>
+              <a:ext uri="{FF2B5EF4-FFF2-40B4-BE49-F238E27FC236}">
+                <a16:creationId xmlns:a16="http://schemas.microsoft.com/office/drawing/2014/main" id="{8A19F1FC-8D3A-4BCA-9806-BA7447539E43}"/>
+              </a:ext>
+            </a:extLst>
+          </p:cNvPr>
+          <p:cNvPicPr>
+            <a:picLocks noChangeAspect="1"/>
+          </p:cNvPicPr>
+          <p:nvPr/>
+        </p:nvPicPr>
+        <p:blipFill>
+          <a:blip r:embed="rId2"/>
+          <a:stretch>
+            <a:fillRect/>
+          </a:stretch>
+        </p:blipFill>
+        <p:spPr>
+          <a:xfrm>
+            <a:off x="482600" y="1527429"/>
+            <a:ext cx="8178799" cy="3803140"/>
+          </a:xfrm>
+          <a:prstGeom prst="rect">
+            <a:avLst/>
+          </a:prstGeom>
+          <a:ln>
+            <a:noFill/>
+          </a:ln>
+        </p:spPr>
+      </p:pic>
+      <p:sp>
+        <p:nvSpPr>
+          <p:cNvPr id="20" name="Isosceles Triangle 19">
+            <a:extLst>
+              <a:ext uri="{FF2B5EF4-FFF2-40B4-BE49-F238E27FC236}">
+                <a16:creationId xmlns:a16="http://schemas.microsoft.com/office/drawing/2014/main" id="{3ECA69A1-7536-43AC-85EF-C7106179F5ED}"/>
+              </a:ext>
+              <a:ext uri="{C183D7F6-B498-43B3-948B-1728B52AA6E4}">
+                <adec:decorative xmlns:adec="http://schemas.microsoft.com/office/drawing/2017/decorative" val="1"/>
+              </a:ext>
+            </a:extLst>
+          </p:cNvPr>
+          <p:cNvSpPr>
+            <a:spLocks noGrp="1" noRot="1" noChangeAspect="1" noMove="1" noResize="1" noEditPoints="1" noAdjustHandles="1" noChangeArrowheads="1" noChangeShapeType="1" noTextEdit="1"/>
+          </p:cNvSpPr>
+          <p:nvPr>
+            <p:extLst>
+              <p:ext uri="{386F3935-93C4-4BCD-93E2-E3B085C9AB24}">
+                <p16:designElem xmlns:p16="http://schemas.microsoft.com/office/powerpoint/2015/main" val="1"/>
+              </p:ext>
+            </p:extLst>
+          </p:nvPr>
+        </p:nvSpPr>
+        <p:spPr>
+          <a:xfrm flipH="1">
+            <a:off x="5703060" y="6453143"/>
+            <a:ext cx="611177" cy="404857"/>
+          </a:xfrm>
+          <a:prstGeom prst="triangle">
+            <a:avLst/>
+          </a:prstGeom>
+          <a:solidFill>
+            <a:schemeClr val="accent1">
+              <a:alpha val="30000"/>
+            </a:schemeClr>
+          </a:solidFill>
+          <a:ln>
+            <a:noFill/>
+          </a:ln>
+        </p:spPr>
+        <p:style>
+          <a:lnRef idx="2">
+            <a:schemeClr val="accent1">
+              <a:shade val="50000"/>
+            </a:schemeClr>
+          </a:lnRef>
+          <a:fillRef idx="1">
+            <a:schemeClr val="accent1"/>
+          </a:fillRef>
+          <a:effectRef idx="0">
+            <a:schemeClr val="accent1"/>
+          </a:effectRef>
+          <a:fontRef idx="minor">
+            <a:schemeClr val="lt1"/>
+          </a:fontRef>
+        </p:style>
+        <p:txBody>
+          <a:bodyPr rtlCol="0" anchor="ctr"/>
+          <a:lstStyle/>
+          <a:p>
+            <a:pPr algn="ctr"/>
+            <a:endParaRPr lang="en-US"/>
+          </a:p>
+        </p:txBody>
+      </p:sp>
+    </p:spTree>
+    <p:extLst>
+      <p:ext uri="{BB962C8B-B14F-4D97-AF65-F5344CB8AC3E}">
+        <p14:creationId xmlns:p14="http://schemas.microsoft.com/office/powerpoint/2010/main" val="400368477"/>
+      </p:ext>
+    </p:extLst>
+  </p:cSld>
+  <p:clrMapOvr>
+    <a:masterClrMapping/>
+  </p:clrMapOvr>
+</p:sld>
+</file>
+
+<file path=ppt/slides/slide8.xml><?xml version="1.0" encoding="utf-8"?>
 <p:sld xmlns:a="http://schemas.openxmlformats.org/drawingml/2006/main" xmlns:r="http://schemas.openxmlformats.org/officeDocument/2006/relationships" xmlns:p="http://schemas.openxmlformats.org/presentationml/2006/main">
   <p:cSld>
     <p:bg>
@@ -7327,1848 +10574,6 @@
 </p:sld>
 </file>
 
-<file path=ppt/slides/slide21.xml><?xml version="1.0" encoding="utf-8"?>
-<p:sld xmlns:a="http://schemas.openxmlformats.org/drawingml/2006/main" xmlns:r="http://schemas.openxmlformats.org/officeDocument/2006/relationships" xmlns:p="http://schemas.openxmlformats.org/presentationml/2006/main">
-  <p:cSld>
-    <p:bg>
-      <p:bgPr>
-        <a:solidFill>
-          <a:schemeClr val="bg1"/>
-        </a:solidFill>
-        <a:effectLst/>
-      </p:bgPr>
-    </p:bg>
-    <p:spTree>
-      <p:nvGrpSpPr>
-        <p:cNvPr id="1" name=""/>
-        <p:cNvGrpSpPr/>
-        <p:nvPr/>
-      </p:nvGrpSpPr>
-      <p:grpSpPr>
-        <a:xfrm>
-          <a:off x="0" y="0"/>
-          <a:ext cx="0" cy="0"/>
-          <a:chOff x="0" y="0"/>
-          <a:chExt cx="0" cy="0"/>
-        </a:xfrm>
-      </p:grpSpPr>
-      <p:sp>
-        <p:nvSpPr>
-          <p:cNvPr id="10" name="Rectangle 9">
-            <a:extLst>
-              <a:ext uri="{FF2B5EF4-FFF2-40B4-BE49-F238E27FC236}">
-                <a16:creationId xmlns:a16="http://schemas.microsoft.com/office/drawing/2014/main" id="{A9F529C3-C941-49FD-8C67-82F134F64BDB}"/>
-              </a:ext>
-              <a:ext uri="{C183D7F6-B498-43B3-948B-1728B52AA6E4}">
-                <adec:decorative xmlns:adec="http://schemas.microsoft.com/office/drawing/2017/decorative" val="1"/>
-              </a:ext>
-            </a:extLst>
-          </p:cNvPr>
-          <p:cNvSpPr>
-            <a:spLocks noGrp="1" noRot="1" noChangeAspect="1" noMove="1" noResize="1" noEditPoints="1" noAdjustHandles="1" noChangeArrowheads="1" noChangeShapeType="1" noTextEdit="1"/>
-          </p:cNvSpPr>
-          <p:nvPr>
-            <p:extLst>
-              <p:ext uri="{386F3935-93C4-4BCD-93E2-E3B085C9AB24}">
-                <p16:designElem xmlns:p16="http://schemas.microsoft.com/office/powerpoint/2015/main" val="1"/>
-              </p:ext>
-            </p:extLst>
-          </p:nvPr>
-        </p:nvSpPr>
-        <p:spPr>
-          <a:xfrm>
-            <a:off x="0" y="0"/>
-            <a:ext cx="9144000" cy="6858000"/>
-          </a:xfrm>
-          <a:prstGeom prst="rect">
-            <a:avLst/>
-          </a:prstGeom>
-          <a:solidFill>
-            <a:schemeClr val="tx1">
-              <a:lumMod val="50000"/>
-              <a:lumOff val="50000"/>
-              <a:alpha val="30000"/>
-            </a:schemeClr>
-          </a:solidFill>
-          <a:ln>
-            <a:noFill/>
-          </a:ln>
-        </p:spPr>
-        <p:style>
-          <a:lnRef idx="2">
-            <a:schemeClr val="accent1">
-              <a:shade val="50000"/>
-            </a:schemeClr>
-          </a:lnRef>
-          <a:fillRef idx="1">
-            <a:schemeClr val="accent1"/>
-          </a:fillRef>
-          <a:effectRef idx="0">
-            <a:schemeClr val="accent1"/>
-          </a:effectRef>
-          <a:fontRef idx="minor">
-            <a:schemeClr val="lt1"/>
-          </a:fontRef>
-        </p:style>
-        <p:txBody>
-          <a:bodyPr rtlCol="0" anchor="ctr"/>
-          <a:lstStyle/>
-          <a:p>
-            <a:pPr algn="ctr"/>
-            <a:endParaRPr lang="en-US"/>
-          </a:p>
-        </p:txBody>
-      </p:sp>
-      <p:sp>
-        <p:nvSpPr>
-          <p:cNvPr id="12" name="Rectangle 11">
-            <a:extLst>
-              <a:ext uri="{FF2B5EF4-FFF2-40B4-BE49-F238E27FC236}">
-                <a16:creationId xmlns:a16="http://schemas.microsoft.com/office/drawing/2014/main" id="{20586029-32A0-47E5-9AEC-AE3ABA6B94D0}"/>
-              </a:ext>
-              <a:ext uri="{C183D7F6-B498-43B3-948B-1728B52AA6E4}">
-                <adec:decorative xmlns:adec="http://schemas.microsoft.com/office/drawing/2017/decorative" val="1"/>
-              </a:ext>
-            </a:extLst>
-          </p:cNvPr>
-          <p:cNvSpPr>
-            <a:spLocks noGrp="1" noRot="1" noChangeAspect="1" noMove="1" noResize="1" noEditPoints="1" noAdjustHandles="1" noChangeArrowheads="1" noChangeShapeType="1" noTextEdit="1"/>
-          </p:cNvSpPr>
-          <p:nvPr>
-            <p:extLst>
-              <p:ext uri="{386F3935-93C4-4BCD-93E2-E3B085C9AB24}">
-                <p16:designElem xmlns:p16="http://schemas.microsoft.com/office/powerpoint/2015/main" val="1"/>
-              </p:ext>
-            </p:extLst>
-          </p:nvPr>
-        </p:nvSpPr>
-        <p:spPr>
-          <a:xfrm>
-            <a:off x="357759" y="480060"/>
-            <a:ext cx="8428482" cy="5897880"/>
-          </a:xfrm>
-          <a:prstGeom prst="rect">
-            <a:avLst/>
-          </a:prstGeom>
-          <a:solidFill>
-            <a:srgbClr val="FFFFFF"/>
-          </a:solidFill>
-          <a:ln w="9525">
-            <a:noFill/>
-          </a:ln>
-          <a:effectLst>
-            <a:outerShdw blurRad="63500" dist="17780" dir="5400000" algn="t" rotWithShape="0">
-              <a:prstClr val="black">
-                <a:alpha val="43000"/>
-              </a:prstClr>
-            </a:outerShdw>
-          </a:effectLst>
-        </p:spPr>
-        <p:style>
-          <a:lnRef idx="2">
-            <a:schemeClr val="accent1">
-              <a:shade val="50000"/>
-            </a:schemeClr>
-          </a:lnRef>
-          <a:fillRef idx="1">
-            <a:schemeClr val="accent1"/>
-          </a:fillRef>
-          <a:effectRef idx="0">
-            <a:schemeClr val="accent1"/>
-          </a:effectRef>
-          <a:fontRef idx="minor">
-            <a:schemeClr val="lt1"/>
-          </a:fontRef>
-        </p:style>
-        <p:txBody>
-          <a:bodyPr rtlCol="0" anchor="ctr"/>
-          <a:lstStyle/>
-          <a:p>
-            <a:pPr algn="ctr"/>
-            <a:endParaRPr lang="en-US"/>
-          </a:p>
-        </p:txBody>
-      </p:sp>
-      <p:pic>
-        <p:nvPicPr>
-          <p:cNvPr id="5" name="Image 4" descr="Une image contenant texte&#10;&#10;Description générée automatiquement">
-            <a:extLst>
-              <a:ext uri="{FF2B5EF4-FFF2-40B4-BE49-F238E27FC236}">
-                <a16:creationId xmlns:a16="http://schemas.microsoft.com/office/drawing/2014/main" id="{7E83E977-5743-48F8-AB98-AF3F270BD231}"/>
-              </a:ext>
-            </a:extLst>
-          </p:cNvPr>
-          <p:cNvPicPr>
-            <a:picLocks noChangeAspect="1"/>
-          </p:cNvPicPr>
-          <p:nvPr/>
-        </p:nvPicPr>
-        <p:blipFill>
-          <a:blip r:embed="rId2"/>
-          <a:stretch>
-            <a:fillRect/>
-          </a:stretch>
-        </p:blipFill>
-        <p:spPr>
-          <a:xfrm>
-            <a:off x="482600" y="1988845"/>
-            <a:ext cx="3971037" cy="2880308"/>
-          </a:xfrm>
-          <a:prstGeom prst="rect">
-            <a:avLst/>
-          </a:prstGeom>
-        </p:spPr>
-      </p:pic>
-      <p:cxnSp>
-        <p:nvCxnSpPr>
-          <p:cNvPr id="14" name="Straight Connector 13">
-            <a:extLst>
-              <a:ext uri="{FF2B5EF4-FFF2-40B4-BE49-F238E27FC236}">
-                <a16:creationId xmlns:a16="http://schemas.microsoft.com/office/drawing/2014/main" id="{8C730EAB-A532-4295-A302-FB4B90DB9F5E}"/>
-              </a:ext>
-              <a:ext uri="{C183D7F6-B498-43B3-948B-1728B52AA6E4}">
-                <adec:decorative xmlns:adec="http://schemas.microsoft.com/office/drawing/2017/decorative" val="1"/>
-              </a:ext>
-            </a:extLst>
-          </p:cNvPr>
-          <p:cNvCxnSpPr>
-            <a:cxnSpLocks noGrp="1" noRot="1" noChangeAspect="1" noMove="1" noResize="1" noEditPoints="1" noAdjustHandles="1" noChangeArrowheads="1" noChangeShapeType="1"/>
-          </p:cNvCxnSpPr>
-          <p:nvPr>
-            <p:extLst>
-              <p:ext uri="{386F3935-93C4-4BCD-93E2-E3B085C9AB24}">
-                <p16:designElem xmlns:p16="http://schemas.microsoft.com/office/powerpoint/2015/main" val="1"/>
-              </p:ext>
-            </p:extLst>
-          </p:nvPr>
-        </p:nvCxnSpPr>
-        <p:spPr>
-          <a:xfrm>
-            <a:off x="4559968" y="1143000"/>
-            <a:ext cx="0" cy="4572000"/>
-          </a:xfrm>
-          <a:prstGeom prst="line">
-            <a:avLst/>
-          </a:prstGeom>
-          <a:ln>
-            <a:solidFill>
-              <a:srgbClr val="4E4E4E"/>
-            </a:solidFill>
-          </a:ln>
-        </p:spPr>
-        <p:style>
-          <a:lnRef idx="1">
-            <a:schemeClr val="accent1"/>
-          </a:lnRef>
-          <a:fillRef idx="0">
-            <a:schemeClr val="accent1"/>
-          </a:fillRef>
-          <a:effectRef idx="0">
-            <a:schemeClr val="accent1"/>
-          </a:effectRef>
-          <a:fontRef idx="minor">
-            <a:schemeClr val="tx1"/>
-          </a:fontRef>
-        </p:style>
-      </p:cxnSp>
-      <p:pic>
-        <p:nvPicPr>
-          <p:cNvPr id="3" name="Image 2" descr="Une image contenant texte&#10;&#10;Description générée automatiquement">
-            <a:extLst>
-              <a:ext uri="{FF2B5EF4-FFF2-40B4-BE49-F238E27FC236}">
-                <a16:creationId xmlns:a16="http://schemas.microsoft.com/office/drawing/2014/main" id="{64CAF4B2-6B54-4703-A73C-77FFC811A861}"/>
-              </a:ext>
-            </a:extLst>
-          </p:cNvPr>
-          <p:cNvPicPr>
-            <a:picLocks noChangeAspect="1"/>
-          </p:cNvPicPr>
-          <p:nvPr/>
-        </p:nvPicPr>
-        <p:blipFill>
-          <a:blip r:embed="rId3"/>
-          <a:stretch>
-            <a:fillRect/>
-          </a:stretch>
-        </p:blipFill>
-        <p:spPr>
-          <a:xfrm>
-            <a:off x="4690362" y="1866075"/>
-            <a:ext cx="3971037" cy="3125850"/>
-          </a:xfrm>
-          <a:prstGeom prst="rect">
-            <a:avLst/>
-          </a:prstGeom>
-        </p:spPr>
-      </p:pic>
-    </p:spTree>
-    <p:extLst>
-      <p:ext uri="{BB962C8B-B14F-4D97-AF65-F5344CB8AC3E}">
-        <p14:creationId xmlns:p14="http://schemas.microsoft.com/office/powerpoint/2010/main" val="1531267576"/>
-      </p:ext>
-    </p:extLst>
-  </p:cSld>
-  <p:clrMapOvr>
-    <a:masterClrMapping/>
-  </p:clrMapOvr>
-</p:sld>
-</file>
-
-<file path=ppt/slides/slide22.xml><?xml version="1.0" encoding="utf-8"?>
-<p:sld xmlns:a="http://schemas.openxmlformats.org/drawingml/2006/main" xmlns:r="http://schemas.openxmlformats.org/officeDocument/2006/relationships" xmlns:p="http://schemas.openxmlformats.org/presentationml/2006/main">
-  <p:cSld>
-    <p:spTree>
-      <p:nvGrpSpPr>
-        <p:cNvPr id="1" name=""/>
-        <p:cNvGrpSpPr/>
-        <p:nvPr/>
-      </p:nvGrpSpPr>
-      <p:grpSpPr>
-        <a:xfrm>
-          <a:off x="0" y="0"/>
-          <a:ext cx="0" cy="0"/>
-          <a:chOff x="0" y="0"/>
-          <a:chExt cx="0" cy="0"/>
-        </a:xfrm>
-      </p:grpSpPr>
-      <p:pic>
-        <p:nvPicPr>
-          <p:cNvPr id="3" name="Image 2">
-            <a:extLst>
-              <a:ext uri="{FF2B5EF4-FFF2-40B4-BE49-F238E27FC236}">
-                <a16:creationId xmlns:a16="http://schemas.microsoft.com/office/drawing/2014/main" id="{419D67AC-6211-4405-83DC-4EDFDD562CC1}"/>
-              </a:ext>
-            </a:extLst>
-          </p:cNvPr>
-          <p:cNvPicPr>
-            <a:picLocks noChangeAspect="1"/>
-          </p:cNvPicPr>
-          <p:nvPr/>
-        </p:nvPicPr>
-        <p:blipFill>
-          <a:blip r:embed="rId2"/>
-          <a:stretch>
-            <a:fillRect/>
-          </a:stretch>
-        </p:blipFill>
-        <p:spPr>
-          <a:xfrm>
-            <a:off x="0" y="940065"/>
-            <a:ext cx="9144000" cy="4977869"/>
-          </a:xfrm>
-          <a:prstGeom prst="rect">
-            <a:avLst/>
-          </a:prstGeom>
-        </p:spPr>
-      </p:pic>
-    </p:spTree>
-    <p:extLst>
-      <p:ext uri="{BB962C8B-B14F-4D97-AF65-F5344CB8AC3E}">
-        <p14:creationId xmlns:p14="http://schemas.microsoft.com/office/powerpoint/2010/main" val="2519029320"/>
-      </p:ext>
-    </p:extLst>
-  </p:cSld>
-  <p:clrMapOvr>
-    <a:masterClrMapping/>
-  </p:clrMapOvr>
-</p:sld>
-</file>
-
-<file path=ppt/slides/slide23.xml><?xml version="1.0" encoding="utf-8"?>
-<p:sld xmlns:a="http://schemas.openxmlformats.org/drawingml/2006/main" xmlns:r="http://schemas.openxmlformats.org/officeDocument/2006/relationships" xmlns:p="http://schemas.openxmlformats.org/presentationml/2006/main">
-  <p:cSld>
-    <p:spTree>
-      <p:nvGrpSpPr>
-        <p:cNvPr id="1" name=""/>
-        <p:cNvGrpSpPr/>
-        <p:nvPr/>
-      </p:nvGrpSpPr>
-      <p:grpSpPr>
-        <a:xfrm>
-          <a:off x="0" y="0"/>
-          <a:ext cx="0" cy="0"/>
-          <a:chOff x="0" y="0"/>
-          <a:chExt cx="0" cy="0"/>
-        </a:xfrm>
-      </p:grpSpPr>
-      <p:pic>
-        <p:nvPicPr>
-          <p:cNvPr id="3" name="Image 2">
-            <a:extLst>
-              <a:ext uri="{FF2B5EF4-FFF2-40B4-BE49-F238E27FC236}">
-                <a16:creationId xmlns:a16="http://schemas.microsoft.com/office/drawing/2014/main" id="{67B805E4-DF34-4F8C-9A49-08B42D021487}"/>
-              </a:ext>
-            </a:extLst>
-          </p:cNvPr>
-          <p:cNvPicPr>
-            <a:picLocks noChangeAspect="1"/>
-          </p:cNvPicPr>
-          <p:nvPr/>
-        </p:nvPicPr>
-        <p:blipFill>
-          <a:blip r:embed="rId2"/>
-          <a:stretch>
-            <a:fillRect/>
-          </a:stretch>
-        </p:blipFill>
-        <p:spPr>
-          <a:xfrm>
-            <a:off x="0" y="239318"/>
-            <a:ext cx="9144000" cy="6379363"/>
-          </a:xfrm>
-          <a:prstGeom prst="rect">
-            <a:avLst/>
-          </a:prstGeom>
-        </p:spPr>
-      </p:pic>
-    </p:spTree>
-    <p:extLst>
-      <p:ext uri="{BB962C8B-B14F-4D97-AF65-F5344CB8AC3E}">
-        <p14:creationId xmlns:p14="http://schemas.microsoft.com/office/powerpoint/2010/main" val="2145812727"/>
-      </p:ext>
-    </p:extLst>
-  </p:cSld>
-  <p:clrMapOvr>
-    <a:masterClrMapping/>
-  </p:clrMapOvr>
-</p:sld>
-</file>
-
-<file path=ppt/slides/slide3.xml><?xml version="1.0" encoding="utf-8"?>
-<p:sld xmlns:a="http://schemas.openxmlformats.org/drawingml/2006/main" xmlns:r="http://schemas.openxmlformats.org/officeDocument/2006/relationships" xmlns:p="http://schemas.openxmlformats.org/presentationml/2006/main">
-  <p:cSld>
-    <p:spTree>
-      <p:nvGrpSpPr>
-        <p:cNvPr id="1" name=""/>
-        <p:cNvGrpSpPr/>
-        <p:nvPr/>
-      </p:nvGrpSpPr>
-      <p:grpSpPr>
-        <a:xfrm>
-          <a:off x="0" y="0"/>
-          <a:ext cx="0" cy="0"/>
-          <a:chOff x="0" y="0"/>
-          <a:chExt cx="0" cy="0"/>
-        </a:xfrm>
-      </p:grpSpPr>
-      <p:pic>
-        <p:nvPicPr>
-          <p:cNvPr id="3" name="Image 2">
-            <a:extLst>
-              <a:ext uri="{FF2B5EF4-FFF2-40B4-BE49-F238E27FC236}">
-                <a16:creationId xmlns:a16="http://schemas.microsoft.com/office/drawing/2014/main" id="{9DCE3B0C-6941-4111-B96D-A24199C2BD5A}"/>
-              </a:ext>
-            </a:extLst>
-          </p:cNvPr>
-          <p:cNvPicPr>
-            <a:picLocks noChangeAspect="1"/>
-          </p:cNvPicPr>
-          <p:nvPr/>
-        </p:nvPicPr>
-        <p:blipFill>
-          <a:blip r:embed="rId2"/>
-          <a:stretch>
-            <a:fillRect/>
-          </a:stretch>
-        </p:blipFill>
-        <p:spPr>
-          <a:xfrm>
-            <a:off x="0" y="307168"/>
-            <a:ext cx="9144000" cy="6243664"/>
-          </a:xfrm>
-          <a:prstGeom prst="rect">
-            <a:avLst/>
-          </a:prstGeom>
-        </p:spPr>
-      </p:pic>
-    </p:spTree>
-    <p:extLst>
-      <p:ext uri="{BB962C8B-B14F-4D97-AF65-F5344CB8AC3E}">
-        <p14:creationId xmlns:p14="http://schemas.microsoft.com/office/powerpoint/2010/main" val="2900117763"/>
-      </p:ext>
-    </p:extLst>
-  </p:cSld>
-  <p:clrMapOvr>
-    <a:masterClrMapping/>
-  </p:clrMapOvr>
-</p:sld>
-</file>
-
-<file path=ppt/slides/slide4.xml><?xml version="1.0" encoding="utf-8"?>
-<p:sld xmlns:a="http://schemas.openxmlformats.org/drawingml/2006/main" xmlns:r="http://schemas.openxmlformats.org/officeDocument/2006/relationships" xmlns:p="http://schemas.openxmlformats.org/presentationml/2006/main">
-  <p:cSld>
-    <p:spTree>
-      <p:nvGrpSpPr>
-        <p:cNvPr id="1" name=""/>
-        <p:cNvGrpSpPr/>
-        <p:nvPr/>
-      </p:nvGrpSpPr>
-      <p:grpSpPr>
-        <a:xfrm>
-          <a:off x="0" y="0"/>
-          <a:ext cx="0" cy="0"/>
-          <a:chOff x="0" y="0"/>
-          <a:chExt cx="0" cy="0"/>
-        </a:xfrm>
-      </p:grpSpPr>
-      <p:pic>
-        <p:nvPicPr>
-          <p:cNvPr id="3" name="Image 2">
-            <a:extLst>
-              <a:ext uri="{FF2B5EF4-FFF2-40B4-BE49-F238E27FC236}">
-                <a16:creationId xmlns:a16="http://schemas.microsoft.com/office/drawing/2014/main" id="{7986F102-87A3-4A8E-92FF-39F323A28C7C}"/>
-              </a:ext>
-            </a:extLst>
-          </p:cNvPr>
-          <p:cNvPicPr>
-            <a:picLocks noChangeAspect="1"/>
-          </p:cNvPicPr>
-          <p:nvPr/>
-        </p:nvPicPr>
-        <p:blipFill>
-          <a:blip r:embed="rId2"/>
-          <a:stretch>
-            <a:fillRect/>
-          </a:stretch>
-        </p:blipFill>
-        <p:spPr>
-          <a:xfrm>
-            <a:off x="281214" y="0"/>
-            <a:ext cx="8581571" cy="6858000"/>
-          </a:xfrm>
-          <a:prstGeom prst="rect">
-            <a:avLst/>
-          </a:prstGeom>
-        </p:spPr>
-      </p:pic>
-    </p:spTree>
-    <p:extLst>
-      <p:ext uri="{BB962C8B-B14F-4D97-AF65-F5344CB8AC3E}">
-        <p14:creationId xmlns:p14="http://schemas.microsoft.com/office/powerpoint/2010/main" val="4012364130"/>
-      </p:ext>
-    </p:extLst>
-  </p:cSld>
-  <p:clrMapOvr>
-    <a:masterClrMapping/>
-  </p:clrMapOvr>
-</p:sld>
-</file>
-
-<file path=ppt/slides/slide5.xml><?xml version="1.0" encoding="utf-8"?>
-<p:sld xmlns:a="http://schemas.openxmlformats.org/drawingml/2006/main" xmlns:r="http://schemas.openxmlformats.org/officeDocument/2006/relationships" xmlns:p="http://schemas.openxmlformats.org/presentationml/2006/main">
-  <p:cSld>
-    <p:bg>
-      <p:bgPr>
-        <a:solidFill>
-          <a:schemeClr val="bg1">
-            <a:tint val="95000"/>
-            <a:satMod val="170000"/>
-          </a:schemeClr>
-        </a:solidFill>
-        <a:effectLst/>
-      </p:bgPr>
-    </p:bg>
-    <p:spTree>
-      <p:nvGrpSpPr>
-        <p:cNvPr id="1" name=""/>
-        <p:cNvGrpSpPr/>
-        <p:nvPr/>
-      </p:nvGrpSpPr>
-      <p:grpSpPr>
-        <a:xfrm>
-          <a:off x="0" y="0"/>
-          <a:ext cx="0" cy="0"/>
-          <a:chOff x="0" y="0"/>
-          <a:chExt cx="0" cy="0"/>
-        </a:xfrm>
-      </p:grpSpPr>
-      <p:sp>
-        <p:nvSpPr>
-          <p:cNvPr id="2" name="ZoneTexte 1">
-            <a:extLst>
-              <a:ext uri="{FF2B5EF4-FFF2-40B4-BE49-F238E27FC236}">
-                <a16:creationId xmlns:a16="http://schemas.microsoft.com/office/drawing/2014/main" id="{F705E34C-23B6-449F-AB26-7CFB1CD8EB32}"/>
-              </a:ext>
-            </a:extLst>
-          </p:cNvPr>
-          <p:cNvSpPr txBox="1"/>
-          <p:nvPr/>
-        </p:nvSpPr>
-        <p:spPr>
-          <a:xfrm>
-            <a:off x="5598460" y="1783959"/>
-            <a:ext cx="3065480" cy="2889114"/>
-          </a:xfrm>
-          <a:prstGeom prst="rect">
-            <a:avLst/>
-          </a:prstGeom>
-        </p:spPr>
-        <p:txBody>
-          <a:bodyPr vert="horz" lIns="91440" tIns="45720" rIns="91440" bIns="45720" rtlCol="0" anchor="b">
-            <a:normAutofit/>
-          </a:bodyPr>
-          <a:lstStyle/>
-          <a:p>
-            <a:pPr>
-              <a:lnSpc>
-                <a:spcPct val="90000"/>
-              </a:lnSpc>
-              <a:spcBef>
-                <a:spcPct val="0"/>
-              </a:spcBef>
-              <a:spcAft>
-                <a:spcPts val="600"/>
-              </a:spcAft>
-            </a:pPr>
-            <a:r>
-              <a:rPr lang="en-US" sz="4700" dirty="0">
-                <a:latin typeface="+mj-lt"/>
-                <a:ea typeface="+mj-ea"/>
-                <a:cs typeface="+mj-cs"/>
-              </a:rPr>
-              <a:t>W3C HTML</a:t>
-            </a:r>
-          </a:p>
-        </p:txBody>
-      </p:sp>
-      <p:sp>
-        <p:nvSpPr>
-          <p:cNvPr id="10" name="Freeform: Shape 7">
-            <a:extLst>
-              <a:ext uri="{FF2B5EF4-FFF2-40B4-BE49-F238E27FC236}">
-                <a16:creationId xmlns:a16="http://schemas.microsoft.com/office/drawing/2014/main" id="{E49CC64F-7275-4E33-961B-0C5CDC439875}"/>
-              </a:ext>
-              <a:ext uri="{C183D7F6-B498-43B3-948B-1728B52AA6E4}">
-                <adec:decorative xmlns:adec="http://schemas.microsoft.com/office/drawing/2017/decorative" val="1"/>
-              </a:ext>
-            </a:extLst>
-          </p:cNvPr>
-          <p:cNvSpPr>
-            <a:spLocks noGrp="1" noRot="1" noChangeAspect="1" noMove="1" noResize="1" noEditPoints="1" noAdjustHandles="1" noChangeArrowheads="1" noChangeShapeType="1" noTextEdit="1"/>
-          </p:cNvSpPr>
-          <p:nvPr>
-            <p:extLst>
-              <p:ext uri="{386F3935-93C4-4BCD-93E2-E3B085C9AB24}">
-                <p16:designElem xmlns:p16="http://schemas.microsoft.com/office/powerpoint/2015/main" val="1"/>
-              </p:ext>
-            </p:extLst>
-          </p:nvPr>
-        </p:nvSpPr>
-        <p:spPr>
-          <a:xfrm flipH="1" flipV="1">
-            <a:off x="0" y="0"/>
-            <a:ext cx="5391039" cy="6858000"/>
-          </a:xfrm>
-          <a:custGeom>
-            <a:avLst/>
-            <a:gdLst>
-              <a:gd name="connsiteX0" fmla="*/ 7188051 w 7188051"/>
-              <a:gd name="connsiteY0" fmla="*/ 6858000 h 6858000"/>
-              <a:gd name="connsiteX1" fmla="*/ 108694 w 7188051"/>
-              <a:gd name="connsiteY1" fmla="*/ 6858000 h 6858000"/>
-              <a:gd name="connsiteX2" fmla="*/ 79127 w 7188051"/>
-              <a:gd name="connsiteY2" fmla="*/ 6681235 h 6858000"/>
-              <a:gd name="connsiteX3" fmla="*/ 0 w 7188051"/>
-              <a:gd name="connsiteY3" fmla="*/ 5565888 h 6858000"/>
-              <a:gd name="connsiteX4" fmla="*/ 2190696 w 7188051"/>
-              <a:gd name="connsiteY4" fmla="*/ 145339 h 6858000"/>
-              <a:gd name="connsiteX5" fmla="*/ 2339431 w 7188051"/>
-              <a:gd name="connsiteY5" fmla="*/ 0 h 6858000"/>
-              <a:gd name="connsiteX6" fmla="*/ 7188051 w 7188051"/>
-              <a:gd name="connsiteY6" fmla="*/ 0 h 6858000"/>
-            </a:gdLst>
-            <a:ahLst/>
-            <a:cxnLst>
-              <a:cxn ang="0">
-                <a:pos x="connsiteX0" y="connsiteY0"/>
-              </a:cxn>
-              <a:cxn ang="0">
-                <a:pos x="connsiteX1" y="connsiteY1"/>
-              </a:cxn>
-              <a:cxn ang="0">
-                <a:pos x="connsiteX2" y="connsiteY2"/>
-              </a:cxn>
-              <a:cxn ang="0">
-                <a:pos x="connsiteX3" y="connsiteY3"/>
-              </a:cxn>
-              <a:cxn ang="0">
-                <a:pos x="connsiteX4" y="connsiteY4"/>
-              </a:cxn>
-              <a:cxn ang="0">
-                <a:pos x="connsiteX5" y="connsiteY5"/>
-              </a:cxn>
-              <a:cxn ang="0">
-                <a:pos x="connsiteX6" y="connsiteY6"/>
-              </a:cxn>
-            </a:cxnLst>
-            <a:rect l="l" t="t" r="r" b="b"/>
-            <a:pathLst>
-              <a:path w="7188051" h="6858000">
-                <a:moveTo>
-                  <a:pt x="7188051" y="6858000"/>
-                </a:moveTo>
-                <a:lnTo>
-                  <a:pt x="108694" y="6858000"/>
-                </a:lnTo>
-                <a:lnTo>
-                  <a:pt x="79127" y="6681235"/>
-                </a:lnTo>
-                <a:cubicBezTo>
-                  <a:pt x="26981" y="6316967"/>
-                  <a:pt x="0" y="5944579"/>
-                  <a:pt x="0" y="5565888"/>
-                </a:cubicBezTo>
-                <a:cubicBezTo>
-                  <a:pt x="0" y="3459953"/>
-                  <a:pt x="834428" y="1548908"/>
-                  <a:pt x="2190696" y="145339"/>
-                </a:cubicBezTo>
-                <a:lnTo>
-                  <a:pt x="2339431" y="0"/>
-                </a:lnTo>
-                <a:lnTo>
-                  <a:pt x="7188051" y="0"/>
-                </a:lnTo>
-                <a:close/>
-              </a:path>
-            </a:pathLst>
-          </a:custGeom>
-          <a:solidFill>
-            <a:schemeClr val="tx1">
-              <a:alpha val="80000"/>
-            </a:schemeClr>
-          </a:solidFill>
-          <a:ln>
-            <a:noFill/>
-          </a:ln>
-        </p:spPr>
-        <p:style>
-          <a:lnRef idx="2">
-            <a:schemeClr val="accent1">
-              <a:shade val="50000"/>
-            </a:schemeClr>
-          </a:lnRef>
-          <a:fillRef idx="1">
-            <a:schemeClr val="accent1"/>
-          </a:fillRef>
-          <a:effectRef idx="0">
-            <a:schemeClr val="accent1"/>
-          </a:effectRef>
-          <a:fontRef idx="minor">
-            <a:schemeClr val="lt1"/>
-          </a:fontRef>
-        </p:style>
-        <p:txBody>
-          <a:bodyPr wrap="square" rtlCol="0" anchor="ctr">
-            <a:noAutofit/>
-          </a:bodyPr>
-          <a:lstStyle/>
-          <a:p>
-            <a:pPr algn="ctr"/>
-            <a:endParaRPr lang="en-US"/>
-          </a:p>
-        </p:txBody>
-      </p:sp>
-      <p:pic>
-        <p:nvPicPr>
-          <p:cNvPr id="11" name="Picture 3" descr="White alphabet letters placed flat and stacked">
-            <a:extLst>
-              <a:ext uri="{FF2B5EF4-FFF2-40B4-BE49-F238E27FC236}">
-                <a16:creationId xmlns:a16="http://schemas.microsoft.com/office/drawing/2014/main" id="{D471C71B-526A-F7FF-C64A-99F7515F90FC}"/>
-              </a:ext>
-            </a:extLst>
-          </p:cNvPr>
-          <p:cNvPicPr>
-            <a:picLocks noChangeAspect="1"/>
-          </p:cNvPicPr>
-          <p:nvPr/>
-        </p:nvPicPr>
-        <p:blipFill rotWithShape="1">
-          <a:blip r:embed="rId2"/>
-          <a:srcRect l="7394" r="41298" b="-1"/>
-          <a:stretch/>
-        </p:blipFill>
-        <p:spPr>
-          <a:xfrm>
-            <a:off x="20" y="10"/>
-            <a:ext cx="5271352" cy="6857990"/>
-          </a:xfrm>
-          <a:custGeom>
-            <a:avLst/>
-            <a:gdLst/>
-            <a:ahLst/>
-            <a:cxnLst/>
-            <a:rect l="l" t="t" r="r" b="b"/>
-            <a:pathLst>
-              <a:path w="7028495" h="6858000">
-                <a:moveTo>
-                  <a:pt x="0" y="0"/>
-                </a:moveTo>
-                <a:lnTo>
-                  <a:pt x="6915668" y="0"/>
-                </a:lnTo>
-                <a:lnTo>
-                  <a:pt x="6952411" y="219663"/>
-                </a:lnTo>
-                <a:cubicBezTo>
-                  <a:pt x="7002551" y="569921"/>
-                  <a:pt x="7028495" y="927986"/>
-                  <a:pt x="7028495" y="1292112"/>
-                </a:cubicBezTo>
-                <a:cubicBezTo>
-                  <a:pt x="7028495" y="3343346"/>
-                  <a:pt x="6205186" y="5202289"/>
-                  <a:pt x="4870994" y="6556512"/>
-                </a:cubicBezTo>
-                <a:lnTo>
-                  <a:pt x="4556185" y="6858000"/>
-                </a:lnTo>
-                <a:lnTo>
-                  <a:pt x="0" y="6858000"/>
-                </a:lnTo>
-                <a:close/>
-              </a:path>
-            </a:pathLst>
-          </a:custGeom>
-        </p:spPr>
-      </p:pic>
-    </p:spTree>
-    <p:extLst>
-      <p:ext uri="{BB962C8B-B14F-4D97-AF65-F5344CB8AC3E}">
-        <p14:creationId xmlns:p14="http://schemas.microsoft.com/office/powerpoint/2010/main" val="1228497412"/>
-      </p:ext>
-    </p:extLst>
-  </p:cSld>
-  <p:clrMapOvr>
-    <a:overrideClrMapping bg1="dk1" tx1="lt1" bg2="dk2" tx2="lt2" accent1="accent1" accent2="accent2" accent3="accent3" accent4="accent4" accent5="accent5" accent6="accent6" hlink="hlink" folHlink="folHlink"/>
-  </p:clrMapOvr>
-</p:sld>
-</file>
-
-<file path=ppt/slides/slide6.xml><?xml version="1.0" encoding="utf-8"?>
-<p:sld xmlns:a="http://schemas.openxmlformats.org/drawingml/2006/main" xmlns:r="http://schemas.openxmlformats.org/officeDocument/2006/relationships" xmlns:p="http://schemas.openxmlformats.org/presentationml/2006/main">
-  <p:cSld>
-    <p:bg>
-      <p:bgPr>
-        <a:solidFill>
-          <a:schemeClr val="bg1"/>
-        </a:solidFill>
-        <a:effectLst/>
-      </p:bgPr>
-    </p:bg>
-    <p:spTree>
-      <p:nvGrpSpPr>
-        <p:cNvPr id="1" name=""/>
-        <p:cNvGrpSpPr/>
-        <p:nvPr/>
-      </p:nvGrpSpPr>
-      <p:grpSpPr>
-        <a:xfrm>
-          <a:off x="0" y="0"/>
-          <a:ext cx="0" cy="0"/>
-          <a:chOff x="0" y="0"/>
-          <a:chExt cx="0" cy="0"/>
-        </a:xfrm>
-      </p:grpSpPr>
-      <p:sp useBgFill="1">
-        <p:nvSpPr>
-          <p:cNvPr id="8" name="Rectangle 7">
-            <a:extLst>
-              <a:ext uri="{FF2B5EF4-FFF2-40B4-BE49-F238E27FC236}">
-                <a16:creationId xmlns:a16="http://schemas.microsoft.com/office/drawing/2014/main" id="{AB8C311F-7253-4AED-9701-7FC0708C41C7}"/>
-              </a:ext>
-              <a:ext uri="{C183D7F6-B498-43B3-948B-1728B52AA6E4}">
-                <adec:decorative xmlns:adec="http://schemas.microsoft.com/office/drawing/2017/decorative" val="1"/>
-              </a:ext>
-            </a:extLst>
-          </p:cNvPr>
-          <p:cNvSpPr>
-            <a:spLocks noGrp="1" noRot="1" noChangeAspect="1" noMove="1" noResize="1" noEditPoints="1" noAdjustHandles="1" noChangeArrowheads="1" noChangeShapeType="1" noTextEdit="1"/>
-          </p:cNvSpPr>
-          <p:nvPr>
-            <p:extLst>
-              <p:ext uri="{386F3935-93C4-4BCD-93E2-E3B085C9AB24}">
-                <p16:designElem xmlns:p16="http://schemas.microsoft.com/office/powerpoint/2015/main" val="1"/>
-              </p:ext>
-            </p:extLst>
-          </p:nvPr>
-        </p:nvSpPr>
-        <p:spPr>
-          <a:xfrm>
-            <a:off x="0" y="0"/>
-            <a:ext cx="9144000" cy="6858000"/>
-          </a:xfrm>
-          <a:prstGeom prst="rect">
-            <a:avLst/>
-          </a:prstGeom>
-          <a:ln w="12700" cap="flat" cmpd="sng" algn="ctr">
-            <a:noFill/>
-            <a:prstDash val="solid"/>
-            <a:miter lim="800000"/>
-          </a:ln>
-          <a:effectLst/>
-          <a:extLst>
-            <a:ext uri="{91240B29-F687-4F45-9708-019B960494DF}">
-              <a14:hiddenLine xmlns:a14="http://schemas.microsoft.com/office/drawing/2010/main" w="12700" cap="flat" cmpd="sng" algn="ctr">
-                <a:solidFill>
-                  <a:schemeClr val="accent1">
-                    <a:shade val="50000"/>
-                  </a:schemeClr>
-                </a:solidFill>
-                <a:prstDash val="solid"/>
-                <a:miter lim="800000"/>
-              </a14:hiddenLine>
-            </a:ext>
-          </a:extLst>
-        </p:spPr>
-        <p:style>
-          <a:lnRef idx="2">
-            <a:schemeClr val="accent1">
-              <a:shade val="50000"/>
-            </a:schemeClr>
-          </a:lnRef>
-          <a:fillRef idx="1">
-            <a:schemeClr val="accent1"/>
-          </a:fillRef>
-          <a:effectRef idx="0">
-            <a:schemeClr val="accent1"/>
-          </a:effectRef>
-          <a:fontRef idx="minor">
-            <a:schemeClr val="lt1"/>
-          </a:fontRef>
-        </p:style>
-        <p:txBody>
-          <a:bodyPr rtlCol="0" anchor="ctr"/>
-          <a:lstStyle/>
-          <a:p>
-            <a:pPr algn="ctr"/>
-            <a:endParaRPr lang="en-US"/>
-          </a:p>
-        </p:txBody>
-      </p:sp>
-      <p:sp>
-        <p:nvSpPr>
-          <p:cNvPr id="10" name="Rectangle 9">
-            <a:extLst>
-              <a:ext uri="{FF2B5EF4-FFF2-40B4-BE49-F238E27FC236}">
-                <a16:creationId xmlns:a16="http://schemas.microsoft.com/office/drawing/2014/main" id="{E2384209-CB15-4CDF-9D31-C44FD9A3F20D}"/>
-              </a:ext>
-              <a:ext uri="{C183D7F6-B498-43B3-948B-1728B52AA6E4}">
-                <adec:decorative xmlns:adec="http://schemas.microsoft.com/office/drawing/2017/decorative" val="1"/>
-              </a:ext>
-            </a:extLst>
-          </p:cNvPr>
-          <p:cNvSpPr>
-            <a:spLocks noGrp="1" noRot="1" noChangeAspect="1" noMove="1" noResize="1" noEditPoints="1" noAdjustHandles="1" noChangeArrowheads="1" noChangeShapeType="1" noTextEdit="1"/>
-          </p:cNvSpPr>
-          <p:nvPr>
-            <p:extLst>
-              <p:ext uri="{386F3935-93C4-4BCD-93E2-E3B085C9AB24}">
-                <p16:designElem xmlns:p16="http://schemas.microsoft.com/office/powerpoint/2015/main" val="1"/>
-              </p:ext>
-            </p:extLst>
-          </p:nvPr>
-        </p:nvSpPr>
-        <p:spPr>
-          <a:xfrm rot="16200000" flipH="1">
-            <a:off x="1142713" y="-1142284"/>
-            <a:ext cx="6858000" cy="9143425"/>
-          </a:xfrm>
-          <a:prstGeom prst="rect">
-            <a:avLst/>
-          </a:prstGeom>
-          <a:gradFill>
-            <a:gsLst>
-              <a:gs pos="8000">
-                <a:schemeClr val="accent1"/>
-              </a:gs>
-              <a:gs pos="100000">
-                <a:schemeClr val="accent1">
-                  <a:lumMod val="50000"/>
-                </a:schemeClr>
-              </a:gs>
-            </a:gsLst>
-            <a:lin ang="12000000" scaled="0"/>
-          </a:gradFill>
-          <a:ln>
-            <a:noFill/>
-          </a:ln>
-        </p:spPr>
-        <p:style>
-          <a:lnRef idx="2">
-            <a:schemeClr val="accent1">
-              <a:shade val="50000"/>
-            </a:schemeClr>
-          </a:lnRef>
-          <a:fillRef idx="1">
-            <a:schemeClr val="accent1"/>
-          </a:fillRef>
-          <a:effectRef idx="0">
-            <a:schemeClr val="accent1"/>
-          </a:effectRef>
-          <a:fontRef idx="minor">
-            <a:schemeClr val="lt1"/>
-          </a:fontRef>
-        </p:style>
-        <p:txBody>
-          <a:bodyPr rtlCol="0" anchor="ctr"/>
-          <a:lstStyle/>
-          <a:p>
-            <a:pPr algn="ctr"/>
-            <a:endParaRPr lang="en-US"/>
-          </a:p>
-        </p:txBody>
-      </p:sp>
-      <p:sp>
-        <p:nvSpPr>
-          <p:cNvPr id="12" name="Rectangle 11">
-            <a:extLst>
-              <a:ext uri="{FF2B5EF4-FFF2-40B4-BE49-F238E27FC236}">
-                <a16:creationId xmlns:a16="http://schemas.microsoft.com/office/drawing/2014/main" id="{2633B3B5-CC90-43F0-8714-D31D1F3F0209}"/>
-              </a:ext>
-              <a:ext uri="{C183D7F6-B498-43B3-948B-1728B52AA6E4}">
-                <adec:decorative xmlns:adec="http://schemas.microsoft.com/office/drawing/2017/decorative" val="1"/>
-              </a:ext>
-            </a:extLst>
-          </p:cNvPr>
-          <p:cNvSpPr>
-            <a:spLocks noGrp="1" noRot="1" noChangeAspect="1" noMove="1" noResize="1" noEditPoints="1" noAdjustHandles="1" noChangeArrowheads="1" noChangeShapeType="1" noTextEdit="1"/>
-          </p:cNvSpPr>
-          <p:nvPr>
-            <p:extLst>
-              <p:ext uri="{386F3935-93C4-4BCD-93E2-E3B085C9AB24}">
-                <p16:designElem xmlns:p16="http://schemas.microsoft.com/office/powerpoint/2015/main" val="1"/>
-              </p:ext>
-            </p:extLst>
-          </p:nvPr>
-        </p:nvSpPr>
-        <p:spPr>
-          <a:xfrm rot="10800000" flipH="1">
-            <a:off x="-1733" y="0"/>
-            <a:ext cx="6803134" cy="6857572"/>
-          </a:xfrm>
-          <a:prstGeom prst="rect">
-            <a:avLst/>
-          </a:prstGeom>
-          <a:gradFill>
-            <a:gsLst>
-              <a:gs pos="8000">
-                <a:srgbClr val="000000">
-                  <a:alpha val="52000"/>
-                </a:srgbClr>
-              </a:gs>
-              <a:gs pos="100000">
-                <a:schemeClr val="accent1"/>
-              </a:gs>
-            </a:gsLst>
-            <a:lin ang="4800000" scaled="0"/>
-          </a:gradFill>
-          <a:ln>
-            <a:noFill/>
-          </a:ln>
-        </p:spPr>
-        <p:style>
-          <a:lnRef idx="2">
-            <a:schemeClr val="accent1">
-              <a:shade val="50000"/>
-            </a:schemeClr>
-          </a:lnRef>
-          <a:fillRef idx="1">
-            <a:schemeClr val="accent1"/>
-          </a:fillRef>
-          <a:effectRef idx="0">
-            <a:schemeClr val="accent1"/>
-          </a:effectRef>
-          <a:fontRef idx="minor">
-            <a:schemeClr val="lt1"/>
-          </a:fontRef>
-        </p:style>
-        <p:txBody>
-          <a:bodyPr rtlCol="0" anchor="ctr"/>
-          <a:lstStyle/>
-          <a:p>
-            <a:pPr algn="ctr"/>
-            <a:endParaRPr lang="en-US"/>
-          </a:p>
-        </p:txBody>
-      </p:sp>
-      <p:sp>
-        <p:nvSpPr>
-          <p:cNvPr id="14" name="Rectangle 13">
-            <a:extLst>
-              <a:ext uri="{FF2B5EF4-FFF2-40B4-BE49-F238E27FC236}">
-                <a16:creationId xmlns:a16="http://schemas.microsoft.com/office/drawing/2014/main" id="{A8D57A06-A426-446D-B02C-A2DC6B62E45E}"/>
-              </a:ext>
-              <a:ext uri="{C183D7F6-B498-43B3-948B-1728B52AA6E4}">
-                <adec:decorative xmlns:adec="http://schemas.microsoft.com/office/drawing/2017/decorative" val="1"/>
-              </a:ext>
-            </a:extLst>
-          </p:cNvPr>
-          <p:cNvSpPr>
-            <a:spLocks noGrp="1" noRot="1" noChangeAspect="1" noMove="1" noResize="1" noEditPoints="1" noAdjustHandles="1" noChangeArrowheads="1" noChangeShapeType="1" noTextEdit="1"/>
-          </p:cNvSpPr>
-          <p:nvPr>
-            <p:extLst>
-              <p:ext uri="{386F3935-93C4-4BCD-93E2-E3B085C9AB24}">
-                <p16:designElem xmlns:p16="http://schemas.microsoft.com/office/powerpoint/2015/main" val="1"/>
-              </p:ext>
-            </p:extLst>
-          </p:nvPr>
-        </p:nvSpPr>
-        <p:spPr>
-          <a:xfrm rot="16200000" flipH="1">
-            <a:off x="2125298" y="-161647"/>
-            <a:ext cx="4894564" cy="9145160"/>
-          </a:xfrm>
-          <a:prstGeom prst="rect">
-            <a:avLst/>
-          </a:prstGeom>
-          <a:gradFill>
-            <a:gsLst>
-              <a:gs pos="0">
-                <a:schemeClr val="accent5">
-                  <a:lumMod val="60000"/>
-                  <a:lumOff val="40000"/>
-                  <a:alpha val="0"/>
-                </a:schemeClr>
-              </a:gs>
-              <a:gs pos="100000">
-                <a:srgbClr val="000000">
-                  <a:alpha val="46000"/>
-                </a:srgbClr>
-              </a:gs>
-            </a:gsLst>
-            <a:lin ang="1200000" scaled="0"/>
-          </a:gradFill>
-          <a:ln>
-            <a:noFill/>
-          </a:ln>
-        </p:spPr>
-        <p:style>
-          <a:lnRef idx="2">
-            <a:schemeClr val="accent1">
-              <a:shade val="50000"/>
-            </a:schemeClr>
-          </a:lnRef>
-          <a:fillRef idx="1">
-            <a:schemeClr val="accent1"/>
-          </a:fillRef>
-          <a:effectRef idx="0">
-            <a:schemeClr val="accent1"/>
-          </a:effectRef>
-          <a:fontRef idx="minor">
-            <a:schemeClr val="lt1"/>
-          </a:fontRef>
-        </p:style>
-        <p:txBody>
-          <a:bodyPr rtlCol="0" anchor="ctr"/>
-          <a:lstStyle/>
-          <a:p>
-            <a:pPr algn="ctr"/>
-            <a:endParaRPr lang="en-US"/>
-          </a:p>
-        </p:txBody>
-      </p:sp>
-      <p:pic>
-        <p:nvPicPr>
-          <p:cNvPr id="3" name="Image 2">
-            <a:extLst>
-              <a:ext uri="{FF2B5EF4-FFF2-40B4-BE49-F238E27FC236}">
-                <a16:creationId xmlns:a16="http://schemas.microsoft.com/office/drawing/2014/main" id="{C941C027-43D1-4FC3-9817-3BD14528BA9F}"/>
-              </a:ext>
-            </a:extLst>
-          </p:cNvPr>
-          <p:cNvPicPr>
-            <a:picLocks noChangeAspect="1"/>
-          </p:cNvPicPr>
-          <p:nvPr/>
-        </p:nvPicPr>
-        <p:blipFill>
-          <a:blip r:embed="rId2"/>
-          <a:stretch>
-            <a:fillRect/>
-          </a:stretch>
-        </p:blipFill>
-        <p:spPr>
-          <a:xfrm>
-            <a:off x="342900" y="1261586"/>
-            <a:ext cx="8458200" cy="4334828"/>
-          </a:xfrm>
-          <a:prstGeom prst="rect">
-            <a:avLst/>
-          </a:prstGeom>
-        </p:spPr>
-      </p:pic>
-    </p:spTree>
-    <p:extLst>
-      <p:ext uri="{BB962C8B-B14F-4D97-AF65-F5344CB8AC3E}">
-        <p14:creationId xmlns:p14="http://schemas.microsoft.com/office/powerpoint/2010/main" val="4229816204"/>
-      </p:ext>
-    </p:extLst>
-  </p:cSld>
-  <p:clrMapOvr>
-    <a:masterClrMapping/>
-  </p:clrMapOvr>
-</p:sld>
-</file>
-
-<file path=ppt/slides/slide7.xml><?xml version="1.0" encoding="utf-8"?>
-<p:sld xmlns:a="http://schemas.openxmlformats.org/drawingml/2006/main" xmlns:r="http://schemas.openxmlformats.org/officeDocument/2006/relationships" xmlns:p="http://schemas.openxmlformats.org/presentationml/2006/main">
-  <p:cSld>
-    <p:bg>
-      <p:bgPr>
-        <a:solidFill>
-          <a:schemeClr val="bg1"/>
-        </a:solidFill>
-        <a:effectLst/>
-      </p:bgPr>
-    </p:bg>
-    <p:spTree>
-      <p:nvGrpSpPr>
-        <p:cNvPr id="1" name=""/>
-        <p:cNvGrpSpPr/>
-        <p:nvPr/>
-      </p:nvGrpSpPr>
-      <p:grpSpPr>
-        <a:xfrm>
-          <a:off x="0" y="0"/>
-          <a:ext cx="0" cy="0"/>
-          <a:chOff x="0" y="0"/>
-          <a:chExt cx="0" cy="0"/>
-        </a:xfrm>
-      </p:grpSpPr>
-      <p:sp useBgFill="1">
-        <p:nvSpPr>
-          <p:cNvPr id="8" name="Rectangle 7">
-            <a:extLst>
-              <a:ext uri="{FF2B5EF4-FFF2-40B4-BE49-F238E27FC236}">
-                <a16:creationId xmlns:a16="http://schemas.microsoft.com/office/drawing/2014/main" id="{AB8C311F-7253-4AED-9701-7FC0708C41C7}"/>
-              </a:ext>
-              <a:ext uri="{C183D7F6-B498-43B3-948B-1728B52AA6E4}">
-                <adec:decorative xmlns:adec="http://schemas.microsoft.com/office/drawing/2017/decorative" val="1"/>
-              </a:ext>
-            </a:extLst>
-          </p:cNvPr>
-          <p:cNvSpPr>
-            <a:spLocks noGrp="1" noRot="1" noChangeAspect="1" noMove="1" noResize="1" noEditPoints="1" noAdjustHandles="1" noChangeArrowheads="1" noChangeShapeType="1" noTextEdit="1"/>
-          </p:cNvSpPr>
-          <p:nvPr>
-            <p:extLst>
-              <p:ext uri="{386F3935-93C4-4BCD-93E2-E3B085C9AB24}">
-                <p16:designElem xmlns:p16="http://schemas.microsoft.com/office/powerpoint/2015/main" val="1"/>
-              </p:ext>
-            </p:extLst>
-          </p:nvPr>
-        </p:nvSpPr>
-        <p:spPr>
-          <a:xfrm>
-            <a:off x="0" y="0"/>
-            <a:ext cx="9144000" cy="6858000"/>
-          </a:xfrm>
-          <a:prstGeom prst="rect">
-            <a:avLst/>
-          </a:prstGeom>
-          <a:ln w="12700" cap="flat" cmpd="sng" algn="ctr">
-            <a:noFill/>
-            <a:prstDash val="solid"/>
-            <a:miter lim="800000"/>
-          </a:ln>
-          <a:effectLst/>
-          <a:extLst>
-            <a:ext uri="{91240B29-F687-4F45-9708-019B960494DF}">
-              <a14:hiddenLine xmlns:a14="http://schemas.microsoft.com/office/drawing/2010/main" w="12700" cap="flat" cmpd="sng" algn="ctr">
-                <a:solidFill>
-                  <a:schemeClr val="accent1">
-                    <a:shade val="50000"/>
-                  </a:schemeClr>
-                </a:solidFill>
-                <a:prstDash val="solid"/>
-                <a:miter lim="800000"/>
-              </a14:hiddenLine>
-            </a:ext>
-          </a:extLst>
-        </p:spPr>
-        <p:style>
-          <a:lnRef idx="2">
-            <a:schemeClr val="accent1">
-              <a:shade val="50000"/>
-            </a:schemeClr>
-          </a:lnRef>
-          <a:fillRef idx="1">
-            <a:schemeClr val="accent1"/>
-          </a:fillRef>
-          <a:effectRef idx="0">
-            <a:schemeClr val="accent1"/>
-          </a:effectRef>
-          <a:fontRef idx="minor">
-            <a:schemeClr val="lt1"/>
-          </a:fontRef>
-        </p:style>
-        <p:txBody>
-          <a:bodyPr rtlCol="0" anchor="ctr"/>
-          <a:lstStyle/>
-          <a:p>
-            <a:pPr algn="ctr"/>
-            <a:endParaRPr lang="en-US"/>
-          </a:p>
-        </p:txBody>
-      </p:sp>
-      <p:sp>
-        <p:nvSpPr>
-          <p:cNvPr id="10" name="Rectangle 9">
-            <a:extLst>
-              <a:ext uri="{FF2B5EF4-FFF2-40B4-BE49-F238E27FC236}">
-                <a16:creationId xmlns:a16="http://schemas.microsoft.com/office/drawing/2014/main" id="{E2384209-CB15-4CDF-9D31-C44FD9A3F20D}"/>
-              </a:ext>
-              <a:ext uri="{C183D7F6-B498-43B3-948B-1728B52AA6E4}">
-                <adec:decorative xmlns:adec="http://schemas.microsoft.com/office/drawing/2017/decorative" val="1"/>
-              </a:ext>
-            </a:extLst>
-          </p:cNvPr>
-          <p:cNvSpPr>
-            <a:spLocks noGrp="1" noRot="1" noChangeAspect="1" noMove="1" noResize="1" noEditPoints="1" noAdjustHandles="1" noChangeArrowheads="1" noChangeShapeType="1" noTextEdit="1"/>
-          </p:cNvSpPr>
-          <p:nvPr>
-            <p:extLst>
-              <p:ext uri="{386F3935-93C4-4BCD-93E2-E3B085C9AB24}">
-                <p16:designElem xmlns:p16="http://schemas.microsoft.com/office/powerpoint/2015/main" val="1"/>
-              </p:ext>
-            </p:extLst>
-          </p:nvPr>
-        </p:nvSpPr>
-        <p:spPr>
-          <a:xfrm rot="16200000" flipH="1">
-            <a:off x="1142713" y="-1142284"/>
-            <a:ext cx="6858000" cy="9143425"/>
-          </a:xfrm>
-          <a:prstGeom prst="rect">
-            <a:avLst/>
-          </a:prstGeom>
-          <a:gradFill>
-            <a:gsLst>
-              <a:gs pos="8000">
-                <a:schemeClr val="accent1"/>
-              </a:gs>
-              <a:gs pos="100000">
-                <a:schemeClr val="accent1">
-                  <a:lumMod val="50000"/>
-                </a:schemeClr>
-              </a:gs>
-            </a:gsLst>
-            <a:lin ang="12000000" scaled="0"/>
-          </a:gradFill>
-          <a:ln>
-            <a:noFill/>
-          </a:ln>
-        </p:spPr>
-        <p:style>
-          <a:lnRef idx="2">
-            <a:schemeClr val="accent1">
-              <a:shade val="50000"/>
-            </a:schemeClr>
-          </a:lnRef>
-          <a:fillRef idx="1">
-            <a:schemeClr val="accent1"/>
-          </a:fillRef>
-          <a:effectRef idx="0">
-            <a:schemeClr val="accent1"/>
-          </a:effectRef>
-          <a:fontRef idx="minor">
-            <a:schemeClr val="lt1"/>
-          </a:fontRef>
-        </p:style>
-        <p:txBody>
-          <a:bodyPr rtlCol="0" anchor="ctr"/>
-          <a:lstStyle/>
-          <a:p>
-            <a:pPr algn="ctr"/>
-            <a:endParaRPr lang="en-US"/>
-          </a:p>
-        </p:txBody>
-      </p:sp>
-      <p:sp>
-        <p:nvSpPr>
-          <p:cNvPr id="12" name="Rectangle 11">
-            <a:extLst>
-              <a:ext uri="{FF2B5EF4-FFF2-40B4-BE49-F238E27FC236}">
-                <a16:creationId xmlns:a16="http://schemas.microsoft.com/office/drawing/2014/main" id="{2633B3B5-CC90-43F0-8714-D31D1F3F0209}"/>
-              </a:ext>
-              <a:ext uri="{C183D7F6-B498-43B3-948B-1728B52AA6E4}">
-                <adec:decorative xmlns:adec="http://schemas.microsoft.com/office/drawing/2017/decorative" val="1"/>
-              </a:ext>
-            </a:extLst>
-          </p:cNvPr>
-          <p:cNvSpPr>
-            <a:spLocks noGrp="1" noRot="1" noChangeAspect="1" noMove="1" noResize="1" noEditPoints="1" noAdjustHandles="1" noChangeArrowheads="1" noChangeShapeType="1" noTextEdit="1"/>
-          </p:cNvSpPr>
-          <p:nvPr>
-            <p:extLst>
-              <p:ext uri="{386F3935-93C4-4BCD-93E2-E3B085C9AB24}">
-                <p16:designElem xmlns:p16="http://schemas.microsoft.com/office/powerpoint/2015/main" val="1"/>
-              </p:ext>
-            </p:extLst>
-          </p:nvPr>
-        </p:nvSpPr>
-        <p:spPr>
-          <a:xfrm rot="10800000" flipH="1">
-            <a:off x="-1733" y="0"/>
-            <a:ext cx="6803134" cy="6857572"/>
-          </a:xfrm>
-          <a:prstGeom prst="rect">
-            <a:avLst/>
-          </a:prstGeom>
-          <a:gradFill>
-            <a:gsLst>
-              <a:gs pos="8000">
-                <a:srgbClr val="000000">
-                  <a:alpha val="52000"/>
-                </a:srgbClr>
-              </a:gs>
-              <a:gs pos="100000">
-                <a:schemeClr val="accent1"/>
-              </a:gs>
-            </a:gsLst>
-            <a:lin ang="4800000" scaled="0"/>
-          </a:gradFill>
-          <a:ln>
-            <a:noFill/>
-          </a:ln>
-        </p:spPr>
-        <p:style>
-          <a:lnRef idx="2">
-            <a:schemeClr val="accent1">
-              <a:shade val="50000"/>
-            </a:schemeClr>
-          </a:lnRef>
-          <a:fillRef idx="1">
-            <a:schemeClr val="accent1"/>
-          </a:fillRef>
-          <a:effectRef idx="0">
-            <a:schemeClr val="accent1"/>
-          </a:effectRef>
-          <a:fontRef idx="minor">
-            <a:schemeClr val="lt1"/>
-          </a:fontRef>
-        </p:style>
-        <p:txBody>
-          <a:bodyPr rtlCol="0" anchor="ctr"/>
-          <a:lstStyle/>
-          <a:p>
-            <a:pPr algn="ctr"/>
-            <a:endParaRPr lang="en-US"/>
-          </a:p>
-        </p:txBody>
-      </p:sp>
-      <p:sp>
-        <p:nvSpPr>
-          <p:cNvPr id="14" name="Rectangle 13">
-            <a:extLst>
-              <a:ext uri="{FF2B5EF4-FFF2-40B4-BE49-F238E27FC236}">
-                <a16:creationId xmlns:a16="http://schemas.microsoft.com/office/drawing/2014/main" id="{A8D57A06-A426-446D-B02C-A2DC6B62E45E}"/>
-              </a:ext>
-              <a:ext uri="{C183D7F6-B498-43B3-948B-1728B52AA6E4}">
-                <adec:decorative xmlns:adec="http://schemas.microsoft.com/office/drawing/2017/decorative" val="1"/>
-              </a:ext>
-            </a:extLst>
-          </p:cNvPr>
-          <p:cNvSpPr>
-            <a:spLocks noGrp="1" noRot="1" noChangeAspect="1" noMove="1" noResize="1" noEditPoints="1" noAdjustHandles="1" noChangeArrowheads="1" noChangeShapeType="1" noTextEdit="1"/>
-          </p:cNvSpPr>
-          <p:nvPr>
-            <p:extLst>
-              <p:ext uri="{386F3935-93C4-4BCD-93E2-E3B085C9AB24}">
-                <p16:designElem xmlns:p16="http://schemas.microsoft.com/office/powerpoint/2015/main" val="1"/>
-              </p:ext>
-            </p:extLst>
-          </p:nvPr>
-        </p:nvSpPr>
-        <p:spPr>
-          <a:xfrm rot="16200000" flipH="1">
-            <a:off x="2125298" y="-161647"/>
-            <a:ext cx="4894564" cy="9145160"/>
-          </a:xfrm>
-          <a:prstGeom prst="rect">
-            <a:avLst/>
-          </a:prstGeom>
-          <a:gradFill>
-            <a:gsLst>
-              <a:gs pos="0">
-                <a:schemeClr val="accent5">
-                  <a:lumMod val="60000"/>
-                  <a:lumOff val="40000"/>
-                  <a:alpha val="0"/>
-                </a:schemeClr>
-              </a:gs>
-              <a:gs pos="100000">
-                <a:srgbClr val="000000">
-                  <a:alpha val="46000"/>
-                </a:srgbClr>
-              </a:gs>
-            </a:gsLst>
-            <a:lin ang="1200000" scaled="0"/>
-          </a:gradFill>
-          <a:ln>
-            <a:noFill/>
-          </a:ln>
-        </p:spPr>
-        <p:style>
-          <a:lnRef idx="2">
-            <a:schemeClr val="accent1">
-              <a:shade val="50000"/>
-            </a:schemeClr>
-          </a:lnRef>
-          <a:fillRef idx="1">
-            <a:schemeClr val="accent1"/>
-          </a:fillRef>
-          <a:effectRef idx="0">
-            <a:schemeClr val="accent1"/>
-          </a:effectRef>
-          <a:fontRef idx="minor">
-            <a:schemeClr val="lt1"/>
-          </a:fontRef>
-        </p:style>
-        <p:txBody>
-          <a:bodyPr rtlCol="0" anchor="ctr"/>
-          <a:lstStyle/>
-          <a:p>
-            <a:pPr algn="ctr"/>
-            <a:endParaRPr lang="en-US"/>
-          </a:p>
-        </p:txBody>
-      </p:sp>
-      <p:pic>
-        <p:nvPicPr>
-          <p:cNvPr id="3" name="Image 2">
-            <a:extLst>
-              <a:ext uri="{FF2B5EF4-FFF2-40B4-BE49-F238E27FC236}">
-                <a16:creationId xmlns:a16="http://schemas.microsoft.com/office/drawing/2014/main" id="{4B597471-A185-4CFC-835F-21337D7C3066}"/>
-              </a:ext>
-            </a:extLst>
-          </p:cNvPr>
-          <p:cNvPicPr>
-            <a:picLocks noChangeAspect="1"/>
-          </p:cNvPicPr>
-          <p:nvPr/>
-        </p:nvPicPr>
-        <p:blipFill rotWithShape="1">
-          <a:blip r:embed="rId2"/>
-          <a:srcRect l="10530" r="18671" b="-1"/>
-          <a:stretch/>
-        </p:blipFill>
-        <p:spPr>
-          <a:xfrm>
-            <a:off x="342900" y="457200"/>
-            <a:ext cx="8458200" cy="5943600"/>
-          </a:xfrm>
-          <a:prstGeom prst="rect">
-            <a:avLst/>
-          </a:prstGeom>
-        </p:spPr>
-      </p:pic>
-    </p:spTree>
-    <p:extLst>
-      <p:ext uri="{BB962C8B-B14F-4D97-AF65-F5344CB8AC3E}">
-        <p14:creationId xmlns:p14="http://schemas.microsoft.com/office/powerpoint/2010/main" val="1611465633"/>
-      </p:ext>
-    </p:extLst>
-  </p:cSld>
-  <p:clrMapOvr>
-    <a:masterClrMapping/>
-  </p:clrMapOvr>
-</p:sld>
-</file>
-
-<file path=ppt/slides/slide8.xml><?xml version="1.0" encoding="utf-8"?>
-<p:sld xmlns:a="http://schemas.openxmlformats.org/drawingml/2006/main" xmlns:r="http://schemas.openxmlformats.org/officeDocument/2006/relationships" xmlns:p="http://schemas.openxmlformats.org/presentationml/2006/main">
-  <p:cSld>
-    <p:bg>
-      <p:bgPr>
-        <a:solidFill>
-          <a:schemeClr val="bg1">
-            <a:tint val="95000"/>
-            <a:satMod val="170000"/>
-          </a:schemeClr>
-        </a:solidFill>
-        <a:effectLst/>
-      </p:bgPr>
-    </p:bg>
-    <p:spTree>
-      <p:nvGrpSpPr>
-        <p:cNvPr id="1" name=""/>
-        <p:cNvGrpSpPr/>
-        <p:nvPr/>
-      </p:nvGrpSpPr>
-      <p:grpSpPr>
-        <a:xfrm>
-          <a:off x="0" y="0"/>
-          <a:ext cx="0" cy="0"/>
-          <a:chOff x="0" y="0"/>
-          <a:chExt cx="0" cy="0"/>
-        </a:xfrm>
-      </p:grpSpPr>
-      <p:sp>
-        <p:nvSpPr>
-          <p:cNvPr id="2" name="ZoneTexte 1">
-            <a:extLst>
-              <a:ext uri="{FF2B5EF4-FFF2-40B4-BE49-F238E27FC236}">
-                <a16:creationId xmlns:a16="http://schemas.microsoft.com/office/drawing/2014/main" id="{F705E34C-23B6-449F-AB26-7CFB1CD8EB32}"/>
-              </a:ext>
-            </a:extLst>
-          </p:cNvPr>
-          <p:cNvSpPr txBox="1"/>
-          <p:nvPr/>
-        </p:nvSpPr>
-        <p:spPr>
-          <a:xfrm>
-            <a:off x="5598460" y="1783959"/>
-            <a:ext cx="3065480" cy="2889114"/>
-          </a:xfrm>
-          <a:prstGeom prst="rect">
-            <a:avLst/>
-          </a:prstGeom>
-        </p:spPr>
-        <p:txBody>
-          <a:bodyPr vert="horz" lIns="91440" tIns="45720" rIns="91440" bIns="45720" rtlCol="0" anchor="b">
-            <a:normAutofit/>
-          </a:bodyPr>
-          <a:lstStyle/>
-          <a:p>
-            <a:pPr>
-              <a:lnSpc>
-                <a:spcPct val="90000"/>
-              </a:lnSpc>
-              <a:spcBef>
-                <a:spcPct val="0"/>
-              </a:spcBef>
-              <a:spcAft>
-                <a:spcPts val="600"/>
-              </a:spcAft>
-            </a:pPr>
-            <a:r>
-              <a:rPr lang="en-US" sz="4700" dirty="0">
-                <a:latin typeface="+mj-lt"/>
-                <a:ea typeface="+mj-ea"/>
-                <a:cs typeface="+mj-cs"/>
-              </a:rPr>
-              <a:t>W3C STYLE.CSS</a:t>
-            </a:r>
-          </a:p>
-        </p:txBody>
-      </p:sp>
-      <p:sp>
-        <p:nvSpPr>
-          <p:cNvPr id="10" name="Freeform: Shape 7">
-            <a:extLst>
-              <a:ext uri="{FF2B5EF4-FFF2-40B4-BE49-F238E27FC236}">
-                <a16:creationId xmlns:a16="http://schemas.microsoft.com/office/drawing/2014/main" id="{E49CC64F-7275-4E33-961B-0C5CDC439875}"/>
-              </a:ext>
-              <a:ext uri="{C183D7F6-B498-43B3-948B-1728B52AA6E4}">
-                <adec:decorative xmlns:adec="http://schemas.microsoft.com/office/drawing/2017/decorative" val="1"/>
-              </a:ext>
-            </a:extLst>
-          </p:cNvPr>
-          <p:cNvSpPr>
-            <a:spLocks noGrp="1" noRot="1" noChangeAspect="1" noMove="1" noResize="1" noEditPoints="1" noAdjustHandles="1" noChangeArrowheads="1" noChangeShapeType="1" noTextEdit="1"/>
-          </p:cNvSpPr>
-          <p:nvPr>
-            <p:extLst>
-              <p:ext uri="{386F3935-93C4-4BCD-93E2-E3B085C9AB24}">
-                <p16:designElem xmlns:p16="http://schemas.microsoft.com/office/powerpoint/2015/main" val="1"/>
-              </p:ext>
-            </p:extLst>
-          </p:nvPr>
-        </p:nvSpPr>
-        <p:spPr>
-          <a:xfrm flipH="1" flipV="1">
-            <a:off x="0" y="0"/>
-            <a:ext cx="5391039" cy="6858000"/>
-          </a:xfrm>
-          <a:custGeom>
-            <a:avLst/>
-            <a:gdLst>
-              <a:gd name="connsiteX0" fmla="*/ 7188051 w 7188051"/>
-              <a:gd name="connsiteY0" fmla="*/ 6858000 h 6858000"/>
-              <a:gd name="connsiteX1" fmla="*/ 108694 w 7188051"/>
-              <a:gd name="connsiteY1" fmla="*/ 6858000 h 6858000"/>
-              <a:gd name="connsiteX2" fmla="*/ 79127 w 7188051"/>
-              <a:gd name="connsiteY2" fmla="*/ 6681235 h 6858000"/>
-              <a:gd name="connsiteX3" fmla="*/ 0 w 7188051"/>
-              <a:gd name="connsiteY3" fmla="*/ 5565888 h 6858000"/>
-              <a:gd name="connsiteX4" fmla="*/ 2190696 w 7188051"/>
-              <a:gd name="connsiteY4" fmla="*/ 145339 h 6858000"/>
-              <a:gd name="connsiteX5" fmla="*/ 2339431 w 7188051"/>
-              <a:gd name="connsiteY5" fmla="*/ 0 h 6858000"/>
-              <a:gd name="connsiteX6" fmla="*/ 7188051 w 7188051"/>
-              <a:gd name="connsiteY6" fmla="*/ 0 h 6858000"/>
-            </a:gdLst>
-            <a:ahLst/>
-            <a:cxnLst>
-              <a:cxn ang="0">
-                <a:pos x="connsiteX0" y="connsiteY0"/>
-              </a:cxn>
-              <a:cxn ang="0">
-                <a:pos x="connsiteX1" y="connsiteY1"/>
-              </a:cxn>
-              <a:cxn ang="0">
-                <a:pos x="connsiteX2" y="connsiteY2"/>
-              </a:cxn>
-              <a:cxn ang="0">
-                <a:pos x="connsiteX3" y="connsiteY3"/>
-              </a:cxn>
-              <a:cxn ang="0">
-                <a:pos x="connsiteX4" y="connsiteY4"/>
-              </a:cxn>
-              <a:cxn ang="0">
-                <a:pos x="connsiteX5" y="connsiteY5"/>
-              </a:cxn>
-              <a:cxn ang="0">
-                <a:pos x="connsiteX6" y="connsiteY6"/>
-              </a:cxn>
-            </a:cxnLst>
-            <a:rect l="l" t="t" r="r" b="b"/>
-            <a:pathLst>
-              <a:path w="7188051" h="6858000">
-                <a:moveTo>
-                  <a:pt x="7188051" y="6858000"/>
-                </a:moveTo>
-                <a:lnTo>
-                  <a:pt x="108694" y="6858000"/>
-                </a:lnTo>
-                <a:lnTo>
-                  <a:pt x="79127" y="6681235"/>
-                </a:lnTo>
-                <a:cubicBezTo>
-                  <a:pt x="26981" y="6316967"/>
-                  <a:pt x="0" y="5944579"/>
-                  <a:pt x="0" y="5565888"/>
-                </a:cubicBezTo>
-                <a:cubicBezTo>
-                  <a:pt x="0" y="3459953"/>
-                  <a:pt x="834428" y="1548908"/>
-                  <a:pt x="2190696" y="145339"/>
-                </a:cubicBezTo>
-                <a:lnTo>
-                  <a:pt x="2339431" y="0"/>
-                </a:lnTo>
-                <a:lnTo>
-                  <a:pt x="7188051" y="0"/>
-                </a:lnTo>
-                <a:close/>
-              </a:path>
-            </a:pathLst>
-          </a:custGeom>
-          <a:solidFill>
-            <a:schemeClr val="tx1">
-              <a:alpha val="80000"/>
-            </a:schemeClr>
-          </a:solidFill>
-          <a:ln>
-            <a:noFill/>
-          </a:ln>
-        </p:spPr>
-        <p:style>
-          <a:lnRef idx="2">
-            <a:schemeClr val="accent1">
-              <a:shade val="50000"/>
-            </a:schemeClr>
-          </a:lnRef>
-          <a:fillRef idx="1">
-            <a:schemeClr val="accent1"/>
-          </a:fillRef>
-          <a:effectRef idx="0">
-            <a:schemeClr val="accent1"/>
-          </a:effectRef>
-          <a:fontRef idx="minor">
-            <a:schemeClr val="lt1"/>
-          </a:fontRef>
-        </p:style>
-        <p:txBody>
-          <a:bodyPr wrap="square" rtlCol="0" anchor="ctr">
-            <a:noAutofit/>
-          </a:bodyPr>
-          <a:lstStyle/>
-          <a:p>
-            <a:pPr algn="ctr"/>
-            <a:endParaRPr lang="en-US"/>
-          </a:p>
-        </p:txBody>
-      </p:sp>
-      <p:pic>
-        <p:nvPicPr>
-          <p:cNvPr id="11" name="Picture 3" descr="White alphabet letters placed flat and stacked">
-            <a:extLst>
-              <a:ext uri="{FF2B5EF4-FFF2-40B4-BE49-F238E27FC236}">
-                <a16:creationId xmlns:a16="http://schemas.microsoft.com/office/drawing/2014/main" id="{D471C71B-526A-F7FF-C64A-99F7515F90FC}"/>
-              </a:ext>
-            </a:extLst>
-          </p:cNvPr>
-          <p:cNvPicPr>
-            <a:picLocks noChangeAspect="1"/>
-          </p:cNvPicPr>
-          <p:nvPr/>
-        </p:nvPicPr>
-        <p:blipFill rotWithShape="1">
-          <a:blip r:embed="rId2"/>
-          <a:srcRect l="7394" r="41298" b="-1"/>
-          <a:stretch/>
-        </p:blipFill>
-        <p:spPr>
-          <a:xfrm>
-            <a:off x="20" y="10"/>
-            <a:ext cx="5271352" cy="6857990"/>
-          </a:xfrm>
-          <a:custGeom>
-            <a:avLst/>
-            <a:gdLst/>
-            <a:ahLst/>
-            <a:cxnLst/>
-            <a:rect l="l" t="t" r="r" b="b"/>
-            <a:pathLst>
-              <a:path w="7028495" h="6858000">
-                <a:moveTo>
-                  <a:pt x="0" y="0"/>
-                </a:moveTo>
-                <a:lnTo>
-                  <a:pt x="6915668" y="0"/>
-                </a:lnTo>
-                <a:lnTo>
-                  <a:pt x="6952411" y="219663"/>
-                </a:lnTo>
-                <a:cubicBezTo>
-                  <a:pt x="7002551" y="569921"/>
-                  <a:pt x="7028495" y="927986"/>
-                  <a:pt x="7028495" y="1292112"/>
-                </a:cubicBezTo>
-                <a:cubicBezTo>
-                  <a:pt x="7028495" y="3343346"/>
-                  <a:pt x="6205186" y="5202289"/>
-                  <a:pt x="4870994" y="6556512"/>
-                </a:cubicBezTo>
-                <a:lnTo>
-                  <a:pt x="4556185" y="6858000"/>
-                </a:lnTo>
-                <a:lnTo>
-                  <a:pt x="0" y="6858000"/>
-                </a:lnTo>
-                <a:close/>
-              </a:path>
-            </a:pathLst>
-          </a:custGeom>
-        </p:spPr>
-      </p:pic>
-    </p:spTree>
-    <p:extLst>
-      <p:ext uri="{BB962C8B-B14F-4D97-AF65-F5344CB8AC3E}">
-        <p14:creationId xmlns:p14="http://schemas.microsoft.com/office/powerpoint/2010/main" val="2858657003"/>
-      </p:ext>
-    </p:extLst>
-  </p:cSld>
-  <p:clrMapOvr>
-    <a:overrideClrMapping bg1="dk1" tx1="lt1" bg2="dk2" tx2="lt2" accent1="accent1" accent2="accent2" accent3="accent3" accent4="accent4" accent5="accent5" accent6="accent6" hlink="hlink" folHlink="folHlink"/>
-  </p:clrMapOvr>
-</p:sld>
-</file>
-
 <file path=ppt/slides/slide9.xml><?xml version="1.0" encoding="utf-8"?>
 <p:sld xmlns:a="http://schemas.openxmlformats.org/drawingml/2006/main" xmlns:r="http://schemas.openxmlformats.org/officeDocument/2006/relationships" xmlns:p="http://schemas.openxmlformats.org/presentationml/2006/main">
   <p:cSld>
@@ -9199,7 +10604,7 @@
           <p:cNvPr id="8" name="Rectangle 7">
             <a:extLst>
               <a:ext uri="{FF2B5EF4-FFF2-40B4-BE49-F238E27FC236}">
-                <a16:creationId xmlns:a16="http://schemas.microsoft.com/office/drawing/2014/main" id="{32BC26D8-82FB-445E-AA49-62A77D7C1EE0}"/>
+                <a16:creationId xmlns:a16="http://schemas.microsoft.com/office/drawing/2014/main" id="{F3060C83-F051-4F0E-ABAD-AA0DFC48B218}"/>
               </a:ext>
               <a:ext uri="{C183D7F6-B498-43B3-948B-1728B52AA6E4}">
                 <adec:decorative xmlns:adec="http://schemas.microsoft.com/office/drawing/2017/decorative" val="1"/>
@@ -9226,7 +10631,7 @@
             <a:avLst/>
           </a:prstGeom>
           <a:solidFill>
-            <a:srgbClr val="672C1D"/>
+            <a:schemeClr val="bg1"/>
           </a:solidFill>
           <a:ln>
             <a:noFill/>
@@ -9253,16 +10658,16 @@
           <a:lstStyle/>
           <a:p>
             <a:pPr algn="ctr"/>
-            <a:endParaRPr lang="en-US"/>
-          </a:p>
-        </p:txBody>
-      </p:sp>
-      <p:sp>
-        <p:nvSpPr>
-          <p:cNvPr id="10" name="Rectangle 9">
+            <a:endParaRPr lang="en-US" dirty="0"/>
+          </a:p>
+        </p:txBody>
+      </p:sp>
+      <p:sp>
+        <p:nvSpPr>
+          <p:cNvPr id="10" name="Freeform: Shape 9">
             <a:extLst>
               <a:ext uri="{FF2B5EF4-FFF2-40B4-BE49-F238E27FC236}">
-                <a16:creationId xmlns:a16="http://schemas.microsoft.com/office/drawing/2014/main" id="{CB44330D-EA18-4254-AA95-EB49948539B8}"/>
+                <a16:creationId xmlns:a16="http://schemas.microsoft.com/office/drawing/2014/main" id="{83C98ABE-055B-441F-B07E-44F97F083C39}"/>
               </a:ext>
               <a:ext uri="{C183D7F6-B498-43B3-948B-1728B52AA6E4}">
                 <adec:decorative xmlns:adec="http://schemas.microsoft.com/office/drawing/2017/decorative" val="1"/>
@@ -9281,15 +10686,68 @@
           </p:nvPr>
         </p:nvSpPr>
         <p:spPr>
-          <a:xfrm>
-            <a:off x="357759" y="480060"/>
-            <a:ext cx="8428482" cy="5897880"/>
+          <a:xfrm rot="18900000" flipH="1">
+            <a:off x="-282117" y="-253670"/>
+            <a:ext cx="1370728" cy="1376989"/>
           </a:xfrm>
-          <a:prstGeom prst="rect">
+          <a:custGeom>
             <a:avLst/>
-          </a:prstGeom>
+            <a:gdLst>
+              <a:gd name="connsiteX0" fmla="*/ 0 w 1827638"/>
+              <a:gd name="connsiteY0" fmla="*/ 987379 h 1376989"/>
+              <a:gd name="connsiteX1" fmla="*/ 987379 w 1827638"/>
+              <a:gd name="connsiteY1" fmla="*/ 0 h 1376989"/>
+              <a:gd name="connsiteX2" fmla="*/ 1827638 w 1827638"/>
+              <a:gd name="connsiteY2" fmla="*/ 840260 h 1376989"/>
+              <a:gd name="connsiteX3" fmla="*/ 1827638 w 1827638"/>
+              <a:gd name="connsiteY3" fmla="*/ 1376989 h 1376989"/>
+              <a:gd name="connsiteX4" fmla="*/ 0 w 1827638"/>
+              <a:gd name="connsiteY4" fmla="*/ 1376989 h 1376989"/>
+            </a:gdLst>
+            <a:ahLst/>
+            <a:cxnLst>
+              <a:cxn ang="0">
+                <a:pos x="connsiteX0" y="connsiteY0"/>
+              </a:cxn>
+              <a:cxn ang="0">
+                <a:pos x="connsiteX1" y="connsiteY1"/>
+              </a:cxn>
+              <a:cxn ang="0">
+                <a:pos x="connsiteX2" y="connsiteY2"/>
+              </a:cxn>
+              <a:cxn ang="0">
+                <a:pos x="connsiteX3" y="connsiteY3"/>
+              </a:cxn>
+              <a:cxn ang="0">
+                <a:pos x="connsiteX4" y="connsiteY4"/>
+              </a:cxn>
+            </a:cxnLst>
+            <a:rect l="l" t="t" r="r" b="b"/>
+            <a:pathLst>
+              <a:path w="1827638" h="1376989">
+                <a:moveTo>
+                  <a:pt x="0" y="987379"/>
+                </a:moveTo>
+                <a:lnTo>
+                  <a:pt x="987379" y="0"/>
+                </a:lnTo>
+                <a:lnTo>
+                  <a:pt x="1827638" y="840260"/>
+                </a:lnTo>
+                <a:lnTo>
+                  <a:pt x="1827638" y="1376989"/>
+                </a:lnTo>
+                <a:lnTo>
+                  <a:pt x="0" y="1376989"/>
+                </a:lnTo>
+                <a:close/>
+              </a:path>
+            </a:pathLst>
+          </a:custGeom>
           <a:solidFill>
-            <a:srgbClr val="FFFFFF"/>
+            <a:schemeClr val="accent1">
+              <a:alpha val="30000"/>
+            </a:schemeClr>
           </a:solidFill>
           <a:ln>
             <a:noFill/>
@@ -9316,16 +10774,386 @@
           <a:lstStyle/>
           <a:p>
             <a:pPr algn="ctr"/>
+            <a:endParaRPr lang="en-US" dirty="0"/>
+          </a:p>
+        </p:txBody>
+      </p:sp>
+      <p:sp>
+        <p:nvSpPr>
+          <p:cNvPr id="12" name="Rectangle 11">
+            <a:extLst>
+              <a:ext uri="{FF2B5EF4-FFF2-40B4-BE49-F238E27FC236}">
+                <a16:creationId xmlns:a16="http://schemas.microsoft.com/office/drawing/2014/main" id="{29FDB030-9B49-4CED-8CCD-4D99382388AC}"/>
+              </a:ext>
+              <a:ext uri="{C183D7F6-B498-43B3-948B-1728B52AA6E4}">
+                <adec:decorative xmlns:adec="http://schemas.microsoft.com/office/drawing/2017/decorative" val="1"/>
+              </a:ext>
+            </a:extLst>
+          </p:cNvPr>
+          <p:cNvSpPr>
+            <a:spLocks noGrp="1" noRot="1" noChangeAspect="1" noMove="1" noResize="1" noEditPoints="1" noAdjustHandles="1" noChangeArrowheads="1" noChangeShapeType="1" noTextEdit="1"/>
+          </p:cNvSpPr>
+          <p:nvPr>
+            <p:extLst>
+              <p:ext uri="{386F3935-93C4-4BCD-93E2-E3B085C9AB24}">
+                <p16:designElem xmlns:p16="http://schemas.microsoft.com/office/powerpoint/2015/main" val="1"/>
+              </p:ext>
+            </p:extLst>
+          </p:nvPr>
+        </p:nvSpPr>
+        <p:spPr>
+          <a:xfrm rot="18900000" flipH="1">
+            <a:off x="668730" y="422146"/>
+            <a:ext cx="484026" cy="645368"/>
+          </a:xfrm>
+          <a:prstGeom prst="rect">
+            <a:avLst/>
+          </a:prstGeom>
+          <a:solidFill>
+            <a:schemeClr val="accent1">
+              <a:alpha val="30000"/>
+            </a:schemeClr>
+          </a:solidFill>
+          <a:ln>
+            <a:noFill/>
+          </a:ln>
+        </p:spPr>
+        <p:style>
+          <a:lnRef idx="2">
+            <a:schemeClr val="accent1">
+              <a:shade val="50000"/>
+            </a:schemeClr>
+          </a:lnRef>
+          <a:fillRef idx="1">
+            <a:schemeClr val="accent1"/>
+          </a:fillRef>
+          <a:effectRef idx="0">
+            <a:schemeClr val="accent1"/>
+          </a:effectRef>
+          <a:fontRef idx="minor">
+            <a:schemeClr val="lt1"/>
+          </a:fontRef>
+        </p:style>
+        <p:txBody>
+          <a:bodyPr rtlCol="0" anchor="ctr"/>
+          <a:lstStyle/>
+          <a:p>
+            <a:pPr algn="ctr"/>
+            <a:endParaRPr lang="en-US"/>
+          </a:p>
+        </p:txBody>
+      </p:sp>
+      <p:sp>
+        <p:nvSpPr>
+          <p:cNvPr id="14" name="Rectangle 13">
+            <a:extLst>
+              <a:ext uri="{FF2B5EF4-FFF2-40B4-BE49-F238E27FC236}">
+                <a16:creationId xmlns:a16="http://schemas.microsoft.com/office/drawing/2014/main" id="{3783CA14-24A1-485C-8B30-D6A5D87987AD}"/>
+              </a:ext>
+              <a:ext uri="{C183D7F6-B498-43B3-948B-1728B52AA6E4}">
+                <adec:decorative xmlns:adec="http://schemas.microsoft.com/office/drawing/2017/decorative" val="1"/>
+              </a:ext>
+            </a:extLst>
+          </p:cNvPr>
+          <p:cNvSpPr>
+            <a:spLocks noGrp="1" noRot="1" noChangeAspect="1" noMove="1" noResize="1" noEditPoints="1" noAdjustHandles="1" noChangeArrowheads="1" noChangeShapeType="1" noTextEdit="1"/>
+          </p:cNvSpPr>
+          <p:nvPr>
+            <p:extLst>
+              <p:ext uri="{386F3935-93C4-4BCD-93E2-E3B085C9AB24}">
+                <p16:designElem xmlns:p16="http://schemas.microsoft.com/office/powerpoint/2015/main" val="1"/>
+              </p:ext>
+            </p:extLst>
+          </p:nvPr>
+        </p:nvSpPr>
+        <p:spPr>
+          <a:xfrm rot="18900000" flipH="1">
+            <a:off x="7532611" y="655140"/>
+            <a:ext cx="515604" cy="687472"/>
+          </a:xfrm>
+          <a:prstGeom prst="rect">
+            <a:avLst/>
+          </a:prstGeom>
+          <a:solidFill>
+            <a:schemeClr val="accent4">
+              <a:alpha val="30000"/>
+            </a:schemeClr>
+          </a:solidFill>
+          <a:ln>
+            <a:noFill/>
+          </a:ln>
+        </p:spPr>
+        <p:style>
+          <a:lnRef idx="2">
+            <a:schemeClr val="accent1">
+              <a:shade val="50000"/>
+            </a:schemeClr>
+          </a:lnRef>
+          <a:fillRef idx="1">
+            <a:schemeClr val="accent1"/>
+          </a:fillRef>
+          <a:effectRef idx="0">
+            <a:schemeClr val="accent1"/>
+          </a:effectRef>
+          <a:fontRef idx="minor">
+            <a:schemeClr val="lt1"/>
+          </a:fontRef>
+        </p:style>
+        <p:txBody>
+          <a:bodyPr rtlCol="0" anchor="ctr"/>
+          <a:lstStyle/>
+          <a:p>
+            <a:pPr algn="ctr"/>
+            <a:endParaRPr lang="en-US"/>
+          </a:p>
+        </p:txBody>
+      </p:sp>
+      <p:sp>
+        <p:nvSpPr>
+          <p:cNvPr id="16" name="Freeform: Shape 15">
+            <a:extLst>
+              <a:ext uri="{FF2B5EF4-FFF2-40B4-BE49-F238E27FC236}">
+                <a16:creationId xmlns:a16="http://schemas.microsoft.com/office/drawing/2014/main" id="{9A97C86A-04D6-40F7-AE84-31AB43E6A846}"/>
+              </a:ext>
+              <a:ext uri="{C183D7F6-B498-43B3-948B-1728B52AA6E4}">
+                <adec:decorative xmlns:adec="http://schemas.microsoft.com/office/drawing/2017/decorative" val="1"/>
+              </a:ext>
+            </a:extLst>
+          </p:cNvPr>
+          <p:cNvSpPr>
+            <a:spLocks noGrp="1" noRot="1" noChangeAspect="1" noMove="1" noResize="1" noEditPoints="1" noAdjustHandles="1" noChangeArrowheads="1" noChangeShapeType="1" noTextEdit="1"/>
+          </p:cNvSpPr>
+          <p:nvPr>
+            <p:extLst>
+              <p:ext uri="{386F3935-93C4-4BCD-93E2-E3B085C9AB24}">
+                <p16:designElem xmlns:p16="http://schemas.microsoft.com/office/powerpoint/2015/main" val="1"/>
+              </p:ext>
+            </p:extLst>
+          </p:nvPr>
+        </p:nvSpPr>
+        <p:spPr>
+          <a:xfrm rot="10800000" flipH="1">
+            <a:off x="7017482" y="0"/>
+            <a:ext cx="2126518" cy="1480837"/>
+          </a:xfrm>
+          <a:custGeom>
+            <a:avLst/>
+            <a:gdLst>
+              <a:gd name="connsiteX0" fmla="*/ 2835357 w 2835357"/>
+              <a:gd name="connsiteY0" fmla="*/ 1480837 h 1480837"/>
+              <a:gd name="connsiteX1" fmla="*/ 0 w 2835357"/>
+              <a:gd name="connsiteY1" fmla="*/ 1480837 h 1480837"/>
+              <a:gd name="connsiteX2" fmla="*/ 1552727 w 2835357"/>
+              <a:gd name="connsiteY2" fmla="*/ 0 h 1480837"/>
+              <a:gd name="connsiteX3" fmla="*/ 2835357 w 2835357"/>
+              <a:gd name="connsiteY3" fmla="*/ 1223245 h 1480837"/>
+            </a:gdLst>
+            <a:ahLst/>
+            <a:cxnLst>
+              <a:cxn ang="0">
+                <a:pos x="connsiteX0" y="connsiteY0"/>
+              </a:cxn>
+              <a:cxn ang="0">
+                <a:pos x="connsiteX1" y="connsiteY1"/>
+              </a:cxn>
+              <a:cxn ang="0">
+                <a:pos x="connsiteX2" y="connsiteY2"/>
+              </a:cxn>
+              <a:cxn ang="0">
+                <a:pos x="connsiteX3" y="connsiteY3"/>
+              </a:cxn>
+            </a:cxnLst>
+            <a:rect l="l" t="t" r="r" b="b"/>
+            <a:pathLst>
+              <a:path w="2835357" h="1480837">
+                <a:moveTo>
+                  <a:pt x="2835357" y="1480837"/>
+                </a:moveTo>
+                <a:lnTo>
+                  <a:pt x="0" y="1480837"/>
+                </a:lnTo>
+                <a:lnTo>
+                  <a:pt x="1552727" y="0"/>
+                </a:lnTo>
+                <a:lnTo>
+                  <a:pt x="2835357" y="1223245"/>
+                </a:lnTo>
+                <a:close/>
+              </a:path>
+            </a:pathLst>
+          </a:custGeom>
+          <a:solidFill>
+            <a:schemeClr val="accent4">
+              <a:alpha val="30000"/>
+            </a:schemeClr>
+          </a:solidFill>
+          <a:ln>
+            <a:noFill/>
+          </a:ln>
+        </p:spPr>
+        <p:style>
+          <a:lnRef idx="2">
+            <a:schemeClr val="accent1">
+              <a:shade val="50000"/>
+            </a:schemeClr>
+          </a:lnRef>
+          <a:fillRef idx="1">
+            <a:schemeClr val="accent1"/>
+          </a:fillRef>
+          <a:effectRef idx="0">
+            <a:schemeClr val="accent1"/>
+          </a:effectRef>
+          <a:fontRef idx="minor">
+            <a:schemeClr val="lt1"/>
+          </a:fontRef>
+        </p:style>
+        <p:txBody>
+          <a:bodyPr wrap="square" rtlCol="0" anchor="ctr">
+            <a:noAutofit/>
+          </a:bodyPr>
+          <a:lstStyle/>
+          <a:p>
+            <a:pPr algn="ctr"/>
+            <a:endParaRPr lang="en-US" dirty="0"/>
+          </a:p>
+        </p:txBody>
+      </p:sp>
+      <p:sp>
+        <p:nvSpPr>
+          <p:cNvPr id="18" name="Isosceles Triangle 17">
+            <a:extLst>
+              <a:ext uri="{FF2B5EF4-FFF2-40B4-BE49-F238E27FC236}">
+                <a16:creationId xmlns:a16="http://schemas.microsoft.com/office/drawing/2014/main" id="{FF9F2414-84E8-453E-B1F3-389FDE8192D9}"/>
+              </a:ext>
+              <a:ext uri="{C183D7F6-B498-43B3-948B-1728B52AA6E4}">
+                <adec:decorative xmlns:adec="http://schemas.microsoft.com/office/drawing/2017/decorative" val="1"/>
+              </a:ext>
+            </a:extLst>
+          </p:cNvPr>
+          <p:cNvSpPr>
+            <a:spLocks noGrp="1" noRot="1" noChangeAspect="1" noMove="1" noResize="1" noEditPoints="1" noAdjustHandles="1" noChangeArrowheads="1" noChangeShapeType="1" noTextEdit="1"/>
+          </p:cNvSpPr>
+          <p:nvPr>
+            <p:extLst>
+              <p:ext uri="{386F3935-93C4-4BCD-93E2-E3B085C9AB24}">
+                <p16:designElem xmlns:p16="http://schemas.microsoft.com/office/powerpoint/2015/main" val="1"/>
+              </p:ext>
+            </p:extLst>
+          </p:nvPr>
+        </p:nvSpPr>
+        <p:spPr>
+          <a:xfrm flipH="1">
+            <a:off x="5982258" y="6115501"/>
+            <a:ext cx="1120884" cy="742499"/>
+          </a:xfrm>
+          <a:prstGeom prst="triangle">
+            <a:avLst/>
+          </a:prstGeom>
+          <a:solidFill>
+            <a:schemeClr val="accent1">
+              <a:alpha val="30000"/>
+            </a:schemeClr>
+          </a:solidFill>
+          <a:ln>
+            <a:noFill/>
+          </a:ln>
+        </p:spPr>
+        <p:style>
+          <a:lnRef idx="2">
+            <a:schemeClr val="accent1">
+              <a:shade val="50000"/>
+            </a:schemeClr>
+          </a:lnRef>
+          <a:fillRef idx="1">
+            <a:schemeClr val="accent1"/>
+          </a:fillRef>
+          <a:effectRef idx="0">
+            <a:schemeClr val="accent1"/>
+          </a:effectRef>
+          <a:fontRef idx="minor">
+            <a:schemeClr val="lt1"/>
+          </a:fontRef>
+        </p:style>
+        <p:txBody>
+          <a:bodyPr rtlCol="0" anchor="ctr"/>
+          <a:lstStyle/>
+          <a:p>
+            <a:pPr algn="ctr"/>
+            <a:endParaRPr lang="en-US"/>
+          </a:p>
+        </p:txBody>
+      </p:sp>
+      <p:sp>
+        <p:nvSpPr>
+          <p:cNvPr id="20" name="Isosceles Triangle 19">
+            <a:extLst>
+              <a:ext uri="{FF2B5EF4-FFF2-40B4-BE49-F238E27FC236}">
+                <a16:creationId xmlns:a16="http://schemas.microsoft.com/office/drawing/2014/main" id="{3ECA69A1-7536-43AC-85EF-C7106179F5ED}"/>
+              </a:ext>
+              <a:ext uri="{C183D7F6-B498-43B3-948B-1728B52AA6E4}">
+                <adec:decorative xmlns:adec="http://schemas.microsoft.com/office/drawing/2017/decorative" val="1"/>
+              </a:ext>
+            </a:extLst>
+          </p:cNvPr>
+          <p:cNvSpPr>
+            <a:spLocks noGrp="1" noRot="1" noChangeAspect="1" noMove="1" noResize="1" noEditPoints="1" noAdjustHandles="1" noChangeArrowheads="1" noChangeShapeType="1" noTextEdit="1"/>
+          </p:cNvSpPr>
+          <p:nvPr>
+            <p:extLst>
+              <p:ext uri="{386F3935-93C4-4BCD-93E2-E3B085C9AB24}">
+                <p16:designElem xmlns:p16="http://schemas.microsoft.com/office/powerpoint/2015/main" val="1"/>
+              </p:ext>
+            </p:extLst>
+          </p:nvPr>
+        </p:nvSpPr>
+        <p:spPr>
+          <a:xfrm flipH="1">
+            <a:off x="5703060" y="6453143"/>
+            <a:ext cx="611177" cy="404857"/>
+          </a:xfrm>
+          <a:prstGeom prst="triangle">
+            <a:avLst/>
+          </a:prstGeom>
+          <a:solidFill>
+            <a:schemeClr val="accent1">
+              <a:alpha val="30000"/>
+            </a:schemeClr>
+          </a:solidFill>
+          <a:ln>
+            <a:noFill/>
+          </a:ln>
+        </p:spPr>
+        <p:style>
+          <a:lnRef idx="2">
+            <a:schemeClr val="accent1">
+              <a:shade val="50000"/>
+            </a:schemeClr>
+          </a:lnRef>
+          <a:fillRef idx="1">
+            <a:schemeClr val="accent1"/>
+          </a:fillRef>
+          <a:effectRef idx="0">
+            <a:schemeClr val="accent1"/>
+          </a:effectRef>
+          <a:fontRef idx="minor">
+            <a:schemeClr val="lt1"/>
+          </a:fontRef>
+        </p:style>
+        <p:txBody>
+          <a:bodyPr rtlCol="0" anchor="ctr"/>
+          <a:lstStyle/>
+          <a:p>
+            <a:pPr algn="ctr"/>
             <a:endParaRPr lang="en-US"/>
           </a:p>
         </p:txBody>
       </p:sp>
       <p:pic>
         <p:nvPicPr>
-          <p:cNvPr id="3" name="Image 2">
+          <p:cNvPr id="5" name="Image 4">
             <a:extLst>
               <a:ext uri="{FF2B5EF4-FFF2-40B4-BE49-F238E27FC236}">
-                <a16:creationId xmlns:a16="http://schemas.microsoft.com/office/drawing/2014/main" id="{ACAAFDA4-2B2A-4919-BF8F-7397C6276E29}"/>
+                <a16:creationId xmlns:a16="http://schemas.microsoft.com/office/drawing/2014/main" id="{D3D131ED-4E83-4717-A287-F040735AB092}"/>
               </a:ext>
             </a:extLst>
           </p:cNvPr>
@@ -9342,8 +11170,8 @@
         </p:blipFill>
         <p:spPr>
           <a:xfrm>
-            <a:off x="482600" y="1946593"/>
-            <a:ext cx="8178799" cy="2964814"/>
+            <a:off x="1290637" y="1195387"/>
+            <a:ext cx="6562725" cy="4467225"/>
           </a:xfrm>
           <a:prstGeom prst="rect">
             <a:avLst/>
@@ -9353,7 +11181,7 @@
     </p:spTree>
     <p:extLst>
       <p:ext uri="{BB962C8B-B14F-4D97-AF65-F5344CB8AC3E}">
-        <p14:creationId xmlns:p14="http://schemas.microsoft.com/office/powerpoint/2010/main" val="1494218624"/>
+        <p14:creationId xmlns:p14="http://schemas.microsoft.com/office/powerpoint/2010/main" val="3058915189"/>
       </p:ext>
     </p:extLst>
   </p:cSld>

--- a/Annexes/P4.pptx
+++ b/Annexes/P4.pptx
@@ -17,19 +17,20 @@
     <p:sldId id="279" r:id="rId14"/>
     <p:sldId id="259" r:id="rId15"/>
     <p:sldId id="261" r:id="rId16"/>
-    <p:sldId id="262" r:id="rId17"/>
-    <p:sldId id="269" r:id="rId18"/>
-    <p:sldId id="270" r:id="rId19"/>
-    <p:sldId id="263" r:id="rId20"/>
-    <p:sldId id="264" r:id="rId21"/>
-    <p:sldId id="265" r:id="rId22"/>
-    <p:sldId id="266" r:id="rId23"/>
-    <p:sldId id="275" r:id="rId24"/>
-    <p:sldId id="276" r:id="rId25"/>
-    <p:sldId id="267" r:id="rId26"/>
-    <p:sldId id="274" r:id="rId27"/>
-    <p:sldId id="277" r:id="rId28"/>
-    <p:sldId id="278" r:id="rId29"/>
+    <p:sldId id="281" r:id="rId17"/>
+    <p:sldId id="262" r:id="rId18"/>
+    <p:sldId id="269" r:id="rId19"/>
+    <p:sldId id="270" r:id="rId20"/>
+    <p:sldId id="263" r:id="rId21"/>
+    <p:sldId id="264" r:id="rId22"/>
+    <p:sldId id="265" r:id="rId23"/>
+    <p:sldId id="266" r:id="rId24"/>
+    <p:sldId id="275" r:id="rId25"/>
+    <p:sldId id="276" r:id="rId26"/>
+    <p:sldId id="267" r:id="rId27"/>
+    <p:sldId id="274" r:id="rId28"/>
+    <p:sldId id="277" r:id="rId29"/>
+    <p:sldId id="278" r:id="rId30"/>
   </p:sldIdLst>
   <p:sldSz cx="9144000" cy="6858000" type="screen4x3"/>
   <p:notesSz cx="6858000" cy="9144000"/>
@@ -327,7 +328,7 @@
             <a:fld id="{73302334-7E8B-4320-A1E2-4B05AC15A670}" type="datetimeFigureOut">
               <a:rPr lang="fr-FR" smtClean="0"/>
               <a:pPr/>
-              <a:t>30/12/2022</a:t>
+              <a:t>02/01/2023</a:t>
             </a:fld>
             <a:endParaRPr lang="fr-FR"/>
           </a:p>
@@ -492,7 +493,7 @@
             <a:fld id="{73302334-7E8B-4320-A1E2-4B05AC15A670}" type="datetimeFigureOut">
               <a:rPr lang="fr-FR" smtClean="0"/>
               <a:pPr/>
-              <a:t>30/12/2022</a:t>
+              <a:t>02/01/2023</a:t>
             </a:fld>
             <a:endParaRPr lang="fr-FR"/>
           </a:p>
@@ -667,7 +668,7 @@
             <a:fld id="{73302334-7E8B-4320-A1E2-4B05AC15A670}" type="datetimeFigureOut">
               <a:rPr lang="fr-FR" smtClean="0"/>
               <a:pPr/>
-              <a:t>30/12/2022</a:t>
+              <a:t>02/01/2023</a:t>
             </a:fld>
             <a:endParaRPr lang="fr-FR"/>
           </a:p>
@@ -832,7 +833,7 @@
             <a:fld id="{73302334-7E8B-4320-A1E2-4B05AC15A670}" type="datetimeFigureOut">
               <a:rPr lang="fr-FR" smtClean="0"/>
               <a:pPr/>
-              <a:t>30/12/2022</a:t>
+              <a:t>02/01/2023</a:t>
             </a:fld>
             <a:endParaRPr lang="fr-FR"/>
           </a:p>
@@ -1074,7 +1075,7 @@
             <a:fld id="{73302334-7E8B-4320-A1E2-4B05AC15A670}" type="datetimeFigureOut">
               <a:rPr lang="fr-FR" smtClean="0"/>
               <a:pPr/>
-              <a:t>30/12/2022</a:t>
+              <a:t>02/01/2023</a:t>
             </a:fld>
             <a:endParaRPr lang="fr-FR"/>
           </a:p>
@@ -1356,7 +1357,7 @@
             <a:fld id="{73302334-7E8B-4320-A1E2-4B05AC15A670}" type="datetimeFigureOut">
               <a:rPr lang="fr-FR" smtClean="0"/>
               <a:pPr/>
-              <a:t>30/12/2022</a:t>
+              <a:t>02/01/2023</a:t>
             </a:fld>
             <a:endParaRPr lang="fr-FR"/>
           </a:p>
@@ -1772,7 +1773,7 @@
             <a:fld id="{73302334-7E8B-4320-A1E2-4B05AC15A670}" type="datetimeFigureOut">
               <a:rPr lang="fr-FR" smtClean="0"/>
               <a:pPr/>
-              <a:t>30/12/2022</a:t>
+              <a:t>02/01/2023</a:t>
             </a:fld>
             <a:endParaRPr lang="fr-FR"/>
           </a:p>
@@ -1886,7 +1887,7 @@
             <a:fld id="{73302334-7E8B-4320-A1E2-4B05AC15A670}" type="datetimeFigureOut">
               <a:rPr lang="fr-FR" smtClean="0"/>
               <a:pPr/>
-              <a:t>30/12/2022</a:t>
+              <a:t>02/01/2023</a:t>
             </a:fld>
             <a:endParaRPr lang="fr-FR"/>
           </a:p>
@@ -1978,7 +1979,7 @@
             <a:fld id="{73302334-7E8B-4320-A1E2-4B05AC15A670}" type="datetimeFigureOut">
               <a:rPr lang="fr-FR" smtClean="0"/>
               <a:pPr/>
-              <a:t>30/12/2022</a:t>
+              <a:t>02/01/2023</a:t>
             </a:fld>
             <a:endParaRPr lang="fr-FR"/>
           </a:p>
@@ -2250,7 +2251,7 @@
             <a:fld id="{73302334-7E8B-4320-A1E2-4B05AC15A670}" type="datetimeFigureOut">
               <a:rPr lang="fr-FR" smtClean="0"/>
               <a:pPr/>
-              <a:t>30/12/2022</a:t>
+              <a:t>02/01/2023</a:t>
             </a:fld>
             <a:endParaRPr lang="fr-FR"/>
           </a:p>
@@ -2502,7 +2503,7 @@
             <a:fld id="{73302334-7E8B-4320-A1E2-4B05AC15A670}" type="datetimeFigureOut">
               <a:rPr lang="fr-FR" smtClean="0"/>
               <a:pPr/>
-              <a:t>30/12/2022</a:t>
+              <a:t>02/01/2023</a:t>
             </a:fld>
             <a:endParaRPr lang="fr-FR"/>
           </a:p>
@@ -2710,7 +2711,7 @@
             <a:fld id="{73302334-7E8B-4320-A1E2-4B05AC15A670}" type="datetimeFigureOut">
               <a:rPr lang="fr-FR" smtClean="0"/>
               <a:pPr/>
-              <a:t>30/12/2022</a:t>
+              <a:t>02/01/2023</a:t>
             </a:fld>
             <a:endParaRPr lang="fr-FR"/>
           </a:p>
@@ -4533,6 +4534,74 @@
           <a:chExt cx="0" cy="0"/>
         </a:xfrm>
       </p:grpSpPr>
+      <p:pic>
+        <p:nvPicPr>
+          <p:cNvPr id="3" name="Image 2">
+            <a:extLst>
+              <a:ext uri="{FF2B5EF4-FFF2-40B4-BE49-F238E27FC236}">
+                <a16:creationId xmlns:a16="http://schemas.microsoft.com/office/drawing/2014/main" id="{721503C8-024E-4E89-BB1C-5A473C89DA7B}"/>
+              </a:ext>
+            </a:extLst>
+          </p:cNvPr>
+          <p:cNvPicPr>
+            <a:picLocks noChangeAspect="1"/>
+          </p:cNvPicPr>
+          <p:nvPr/>
+        </p:nvPicPr>
+        <p:blipFill>
+          <a:blip r:embed="rId2"/>
+          <a:stretch>
+            <a:fillRect/>
+          </a:stretch>
+        </p:blipFill>
+        <p:spPr>
+          <a:xfrm>
+            <a:off x="482600" y="2099945"/>
+            <a:ext cx="8178799" cy="2658109"/>
+          </a:xfrm>
+          <a:prstGeom prst="rect">
+            <a:avLst/>
+          </a:prstGeom>
+        </p:spPr>
+      </p:pic>
+    </p:spTree>
+    <p:extLst>
+      <p:ext uri="{BB962C8B-B14F-4D97-AF65-F5344CB8AC3E}">
+        <p14:creationId xmlns:p14="http://schemas.microsoft.com/office/powerpoint/2010/main" val="1170004478"/>
+      </p:ext>
+    </p:extLst>
+  </p:cSld>
+  <p:clrMapOvr>
+    <a:masterClrMapping/>
+  </p:clrMapOvr>
+</p:sld>
+</file>
+
+<file path=ppt/slides/slide14.xml><?xml version="1.0" encoding="utf-8"?>
+<p:sld xmlns:a="http://schemas.openxmlformats.org/drawingml/2006/main" xmlns:r="http://schemas.openxmlformats.org/officeDocument/2006/relationships" xmlns:p="http://schemas.openxmlformats.org/presentationml/2006/main">
+  <p:cSld>
+    <p:bg>
+      <p:bgPr>
+        <a:solidFill>
+          <a:schemeClr val="bg1"/>
+        </a:solidFill>
+        <a:effectLst/>
+      </p:bgPr>
+    </p:bg>
+    <p:spTree>
+      <p:nvGrpSpPr>
+        <p:cNvPr id="1" name=""/>
+        <p:cNvGrpSpPr/>
+        <p:nvPr/>
+      </p:nvGrpSpPr>
+      <p:grpSpPr>
+        <a:xfrm>
+          <a:off x="0" y="0"/>
+          <a:ext cx="0" cy="0"/>
+          <a:chOff x="0" y="0"/>
+          <a:chExt cx="0" cy="0"/>
+        </a:xfrm>
+      </p:grpSpPr>
       <p:sp useBgFill="1">
         <p:nvSpPr>
           <p:cNvPr id="8" name="Rectangle 7">
@@ -4874,7 +4943,7 @@
 </p:sld>
 </file>
 
-<file path=ppt/slides/slide14.xml><?xml version="1.0" encoding="utf-8"?>
+<file path=ppt/slides/slide15.xml><?xml version="1.0" encoding="utf-8"?>
 <p:sld xmlns:a="http://schemas.openxmlformats.org/drawingml/2006/main" xmlns:r="http://schemas.openxmlformats.org/officeDocument/2006/relationships" xmlns:p="http://schemas.openxmlformats.org/presentationml/2006/main">
   <p:cSld>
     <p:bg>
@@ -5165,7 +5234,7 @@
 </p:sld>
 </file>
 
-<file path=ppt/slides/slide15.xml><?xml version="1.0" encoding="utf-8"?>
+<file path=ppt/slides/slide16.xml><?xml version="1.0" encoding="utf-8"?>
 <p:sld xmlns:a="http://schemas.openxmlformats.org/drawingml/2006/main" xmlns:r="http://schemas.openxmlformats.org/officeDocument/2006/relationships" xmlns:p="http://schemas.openxmlformats.org/presentationml/2006/main">
   <p:cSld>
     <p:bg>
@@ -5359,7 +5428,7 @@
 </p:sld>
 </file>
 
-<file path=ppt/slides/slide16.xml><?xml version="1.0" encoding="utf-8"?>
+<file path=ppt/slides/slide17.xml><?xml version="1.0" encoding="utf-8"?>
 <p:sld xmlns:a="http://schemas.openxmlformats.org/drawingml/2006/main" xmlns:r="http://schemas.openxmlformats.org/officeDocument/2006/relationships" xmlns:p="http://schemas.openxmlformats.org/presentationml/2006/main">
   <p:cSld>
     <p:bg>
@@ -5752,7 +5821,7 @@
 </p:sld>
 </file>
 
-<file path=ppt/slides/slide17.xml><?xml version="1.0" encoding="utf-8"?>
+<file path=ppt/slides/slide18.xml><?xml version="1.0" encoding="utf-8"?>
 <p:sld xmlns:a="http://schemas.openxmlformats.org/drawingml/2006/main" xmlns:r="http://schemas.openxmlformats.org/officeDocument/2006/relationships" xmlns:p="http://schemas.openxmlformats.org/presentationml/2006/main">
   <p:cSld>
     <p:bg>
@@ -5946,7 +6015,7 @@
 </p:sld>
 </file>
 
-<file path=ppt/slides/slide18.xml><?xml version="1.0" encoding="utf-8"?>
+<file path=ppt/slides/slide19.xml><?xml version="1.0" encoding="utf-8"?>
 <p:sld xmlns:a="http://schemas.openxmlformats.org/drawingml/2006/main" xmlns:r="http://schemas.openxmlformats.org/officeDocument/2006/relationships" xmlns:p="http://schemas.openxmlformats.org/presentationml/2006/main">
   <p:cSld>
     <p:bg>
@@ -6012,525 +6081,6 @@
   </p:cSld>
   <p:clrMapOvr>
     <a:overrideClrMapping bg1="dk1" tx1="lt1" bg2="dk2" tx2="lt2" accent1="accent1" accent2="accent2" accent3="accent3" accent4="accent4" accent5="accent5" accent6="accent6" hlink="hlink" folHlink="folHlink"/>
-  </p:clrMapOvr>
-</p:sld>
-</file>
-
-<file path=ppt/slides/slide19.xml><?xml version="1.0" encoding="utf-8"?>
-<p:sld xmlns:a="http://schemas.openxmlformats.org/drawingml/2006/main" xmlns:r="http://schemas.openxmlformats.org/officeDocument/2006/relationships" xmlns:p="http://schemas.openxmlformats.org/presentationml/2006/main">
-  <p:cSld>
-    <p:bg>
-      <p:bgPr>
-        <a:solidFill>
-          <a:schemeClr val="bg1"/>
-        </a:solidFill>
-        <a:effectLst/>
-      </p:bgPr>
-    </p:bg>
-    <p:spTree>
-      <p:nvGrpSpPr>
-        <p:cNvPr id="1" name=""/>
-        <p:cNvGrpSpPr/>
-        <p:nvPr/>
-      </p:nvGrpSpPr>
-      <p:grpSpPr>
-        <a:xfrm>
-          <a:off x="0" y="0"/>
-          <a:ext cx="0" cy="0"/>
-          <a:chOff x="0" y="0"/>
-          <a:chExt cx="0" cy="0"/>
-        </a:xfrm>
-      </p:grpSpPr>
-      <p:sp useBgFill="1">
-        <p:nvSpPr>
-          <p:cNvPr id="16" name="Rectangle 15">
-            <a:extLst>
-              <a:ext uri="{FF2B5EF4-FFF2-40B4-BE49-F238E27FC236}">
-                <a16:creationId xmlns:a16="http://schemas.microsoft.com/office/drawing/2014/main" id="{12E8CD4E-6381-4807-AA5B-CE0024A8BE19}"/>
-              </a:ext>
-              <a:ext uri="{C183D7F6-B498-43B3-948B-1728B52AA6E4}">
-                <adec:decorative xmlns:adec="http://schemas.microsoft.com/office/drawing/2017/decorative" val="1"/>
-              </a:ext>
-            </a:extLst>
-          </p:cNvPr>
-          <p:cNvSpPr>
-            <a:spLocks noGrp="1" noRot="1" noChangeAspect="1" noMove="1" noResize="1" noEditPoints="1" noAdjustHandles="1" noChangeArrowheads="1" noChangeShapeType="1" noTextEdit="1"/>
-          </p:cNvSpPr>
-          <p:nvPr>
-            <p:extLst>
-              <p:ext uri="{386F3935-93C4-4BCD-93E2-E3B085C9AB24}">
-                <p16:designElem xmlns:p16="http://schemas.microsoft.com/office/powerpoint/2015/main" val="1"/>
-              </p:ext>
-            </p:extLst>
-          </p:nvPr>
-        </p:nvSpPr>
-        <p:spPr>
-          <a:xfrm>
-            <a:off x="0" y="0"/>
-            <a:ext cx="9144000" cy="6858000"/>
-          </a:xfrm>
-          <a:prstGeom prst="rect">
-            <a:avLst/>
-          </a:prstGeom>
-          <a:ln>
-            <a:noFill/>
-          </a:ln>
-        </p:spPr>
-        <p:style>
-          <a:lnRef idx="2">
-            <a:schemeClr val="accent1">
-              <a:shade val="50000"/>
-            </a:schemeClr>
-          </a:lnRef>
-          <a:fillRef idx="1">
-            <a:schemeClr val="accent1"/>
-          </a:fillRef>
-          <a:effectRef idx="0">
-            <a:schemeClr val="accent1"/>
-          </a:effectRef>
-          <a:fontRef idx="minor">
-            <a:schemeClr val="lt1"/>
-          </a:fontRef>
-        </p:style>
-        <p:txBody>
-          <a:bodyPr rtlCol="0" anchor="ctr"/>
-          <a:lstStyle/>
-          <a:p>
-            <a:pPr marL="0" marR="0" lvl="0" indent="0" algn="ctr" defTabSz="457200" rtl="0" eaLnBrk="1" fontAlgn="auto" latinLnBrk="0" hangingPunct="1">
-              <a:lnSpc>
-                <a:spcPct val="100000"/>
-              </a:lnSpc>
-              <a:spcBef>
-                <a:spcPts val="0"/>
-              </a:spcBef>
-              <a:spcAft>
-                <a:spcPts val="0"/>
-              </a:spcAft>
-              <a:buClrTx/>
-              <a:buSzTx/>
-              <a:buFontTx/>
-              <a:buNone/>
-              <a:tabLst/>
-              <a:defRPr/>
-            </a:pPr>
-            <a:endParaRPr kumimoji="0" lang="en-US" sz="1800" b="0" i="0" u="none" strike="noStrike" kern="1200" cap="none" spc="0" normalizeH="0" baseline="0" noProof="0">
-              <a:ln>
-                <a:noFill/>
-              </a:ln>
-              <a:solidFill>
-                <a:prstClr val="white"/>
-              </a:solidFill>
-              <a:effectLst/>
-              <a:uLnTx/>
-              <a:uFillTx/>
-              <a:latin typeface="Gill Sans MT" panose="020B0502020104020203"/>
-              <a:ea typeface="+mn-ea"/>
-              <a:cs typeface="+mn-cs"/>
-            </a:endParaRPr>
-          </a:p>
-        </p:txBody>
-      </p:sp>
-      <p:sp>
-        <p:nvSpPr>
-          <p:cNvPr id="18" name="Rectangle 17">
-            <a:extLst>
-              <a:ext uri="{FF2B5EF4-FFF2-40B4-BE49-F238E27FC236}">
-                <a16:creationId xmlns:a16="http://schemas.microsoft.com/office/drawing/2014/main" id="{7C6A4DDC-3049-4FEA-B9FF-CBCF8B277BBF}"/>
-              </a:ext>
-              <a:ext uri="{C183D7F6-B498-43B3-948B-1728B52AA6E4}">
-                <adec:decorative xmlns:adec="http://schemas.microsoft.com/office/drawing/2017/decorative" val="1"/>
-              </a:ext>
-            </a:extLst>
-          </p:cNvPr>
-          <p:cNvSpPr>
-            <a:spLocks noGrp="1" noRot="1" noChangeAspect="1" noMove="1" noResize="1" noEditPoints="1" noAdjustHandles="1" noChangeArrowheads="1" noChangeShapeType="1" noTextEdit="1"/>
-          </p:cNvSpPr>
-          <p:nvPr>
-            <p:extLst>
-              <p:ext uri="{386F3935-93C4-4BCD-93E2-E3B085C9AB24}">
-                <p16:designElem xmlns:p16="http://schemas.microsoft.com/office/powerpoint/2015/main" val="1"/>
-              </p:ext>
-            </p:extLst>
-          </p:nvPr>
-        </p:nvSpPr>
-        <p:spPr>
-          <a:xfrm>
-            <a:off x="341631" y="548417"/>
-            <a:ext cx="5618369" cy="5761165"/>
-          </a:xfrm>
-          <a:prstGeom prst="rect">
-            <a:avLst/>
-          </a:prstGeom>
-          <a:noFill/>
-          <a:ln>
-            <a:solidFill>
-              <a:schemeClr val="tx1"/>
-            </a:solidFill>
-          </a:ln>
-        </p:spPr>
-        <p:style>
-          <a:lnRef idx="2">
-            <a:schemeClr val="accent1">
-              <a:shade val="50000"/>
-            </a:schemeClr>
-          </a:lnRef>
-          <a:fillRef idx="1">
-            <a:schemeClr val="accent1"/>
-          </a:fillRef>
-          <a:effectRef idx="0">
-            <a:schemeClr val="accent1"/>
-          </a:effectRef>
-          <a:fontRef idx="minor">
-            <a:schemeClr val="lt1"/>
-          </a:fontRef>
-        </p:style>
-        <p:txBody>
-          <a:bodyPr rtlCol="0" anchor="ctr"/>
-          <a:lstStyle/>
-          <a:p>
-            <a:pPr algn="ctr"/>
-            <a:endParaRPr lang="en-US">
-              <a:solidFill>
-                <a:prstClr val="white"/>
-              </a:solidFill>
-              <a:latin typeface="Gill Sans MT" panose="020B0502020104020203"/>
-            </a:endParaRPr>
-          </a:p>
-        </p:txBody>
-      </p:sp>
-      <p:pic>
-        <p:nvPicPr>
-          <p:cNvPr id="3" name="Image 2">
-            <a:extLst>
-              <a:ext uri="{FF2B5EF4-FFF2-40B4-BE49-F238E27FC236}">
-                <a16:creationId xmlns:a16="http://schemas.microsoft.com/office/drawing/2014/main" id="{9F7C5AD4-4049-4030-A895-E4DA0C84B0AF}"/>
-              </a:ext>
-            </a:extLst>
-          </p:cNvPr>
-          <p:cNvPicPr>
-            <a:picLocks noChangeAspect="1"/>
-          </p:cNvPicPr>
-          <p:nvPr/>
-        </p:nvPicPr>
-        <p:blipFill>
-          <a:blip r:embed="rId2"/>
-          <a:stretch>
-            <a:fillRect/>
-          </a:stretch>
-        </p:blipFill>
-        <p:spPr>
-          <a:xfrm>
-            <a:off x="860813" y="1031016"/>
-            <a:ext cx="4577605" cy="4817049"/>
-          </a:xfrm>
-          <a:prstGeom prst="rect">
-            <a:avLst/>
-          </a:prstGeom>
-        </p:spPr>
-      </p:pic>
-      <p:sp>
-        <p:nvSpPr>
-          <p:cNvPr id="20" name="Rectangle 19">
-            <a:extLst>
-              <a:ext uri="{FF2B5EF4-FFF2-40B4-BE49-F238E27FC236}">
-                <a16:creationId xmlns:a16="http://schemas.microsoft.com/office/drawing/2014/main" id="{87BCB2CF-F2CE-43B5-93CB-386479577889}"/>
-              </a:ext>
-              <a:ext uri="{C183D7F6-B498-43B3-948B-1728B52AA6E4}">
-                <adec:decorative xmlns:adec="http://schemas.microsoft.com/office/drawing/2017/decorative" val="1"/>
-              </a:ext>
-            </a:extLst>
-          </p:cNvPr>
-          <p:cNvSpPr>
-            <a:spLocks noGrp="1" noRot="1" noChangeAspect="1" noMove="1" noResize="1" noEditPoints="1" noAdjustHandles="1" noChangeArrowheads="1" noChangeShapeType="1" noTextEdit="1"/>
-          </p:cNvSpPr>
-          <p:nvPr>
-            <p:extLst>
-              <p:ext uri="{386F3935-93C4-4BCD-93E2-E3B085C9AB24}">
-                <p16:designElem xmlns:p16="http://schemas.microsoft.com/office/powerpoint/2015/main" val="1"/>
-              </p:ext>
-            </p:extLst>
-          </p:nvPr>
-        </p:nvSpPr>
-        <p:spPr>
-          <a:xfrm>
-            <a:off x="6030780" y="548418"/>
-            <a:ext cx="2778319" cy="1868310"/>
-          </a:xfrm>
-          <a:prstGeom prst="rect">
-            <a:avLst/>
-          </a:prstGeom>
-          <a:noFill/>
-          <a:ln>
-            <a:solidFill>
-              <a:schemeClr val="tx1"/>
-            </a:solidFill>
-          </a:ln>
-        </p:spPr>
-        <p:style>
-          <a:lnRef idx="2">
-            <a:schemeClr val="accent1">
-              <a:shade val="50000"/>
-            </a:schemeClr>
-          </a:lnRef>
-          <a:fillRef idx="1">
-            <a:schemeClr val="accent1"/>
-          </a:fillRef>
-          <a:effectRef idx="0">
-            <a:schemeClr val="accent1"/>
-          </a:effectRef>
-          <a:fontRef idx="minor">
-            <a:schemeClr val="lt1"/>
-          </a:fontRef>
-        </p:style>
-        <p:txBody>
-          <a:bodyPr rtlCol="0" anchor="ctr"/>
-          <a:lstStyle/>
-          <a:p>
-            <a:pPr algn="ctr"/>
-            <a:endParaRPr lang="en-US">
-              <a:solidFill>
-                <a:prstClr val="white"/>
-              </a:solidFill>
-              <a:latin typeface="Gill Sans MT" panose="020B0502020104020203"/>
-            </a:endParaRPr>
-          </a:p>
-        </p:txBody>
-      </p:sp>
-      <p:pic>
-        <p:nvPicPr>
-          <p:cNvPr id="5" name="Image 4">
-            <a:extLst>
-              <a:ext uri="{FF2B5EF4-FFF2-40B4-BE49-F238E27FC236}">
-                <a16:creationId xmlns:a16="http://schemas.microsoft.com/office/drawing/2014/main" id="{A33526B9-5182-4459-9511-011276C18C10}"/>
-              </a:ext>
-            </a:extLst>
-          </p:cNvPr>
-          <p:cNvPicPr>
-            <a:picLocks noChangeAspect="1"/>
-          </p:cNvPicPr>
-          <p:nvPr/>
-        </p:nvPicPr>
-        <p:blipFill>
-          <a:blip r:embed="rId3"/>
-          <a:stretch>
-            <a:fillRect/>
-          </a:stretch>
-        </p:blipFill>
-        <p:spPr>
-          <a:xfrm>
-            <a:off x="6151426" y="743797"/>
-            <a:ext cx="2529629" cy="1477550"/>
-          </a:xfrm>
-          <a:prstGeom prst="rect">
-            <a:avLst/>
-          </a:prstGeom>
-        </p:spPr>
-      </p:pic>
-      <p:pic>
-        <p:nvPicPr>
-          <p:cNvPr id="11" name="Image 10">
-            <a:extLst>
-              <a:ext uri="{FF2B5EF4-FFF2-40B4-BE49-F238E27FC236}">
-                <a16:creationId xmlns:a16="http://schemas.microsoft.com/office/drawing/2014/main" id="{96C5B8B8-591B-4B80-92F1-D4D5B706BEFC}"/>
-              </a:ext>
-            </a:extLst>
-          </p:cNvPr>
-          <p:cNvPicPr>
-            <a:picLocks noChangeAspect="1"/>
-          </p:cNvPicPr>
-          <p:nvPr/>
-        </p:nvPicPr>
-        <p:blipFill>
-          <a:blip r:embed="rId4"/>
-          <a:stretch>
-            <a:fillRect/>
-          </a:stretch>
-        </p:blipFill>
-        <p:spPr>
-          <a:xfrm>
-            <a:off x="6151426" y="2841247"/>
-            <a:ext cx="2529629" cy="1205641"/>
-          </a:xfrm>
-          <a:prstGeom prst="rect">
-            <a:avLst/>
-          </a:prstGeom>
-        </p:spPr>
-      </p:pic>
-      <p:sp>
-        <p:nvSpPr>
-          <p:cNvPr id="22" name="Rectangle 21">
-            <a:extLst>
-              <a:ext uri="{FF2B5EF4-FFF2-40B4-BE49-F238E27FC236}">
-                <a16:creationId xmlns:a16="http://schemas.microsoft.com/office/drawing/2014/main" id="{2C68A941-4039-4496-9008-274182DFFEDF}"/>
-              </a:ext>
-              <a:ext uri="{C183D7F6-B498-43B3-948B-1728B52AA6E4}">
-                <adec:decorative xmlns:adec="http://schemas.microsoft.com/office/drawing/2017/decorative" val="1"/>
-              </a:ext>
-            </a:extLst>
-          </p:cNvPr>
-          <p:cNvSpPr>
-            <a:spLocks noGrp="1" noRot="1" noChangeAspect="1" noMove="1" noResize="1" noEditPoints="1" noAdjustHandles="1" noChangeArrowheads="1" noChangeShapeType="1" noTextEdit="1"/>
-          </p:cNvSpPr>
-          <p:nvPr>
-            <p:extLst>
-              <p:ext uri="{386F3935-93C4-4BCD-93E2-E3B085C9AB24}">
-                <p16:designElem xmlns:p16="http://schemas.microsoft.com/office/powerpoint/2015/main" val="1"/>
-              </p:ext>
-            </p:extLst>
-          </p:nvPr>
-        </p:nvSpPr>
-        <p:spPr>
-          <a:xfrm>
-            <a:off x="6030780" y="2529926"/>
-            <a:ext cx="2778319" cy="1827656"/>
-          </a:xfrm>
-          <a:prstGeom prst="rect">
-            <a:avLst/>
-          </a:prstGeom>
-          <a:noFill/>
-          <a:ln>
-            <a:solidFill>
-              <a:schemeClr val="tx1"/>
-            </a:solidFill>
-          </a:ln>
-        </p:spPr>
-        <p:style>
-          <a:lnRef idx="2">
-            <a:schemeClr val="accent1">
-              <a:shade val="50000"/>
-            </a:schemeClr>
-          </a:lnRef>
-          <a:fillRef idx="1">
-            <a:schemeClr val="accent1"/>
-          </a:fillRef>
-          <a:effectRef idx="0">
-            <a:schemeClr val="accent1"/>
-          </a:effectRef>
-          <a:fontRef idx="minor">
-            <a:schemeClr val="lt1"/>
-          </a:fontRef>
-        </p:style>
-        <p:txBody>
-          <a:bodyPr rtlCol="0" anchor="ctr"/>
-          <a:lstStyle/>
-          <a:p>
-            <a:pPr algn="ctr"/>
-            <a:endParaRPr lang="en-US">
-              <a:solidFill>
-                <a:prstClr val="white"/>
-              </a:solidFill>
-              <a:latin typeface="Gill Sans MT" panose="020B0502020104020203"/>
-            </a:endParaRPr>
-          </a:p>
-        </p:txBody>
-      </p:sp>
-      <p:pic>
-        <p:nvPicPr>
-          <p:cNvPr id="9" name="Image 8">
-            <a:extLst>
-              <a:ext uri="{FF2B5EF4-FFF2-40B4-BE49-F238E27FC236}">
-                <a16:creationId xmlns:a16="http://schemas.microsoft.com/office/drawing/2014/main" id="{317AB17D-B14D-48C0-85C0-5435208D94A3}"/>
-              </a:ext>
-            </a:extLst>
-          </p:cNvPr>
-          <p:cNvPicPr>
-            <a:picLocks noChangeAspect="1"/>
-          </p:cNvPicPr>
-          <p:nvPr/>
-        </p:nvPicPr>
-        <p:blipFill>
-          <a:blip r:embed="rId5"/>
-          <a:stretch>
-            <a:fillRect/>
-          </a:stretch>
-        </p:blipFill>
-        <p:spPr>
-          <a:xfrm>
-            <a:off x="6426053" y="4606119"/>
-            <a:ext cx="1980373" cy="1554293"/>
-          </a:xfrm>
-          <a:prstGeom prst="rect">
-            <a:avLst/>
-          </a:prstGeom>
-        </p:spPr>
-      </p:pic>
-      <p:sp>
-        <p:nvSpPr>
-          <p:cNvPr id="24" name="Rectangle 23">
-            <a:extLst>
-              <a:ext uri="{FF2B5EF4-FFF2-40B4-BE49-F238E27FC236}">
-                <a16:creationId xmlns:a16="http://schemas.microsoft.com/office/drawing/2014/main" id="{878B897E-FBB2-4D71-AA1C-3C4DA4A264C9}"/>
-              </a:ext>
-              <a:ext uri="{C183D7F6-B498-43B3-948B-1728B52AA6E4}">
-                <adec:decorative xmlns:adec="http://schemas.microsoft.com/office/drawing/2017/decorative" val="1"/>
-              </a:ext>
-            </a:extLst>
-          </p:cNvPr>
-          <p:cNvSpPr>
-            <a:spLocks noGrp="1" noRot="1" noChangeAspect="1" noMove="1" noResize="1" noEditPoints="1" noAdjustHandles="1" noChangeArrowheads="1" noChangeShapeType="1" noTextEdit="1"/>
-          </p:cNvSpPr>
-          <p:nvPr>
-            <p:extLst>
-              <p:ext uri="{386F3935-93C4-4BCD-93E2-E3B085C9AB24}">
-                <p16:designElem xmlns:p16="http://schemas.microsoft.com/office/powerpoint/2015/main" val="1"/>
-              </p:ext>
-            </p:extLst>
-          </p:nvPr>
-        </p:nvSpPr>
-        <p:spPr>
-          <a:xfrm>
-            <a:off x="6040660" y="4441273"/>
-            <a:ext cx="2778319" cy="1868310"/>
-          </a:xfrm>
-          <a:prstGeom prst="rect">
-            <a:avLst/>
-          </a:prstGeom>
-          <a:noFill/>
-          <a:ln>
-            <a:solidFill>
-              <a:schemeClr val="tx1"/>
-            </a:solidFill>
-          </a:ln>
-        </p:spPr>
-        <p:style>
-          <a:lnRef idx="2">
-            <a:schemeClr val="accent1">
-              <a:shade val="50000"/>
-            </a:schemeClr>
-          </a:lnRef>
-          <a:fillRef idx="1">
-            <a:schemeClr val="accent1"/>
-          </a:fillRef>
-          <a:effectRef idx="0">
-            <a:schemeClr val="accent1"/>
-          </a:effectRef>
-          <a:fontRef idx="minor">
-            <a:schemeClr val="lt1"/>
-          </a:fontRef>
-        </p:style>
-        <p:txBody>
-          <a:bodyPr rtlCol="0" anchor="ctr"/>
-          <a:lstStyle/>
-          <a:p>
-            <a:pPr algn="ctr"/>
-            <a:endParaRPr lang="en-US">
-              <a:solidFill>
-                <a:prstClr val="white"/>
-              </a:solidFill>
-              <a:latin typeface="Gill Sans MT" panose="020B0502020104020203"/>
-            </a:endParaRPr>
-          </a:p>
-        </p:txBody>
-      </p:sp>
-    </p:spTree>
-    <p:extLst>
-      <p:ext uri="{BB962C8B-B14F-4D97-AF65-F5344CB8AC3E}">
-        <p14:creationId xmlns:p14="http://schemas.microsoft.com/office/powerpoint/2010/main" val="3446022038"/>
-      </p:ext>
-    </p:extLst>
-  </p:cSld>
-  <p:clrMapOvr>
-    <a:masterClrMapping/>
   </p:clrMapOvr>
 </p:sld>
 </file>
@@ -6984,6 +6534,525 @@
           <a:chExt cx="0" cy="0"/>
         </a:xfrm>
       </p:grpSpPr>
+      <p:sp useBgFill="1">
+        <p:nvSpPr>
+          <p:cNvPr id="16" name="Rectangle 15">
+            <a:extLst>
+              <a:ext uri="{FF2B5EF4-FFF2-40B4-BE49-F238E27FC236}">
+                <a16:creationId xmlns:a16="http://schemas.microsoft.com/office/drawing/2014/main" id="{12E8CD4E-6381-4807-AA5B-CE0024A8BE19}"/>
+              </a:ext>
+              <a:ext uri="{C183D7F6-B498-43B3-948B-1728B52AA6E4}">
+                <adec:decorative xmlns:adec="http://schemas.microsoft.com/office/drawing/2017/decorative" val="1"/>
+              </a:ext>
+            </a:extLst>
+          </p:cNvPr>
+          <p:cNvSpPr>
+            <a:spLocks noGrp="1" noRot="1" noChangeAspect="1" noMove="1" noResize="1" noEditPoints="1" noAdjustHandles="1" noChangeArrowheads="1" noChangeShapeType="1" noTextEdit="1"/>
+          </p:cNvSpPr>
+          <p:nvPr>
+            <p:extLst>
+              <p:ext uri="{386F3935-93C4-4BCD-93E2-E3B085C9AB24}">
+                <p16:designElem xmlns:p16="http://schemas.microsoft.com/office/powerpoint/2015/main" val="1"/>
+              </p:ext>
+            </p:extLst>
+          </p:nvPr>
+        </p:nvSpPr>
+        <p:spPr>
+          <a:xfrm>
+            <a:off x="0" y="0"/>
+            <a:ext cx="9144000" cy="6858000"/>
+          </a:xfrm>
+          <a:prstGeom prst="rect">
+            <a:avLst/>
+          </a:prstGeom>
+          <a:ln>
+            <a:noFill/>
+          </a:ln>
+        </p:spPr>
+        <p:style>
+          <a:lnRef idx="2">
+            <a:schemeClr val="accent1">
+              <a:shade val="50000"/>
+            </a:schemeClr>
+          </a:lnRef>
+          <a:fillRef idx="1">
+            <a:schemeClr val="accent1"/>
+          </a:fillRef>
+          <a:effectRef idx="0">
+            <a:schemeClr val="accent1"/>
+          </a:effectRef>
+          <a:fontRef idx="minor">
+            <a:schemeClr val="lt1"/>
+          </a:fontRef>
+        </p:style>
+        <p:txBody>
+          <a:bodyPr rtlCol="0" anchor="ctr"/>
+          <a:lstStyle/>
+          <a:p>
+            <a:pPr marL="0" marR="0" lvl="0" indent="0" algn="ctr" defTabSz="457200" rtl="0" eaLnBrk="1" fontAlgn="auto" latinLnBrk="0" hangingPunct="1">
+              <a:lnSpc>
+                <a:spcPct val="100000"/>
+              </a:lnSpc>
+              <a:spcBef>
+                <a:spcPts val="0"/>
+              </a:spcBef>
+              <a:spcAft>
+                <a:spcPts val="0"/>
+              </a:spcAft>
+              <a:buClrTx/>
+              <a:buSzTx/>
+              <a:buFontTx/>
+              <a:buNone/>
+              <a:tabLst/>
+              <a:defRPr/>
+            </a:pPr>
+            <a:endParaRPr kumimoji="0" lang="en-US" sz="1800" b="0" i="0" u="none" strike="noStrike" kern="1200" cap="none" spc="0" normalizeH="0" baseline="0" noProof="0">
+              <a:ln>
+                <a:noFill/>
+              </a:ln>
+              <a:solidFill>
+                <a:prstClr val="white"/>
+              </a:solidFill>
+              <a:effectLst/>
+              <a:uLnTx/>
+              <a:uFillTx/>
+              <a:latin typeface="Gill Sans MT" panose="020B0502020104020203"/>
+              <a:ea typeface="+mn-ea"/>
+              <a:cs typeface="+mn-cs"/>
+            </a:endParaRPr>
+          </a:p>
+        </p:txBody>
+      </p:sp>
+      <p:sp>
+        <p:nvSpPr>
+          <p:cNvPr id="18" name="Rectangle 17">
+            <a:extLst>
+              <a:ext uri="{FF2B5EF4-FFF2-40B4-BE49-F238E27FC236}">
+                <a16:creationId xmlns:a16="http://schemas.microsoft.com/office/drawing/2014/main" id="{7C6A4DDC-3049-4FEA-B9FF-CBCF8B277BBF}"/>
+              </a:ext>
+              <a:ext uri="{C183D7F6-B498-43B3-948B-1728B52AA6E4}">
+                <adec:decorative xmlns:adec="http://schemas.microsoft.com/office/drawing/2017/decorative" val="1"/>
+              </a:ext>
+            </a:extLst>
+          </p:cNvPr>
+          <p:cNvSpPr>
+            <a:spLocks noGrp="1" noRot="1" noChangeAspect="1" noMove="1" noResize="1" noEditPoints="1" noAdjustHandles="1" noChangeArrowheads="1" noChangeShapeType="1" noTextEdit="1"/>
+          </p:cNvSpPr>
+          <p:nvPr>
+            <p:extLst>
+              <p:ext uri="{386F3935-93C4-4BCD-93E2-E3B085C9AB24}">
+                <p16:designElem xmlns:p16="http://schemas.microsoft.com/office/powerpoint/2015/main" val="1"/>
+              </p:ext>
+            </p:extLst>
+          </p:nvPr>
+        </p:nvSpPr>
+        <p:spPr>
+          <a:xfrm>
+            <a:off x="341631" y="548417"/>
+            <a:ext cx="5618369" cy="5761165"/>
+          </a:xfrm>
+          <a:prstGeom prst="rect">
+            <a:avLst/>
+          </a:prstGeom>
+          <a:noFill/>
+          <a:ln>
+            <a:solidFill>
+              <a:schemeClr val="tx1"/>
+            </a:solidFill>
+          </a:ln>
+        </p:spPr>
+        <p:style>
+          <a:lnRef idx="2">
+            <a:schemeClr val="accent1">
+              <a:shade val="50000"/>
+            </a:schemeClr>
+          </a:lnRef>
+          <a:fillRef idx="1">
+            <a:schemeClr val="accent1"/>
+          </a:fillRef>
+          <a:effectRef idx="0">
+            <a:schemeClr val="accent1"/>
+          </a:effectRef>
+          <a:fontRef idx="minor">
+            <a:schemeClr val="lt1"/>
+          </a:fontRef>
+        </p:style>
+        <p:txBody>
+          <a:bodyPr rtlCol="0" anchor="ctr"/>
+          <a:lstStyle/>
+          <a:p>
+            <a:pPr algn="ctr"/>
+            <a:endParaRPr lang="en-US">
+              <a:solidFill>
+                <a:prstClr val="white"/>
+              </a:solidFill>
+              <a:latin typeface="Gill Sans MT" panose="020B0502020104020203"/>
+            </a:endParaRPr>
+          </a:p>
+        </p:txBody>
+      </p:sp>
+      <p:pic>
+        <p:nvPicPr>
+          <p:cNvPr id="3" name="Image 2">
+            <a:extLst>
+              <a:ext uri="{FF2B5EF4-FFF2-40B4-BE49-F238E27FC236}">
+                <a16:creationId xmlns:a16="http://schemas.microsoft.com/office/drawing/2014/main" id="{9F7C5AD4-4049-4030-A895-E4DA0C84B0AF}"/>
+              </a:ext>
+            </a:extLst>
+          </p:cNvPr>
+          <p:cNvPicPr>
+            <a:picLocks noChangeAspect="1"/>
+          </p:cNvPicPr>
+          <p:nvPr/>
+        </p:nvPicPr>
+        <p:blipFill>
+          <a:blip r:embed="rId2"/>
+          <a:stretch>
+            <a:fillRect/>
+          </a:stretch>
+        </p:blipFill>
+        <p:spPr>
+          <a:xfrm>
+            <a:off x="860813" y="1031016"/>
+            <a:ext cx="4577605" cy="4817049"/>
+          </a:xfrm>
+          <a:prstGeom prst="rect">
+            <a:avLst/>
+          </a:prstGeom>
+        </p:spPr>
+      </p:pic>
+      <p:sp>
+        <p:nvSpPr>
+          <p:cNvPr id="20" name="Rectangle 19">
+            <a:extLst>
+              <a:ext uri="{FF2B5EF4-FFF2-40B4-BE49-F238E27FC236}">
+                <a16:creationId xmlns:a16="http://schemas.microsoft.com/office/drawing/2014/main" id="{87BCB2CF-F2CE-43B5-93CB-386479577889}"/>
+              </a:ext>
+              <a:ext uri="{C183D7F6-B498-43B3-948B-1728B52AA6E4}">
+                <adec:decorative xmlns:adec="http://schemas.microsoft.com/office/drawing/2017/decorative" val="1"/>
+              </a:ext>
+            </a:extLst>
+          </p:cNvPr>
+          <p:cNvSpPr>
+            <a:spLocks noGrp="1" noRot="1" noChangeAspect="1" noMove="1" noResize="1" noEditPoints="1" noAdjustHandles="1" noChangeArrowheads="1" noChangeShapeType="1" noTextEdit="1"/>
+          </p:cNvSpPr>
+          <p:nvPr>
+            <p:extLst>
+              <p:ext uri="{386F3935-93C4-4BCD-93E2-E3B085C9AB24}">
+                <p16:designElem xmlns:p16="http://schemas.microsoft.com/office/powerpoint/2015/main" val="1"/>
+              </p:ext>
+            </p:extLst>
+          </p:nvPr>
+        </p:nvSpPr>
+        <p:spPr>
+          <a:xfrm>
+            <a:off x="6030780" y="548418"/>
+            <a:ext cx="2778319" cy="1868310"/>
+          </a:xfrm>
+          <a:prstGeom prst="rect">
+            <a:avLst/>
+          </a:prstGeom>
+          <a:noFill/>
+          <a:ln>
+            <a:solidFill>
+              <a:schemeClr val="tx1"/>
+            </a:solidFill>
+          </a:ln>
+        </p:spPr>
+        <p:style>
+          <a:lnRef idx="2">
+            <a:schemeClr val="accent1">
+              <a:shade val="50000"/>
+            </a:schemeClr>
+          </a:lnRef>
+          <a:fillRef idx="1">
+            <a:schemeClr val="accent1"/>
+          </a:fillRef>
+          <a:effectRef idx="0">
+            <a:schemeClr val="accent1"/>
+          </a:effectRef>
+          <a:fontRef idx="minor">
+            <a:schemeClr val="lt1"/>
+          </a:fontRef>
+        </p:style>
+        <p:txBody>
+          <a:bodyPr rtlCol="0" anchor="ctr"/>
+          <a:lstStyle/>
+          <a:p>
+            <a:pPr algn="ctr"/>
+            <a:endParaRPr lang="en-US">
+              <a:solidFill>
+                <a:prstClr val="white"/>
+              </a:solidFill>
+              <a:latin typeface="Gill Sans MT" panose="020B0502020104020203"/>
+            </a:endParaRPr>
+          </a:p>
+        </p:txBody>
+      </p:sp>
+      <p:pic>
+        <p:nvPicPr>
+          <p:cNvPr id="5" name="Image 4">
+            <a:extLst>
+              <a:ext uri="{FF2B5EF4-FFF2-40B4-BE49-F238E27FC236}">
+                <a16:creationId xmlns:a16="http://schemas.microsoft.com/office/drawing/2014/main" id="{A33526B9-5182-4459-9511-011276C18C10}"/>
+              </a:ext>
+            </a:extLst>
+          </p:cNvPr>
+          <p:cNvPicPr>
+            <a:picLocks noChangeAspect="1"/>
+          </p:cNvPicPr>
+          <p:nvPr/>
+        </p:nvPicPr>
+        <p:blipFill>
+          <a:blip r:embed="rId3"/>
+          <a:stretch>
+            <a:fillRect/>
+          </a:stretch>
+        </p:blipFill>
+        <p:spPr>
+          <a:xfrm>
+            <a:off x="6151426" y="743797"/>
+            <a:ext cx="2529629" cy="1477550"/>
+          </a:xfrm>
+          <a:prstGeom prst="rect">
+            <a:avLst/>
+          </a:prstGeom>
+        </p:spPr>
+      </p:pic>
+      <p:pic>
+        <p:nvPicPr>
+          <p:cNvPr id="11" name="Image 10">
+            <a:extLst>
+              <a:ext uri="{FF2B5EF4-FFF2-40B4-BE49-F238E27FC236}">
+                <a16:creationId xmlns:a16="http://schemas.microsoft.com/office/drawing/2014/main" id="{96C5B8B8-591B-4B80-92F1-D4D5B706BEFC}"/>
+              </a:ext>
+            </a:extLst>
+          </p:cNvPr>
+          <p:cNvPicPr>
+            <a:picLocks noChangeAspect="1"/>
+          </p:cNvPicPr>
+          <p:nvPr/>
+        </p:nvPicPr>
+        <p:blipFill>
+          <a:blip r:embed="rId4"/>
+          <a:stretch>
+            <a:fillRect/>
+          </a:stretch>
+        </p:blipFill>
+        <p:spPr>
+          <a:xfrm>
+            <a:off x="6151426" y="2841247"/>
+            <a:ext cx="2529629" cy="1205641"/>
+          </a:xfrm>
+          <a:prstGeom prst="rect">
+            <a:avLst/>
+          </a:prstGeom>
+        </p:spPr>
+      </p:pic>
+      <p:sp>
+        <p:nvSpPr>
+          <p:cNvPr id="22" name="Rectangle 21">
+            <a:extLst>
+              <a:ext uri="{FF2B5EF4-FFF2-40B4-BE49-F238E27FC236}">
+                <a16:creationId xmlns:a16="http://schemas.microsoft.com/office/drawing/2014/main" id="{2C68A941-4039-4496-9008-274182DFFEDF}"/>
+              </a:ext>
+              <a:ext uri="{C183D7F6-B498-43B3-948B-1728B52AA6E4}">
+                <adec:decorative xmlns:adec="http://schemas.microsoft.com/office/drawing/2017/decorative" val="1"/>
+              </a:ext>
+            </a:extLst>
+          </p:cNvPr>
+          <p:cNvSpPr>
+            <a:spLocks noGrp="1" noRot="1" noChangeAspect="1" noMove="1" noResize="1" noEditPoints="1" noAdjustHandles="1" noChangeArrowheads="1" noChangeShapeType="1" noTextEdit="1"/>
+          </p:cNvSpPr>
+          <p:nvPr>
+            <p:extLst>
+              <p:ext uri="{386F3935-93C4-4BCD-93E2-E3B085C9AB24}">
+                <p16:designElem xmlns:p16="http://schemas.microsoft.com/office/powerpoint/2015/main" val="1"/>
+              </p:ext>
+            </p:extLst>
+          </p:nvPr>
+        </p:nvSpPr>
+        <p:spPr>
+          <a:xfrm>
+            <a:off x="6030780" y="2529926"/>
+            <a:ext cx="2778319" cy="1827656"/>
+          </a:xfrm>
+          <a:prstGeom prst="rect">
+            <a:avLst/>
+          </a:prstGeom>
+          <a:noFill/>
+          <a:ln>
+            <a:solidFill>
+              <a:schemeClr val="tx1"/>
+            </a:solidFill>
+          </a:ln>
+        </p:spPr>
+        <p:style>
+          <a:lnRef idx="2">
+            <a:schemeClr val="accent1">
+              <a:shade val="50000"/>
+            </a:schemeClr>
+          </a:lnRef>
+          <a:fillRef idx="1">
+            <a:schemeClr val="accent1"/>
+          </a:fillRef>
+          <a:effectRef idx="0">
+            <a:schemeClr val="accent1"/>
+          </a:effectRef>
+          <a:fontRef idx="minor">
+            <a:schemeClr val="lt1"/>
+          </a:fontRef>
+        </p:style>
+        <p:txBody>
+          <a:bodyPr rtlCol="0" anchor="ctr"/>
+          <a:lstStyle/>
+          <a:p>
+            <a:pPr algn="ctr"/>
+            <a:endParaRPr lang="en-US">
+              <a:solidFill>
+                <a:prstClr val="white"/>
+              </a:solidFill>
+              <a:latin typeface="Gill Sans MT" panose="020B0502020104020203"/>
+            </a:endParaRPr>
+          </a:p>
+        </p:txBody>
+      </p:sp>
+      <p:pic>
+        <p:nvPicPr>
+          <p:cNvPr id="9" name="Image 8">
+            <a:extLst>
+              <a:ext uri="{FF2B5EF4-FFF2-40B4-BE49-F238E27FC236}">
+                <a16:creationId xmlns:a16="http://schemas.microsoft.com/office/drawing/2014/main" id="{317AB17D-B14D-48C0-85C0-5435208D94A3}"/>
+              </a:ext>
+            </a:extLst>
+          </p:cNvPr>
+          <p:cNvPicPr>
+            <a:picLocks noChangeAspect="1"/>
+          </p:cNvPicPr>
+          <p:nvPr/>
+        </p:nvPicPr>
+        <p:blipFill>
+          <a:blip r:embed="rId5"/>
+          <a:stretch>
+            <a:fillRect/>
+          </a:stretch>
+        </p:blipFill>
+        <p:spPr>
+          <a:xfrm>
+            <a:off x="6426053" y="4606119"/>
+            <a:ext cx="1980373" cy="1554293"/>
+          </a:xfrm>
+          <a:prstGeom prst="rect">
+            <a:avLst/>
+          </a:prstGeom>
+        </p:spPr>
+      </p:pic>
+      <p:sp>
+        <p:nvSpPr>
+          <p:cNvPr id="24" name="Rectangle 23">
+            <a:extLst>
+              <a:ext uri="{FF2B5EF4-FFF2-40B4-BE49-F238E27FC236}">
+                <a16:creationId xmlns:a16="http://schemas.microsoft.com/office/drawing/2014/main" id="{878B897E-FBB2-4D71-AA1C-3C4DA4A264C9}"/>
+              </a:ext>
+              <a:ext uri="{C183D7F6-B498-43B3-948B-1728B52AA6E4}">
+                <adec:decorative xmlns:adec="http://schemas.microsoft.com/office/drawing/2017/decorative" val="1"/>
+              </a:ext>
+            </a:extLst>
+          </p:cNvPr>
+          <p:cNvSpPr>
+            <a:spLocks noGrp="1" noRot="1" noChangeAspect="1" noMove="1" noResize="1" noEditPoints="1" noAdjustHandles="1" noChangeArrowheads="1" noChangeShapeType="1" noTextEdit="1"/>
+          </p:cNvSpPr>
+          <p:nvPr>
+            <p:extLst>
+              <p:ext uri="{386F3935-93C4-4BCD-93E2-E3B085C9AB24}">
+                <p16:designElem xmlns:p16="http://schemas.microsoft.com/office/powerpoint/2015/main" val="1"/>
+              </p:ext>
+            </p:extLst>
+          </p:nvPr>
+        </p:nvSpPr>
+        <p:spPr>
+          <a:xfrm>
+            <a:off x="6040660" y="4441273"/>
+            <a:ext cx="2778319" cy="1868310"/>
+          </a:xfrm>
+          <a:prstGeom prst="rect">
+            <a:avLst/>
+          </a:prstGeom>
+          <a:noFill/>
+          <a:ln>
+            <a:solidFill>
+              <a:schemeClr val="tx1"/>
+            </a:solidFill>
+          </a:ln>
+        </p:spPr>
+        <p:style>
+          <a:lnRef idx="2">
+            <a:schemeClr val="accent1">
+              <a:shade val="50000"/>
+            </a:schemeClr>
+          </a:lnRef>
+          <a:fillRef idx="1">
+            <a:schemeClr val="accent1"/>
+          </a:fillRef>
+          <a:effectRef idx="0">
+            <a:schemeClr val="accent1"/>
+          </a:effectRef>
+          <a:fontRef idx="minor">
+            <a:schemeClr val="lt1"/>
+          </a:fontRef>
+        </p:style>
+        <p:txBody>
+          <a:bodyPr rtlCol="0" anchor="ctr"/>
+          <a:lstStyle/>
+          <a:p>
+            <a:pPr algn="ctr"/>
+            <a:endParaRPr lang="en-US">
+              <a:solidFill>
+                <a:prstClr val="white"/>
+              </a:solidFill>
+              <a:latin typeface="Gill Sans MT" panose="020B0502020104020203"/>
+            </a:endParaRPr>
+          </a:p>
+        </p:txBody>
+      </p:sp>
+    </p:spTree>
+    <p:extLst>
+      <p:ext uri="{BB962C8B-B14F-4D97-AF65-F5344CB8AC3E}">
+        <p14:creationId xmlns:p14="http://schemas.microsoft.com/office/powerpoint/2010/main" val="3446022038"/>
+      </p:ext>
+    </p:extLst>
+  </p:cSld>
+  <p:clrMapOvr>
+    <a:masterClrMapping/>
+  </p:clrMapOvr>
+</p:sld>
+</file>
+
+<file path=ppt/slides/slide21.xml><?xml version="1.0" encoding="utf-8"?>
+<p:sld xmlns:a="http://schemas.openxmlformats.org/drawingml/2006/main" xmlns:r="http://schemas.openxmlformats.org/officeDocument/2006/relationships" xmlns:p="http://schemas.openxmlformats.org/presentationml/2006/main">
+  <p:cSld>
+    <p:bg>
+      <p:bgPr>
+        <a:solidFill>
+          <a:schemeClr val="bg1"/>
+        </a:solidFill>
+        <a:effectLst/>
+      </p:bgPr>
+    </p:bg>
+    <p:spTree>
+      <p:nvGrpSpPr>
+        <p:cNvPr id="1" name=""/>
+        <p:cNvGrpSpPr/>
+        <p:nvPr/>
+      </p:nvGrpSpPr>
+      <p:grpSpPr>
+        <a:xfrm>
+          <a:off x="0" y="0"/>
+          <a:ext cx="0" cy="0"/>
+          <a:chOff x="0" y="0"/>
+          <a:chExt cx="0" cy="0"/>
+        </a:xfrm>
+      </p:grpSpPr>
       <p:pic>
         <p:nvPicPr>
           <p:cNvPr id="3" name="Image 2">
@@ -7027,7 +7096,7 @@
 </p:sld>
 </file>
 
-<file path=ppt/slides/slide21.xml><?xml version="1.0" encoding="utf-8"?>
+<file path=ppt/slides/slide22.xml><?xml version="1.0" encoding="utf-8"?>
 <p:sld xmlns:a="http://schemas.openxmlformats.org/drawingml/2006/main" xmlns:r="http://schemas.openxmlformats.org/officeDocument/2006/relationships" xmlns:p="http://schemas.openxmlformats.org/presentationml/2006/main">
   <p:cSld>
     <p:bg>
@@ -7249,7 +7318,7 @@
 </p:sld>
 </file>
 
-<file path=ppt/slides/slide22.xml><?xml version="1.0" encoding="utf-8"?>
+<file path=ppt/slides/slide23.xml><?xml version="1.0" encoding="utf-8"?>
 <p:sld xmlns:a="http://schemas.openxmlformats.org/drawingml/2006/main" xmlns:r="http://schemas.openxmlformats.org/officeDocument/2006/relationships" xmlns:p="http://schemas.openxmlformats.org/presentationml/2006/main">
   <p:cSld>
     <p:bg>
@@ -7705,7 +7774,7 @@
 </p:sld>
 </file>
 
-<file path=ppt/slides/slide23.xml><?xml version="1.0" encoding="utf-8"?>
+<file path=ppt/slides/slide24.xml><?xml version="1.0" encoding="utf-8"?>
 <p:sld xmlns:a="http://schemas.openxmlformats.org/drawingml/2006/main" xmlns:r="http://schemas.openxmlformats.org/officeDocument/2006/relationships" xmlns:p="http://schemas.openxmlformats.org/presentationml/2006/main">
   <p:cSld>
     <p:bg>
@@ -7992,7 +8061,7 @@
 </p:sld>
 </file>
 
-<file path=ppt/slides/slide24.xml><?xml version="1.0" encoding="utf-8"?>
+<file path=ppt/slides/slide25.xml><?xml version="1.0" encoding="utf-8"?>
 <p:sld xmlns:a="http://schemas.openxmlformats.org/drawingml/2006/main" xmlns:r="http://schemas.openxmlformats.org/officeDocument/2006/relationships" xmlns:p="http://schemas.openxmlformats.org/presentationml/2006/main">
   <p:cSld>
     <p:spTree>
@@ -8052,7 +8121,7 @@
 </p:sld>
 </file>
 
-<file path=ppt/slides/slide25.xml><?xml version="1.0" encoding="utf-8"?>
+<file path=ppt/slides/slide26.xml><?xml version="1.0" encoding="utf-8"?>
 <p:sld xmlns:a="http://schemas.openxmlformats.org/drawingml/2006/main" xmlns:r="http://schemas.openxmlformats.org/officeDocument/2006/relationships" xmlns:p="http://schemas.openxmlformats.org/presentationml/2006/main">
   <p:cSld>
     <p:spTree>
@@ -11484,6 +11553,138 @@
 </file>
 
 <file path=customXml/item2.xml><?xml version="1.0" encoding="utf-8"?>
+<p:properties xmlns:p="http://schemas.microsoft.com/office/2006/metadata/properties" xmlns:xsi="http://www.w3.org/2001/XMLSchema-instance" xmlns:pc="http://schemas.microsoft.com/office/infopath/2007/PartnerControls">
+  <documentManagement>
+    <AcquiredFrom xmlns="6d93d202-47fc-4405-873a-cab67cc5f1b2" xsi:nil="true"/>
+    <IsSearchable xmlns="6d93d202-47fc-4405-873a-cab67cc5f1b2">true</IsSearchable>
+    <EditorialStatus xmlns="6d93d202-47fc-4405-873a-cab67cc5f1b2">Complete</EditorialStatus>
+    <OriginAsset xmlns="6d93d202-47fc-4405-873a-cab67cc5f1b2" xsi:nil="true"/>
+    <ThumbnailAssetId xmlns="6d93d202-47fc-4405-873a-cab67cc5f1b2" xsi:nil="true"/>
+    <TrustLevel xmlns="6d93d202-47fc-4405-873a-cab67cc5f1b2">3 Community New</TrustLevel>
+    <MarketSpecific xmlns="6d93d202-47fc-4405-873a-cab67cc5f1b2">true</MarketSpecific>
+    <TPNamespace xmlns="6d93d202-47fc-4405-873a-cab67cc5f1b2" xsi:nil="true"/>
+    <DirectSourceMarket xmlns="6d93d202-47fc-4405-873a-cab67cc5f1b2">english</DirectSourceMarket>
+    <MachineTranslated xmlns="6d93d202-47fc-4405-873a-cab67cc5f1b2">false</MachineTranslated>
+    <PlannedPubDate xmlns="6d93d202-47fc-4405-873a-cab67cc5f1b2" xsi:nil="true"/>
+    <SubmitterId xmlns="6d93d202-47fc-4405-873a-cab67cc5f1b2">9c60ae39-ee33-43c2-b863-454968d0f2cc</SubmitterId>
+    <Downloads xmlns="6d93d202-47fc-4405-873a-cab67cc5f1b2">0</Downloads>
+    <OriginalSourceMarket xmlns="6d93d202-47fc-4405-873a-cab67cc5f1b2">english</OriginalSourceMarket>
+    <PublishTargets xmlns="6d93d202-47fc-4405-873a-cab67cc5f1b2">OfficeOnline</PublishTargets>
+    <ArtSampleDocs xmlns="6d93d202-47fc-4405-873a-cab67cc5f1b2" xsi:nil="true"/>
+    <ApprovalLog xmlns="6d93d202-47fc-4405-873a-cab67cc5f1b2" xsi:nil="true"/>
+    <ApprovalStatus xmlns="6d93d202-47fc-4405-873a-cab67cc5f1b2">InProgress</ApprovalStatus>
+    <TPComponent xmlns="6d93d202-47fc-4405-873a-cab67cc5f1b2">PPTFiles</TPComponent>
+    <EditorialTags xmlns="6d93d202-47fc-4405-873a-cab67cc5f1b2" xsi:nil="true"/>
+    <TPExecutable xmlns="6d93d202-47fc-4405-873a-cab67cc5f1b2" xsi:nil="true"/>
+    <LastHandOff xmlns="6d93d202-47fc-4405-873a-cab67cc5f1b2" xsi:nil="true"/>
+    <BusinessGroup xmlns="6d93d202-47fc-4405-873a-cab67cc5f1b2" xsi:nil="true"/>
+    <TPAppVersion xmlns="6d93d202-47fc-4405-873a-cab67cc5f1b2">12</TPAppVersion>
+    <VoteCount xmlns="6d93d202-47fc-4405-873a-cab67cc5f1b2" xsi:nil="true"/>
+    <APAuthor xmlns="6d93d202-47fc-4405-873a-cab67cc5f1b2">
+      <UserInfo>
+        <DisplayName>_o14migrate</DisplayName>
+        <AccountId>266</AccountId>
+        <AccountType/>
+      </UserInfo>
+    </APAuthor>
+    <TPCommandLine xmlns="6d93d202-47fc-4405-873a-cab67cc5f1b2">{PP} /n {FilePath}</TPCommandLine>
+    <UACurrentWords xmlns="6d93d202-47fc-4405-873a-cab67cc5f1b2" xsi:nil="true"/>
+    <AssetId xmlns="6d93d202-47fc-4405-873a-cab67cc5f1b2">TP030007258</AssetId>
+    <Manager xmlns="6d93d202-47fc-4405-873a-cab67cc5f1b2" xsi:nil="true"/>
+    <NumericId xmlns="6d93d202-47fc-4405-873a-cab67cc5f1b2">-1</NumericId>
+    <Component xmlns="64acb2c5-0a2b-4bda-bd34-58e36cbb80d2" xsi:nil="true"/>
+    <HandoffToMSDN xmlns="6d93d202-47fc-4405-873a-cab67cc5f1b2" xsi:nil="true"/>
+    <Markets xmlns="6d93d202-47fc-4405-873a-cab67cc5f1b2">
+      <Value>2</Value>
+    </Markets>
+    <UALocComments xmlns="6d93d202-47fc-4405-873a-cab67cc5f1b2" xsi:nil="true"/>
+    <UALocRecommendation xmlns="6d93d202-47fc-4405-873a-cab67cc5f1b2">Localize</UALocRecommendation>
+    <AssetStart xmlns="6d93d202-47fc-4405-873a-cab67cc5f1b2">2010-04-16T13:48:52+00:00</AssetStart>
+    <CrawlForDependencies xmlns="6d93d202-47fc-4405-873a-cab67cc5f1b2">false</CrawlForDependencies>
+    <LastModifiedDateTime xmlns="6d93d202-47fc-4405-873a-cab67cc5f1b2" xsi:nil="true"/>
+    <LastPublishResultLookup xmlns="6d93d202-47fc-4405-873a-cab67cc5f1b2" xsi:nil="true"/>
+    <PublishStatusLookup xmlns="6d93d202-47fc-4405-873a-cab67cc5f1b2">
+      <Value>327699</Value>
+      <Value>503339</Value>
+    </PublishStatusLookup>
+    <AverageRating xmlns="6d93d202-47fc-4405-873a-cab67cc5f1b2" xsi:nil="true"/>
+    <CSXUpdate xmlns="6d93d202-47fc-4405-873a-cab67cc5f1b2">false</CSXUpdate>
+    <UAProjectedTotalWords xmlns="6d93d202-47fc-4405-873a-cab67cc5f1b2" xsi:nil="true"/>
+    <AssetExpire xmlns="6d93d202-47fc-4405-873a-cab67cc5f1b2">2100-01-01T00:00:00+00:00</AssetExpire>
+    <AssetType xmlns="6d93d202-47fc-4405-873a-cab67cc5f1b2">TP</AssetType>
+    <IntlLangReviewDate xmlns="6d93d202-47fc-4405-873a-cab67cc5f1b2" xsi:nil="true"/>
+    <TPFriendlyName xmlns="6d93d202-47fc-4405-873a-cab67cc5f1b2">Thème design - Internet numérique</TPFriendlyName>
+    <IntlLangReview xmlns="6d93d202-47fc-4405-873a-cab67cc5f1b2" xsi:nil="true"/>
+    <OOCacheId xmlns="6d93d202-47fc-4405-873a-cab67cc5f1b2" xsi:nil="true"/>
+    <PolicheckWords xmlns="6d93d202-47fc-4405-873a-cab67cc5f1b2" xsi:nil="true"/>
+    <TemplateStatus xmlns="6d93d202-47fc-4405-873a-cab67cc5f1b2">Complete</TemplateStatus>
+    <CSXSubmissionMarket xmlns="6d93d202-47fc-4405-873a-cab67cc5f1b2" xsi:nil="true"/>
+    <FriendlyTitle xmlns="6d93d202-47fc-4405-873a-cab67cc5f1b2" xsi:nil="true"/>
+    <TPLaunchHelpLinkType xmlns="6d93d202-47fc-4405-873a-cab67cc5f1b2" xsi:nil="true"/>
+    <Providers xmlns="6d93d202-47fc-4405-873a-cab67cc5f1b2" xsi:nil="true"/>
+    <SourceTitle xmlns="6d93d202-47fc-4405-873a-cab67cc5f1b2">Thème design - Internet numérique</SourceTitle>
+    <TemplateTemplateType xmlns="6d93d202-47fc-4405-873a-cab67cc5f1b2">PowerPoint 12 Default</TemplateTemplateType>
+    <TimesCloned xmlns="6d93d202-47fc-4405-873a-cab67cc5f1b2" xsi:nil="true"/>
+    <ClipArtFilename xmlns="6d93d202-47fc-4405-873a-cab67cc5f1b2" xsi:nil="true"/>
+    <APDescription xmlns="6d93d202-47fc-4405-873a-cab67cc5f1b2" xsi:nil="true"/>
+    <TPApplication xmlns="6d93d202-47fc-4405-873a-cab67cc5f1b2">PowerPoint</TPApplication>
+    <CSXHash xmlns="6d93d202-47fc-4405-873a-cab67cc5f1b2">uuEajATAg7HSFQypJCSrn1DXl+o=</CSXHash>
+    <PrimaryImageGen xmlns="6d93d202-47fc-4405-873a-cab67cc5f1b2">true</PrimaryImageGen>
+    <ContentItem xmlns="6d93d202-47fc-4405-873a-cab67cc5f1b2" xsi:nil="true"/>
+    <IsDeleted xmlns="6d93d202-47fc-4405-873a-cab67cc5f1b2">false</IsDeleted>
+    <ShowIn xmlns="6d93d202-47fc-4405-873a-cab67cc5f1b2">Show everywhere</ShowIn>
+    <BugNumber xmlns="6d93d202-47fc-4405-873a-cab67cc5f1b2" xsi:nil="true"/>
+    <LegacyData xmlns="6d93d202-47fc-4405-873a-cab67cc5f1b2">ListingID:;Manager:;BuildStatus:Publish Passed;MockupPath:</LegacyData>
+    <TPLaunchHelpLink xmlns="6d93d202-47fc-4405-873a-cab67cc5f1b2" xsi:nil="true"/>
+    <Milestone xmlns="6d93d202-47fc-4405-873a-cab67cc5f1b2" xsi:nil="true"/>
+    <UANotes xmlns="6d93d202-47fc-4405-873a-cab67cc5f1b2" xsi:nil="true"/>
+    <Description0 xmlns="64acb2c5-0a2b-4bda-bd34-58e36cbb80d2" xsi:nil="true"/>
+    <IntlLangReviewer xmlns="6d93d202-47fc-4405-873a-cab67cc5f1b2" xsi:nil="true"/>
+    <IntlLocPriority xmlns="6d93d202-47fc-4405-873a-cab67cc5f1b2" xsi:nil="true"/>
+    <OpenTemplate xmlns="6d93d202-47fc-4405-873a-cab67cc5f1b2">true</OpenTemplate>
+    <Provider xmlns="6d93d202-47fc-4405-873a-cab67cc5f1b2" xsi:nil="true"/>
+    <CSXSubmissionDate xmlns="6d93d202-47fc-4405-873a-cab67cc5f1b2">2009-10-10T07:00:00+00:00</CSXSubmissionDate>
+    <TPClientViewer xmlns="6d93d202-47fc-4405-873a-cab67cc5f1b2" xsi:nil="true"/>
+    <DSATActionTaken xmlns="6d93d202-47fc-4405-873a-cab67cc5f1b2" xsi:nil="true"/>
+    <APEditor xmlns="6d93d202-47fc-4405-873a-cab67cc5f1b2">
+      <UserInfo>
+        <DisplayName>_o14migrate</DisplayName>
+        <AccountId>266</AccountId>
+        <AccountType/>
+      </UserInfo>
+    </APEditor>
+    <TPInstallLocation xmlns="6d93d202-47fc-4405-873a-cab67cc5f1b2">{My Templates}</TPInstallLocation>
+    <OutputCachingOn xmlns="6d93d202-47fc-4405-873a-cab67cc5f1b2">false</OutputCachingOn>
+    <ParentAssetId xmlns="6d93d202-47fc-4405-873a-cab67cc5f1b2" xsi:nil="true"/>
+    <LocManualTestRequired xmlns="6d93d202-47fc-4405-873a-cab67cc5f1b2">false</LocManualTestRequired>
+    <LocalizationTagsTaxHTField0 xmlns="6d93d202-47fc-4405-873a-cab67cc5f1b2">
+      <Terms xmlns="http://schemas.microsoft.com/office/infopath/2007/PartnerControls"/>
+    </LocalizationTagsTaxHTField0>
+    <CampaignTagsTaxHTField0 xmlns="6d93d202-47fc-4405-873a-cab67cc5f1b2">
+      <Terms xmlns="http://schemas.microsoft.com/office/infopath/2007/PartnerControls"/>
+    </CampaignTagsTaxHTField0>
+    <LocLastLocAttemptVersionLookup xmlns="6d93d202-47fc-4405-873a-cab67cc5f1b2">170158</LocLastLocAttemptVersionLookup>
+    <InternalTagsTaxHTField0 xmlns="6d93d202-47fc-4405-873a-cab67cc5f1b2">
+      <Terms xmlns="http://schemas.microsoft.com/office/infopath/2007/PartnerControls"/>
+    </InternalTagsTaxHTField0>
+    <LocRecommendedHandoff xmlns="6d93d202-47fc-4405-873a-cab67cc5f1b2" xsi:nil="true"/>
+    <BlockPublish xmlns="6d93d202-47fc-4405-873a-cab67cc5f1b2">false</BlockPublish>
+    <LocComments xmlns="6d93d202-47fc-4405-873a-cab67cc5f1b2" xsi:nil="true"/>
+    <TaxCatchAll xmlns="6d93d202-47fc-4405-873a-cab67cc5f1b2"/>
+    <OriginalRelease xmlns="6d93d202-47fc-4405-873a-cab67cc5f1b2">14</OriginalRelease>
+    <RecommendationsModifier xmlns="6d93d202-47fc-4405-873a-cab67cc5f1b2" xsi:nil="true"/>
+    <ScenarioTagsTaxHTField0 xmlns="6d93d202-47fc-4405-873a-cab67cc5f1b2">
+      <Terms xmlns="http://schemas.microsoft.com/office/infopath/2007/PartnerControls"/>
+    </ScenarioTagsTaxHTField0>
+    <FeatureTagsTaxHTField0 xmlns="6d93d202-47fc-4405-873a-cab67cc5f1b2">
+      <Terms xmlns="http://schemas.microsoft.com/office/infopath/2007/PartnerControls"/>
+    </FeatureTagsTaxHTField0>
+    <LocMarketGroupTiers2 xmlns="6d93d202-47fc-4405-873a-cab67cc5f1b2" xsi:nil="true"/>
+  </documentManagement>
+</p:properties>
+</file>
+
+<file path=customXml/item3.xml><?xml version="1.0" encoding="utf-8"?>
 <ct:contentTypeSchema xmlns:ct="http://schemas.microsoft.com/office/2006/metadata/contentType" xmlns:ma="http://schemas.microsoft.com/office/2006/metadata/properties/metaAttributes" ct:_="" ma:_="" ma:contentTypeName="TemplateFile" ma:contentTypeID="0x01010069924D1ECC420D47A2456556BC94F7370400BDF4491DEA4973499845289601F88B9F" ma:contentTypeVersion="55" ma:contentTypeDescription="Create a new document." ma:contentTypeScope="" ma:versionID="41eb558a2b826e6e4f9defd990175bec">
   <xsd:schema xmlns:xsd="http://www.w3.org/2001/XMLSchema" xmlns:xs="http://www.w3.org/2001/XMLSchema" xmlns:p="http://schemas.microsoft.com/office/2006/metadata/properties" xmlns:ns2="6d93d202-47fc-4405-873a-cab67cc5f1b2" xmlns:ns3="64acb2c5-0a2b-4bda-bd34-58e36cbb80d2" targetNamespace="http://schemas.microsoft.com/office/2006/metadata/properties" ma:root="true" ma:fieldsID="19deea0185cf7bc57eee9b90b1ba2ace" ns2:_="" ns3:_="">
     <xsd:import namespace="6d93d202-47fc-4405-873a-cab67cc5f1b2"/>
@@ -12542,138 +12743,6 @@
 </ct:contentTypeSchema>
 </file>
 
-<file path=customXml/item3.xml><?xml version="1.0" encoding="utf-8"?>
-<p:properties xmlns:p="http://schemas.microsoft.com/office/2006/metadata/properties" xmlns:xsi="http://www.w3.org/2001/XMLSchema-instance" xmlns:pc="http://schemas.microsoft.com/office/infopath/2007/PartnerControls">
-  <documentManagement>
-    <AcquiredFrom xmlns="6d93d202-47fc-4405-873a-cab67cc5f1b2" xsi:nil="true"/>
-    <IsSearchable xmlns="6d93d202-47fc-4405-873a-cab67cc5f1b2">true</IsSearchable>
-    <EditorialStatus xmlns="6d93d202-47fc-4405-873a-cab67cc5f1b2">Complete</EditorialStatus>
-    <OriginAsset xmlns="6d93d202-47fc-4405-873a-cab67cc5f1b2" xsi:nil="true"/>
-    <ThumbnailAssetId xmlns="6d93d202-47fc-4405-873a-cab67cc5f1b2" xsi:nil="true"/>
-    <TrustLevel xmlns="6d93d202-47fc-4405-873a-cab67cc5f1b2">3 Community New</TrustLevel>
-    <MarketSpecific xmlns="6d93d202-47fc-4405-873a-cab67cc5f1b2">true</MarketSpecific>
-    <TPNamespace xmlns="6d93d202-47fc-4405-873a-cab67cc5f1b2" xsi:nil="true"/>
-    <DirectSourceMarket xmlns="6d93d202-47fc-4405-873a-cab67cc5f1b2">english</DirectSourceMarket>
-    <MachineTranslated xmlns="6d93d202-47fc-4405-873a-cab67cc5f1b2">false</MachineTranslated>
-    <PlannedPubDate xmlns="6d93d202-47fc-4405-873a-cab67cc5f1b2" xsi:nil="true"/>
-    <SubmitterId xmlns="6d93d202-47fc-4405-873a-cab67cc5f1b2">9c60ae39-ee33-43c2-b863-454968d0f2cc</SubmitterId>
-    <Downloads xmlns="6d93d202-47fc-4405-873a-cab67cc5f1b2">0</Downloads>
-    <OriginalSourceMarket xmlns="6d93d202-47fc-4405-873a-cab67cc5f1b2">english</OriginalSourceMarket>
-    <PublishTargets xmlns="6d93d202-47fc-4405-873a-cab67cc5f1b2">OfficeOnline</PublishTargets>
-    <ArtSampleDocs xmlns="6d93d202-47fc-4405-873a-cab67cc5f1b2" xsi:nil="true"/>
-    <ApprovalLog xmlns="6d93d202-47fc-4405-873a-cab67cc5f1b2" xsi:nil="true"/>
-    <ApprovalStatus xmlns="6d93d202-47fc-4405-873a-cab67cc5f1b2">InProgress</ApprovalStatus>
-    <TPComponent xmlns="6d93d202-47fc-4405-873a-cab67cc5f1b2">PPTFiles</TPComponent>
-    <EditorialTags xmlns="6d93d202-47fc-4405-873a-cab67cc5f1b2" xsi:nil="true"/>
-    <TPExecutable xmlns="6d93d202-47fc-4405-873a-cab67cc5f1b2" xsi:nil="true"/>
-    <LastHandOff xmlns="6d93d202-47fc-4405-873a-cab67cc5f1b2" xsi:nil="true"/>
-    <BusinessGroup xmlns="6d93d202-47fc-4405-873a-cab67cc5f1b2" xsi:nil="true"/>
-    <TPAppVersion xmlns="6d93d202-47fc-4405-873a-cab67cc5f1b2">12</TPAppVersion>
-    <VoteCount xmlns="6d93d202-47fc-4405-873a-cab67cc5f1b2" xsi:nil="true"/>
-    <APAuthor xmlns="6d93d202-47fc-4405-873a-cab67cc5f1b2">
-      <UserInfo>
-        <DisplayName>_o14migrate</DisplayName>
-        <AccountId>266</AccountId>
-        <AccountType/>
-      </UserInfo>
-    </APAuthor>
-    <TPCommandLine xmlns="6d93d202-47fc-4405-873a-cab67cc5f1b2">{PP} /n {FilePath}</TPCommandLine>
-    <UACurrentWords xmlns="6d93d202-47fc-4405-873a-cab67cc5f1b2" xsi:nil="true"/>
-    <AssetId xmlns="6d93d202-47fc-4405-873a-cab67cc5f1b2">TP030007258</AssetId>
-    <Manager xmlns="6d93d202-47fc-4405-873a-cab67cc5f1b2" xsi:nil="true"/>
-    <NumericId xmlns="6d93d202-47fc-4405-873a-cab67cc5f1b2">-1</NumericId>
-    <Component xmlns="64acb2c5-0a2b-4bda-bd34-58e36cbb80d2" xsi:nil="true"/>
-    <HandoffToMSDN xmlns="6d93d202-47fc-4405-873a-cab67cc5f1b2" xsi:nil="true"/>
-    <Markets xmlns="6d93d202-47fc-4405-873a-cab67cc5f1b2">
-      <Value>2</Value>
-    </Markets>
-    <UALocComments xmlns="6d93d202-47fc-4405-873a-cab67cc5f1b2" xsi:nil="true"/>
-    <UALocRecommendation xmlns="6d93d202-47fc-4405-873a-cab67cc5f1b2">Localize</UALocRecommendation>
-    <AssetStart xmlns="6d93d202-47fc-4405-873a-cab67cc5f1b2">2010-04-16T13:48:52+00:00</AssetStart>
-    <CrawlForDependencies xmlns="6d93d202-47fc-4405-873a-cab67cc5f1b2">false</CrawlForDependencies>
-    <LastModifiedDateTime xmlns="6d93d202-47fc-4405-873a-cab67cc5f1b2" xsi:nil="true"/>
-    <LastPublishResultLookup xmlns="6d93d202-47fc-4405-873a-cab67cc5f1b2" xsi:nil="true"/>
-    <PublishStatusLookup xmlns="6d93d202-47fc-4405-873a-cab67cc5f1b2">
-      <Value>327699</Value>
-      <Value>503339</Value>
-    </PublishStatusLookup>
-    <AverageRating xmlns="6d93d202-47fc-4405-873a-cab67cc5f1b2" xsi:nil="true"/>
-    <CSXUpdate xmlns="6d93d202-47fc-4405-873a-cab67cc5f1b2">false</CSXUpdate>
-    <UAProjectedTotalWords xmlns="6d93d202-47fc-4405-873a-cab67cc5f1b2" xsi:nil="true"/>
-    <AssetExpire xmlns="6d93d202-47fc-4405-873a-cab67cc5f1b2">2100-01-01T00:00:00+00:00</AssetExpire>
-    <AssetType xmlns="6d93d202-47fc-4405-873a-cab67cc5f1b2">TP</AssetType>
-    <IntlLangReviewDate xmlns="6d93d202-47fc-4405-873a-cab67cc5f1b2" xsi:nil="true"/>
-    <TPFriendlyName xmlns="6d93d202-47fc-4405-873a-cab67cc5f1b2">Thème design - Internet numérique</TPFriendlyName>
-    <IntlLangReview xmlns="6d93d202-47fc-4405-873a-cab67cc5f1b2" xsi:nil="true"/>
-    <OOCacheId xmlns="6d93d202-47fc-4405-873a-cab67cc5f1b2" xsi:nil="true"/>
-    <PolicheckWords xmlns="6d93d202-47fc-4405-873a-cab67cc5f1b2" xsi:nil="true"/>
-    <TemplateStatus xmlns="6d93d202-47fc-4405-873a-cab67cc5f1b2">Complete</TemplateStatus>
-    <CSXSubmissionMarket xmlns="6d93d202-47fc-4405-873a-cab67cc5f1b2" xsi:nil="true"/>
-    <FriendlyTitle xmlns="6d93d202-47fc-4405-873a-cab67cc5f1b2" xsi:nil="true"/>
-    <TPLaunchHelpLinkType xmlns="6d93d202-47fc-4405-873a-cab67cc5f1b2" xsi:nil="true"/>
-    <Providers xmlns="6d93d202-47fc-4405-873a-cab67cc5f1b2" xsi:nil="true"/>
-    <SourceTitle xmlns="6d93d202-47fc-4405-873a-cab67cc5f1b2">Thème design - Internet numérique</SourceTitle>
-    <TemplateTemplateType xmlns="6d93d202-47fc-4405-873a-cab67cc5f1b2">PowerPoint 12 Default</TemplateTemplateType>
-    <TimesCloned xmlns="6d93d202-47fc-4405-873a-cab67cc5f1b2" xsi:nil="true"/>
-    <ClipArtFilename xmlns="6d93d202-47fc-4405-873a-cab67cc5f1b2" xsi:nil="true"/>
-    <APDescription xmlns="6d93d202-47fc-4405-873a-cab67cc5f1b2" xsi:nil="true"/>
-    <TPApplication xmlns="6d93d202-47fc-4405-873a-cab67cc5f1b2">PowerPoint</TPApplication>
-    <CSXHash xmlns="6d93d202-47fc-4405-873a-cab67cc5f1b2">uuEajATAg7HSFQypJCSrn1DXl+o=</CSXHash>
-    <PrimaryImageGen xmlns="6d93d202-47fc-4405-873a-cab67cc5f1b2">true</PrimaryImageGen>
-    <ContentItem xmlns="6d93d202-47fc-4405-873a-cab67cc5f1b2" xsi:nil="true"/>
-    <IsDeleted xmlns="6d93d202-47fc-4405-873a-cab67cc5f1b2">false</IsDeleted>
-    <ShowIn xmlns="6d93d202-47fc-4405-873a-cab67cc5f1b2">Show everywhere</ShowIn>
-    <BugNumber xmlns="6d93d202-47fc-4405-873a-cab67cc5f1b2" xsi:nil="true"/>
-    <LegacyData xmlns="6d93d202-47fc-4405-873a-cab67cc5f1b2">ListingID:;Manager:;BuildStatus:Publish Passed;MockupPath:</LegacyData>
-    <TPLaunchHelpLink xmlns="6d93d202-47fc-4405-873a-cab67cc5f1b2" xsi:nil="true"/>
-    <Milestone xmlns="6d93d202-47fc-4405-873a-cab67cc5f1b2" xsi:nil="true"/>
-    <UANotes xmlns="6d93d202-47fc-4405-873a-cab67cc5f1b2" xsi:nil="true"/>
-    <Description0 xmlns="64acb2c5-0a2b-4bda-bd34-58e36cbb80d2" xsi:nil="true"/>
-    <IntlLangReviewer xmlns="6d93d202-47fc-4405-873a-cab67cc5f1b2" xsi:nil="true"/>
-    <IntlLocPriority xmlns="6d93d202-47fc-4405-873a-cab67cc5f1b2" xsi:nil="true"/>
-    <OpenTemplate xmlns="6d93d202-47fc-4405-873a-cab67cc5f1b2">true</OpenTemplate>
-    <Provider xmlns="6d93d202-47fc-4405-873a-cab67cc5f1b2" xsi:nil="true"/>
-    <CSXSubmissionDate xmlns="6d93d202-47fc-4405-873a-cab67cc5f1b2">2009-10-10T07:00:00+00:00</CSXSubmissionDate>
-    <TPClientViewer xmlns="6d93d202-47fc-4405-873a-cab67cc5f1b2" xsi:nil="true"/>
-    <DSATActionTaken xmlns="6d93d202-47fc-4405-873a-cab67cc5f1b2" xsi:nil="true"/>
-    <APEditor xmlns="6d93d202-47fc-4405-873a-cab67cc5f1b2">
-      <UserInfo>
-        <DisplayName>_o14migrate</DisplayName>
-        <AccountId>266</AccountId>
-        <AccountType/>
-      </UserInfo>
-    </APEditor>
-    <TPInstallLocation xmlns="6d93d202-47fc-4405-873a-cab67cc5f1b2">{My Templates}</TPInstallLocation>
-    <OutputCachingOn xmlns="6d93d202-47fc-4405-873a-cab67cc5f1b2">false</OutputCachingOn>
-    <ParentAssetId xmlns="6d93d202-47fc-4405-873a-cab67cc5f1b2" xsi:nil="true"/>
-    <LocManualTestRequired xmlns="6d93d202-47fc-4405-873a-cab67cc5f1b2">false</LocManualTestRequired>
-    <LocalizationTagsTaxHTField0 xmlns="6d93d202-47fc-4405-873a-cab67cc5f1b2">
-      <Terms xmlns="http://schemas.microsoft.com/office/infopath/2007/PartnerControls"/>
-    </LocalizationTagsTaxHTField0>
-    <CampaignTagsTaxHTField0 xmlns="6d93d202-47fc-4405-873a-cab67cc5f1b2">
-      <Terms xmlns="http://schemas.microsoft.com/office/infopath/2007/PartnerControls"/>
-    </CampaignTagsTaxHTField0>
-    <LocLastLocAttemptVersionLookup xmlns="6d93d202-47fc-4405-873a-cab67cc5f1b2">170158</LocLastLocAttemptVersionLookup>
-    <InternalTagsTaxHTField0 xmlns="6d93d202-47fc-4405-873a-cab67cc5f1b2">
-      <Terms xmlns="http://schemas.microsoft.com/office/infopath/2007/PartnerControls"/>
-    </InternalTagsTaxHTField0>
-    <LocRecommendedHandoff xmlns="6d93d202-47fc-4405-873a-cab67cc5f1b2" xsi:nil="true"/>
-    <BlockPublish xmlns="6d93d202-47fc-4405-873a-cab67cc5f1b2">false</BlockPublish>
-    <LocComments xmlns="6d93d202-47fc-4405-873a-cab67cc5f1b2" xsi:nil="true"/>
-    <TaxCatchAll xmlns="6d93d202-47fc-4405-873a-cab67cc5f1b2"/>
-    <OriginalRelease xmlns="6d93d202-47fc-4405-873a-cab67cc5f1b2">14</OriginalRelease>
-    <RecommendationsModifier xmlns="6d93d202-47fc-4405-873a-cab67cc5f1b2" xsi:nil="true"/>
-    <ScenarioTagsTaxHTField0 xmlns="6d93d202-47fc-4405-873a-cab67cc5f1b2">
-      <Terms xmlns="http://schemas.microsoft.com/office/infopath/2007/PartnerControls"/>
-    </ScenarioTagsTaxHTField0>
-    <FeatureTagsTaxHTField0 xmlns="6d93d202-47fc-4405-873a-cab67cc5f1b2">
-      <Terms xmlns="http://schemas.microsoft.com/office/infopath/2007/PartnerControls"/>
-    </FeatureTagsTaxHTField0>
-    <LocMarketGroupTiers2 xmlns="6d93d202-47fc-4405-873a-cab67cc5f1b2" xsi:nil="true"/>
-  </documentManagement>
-</p:properties>
-</file>
-
 <file path=customXml/itemProps1.xml><?xml version="1.0" encoding="utf-8"?>
 <ds:datastoreItem xmlns:ds="http://schemas.openxmlformats.org/officeDocument/2006/customXml" ds:itemID="{4CDF1A0C-CFBC-43C4-B66C-6A39D34967F7}">
   <ds:schemaRefs>
@@ -12683,6 +12752,17 @@
 </file>
 
 <file path=customXml/itemProps2.xml><?xml version="1.0" encoding="utf-8"?>
+<ds:datastoreItem xmlns:ds="http://schemas.openxmlformats.org/officeDocument/2006/customXml" ds:itemID="{0FD25C35-DB16-4838-98EB-2166CA420D3C}">
+  <ds:schemaRefs>
+    <ds:schemaRef ds:uri="http://schemas.microsoft.com/office/2006/metadata/properties"/>
+    <ds:schemaRef ds:uri="http://schemas.microsoft.com/office/infopath/2007/PartnerControls"/>
+    <ds:schemaRef ds:uri="6d93d202-47fc-4405-873a-cab67cc5f1b2"/>
+    <ds:schemaRef ds:uri="64acb2c5-0a2b-4bda-bd34-58e36cbb80d2"/>
+  </ds:schemaRefs>
+</ds:datastoreItem>
+</file>
+
+<file path=customXml/itemProps3.xml><?xml version="1.0" encoding="utf-8"?>
 <ds:datastoreItem xmlns:ds="http://schemas.openxmlformats.org/officeDocument/2006/customXml" ds:itemID="{B4FD0025-B240-4854-891C-BA58ACC09C6D}">
   <ds:schemaRefs>
     <ds:schemaRef ds:uri="http://schemas.microsoft.com/office/2006/metadata/contentType"/>
@@ -12699,15 +12779,4 @@
     <ds:schemaRef ds:uri="http://schemas.microsoft.com/internal/obd"/>
   </ds:schemaRefs>
 </ds:datastoreItem>
-</file>
-
-<file path=customXml/itemProps3.xml><?xml version="1.0" encoding="utf-8"?>
-<ds:datastoreItem xmlns:ds="http://schemas.openxmlformats.org/officeDocument/2006/customXml" ds:itemID="{0FD25C35-DB16-4838-98EB-2166CA420D3C}">
-  <ds:schemaRefs>
-    <ds:schemaRef ds:uri="http://schemas.microsoft.com/office/2006/metadata/properties"/>
-    <ds:schemaRef ds:uri="http://schemas.microsoft.com/office/infopath/2007/PartnerControls"/>
-    <ds:schemaRef ds:uri="6d93d202-47fc-4405-873a-cab67cc5f1b2"/>
-    <ds:schemaRef ds:uri="64acb2c5-0a2b-4bda-bd34-58e36cbb80d2"/>
-  </ds:schemaRefs>
-</ds:datastoreItem>
 </file>